--- a/Distributed Tracing Pattern.pptx
+++ b/Distributed Tracing Pattern.pptx
@@ -5,21 +5,25 @@
     <p:sldMasterId id="2147483660" r:id="rId4"/>
   </p:sldMasterIdLst>
   <p:notesMasterIdLst>
-    <p:notesMasterId r:id="rId14"/>
+    <p:notesMasterId r:id="rId18"/>
   </p:notesMasterIdLst>
   <p:handoutMasterIdLst>
-    <p:handoutMasterId r:id="rId15"/>
+    <p:handoutMasterId r:id="rId19"/>
   </p:handoutMasterIdLst>
   <p:sldIdLst>
     <p:sldId id="256" r:id="rId5"/>
     <p:sldId id="283" r:id="rId6"/>
     <p:sldId id="290" r:id="rId7"/>
     <p:sldId id="295" r:id="rId8"/>
-    <p:sldId id="296" r:id="rId9"/>
-    <p:sldId id="292" r:id="rId10"/>
-    <p:sldId id="287" r:id="rId11"/>
-    <p:sldId id="288" r:id="rId12"/>
-    <p:sldId id="289" r:id="rId13"/>
+    <p:sldId id="297" r:id="rId9"/>
+    <p:sldId id="298" r:id="rId10"/>
+    <p:sldId id="299" r:id="rId11"/>
+    <p:sldId id="296" r:id="rId12"/>
+    <p:sldId id="300" r:id="rId13"/>
+    <p:sldId id="292" r:id="rId14"/>
+    <p:sldId id="287" r:id="rId15"/>
+    <p:sldId id="288" r:id="rId16"/>
+    <p:sldId id="289" r:id="rId17"/>
   </p:sldIdLst>
   <p:sldSz cx="12192000" cy="6858000"/>
   <p:notesSz cx="6858000" cy="9144000"/>
@@ -127,7 +131,11 @@
             <p14:sldId id="283"/>
             <p14:sldId id="290"/>
             <p14:sldId id="295"/>
+            <p14:sldId id="297"/>
+            <p14:sldId id="298"/>
+            <p14:sldId id="299"/>
             <p14:sldId id="296"/>
+            <p14:sldId id="300"/>
           </p14:sldIdLst>
         </p14:section>
         <p14:section name="Design, Morph, Annotate, Work Together, Tell Me" id="{B9B51309-D148-4332-87C2-07BE32FBCA3B}">
@@ -295,7 +303,7 @@
           <a:p>
             <a:fld id="{80680FBE-A8DF-4758-9AC4-3A9E1039168F}" type="datetimeFigureOut">
               <a:rPr lang="en-US" smtClean="0"/>
-              <a:t>12/14/2020</a:t>
+              <a:t>12/17/2020</a:t>
             </a:fld>
             <a:endParaRPr lang="en-US" dirty="0"/>
           </a:p>
@@ -460,7 +468,7 @@
           <a:p>
             <a:fld id="{EC13577B-6902-467D-A26C-08A0DD5E4E03}" type="datetimeFigureOut">
               <a:rPr lang="en-US" smtClean="0"/>
-              <a:t>12/14/2020</a:t>
+              <a:t>12/17/2020</a:t>
             </a:fld>
             <a:endParaRPr lang="en-US" dirty="0"/>
           </a:p>
@@ -886,7 +894,7 @@
           <a:p>
             <a:fld id="{DF61EA0F-A667-4B49-8422-0062BC55E249}" type="slidenum">
               <a:rPr lang="en-US" smtClean="0"/>
-              <a:t>9</a:t>
+              <a:t>13</a:t>
             </a:fld>
             <a:endParaRPr lang="en-US" dirty="0"/>
           </a:p>
@@ -1344,7 +1352,7 @@
             <a:fld id="{8BEEBAAA-29B5-4AF5-BC5F-7E580C29002D}" type="datetimeFigureOut">
               <a:rPr lang="en-US" smtClean="0"/>
               <a:pPr/>
-              <a:t>12/14/2020</a:t>
+              <a:t>12/17/2020</a:t>
             </a:fld>
             <a:endParaRPr lang="en-US" dirty="0"/>
           </a:p>
@@ -1970,7 +1978,7 @@
             <a:fld id="{8BEEBAAA-29B5-4AF5-BC5F-7E580C29002D}" type="datetimeFigureOut">
               <a:rPr lang="en-US" smtClean="0"/>
               <a:pPr/>
-              <a:t>12/14/2020</a:t>
+              <a:t>12/17/2020</a:t>
             </a:fld>
             <a:endParaRPr lang="en-US" dirty="0"/>
           </a:p>
@@ -2749,1991 +2757,7 @@
 </p:sld>
 </file>
 
-<file path=ppt/slides/slide2.xml><?xml version="1.0" encoding="utf-8"?>
-<p:sld xmlns:a="http://schemas.openxmlformats.org/drawingml/2006/main" xmlns:r="http://schemas.openxmlformats.org/officeDocument/2006/relationships" xmlns:p="http://schemas.openxmlformats.org/presentationml/2006/main">
-  <p:cSld>
-    <p:spTree>
-      <p:nvGrpSpPr>
-        <p:cNvPr id="1" name=""/>
-        <p:cNvGrpSpPr/>
-        <p:nvPr/>
-      </p:nvGrpSpPr>
-      <p:grpSpPr>
-        <a:xfrm>
-          <a:off x="0" y="0"/>
-          <a:ext cx="0" cy="0"/>
-          <a:chOff x="0" y="0"/>
-          <a:chExt cx="0" cy="0"/>
-        </a:xfrm>
-      </p:grpSpPr>
-      <p:sp>
-        <p:nvSpPr>
-          <p:cNvPr id="2" name="Title 1">
-            <a:extLst>
-              <a:ext uri="{FF2B5EF4-FFF2-40B4-BE49-F238E27FC236}">
-                <a16:creationId xmlns:a16="http://schemas.microsoft.com/office/drawing/2014/main" id="{71EE4FB3-66B0-4749-82EC-375C6BFBF789}"/>
-              </a:ext>
-            </a:extLst>
-          </p:cNvPr>
-          <p:cNvSpPr>
-            <a:spLocks noGrp="1"/>
-          </p:cNvSpPr>
-          <p:nvPr>
-            <p:ph type="title"/>
-          </p:nvPr>
-        </p:nvSpPr>
-        <p:spPr/>
-        <p:txBody>
-          <a:bodyPr/>
-          <a:lstStyle/>
-          <a:p>
-            <a:r>
-              <a:rPr lang="en-US" dirty="0" err="1"/>
-              <a:t>Gündem</a:t>
-            </a:r>
-            <a:endParaRPr lang="en-US" dirty="0"/>
-          </a:p>
-        </p:txBody>
-      </p:sp>
-      <p:sp>
-        <p:nvSpPr>
-          <p:cNvPr id="3" name="Content Placeholder 2">
-            <a:extLst>
-              <a:ext uri="{FF2B5EF4-FFF2-40B4-BE49-F238E27FC236}">
-                <a16:creationId xmlns:a16="http://schemas.microsoft.com/office/drawing/2014/main" id="{BAF8D38B-6464-4AFA-8729-AC625442AC62}"/>
-              </a:ext>
-            </a:extLst>
-          </p:cNvPr>
-          <p:cNvSpPr>
-            <a:spLocks noGrp="1"/>
-          </p:cNvSpPr>
-          <p:nvPr>
-            <p:ph sz="quarter" idx="10"/>
-          </p:nvPr>
-        </p:nvSpPr>
-        <p:spPr/>
-        <p:txBody>
-          <a:bodyPr>
-            <a:normAutofit/>
-          </a:bodyPr>
-          <a:lstStyle/>
-          <a:p>
-            <a:pPr marL="171450" indent="-171450">
-              <a:buFontTx/>
-              <a:buChar char="-"/>
-            </a:pPr>
-            <a:r>
-              <a:rPr lang="en-US" sz="1800" dirty="0">
-                <a:latin typeface="Berlin Sans FB" panose="020E0602020502020306" pitchFamily="34" charset="0"/>
-              </a:rPr>
-              <a:t>Log/Metrics/</a:t>
-            </a:r>
-            <a:r>
-              <a:rPr lang="en-US" sz="1800" dirty="0" err="1">
-                <a:latin typeface="Berlin Sans FB" panose="020E0602020502020306" pitchFamily="34" charset="0"/>
-              </a:rPr>
-              <a:t>Genel</a:t>
-            </a:r>
-            <a:endParaRPr lang="en-US" sz="1800" dirty="0">
-              <a:latin typeface="Berlin Sans FB" panose="020E0602020502020306" pitchFamily="34" charset="0"/>
-            </a:endParaRPr>
-          </a:p>
-          <a:p>
-            <a:pPr marL="171450" indent="-171450">
-              <a:buFontTx/>
-              <a:buChar char="-"/>
-            </a:pPr>
-            <a:r>
-              <a:rPr lang="en-US" sz="1800" dirty="0">
-                <a:latin typeface="Berlin Sans FB" panose="020E0602020502020306" pitchFamily="34" charset="0"/>
-              </a:rPr>
-              <a:t>Ok, Show me the Code!</a:t>
-            </a:r>
-          </a:p>
-          <a:p>
-            <a:pPr marL="171450" indent="-171450">
-              <a:buFontTx/>
-              <a:buChar char="-"/>
-            </a:pPr>
-            <a:r>
-              <a:rPr lang="en-US" sz="1800" dirty="0">
-                <a:latin typeface="Berlin Sans FB" panose="020E0602020502020306" pitchFamily="34" charset="0"/>
-              </a:rPr>
-              <a:t>Debugging</a:t>
-            </a:r>
-          </a:p>
-          <a:p>
-            <a:pPr marL="171450" indent="-171450">
-              <a:buFontTx/>
-              <a:buChar char="-"/>
-            </a:pPr>
-            <a:endParaRPr lang="en-US" dirty="0"/>
-          </a:p>
-        </p:txBody>
-      </p:sp>
-    </p:spTree>
-    <p:extLst>
-      <p:ext uri="{BB962C8B-B14F-4D97-AF65-F5344CB8AC3E}">
-        <p14:creationId xmlns:p14="http://schemas.microsoft.com/office/powerpoint/2010/main" val="1805498412"/>
-      </p:ext>
-    </p:extLst>
-  </p:cSld>
-  <p:clrMapOvr>
-    <a:masterClrMapping/>
-  </p:clrMapOvr>
-</p:sld>
-</file>
-
-<file path=ppt/slides/slide3.xml><?xml version="1.0" encoding="utf-8"?>
-<p:sld xmlns:a="http://schemas.openxmlformats.org/drawingml/2006/main" xmlns:r="http://schemas.openxmlformats.org/officeDocument/2006/relationships" xmlns:p="http://schemas.openxmlformats.org/presentationml/2006/main">
-  <p:cSld>
-    <p:spTree>
-      <p:nvGrpSpPr>
-        <p:cNvPr id="1" name=""/>
-        <p:cNvGrpSpPr/>
-        <p:nvPr/>
-      </p:nvGrpSpPr>
-      <p:grpSpPr>
-        <a:xfrm>
-          <a:off x="0" y="0"/>
-          <a:ext cx="0" cy="0"/>
-          <a:chOff x="0" y="0"/>
-          <a:chExt cx="0" cy="0"/>
-        </a:xfrm>
-      </p:grpSpPr>
-      <p:sp>
-        <p:nvSpPr>
-          <p:cNvPr id="2" name="Title 1">
-            <a:extLst>
-              <a:ext uri="{FF2B5EF4-FFF2-40B4-BE49-F238E27FC236}">
-                <a16:creationId xmlns:a16="http://schemas.microsoft.com/office/drawing/2014/main" id="{71EE4FB3-66B0-4749-82EC-375C6BFBF789}"/>
-              </a:ext>
-            </a:extLst>
-          </p:cNvPr>
-          <p:cNvSpPr>
-            <a:spLocks noGrp="1"/>
-          </p:cNvSpPr>
-          <p:nvPr>
-            <p:ph type="title"/>
-          </p:nvPr>
-        </p:nvSpPr>
-        <p:spPr/>
-        <p:txBody>
-          <a:bodyPr/>
-          <a:lstStyle/>
-          <a:p>
-            <a:r>
-              <a:rPr lang="en-US" dirty="0"/>
-              <a:t>Log/Metrics/</a:t>
-            </a:r>
-            <a:r>
-              <a:rPr lang="en-US" dirty="0" err="1"/>
-              <a:t>Genel</a:t>
-            </a:r>
-            <a:endParaRPr lang="en-US" dirty="0"/>
-          </a:p>
-        </p:txBody>
-      </p:sp>
-      <p:sp>
-        <p:nvSpPr>
-          <p:cNvPr id="4" name="TextBox 3">
-            <a:extLst>
-              <a:ext uri="{FF2B5EF4-FFF2-40B4-BE49-F238E27FC236}">
-                <a16:creationId xmlns:a16="http://schemas.microsoft.com/office/drawing/2014/main" id="{8C478976-B0BD-462C-8425-B7BE13689DB5}"/>
-              </a:ext>
-            </a:extLst>
-          </p:cNvPr>
-          <p:cNvSpPr txBox="1"/>
-          <p:nvPr/>
-        </p:nvSpPr>
-        <p:spPr>
-          <a:xfrm>
-            <a:off x="1019354" y="2897911"/>
-            <a:ext cx="10153291" cy="1323439"/>
-          </a:xfrm>
-          <a:prstGeom prst="rect">
-            <a:avLst/>
-          </a:prstGeom>
-          <a:noFill/>
-        </p:spPr>
-        <p:txBody>
-          <a:bodyPr wrap="square" rtlCol="0">
-            <a:spAutoFit/>
-          </a:bodyPr>
-          <a:lstStyle/>
-          <a:p>
-            <a:r>
-              <a:rPr lang="tr-TR" sz="1600" dirty="0">
-                <a:latin typeface="Berlin Sans FB" panose="020E0602020502020306" pitchFamily="34" charset="0"/>
-              </a:rPr>
-              <a:t>Log : </a:t>
-            </a:r>
-            <a:r>
-              <a:rPr lang="en-GB" sz="1600" dirty="0" err="1">
-                <a:latin typeface="Berlin Sans FB" panose="020E0602020502020306" pitchFamily="34" charset="0"/>
-              </a:rPr>
-              <a:t>sorunun</a:t>
-            </a:r>
-            <a:r>
-              <a:rPr lang="en-GB" sz="1600" dirty="0">
-                <a:latin typeface="Berlin Sans FB" panose="020E0602020502020306" pitchFamily="34" charset="0"/>
-              </a:rPr>
-              <a:t> </a:t>
-            </a:r>
-            <a:r>
-              <a:rPr lang="tr-TR" sz="1600" dirty="0">
-                <a:latin typeface="Berlin Sans FB" panose="020E0602020502020306" pitchFamily="34" charset="0"/>
-              </a:rPr>
-              <a:t>nerede ve kimin için yaşandığını</a:t>
-            </a:r>
-            <a:r>
-              <a:rPr lang="en-GB" sz="1600" dirty="0">
-                <a:latin typeface="Berlin Sans FB" panose="020E0602020502020306" pitchFamily="34" charset="0"/>
-              </a:rPr>
-              <a:t> </a:t>
-            </a:r>
-            <a:r>
-              <a:rPr lang="en-GB" sz="1600" dirty="0" err="1">
-                <a:latin typeface="Berlin Sans FB" panose="020E0602020502020306" pitchFamily="34" charset="0"/>
-              </a:rPr>
-              <a:t>anlatabilir</a:t>
-            </a:r>
-            <a:r>
-              <a:rPr lang="tr-TR" sz="1600" dirty="0">
-                <a:latin typeface="Berlin Sans FB" panose="020E0602020502020306" pitchFamily="34" charset="0"/>
-              </a:rPr>
-              <a:t>. </a:t>
-            </a:r>
-            <a:endParaRPr lang="en-US" sz="1600" dirty="0">
-              <a:latin typeface="Berlin Sans FB" panose="020E0602020502020306" pitchFamily="34" charset="0"/>
-            </a:endParaRPr>
-          </a:p>
-          <a:p>
-            <a:r>
-              <a:rPr lang="en-GB" sz="1600" dirty="0" err="1">
-                <a:solidFill>
-                  <a:schemeClr val="bg2">
-                    <a:lumMod val="75000"/>
-                  </a:schemeClr>
-                </a:solidFill>
-                <a:latin typeface="Berlin Sans FB" panose="020E0602020502020306" pitchFamily="34" charset="0"/>
-              </a:rPr>
-              <a:t>Doğru</a:t>
-            </a:r>
-            <a:r>
-              <a:rPr lang="en-GB" sz="1600" dirty="0">
-                <a:solidFill>
-                  <a:schemeClr val="bg2">
-                    <a:lumMod val="75000"/>
-                  </a:schemeClr>
-                </a:solidFill>
-                <a:latin typeface="Berlin Sans FB" panose="020E0602020502020306" pitchFamily="34" charset="0"/>
-              </a:rPr>
-              <a:t> </a:t>
-            </a:r>
-            <a:r>
-              <a:rPr lang="en-GB" sz="1600" dirty="0" err="1">
-                <a:solidFill>
-                  <a:schemeClr val="bg2">
-                    <a:lumMod val="75000"/>
-                  </a:schemeClr>
-                </a:solidFill>
-                <a:latin typeface="Berlin Sans FB" panose="020E0602020502020306" pitchFamily="34" charset="0"/>
-              </a:rPr>
-              <a:t>kurgulanmış</a:t>
-            </a:r>
-            <a:r>
-              <a:rPr lang="en-GB" sz="1600" dirty="0">
-                <a:solidFill>
-                  <a:schemeClr val="bg2">
-                    <a:lumMod val="75000"/>
-                  </a:schemeClr>
-                </a:solidFill>
-                <a:latin typeface="Berlin Sans FB" panose="020E0602020502020306" pitchFamily="34" charset="0"/>
-              </a:rPr>
-              <a:t> </a:t>
-            </a:r>
-            <a:r>
-              <a:rPr lang="en-GB" sz="1600" dirty="0" err="1">
-                <a:solidFill>
-                  <a:schemeClr val="bg2">
-                    <a:lumMod val="75000"/>
-                  </a:schemeClr>
-                </a:solidFill>
-                <a:latin typeface="Berlin Sans FB" panose="020E0602020502020306" pitchFamily="34" charset="0"/>
-              </a:rPr>
-              <a:t>yapısal</a:t>
-            </a:r>
-            <a:r>
-              <a:rPr lang="en-GB" sz="1600" dirty="0">
-                <a:solidFill>
-                  <a:schemeClr val="bg2">
-                    <a:lumMod val="75000"/>
-                  </a:schemeClr>
-                </a:solidFill>
-                <a:latin typeface="Berlin Sans FB" panose="020E0602020502020306" pitchFamily="34" charset="0"/>
-              </a:rPr>
-              <a:t> </a:t>
-            </a:r>
-            <a:r>
-              <a:rPr lang="en-GB" sz="1600" dirty="0" err="1">
-                <a:solidFill>
-                  <a:schemeClr val="bg2">
-                    <a:lumMod val="75000"/>
-                  </a:schemeClr>
-                </a:solidFill>
-                <a:latin typeface="Berlin Sans FB" panose="020E0602020502020306" pitchFamily="34" charset="0"/>
-              </a:rPr>
-              <a:t>bir</a:t>
-            </a:r>
-            <a:r>
-              <a:rPr lang="en-GB" sz="1600" dirty="0">
-                <a:solidFill>
-                  <a:schemeClr val="bg2">
-                    <a:lumMod val="75000"/>
-                  </a:schemeClr>
-                </a:solidFill>
-                <a:latin typeface="Berlin Sans FB" panose="020E0602020502020306" pitchFamily="34" charset="0"/>
-              </a:rPr>
-              <a:t> log </a:t>
-            </a:r>
-            <a:r>
-              <a:rPr lang="en-GB" sz="1600" dirty="0" err="1">
-                <a:solidFill>
-                  <a:schemeClr val="bg2">
-                    <a:lumMod val="75000"/>
-                  </a:schemeClr>
-                </a:solidFill>
-                <a:latin typeface="Berlin Sans FB" panose="020E0602020502020306" pitchFamily="34" charset="0"/>
-              </a:rPr>
-              <a:t>ile</a:t>
-            </a:r>
-            <a:r>
-              <a:rPr lang="en-GB" sz="1600" dirty="0">
-                <a:solidFill>
-                  <a:schemeClr val="bg2">
-                    <a:lumMod val="75000"/>
-                  </a:schemeClr>
-                </a:solidFill>
-                <a:latin typeface="Berlin Sans FB" panose="020E0602020502020306" pitchFamily="34" charset="0"/>
-              </a:rPr>
-              <a:t> </a:t>
-            </a:r>
-            <a:r>
-              <a:rPr lang="en-GB" sz="1600" dirty="0" err="1">
-                <a:solidFill>
-                  <a:schemeClr val="bg2">
-                    <a:lumMod val="75000"/>
-                  </a:schemeClr>
-                </a:solidFill>
-                <a:latin typeface="Berlin Sans FB" panose="020E0602020502020306" pitchFamily="34" charset="0"/>
-              </a:rPr>
-              <a:t>bu</a:t>
-            </a:r>
-            <a:r>
-              <a:rPr lang="en-GB" sz="1600" dirty="0">
-                <a:solidFill>
-                  <a:schemeClr val="bg2">
-                    <a:lumMod val="75000"/>
-                  </a:schemeClr>
-                </a:solidFill>
-                <a:latin typeface="Berlin Sans FB" panose="020E0602020502020306" pitchFamily="34" charset="0"/>
-              </a:rPr>
-              <a:t> </a:t>
-            </a:r>
-            <a:r>
-              <a:rPr lang="en-GB" sz="1600" dirty="0" err="1">
-                <a:solidFill>
-                  <a:schemeClr val="bg2">
-                    <a:lumMod val="75000"/>
-                  </a:schemeClr>
-                </a:solidFill>
-                <a:latin typeface="Berlin Sans FB" panose="020E0602020502020306" pitchFamily="34" charset="0"/>
-              </a:rPr>
-              <a:t>mümkün</a:t>
-            </a:r>
-            <a:r>
-              <a:rPr lang="tr-TR" sz="1600" dirty="0">
-                <a:solidFill>
-                  <a:schemeClr val="bg2">
-                    <a:lumMod val="75000"/>
-                  </a:schemeClr>
-                </a:solidFill>
-                <a:latin typeface="Berlin Sans FB" panose="020E0602020502020306" pitchFamily="34" charset="0"/>
-              </a:rPr>
-              <a:t>.</a:t>
-            </a:r>
-            <a:endParaRPr lang="en-US" sz="1600" dirty="0">
-              <a:solidFill>
-                <a:schemeClr val="bg2">
-                  <a:lumMod val="75000"/>
-                </a:schemeClr>
-              </a:solidFill>
-              <a:latin typeface="Berlin Sans FB" panose="020E0602020502020306" pitchFamily="34" charset="0"/>
-            </a:endParaRPr>
-          </a:p>
-          <a:p>
-            <a:endParaRPr lang="en-US" sz="1600" dirty="0">
-              <a:latin typeface="Berlin Sans FB" panose="020E0602020502020306" pitchFamily="34" charset="0"/>
-            </a:endParaRPr>
-          </a:p>
-          <a:p>
-            <a:r>
-              <a:rPr lang="tr-TR" sz="1600" dirty="0">
-                <a:latin typeface="Berlin Sans FB" panose="020E0602020502020306" pitchFamily="34" charset="0"/>
-              </a:rPr>
-              <a:t>Metric : </a:t>
-            </a:r>
-            <a:r>
-              <a:rPr lang="en-GB" sz="1600" dirty="0">
-                <a:latin typeface="Berlin Sans FB" panose="020E0602020502020306" pitchFamily="34" charset="0"/>
-              </a:rPr>
-              <a:t>S</a:t>
-            </a:r>
-            <a:r>
-              <a:rPr lang="tr-TR" sz="1600" dirty="0">
-                <a:latin typeface="Berlin Sans FB" panose="020E0602020502020306" pitchFamily="34" charset="0"/>
-              </a:rPr>
-              <a:t>istemin genel davranışını anlamaya ve performans problemlerini </a:t>
-            </a:r>
-            <a:r>
-              <a:rPr lang="en-GB" sz="1600" dirty="0" err="1">
-                <a:latin typeface="Berlin Sans FB" panose="020E0602020502020306" pitchFamily="34" charset="0"/>
-              </a:rPr>
-              <a:t>çözmeye</a:t>
-            </a:r>
-            <a:r>
-              <a:rPr lang="en-GB" sz="1600" dirty="0">
-                <a:latin typeface="Berlin Sans FB" panose="020E0602020502020306" pitchFamily="34" charset="0"/>
-              </a:rPr>
-              <a:t> </a:t>
-            </a:r>
-            <a:r>
-              <a:rPr lang="en-GB" sz="1600" dirty="0" err="1">
-                <a:latin typeface="Berlin Sans FB" panose="020E0602020502020306" pitchFamily="34" charset="0"/>
-              </a:rPr>
-              <a:t>destek</a:t>
-            </a:r>
-            <a:r>
-              <a:rPr lang="en-GB" sz="1600" dirty="0">
-                <a:latin typeface="Berlin Sans FB" panose="020E0602020502020306" pitchFamily="34" charset="0"/>
-              </a:rPr>
-              <a:t> </a:t>
-            </a:r>
-            <a:r>
-              <a:rPr lang="en-GB" sz="1600" dirty="0" err="1">
-                <a:latin typeface="Berlin Sans FB" panose="020E0602020502020306" pitchFamily="34" charset="0"/>
-              </a:rPr>
-              <a:t>verebilir</a:t>
-            </a:r>
-            <a:r>
-              <a:rPr lang="en-GB" sz="1600" dirty="0">
-                <a:latin typeface="Berlin Sans FB" panose="020E0602020502020306" pitchFamily="34" charset="0"/>
-              </a:rPr>
-              <a:t>.</a:t>
-            </a:r>
-          </a:p>
-          <a:p>
-            <a:r>
-              <a:rPr lang="en-GB" sz="1600" dirty="0">
-                <a:solidFill>
-                  <a:schemeClr val="bg2">
-                    <a:lumMod val="75000"/>
-                  </a:schemeClr>
-                </a:solidFill>
-                <a:latin typeface="Berlin Sans FB" panose="020E0602020502020306" pitchFamily="34" charset="0"/>
-              </a:rPr>
-              <a:t>Log </a:t>
-            </a:r>
-            <a:r>
-              <a:rPr lang="en-GB" sz="1600" dirty="0" err="1">
-                <a:solidFill>
-                  <a:schemeClr val="bg2">
-                    <a:lumMod val="75000"/>
-                  </a:schemeClr>
-                </a:solidFill>
-                <a:latin typeface="Berlin Sans FB" panose="020E0602020502020306" pitchFamily="34" charset="0"/>
-              </a:rPr>
-              <a:t>yapılanmasında</a:t>
-            </a:r>
-            <a:r>
-              <a:rPr lang="en-GB" sz="1600" dirty="0">
-                <a:solidFill>
-                  <a:schemeClr val="bg2">
-                    <a:lumMod val="75000"/>
-                  </a:schemeClr>
-                </a:solidFill>
-                <a:latin typeface="Berlin Sans FB" panose="020E0602020502020306" pitchFamily="34" charset="0"/>
-              </a:rPr>
-              <a:t> </a:t>
-            </a:r>
-            <a:r>
-              <a:rPr lang="en-GB" sz="1600" dirty="0" err="1">
-                <a:solidFill>
-                  <a:schemeClr val="bg2">
-                    <a:lumMod val="75000"/>
-                  </a:schemeClr>
-                </a:solidFill>
-                <a:latin typeface="Berlin Sans FB" panose="020E0602020502020306" pitchFamily="34" charset="0"/>
-              </a:rPr>
-              <a:t>olduğu</a:t>
-            </a:r>
-            <a:r>
-              <a:rPr lang="en-GB" sz="1600" dirty="0">
-                <a:solidFill>
-                  <a:schemeClr val="bg2">
-                    <a:lumMod val="75000"/>
-                  </a:schemeClr>
-                </a:solidFill>
-                <a:latin typeface="Berlin Sans FB" panose="020E0602020502020306" pitchFamily="34" charset="0"/>
-              </a:rPr>
-              <a:t> </a:t>
-            </a:r>
-            <a:r>
-              <a:rPr lang="en-GB" sz="1600" dirty="0" err="1">
-                <a:solidFill>
-                  <a:schemeClr val="bg2">
-                    <a:lumMod val="75000"/>
-                  </a:schemeClr>
-                </a:solidFill>
-                <a:latin typeface="Berlin Sans FB" panose="020E0602020502020306" pitchFamily="34" charset="0"/>
-              </a:rPr>
-              <a:t>gibi</a:t>
-            </a:r>
-            <a:r>
-              <a:rPr lang="en-GB" sz="1600" dirty="0">
-                <a:solidFill>
-                  <a:schemeClr val="bg2">
-                    <a:lumMod val="75000"/>
-                  </a:schemeClr>
-                </a:solidFill>
-                <a:latin typeface="Berlin Sans FB" panose="020E0602020502020306" pitchFamily="34" charset="0"/>
-              </a:rPr>
-              <a:t> </a:t>
-            </a:r>
-            <a:r>
-              <a:rPr lang="en-GB" sz="1600" dirty="0" err="1">
-                <a:solidFill>
-                  <a:schemeClr val="bg2">
-                    <a:lumMod val="75000"/>
-                  </a:schemeClr>
-                </a:solidFill>
-                <a:latin typeface="Berlin Sans FB" panose="020E0602020502020306" pitchFamily="34" charset="0"/>
-              </a:rPr>
-              <a:t>yapısal</a:t>
-            </a:r>
-            <a:r>
-              <a:rPr lang="en-GB" sz="1600" dirty="0">
-                <a:solidFill>
-                  <a:schemeClr val="bg2">
-                    <a:lumMod val="75000"/>
-                  </a:schemeClr>
-                </a:solidFill>
-                <a:latin typeface="Berlin Sans FB" panose="020E0602020502020306" pitchFamily="34" charset="0"/>
-              </a:rPr>
-              <a:t> </a:t>
-            </a:r>
-            <a:r>
-              <a:rPr lang="en-GB" sz="1600" dirty="0" err="1">
-                <a:solidFill>
-                  <a:schemeClr val="bg2">
-                    <a:lumMod val="75000"/>
-                  </a:schemeClr>
-                </a:solidFill>
-                <a:latin typeface="Berlin Sans FB" panose="020E0602020502020306" pitchFamily="34" charset="0"/>
-              </a:rPr>
-              <a:t>kurguya</a:t>
-            </a:r>
-            <a:r>
-              <a:rPr lang="en-GB" sz="1600" dirty="0">
-                <a:solidFill>
-                  <a:schemeClr val="bg2">
-                    <a:lumMod val="75000"/>
-                  </a:schemeClr>
-                </a:solidFill>
-                <a:latin typeface="Berlin Sans FB" panose="020E0602020502020306" pitchFamily="34" charset="0"/>
-              </a:rPr>
-              <a:t> </a:t>
-            </a:r>
-            <a:r>
-              <a:rPr lang="en-GB" sz="1600" dirty="0" err="1">
-                <a:solidFill>
-                  <a:schemeClr val="bg2">
-                    <a:lumMod val="75000"/>
-                  </a:schemeClr>
-                </a:solidFill>
-                <a:latin typeface="Berlin Sans FB" panose="020E0602020502020306" pitchFamily="34" charset="0"/>
-              </a:rPr>
-              <a:t>ihtiyacı</a:t>
-            </a:r>
-            <a:r>
-              <a:rPr lang="en-GB" sz="1600" dirty="0">
-                <a:solidFill>
-                  <a:schemeClr val="bg2">
-                    <a:lumMod val="75000"/>
-                  </a:schemeClr>
-                </a:solidFill>
-                <a:latin typeface="Berlin Sans FB" panose="020E0602020502020306" pitchFamily="34" charset="0"/>
-              </a:rPr>
-              <a:t> var</a:t>
-            </a:r>
-            <a:endParaRPr lang="en-US" sz="1600" dirty="0">
-              <a:solidFill>
-                <a:schemeClr val="bg2">
-                  <a:lumMod val="75000"/>
-                </a:schemeClr>
-              </a:solidFill>
-              <a:latin typeface="Berlin Sans FB" panose="020E0602020502020306" pitchFamily="34" charset="0"/>
-            </a:endParaRPr>
-          </a:p>
-        </p:txBody>
-      </p:sp>
-    </p:spTree>
-    <p:extLst>
-      <p:ext uri="{BB962C8B-B14F-4D97-AF65-F5344CB8AC3E}">
-        <p14:creationId xmlns:p14="http://schemas.microsoft.com/office/powerpoint/2010/main" val="2871327621"/>
-      </p:ext>
-    </p:extLst>
-  </p:cSld>
-  <p:clrMapOvr>
-    <a:masterClrMapping/>
-  </p:clrMapOvr>
-</p:sld>
-</file>
-
-<file path=ppt/slides/slide4.xml><?xml version="1.0" encoding="utf-8"?>
-<p:sld xmlns:a="http://schemas.openxmlformats.org/drawingml/2006/main" xmlns:r="http://schemas.openxmlformats.org/officeDocument/2006/relationships" xmlns:p="http://schemas.openxmlformats.org/presentationml/2006/main">
-  <p:cSld>
-    <p:spTree>
-      <p:nvGrpSpPr>
-        <p:cNvPr id="1" name=""/>
-        <p:cNvGrpSpPr/>
-        <p:nvPr/>
-      </p:nvGrpSpPr>
-      <p:grpSpPr>
-        <a:xfrm>
-          <a:off x="0" y="0"/>
-          <a:ext cx="0" cy="0"/>
-          <a:chOff x="0" y="0"/>
-          <a:chExt cx="0" cy="0"/>
-        </a:xfrm>
-      </p:grpSpPr>
-      <p:sp>
-        <p:nvSpPr>
-          <p:cNvPr id="2" name="Title 1">
-            <a:extLst>
-              <a:ext uri="{FF2B5EF4-FFF2-40B4-BE49-F238E27FC236}">
-                <a16:creationId xmlns:a16="http://schemas.microsoft.com/office/drawing/2014/main" id="{71EE4FB3-66B0-4749-82EC-375C6BFBF789}"/>
-              </a:ext>
-            </a:extLst>
-          </p:cNvPr>
-          <p:cNvSpPr>
-            <a:spLocks noGrp="1"/>
-          </p:cNvSpPr>
-          <p:nvPr>
-            <p:ph type="title"/>
-          </p:nvPr>
-        </p:nvSpPr>
-        <p:spPr/>
-        <p:txBody>
-          <a:bodyPr/>
-          <a:lstStyle/>
-          <a:p>
-            <a:r>
-              <a:rPr lang="en-US" dirty="0"/>
-              <a:t>Log/Metrics/</a:t>
-            </a:r>
-            <a:r>
-              <a:rPr lang="en-US" dirty="0" err="1"/>
-              <a:t>Genel</a:t>
-            </a:r>
-            <a:endParaRPr lang="en-US" dirty="0"/>
-          </a:p>
-        </p:txBody>
-      </p:sp>
-      <p:sp>
-        <p:nvSpPr>
-          <p:cNvPr id="4" name="TextBox 3">
-            <a:extLst>
-              <a:ext uri="{FF2B5EF4-FFF2-40B4-BE49-F238E27FC236}">
-                <a16:creationId xmlns:a16="http://schemas.microsoft.com/office/drawing/2014/main" id="{8C478976-B0BD-462C-8425-B7BE13689DB5}"/>
-              </a:ext>
-            </a:extLst>
-          </p:cNvPr>
-          <p:cNvSpPr txBox="1"/>
-          <p:nvPr/>
-        </p:nvSpPr>
-        <p:spPr>
-          <a:xfrm>
-            <a:off x="1019354" y="1887888"/>
-            <a:ext cx="10153291" cy="2800767"/>
-          </a:xfrm>
-          <a:prstGeom prst="rect">
-            <a:avLst/>
-          </a:prstGeom>
-          <a:noFill/>
-        </p:spPr>
-        <p:txBody>
-          <a:bodyPr wrap="square" rtlCol="0">
-            <a:spAutoFit/>
-          </a:bodyPr>
-          <a:lstStyle/>
-          <a:p>
-            <a:r>
-              <a:rPr lang="en-GB" sz="1600" dirty="0" err="1">
-                <a:latin typeface="Berlin Sans FB" panose="020E0602020502020306" pitchFamily="34" charset="0"/>
-              </a:rPr>
-              <a:t>Senaryo</a:t>
-            </a:r>
-            <a:r>
-              <a:rPr lang="en-GB" sz="1600" dirty="0">
-                <a:latin typeface="Berlin Sans FB" panose="020E0602020502020306" pitchFamily="34" charset="0"/>
-              </a:rPr>
-              <a:t> 1 :</a:t>
-            </a:r>
-            <a:endParaRPr lang="en-US" sz="1600" dirty="0">
-              <a:latin typeface="Berlin Sans FB" panose="020E0602020502020306" pitchFamily="34" charset="0"/>
-            </a:endParaRPr>
-          </a:p>
-          <a:p>
-            <a:r>
-              <a:rPr lang="en-GB" sz="1600" dirty="0">
-                <a:solidFill>
-                  <a:schemeClr val="bg2">
-                    <a:lumMod val="75000"/>
-                  </a:schemeClr>
-                </a:solidFill>
-                <a:latin typeface="Berlin Sans FB" panose="020E0602020502020306" pitchFamily="34" charset="0"/>
-              </a:rPr>
-              <a:t>Tek </a:t>
-            </a:r>
-            <a:r>
-              <a:rPr lang="en-GB" sz="1600" dirty="0" err="1">
-                <a:solidFill>
-                  <a:schemeClr val="bg2">
-                    <a:lumMod val="75000"/>
-                  </a:schemeClr>
-                </a:solidFill>
-                <a:latin typeface="Berlin Sans FB" panose="020E0602020502020306" pitchFamily="34" charset="0"/>
-              </a:rPr>
-              <a:t>proje</a:t>
-            </a:r>
-            <a:r>
-              <a:rPr lang="tr-TR" sz="1600" dirty="0">
-                <a:solidFill>
-                  <a:schemeClr val="bg2">
-                    <a:lumMod val="75000"/>
-                  </a:schemeClr>
-                </a:solidFill>
-                <a:latin typeface="Berlin Sans FB" panose="020E0602020502020306" pitchFamily="34" charset="0"/>
-              </a:rPr>
-              <a:t>.</a:t>
-            </a:r>
-            <a:r>
-              <a:rPr lang="en-GB" sz="1600" dirty="0">
-                <a:solidFill>
-                  <a:schemeClr val="bg2">
-                    <a:lumMod val="75000"/>
-                  </a:schemeClr>
-                </a:solidFill>
-                <a:latin typeface="Berlin Sans FB" panose="020E0602020502020306" pitchFamily="34" charset="0"/>
-              </a:rPr>
-              <a:t> Log </a:t>
-            </a:r>
-            <a:r>
-              <a:rPr lang="en-GB" sz="1600" dirty="0" err="1">
-                <a:solidFill>
-                  <a:schemeClr val="bg2">
-                    <a:lumMod val="75000"/>
-                  </a:schemeClr>
-                </a:solidFill>
-                <a:latin typeface="Berlin Sans FB" panose="020E0602020502020306" pitchFamily="34" charset="0"/>
-              </a:rPr>
-              <a:t>ve</a:t>
-            </a:r>
-            <a:r>
-              <a:rPr lang="en-GB" sz="1600" dirty="0">
-                <a:solidFill>
-                  <a:schemeClr val="bg2">
-                    <a:lumMod val="75000"/>
-                  </a:schemeClr>
-                </a:solidFill>
-                <a:latin typeface="Berlin Sans FB" panose="020E0602020502020306" pitchFamily="34" charset="0"/>
-              </a:rPr>
-              <a:t> </a:t>
-            </a:r>
-            <a:r>
-              <a:rPr lang="en-GB" sz="1600" dirty="0" err="1">
-                <a:solidFill>
-                  <a:schemeClr val="bg2">
-                    <a:lumMod val="75000"/>
-                  </a:schemeClr>
-                </a:solidFill>
-                <a:latin typeface="Berlin Sans FB" panose="020E0602020502020306" pitchFamily="34" charset="0"/>
-              </a:rPr>
-              <a:t>Metricler</a:t>
-            </a:r>
-            <a:r>
-              <a:rPr lang="en-GB" sz="1600" dirty="0">
-                <a:solidFill>
-                  <a:schemeClr val="bg2">
-                    <a:lumMod val="75000"/>
-                  </a:schemeClr>
-                </a:solidFill>
-                <a:latin typeface="Berlin Sans FB" panose="020E0602020502020306" pitchFamily="34" charset="0"/>
-              </a:rPr>
-              <a:t> </a:t>
-            </a:r>
-            <a:r>
-              <a:rPr lang="en-GB" sz="1600" dirty="0" err="1">
-                <a:solidFill>
-                  <a:schemeClr val="bg2">
-                    <a:lumMod val="75000"/>
-                  </a:schemeClr>
-                </a:solidFill>
-                <a:latin typeface="Berlin Sans FB" panose="020E0602020502020306" pitchFamily="34" charset="0"/>
-              </a:rPr>
-              <a:t>belirli</a:t>
-            </a:r>
-            <a:r>
-              <a:rPr lang="en-GB" sz="1600" dirty="0">
-                <a:solidFill>
-                  <a:schemeClr val="bg2">
-                    <a:lumMod val="75000"/>
-                  </a:schemeClr>
-                </a:solidFill>
-                <a:latin typeface="Berlin Sans FB" panose="020E0602020502020306" pitchFamily="34" charset="0"/>
-              </a:rPr>
-              <a:t> </a:t>
-            </a:r>
-            <a:r>
-              <a:rPr lang="en-GB" sz="1600" dirty="0" err="1">
-                <a:solidFill>
-                  <a:schemeClr val="bg2">
-                    <a:lumMod val="75000"/>
-                  </a:schemeClr>
-                </a:solidFill>
-                <a:latin typeface="Berlin Sans FB" panose="020E0602020502020306" pitchFamily="34" charset="0"/>
-              </a:rPr>
-              <a:t>bir</a:t>
-            </a:r>
-            <a:r>
-              <a:rPr lang="en-GB" sz="1600" dirty="0">
-                <a:solidFill>
-                  <a:schemeClr val="bg2">
-                    <a:lumMod val="75000"/>
-                  </a:schemeClr>
-                </a:solidFill>
-                <a:latin typeface="Berlin Sans FB" panose="020E0602020502020306" pitchFamily="34" charset="0"/>
-              </a:rPr>
-              <a:t> standard </a:t>
-            </a:r>
-            <a:r>
-              <a:rPr lang="en-GB" sz="1600" dirty="0" err="1">
-                <a:solidFill>
-                  <a:schemeClr val="bg2">
-                    <a:lumMod val="75000"/>
-                  </a:schemeClr>
-                </a:solidFill>
-                <a:latin typeface="Berlin Sans FB" panose="020E0602020502020306" pitchFamily="34" charset="0"/>
-              </a:rPr>
-              <a:t>dahilinde</a:t>
-            </a:r>
-            <a:r>
-              <a:rPr lang="en-GB" sz="1600" dirty="0">
-                <a:solidFill>
-                  <a:schemeClr val="bg2">
-                    <a:lumMod val="75000"/>
-                  </a:schemeClr>
-                </a:solidFill>
-                <a:latin typeface="Berlin Sans FB" panose="020E0602020502020306" pitchFamily="34" charset="0"/>
-              </a:rPr>
-              <a:t> </a:t>
-            </a:r>
-            <a:r>
-              <a:rPr lang="en-GB" sz="1600" dirty="0" err="1">
-                <a:solidFill>
-                  <a:schemeClr val="bg2">
-                    <a:lumMod val="75000"/>
-                  </a:schemeClr>
-                </a:solidFill>
-                <a:latin typeface="Berlin Sans FB" panose="020E0602020502020306" pitchFamily="34" charset="0"/>
-              </a:rPr>
-              <a:t>yazılırsa</a:t>
-            </a:r>
-            <a:r>
-              <a:rPr lang="en-GB" sz="1600" dirty="0">
-                <a:solidFill>
-                  <a:schemeClr val="bg2">
-                    <a:lumMod val="75000"/>
-                  </a:schemeClr>
-                </a:solidFill>
-                <a:latin typeface="Berlin Sans FB" panose="020E0602020502020306" pitchFamily="34" charset="0"/>
-              </a:rPr>
-              <a:t> (tracing) problem </a:t>
-            </a:r>
-            <a:r>
-              <a:rPr lang="en-GB" sz="1600" dirty="0" err="1">
-                <a:solidFill>
-                  <a:schemeClr val="bg2">
-                    <a:lumMod val="75000"/>
-                  </a:schemeClr>
-                </a:solidFill>
-                <a:latin typeface="Berlin Sans FB" panose="020E0602020502020306" pitchFamily="34" charset="0"/>
-              </a:rPr>
-              <a:t>yaşamayabiliriz</a:t>
-            </a:r>
-            <a:r>
-              <a:rPr lang="en-GB" sz="1600" dirty="0">
-                <a:solidFill>
-                  <a:schemeClr val="bg2">
-                    <a:lumMod val="75000"/>
-                  </a:schemeClr>
-                </a:solidFill>
-                <a:latin typeface="Berlin Sans FB" panose="020E0602020502020306" pitchFamily="34" charset="0"/>
-              </a:rPr>
-              <a:t>.</a:t>
-            </a:r>
-            <a:endParaRPr lang="en-GB" sz="1600" dirty="0">
-              <a:latin typeface="Berlin Sans FB" panose="020E0602020502020306" pitchFamily="34" charset="0"/>
-            </a:endParaRPr>
-          </a:p>
-          <a:p>
-            <a:endParaRPr lang="en-GB" sz="1600" dirty="0">
-              <a:latin typeface="Berlin Sans FB" panose="020E0602020502020306" pitchFamily="34" charset="0"/>
-            </a:endParaRPr>
-          </a:p>
-          <a:p>
-            <a:r>
-              <a:rPr lang="en-GB" sz="1600" dirty="0" err="1">
-                <a:latin typeface="Berlin Sans FB" panose="020E0602020502020306" pitchFamily="34" charset="0"/>
-              </a:rPr>
-              <a:t>Senaryo</a:t>
-            </a:r>
-            <a:r>
-              <a:rPr lang="en-GB" sz="1600" dirty="0">
-                <a:latin typeface="Berlin Sans FB" panose="020E0602020502020306" pitchFamily="34" charset="0"/>
-              </a:rPr>
-              <a:t> 2 :</a:t>
-            </a:r>
-            <a:r>
-              <a:rPr lang="tr-TR" sz="1600" dirty="0">
-                <a:latin typeface="Berlin Sans FB" panose="020E0602020502020306" pitchFamily="34" charset="0"/>
-              </a:rPr>
-              <a:t> </a:t>
-            </a:r>
-            <a:endParaRPr lang="en-US" sz="1600" dirty="0">
-              <a:latin typeface="Berlin Sans FB" panose="020E0602020502020306" pitchFamily="34" charset="0"/>
-            </a:endParaRPr>
-          </a:p>
-          <a:p>
-            <a:r>
-              <a:rPr lang="en-GB" sz="1600" dirty="0" err="1">
-                <a:solidFill>
-                  <a:schemeClr val="bg2">
-                    <a:lumMod val="75000"/>
-                  </a:schemeClr>
-                </a:solidFill>
-                <a:latin typeface="Berlin Sans FB" panose="020E0602020502020306" pitchFamily="34" charset="0"/>
-              </a:rPr>
-              <a:t>Çoklu</a:t>
-            </a:r>
-            <a:r>
-              <a:rPr lang="en-GB" sz="1600" dirty="0">
-                <a:solidFill>
-                  <a:schemeClr val="bg2">
-                    <a:lumMod val="75000"/>
-                  </a:schemeClr>
-                </a:solidFill>
-                <a:latin typeface="Berlin Sans FB" panose="020E0602020502020306" pitchFamily="34" charset="0"/>
-              </a:rPr>
-              <a:t> </a:t>
-            </a:r>
-            <a:r>
-              <a:rPr lang="en-GB" sz="1600" dirty="0" err="1">
-                <a:solidFill>
-                  <a:schemeClr val="bg2">
-                    <a:lumMod val="75000"/>
-                  </a:schemeClr>
-                </a:solidFill>
-                <a:latin typeface="Berlin Sans FB" panose="020E0602020502020306" pitchFamily="34" charset="0"/>
-              </a:rPr>
-              <a:t>proje</a:t>
-            </a:r>
-            <a:r>
-              <a:rPr lang="tr-TR" sz="1600" dirty="0">
-                <a:solidFill>
-                  <a:schemeClr val="bg2">
-                    <a:lumMod val="75000"/>
-                  </a:schemeClr>
-                </a:solidFill>
-                <a:latin typeface="Berlin Sans FB" panose="020E0602020502020306" pitchFamily="34" charset="0"/>
-              </a:rPr>
-              <a:t>.</a:t>
-            </a:r>
-            <a:r>
-              <a:rPr lang="en-GB" sz="1600" dirty="0">
-                <a:solidFill>
-                  <a:schemeClr val="bg2">
-                    <a:lumMod val="75000"/>
-                  </a:schemeClr>
-                </a:solidFill>
-                <a:latin typeface="Berlin Sans FB" panose="020E0602020502020306" pitchFamily="34" charset="0"/>
-              </a:rPr>
-              <a:t> Log </a:t>
-            </a:r>
-            <a:r>
-              <a:rPr lang="en-GB" sz="1600" dirty="0" err="1">
-                <a:solidFill>
-                  <a:schemeClr val="bg2">
-                    <a:lumMod val="75000"/>
-                  </a:schemeClr>
-                </a:solidFill>
-                <a:latin typeface="Berlin Sans FB" panose="020E0602020502020306" pitchFamily="34" charset="0"/>
-              </a:rPr>
-              <a:t>ve</a:t>
-            </a:r>
-            <a:r>
-              <a:rPr lang="en-GB" sz="1600" dirty="0">
-                <a:solidFill>
-                  <a:schemeClr val="bg2">
-                    <a:lumMod val="75000"/>
-                  </a:schemeClr>
-                </a:solidFill>
-                <a:latin typeface="Berlin Sans FB" panose="020E0602020502020306" pitchFamily="34" charset="0"/>
-              </a:rPr>
-              <a:t> </a:t>
-            </a:r>
-            <a:r>
-              <a:rPr lang="en-GB" sz="1600" dirty="0" err="1">
-                <a:solidFill>
-                  <a:schemeClr val="bg2">
-                    <a:lumMod val="75000"/>
-                  </a:schemeClr>
-                </a:solidFill>
-                <a:latin typeface="Berlin Sans FB" panose="020E0602020502020306" pitchFamily="34" charset="0"/>
-              </a:rPr>
-              <a:t>Metricler</a:t>
-            </a:r>
-            <a:r>
-              <a:rPr lang="en-GB" sz="1600" dirty="0">
-                <a:solidFill>
-                  <a:schemeClr val="bg2">
-                    <a:lumMod val="75000"/>
-                  </a:schemeClr>
-                </a:solidFill>
-                <a:latin typeface="Berlin Sans FB" panose="020E0602020502020306" pitchFamily="34" charset="0"/>
-              </a:rPr>
-              <a:t> </a:t>
-            </a:r>
-            <a:r>
-              <a:rPr lang="en-GB" sz="1600" dirty="0" err="1">
-                <a:solidFill>
-                  <a:schemeClr val="bg2">
-                    <a:lumMod val="75000"/>
-                  </a:schemeClr>
-                </a:solidFill>
-                <a:latin typeface="Berlin Sans FB" panose="020E0602020502020306" pitchFamily="34" charset="0"/>
-              </a:rPr>
-              <a:t>farklı</a:t>
-            </a:r>
-            <a:r>
-              <a:rPr lang="en-GB" sz="1600" dirty="0">
-                <a:solidFill>
-                  <a:schemeClr val="bg2">
-                    <a:lumMod val="75000"/>
-                  </a:schemeClr>
-                </a:solidFill>
-                <a:latin typeface="Berlin Sans FB" panose="020E0602020502020306" pitchFamily="34" charset="0"/>
-              </a:rPr>
-              <a:t> </a:t>
-            </a:r>
-            <a:r>
-              <a:rPr lang="en-GB" sz="1600" dirty="0" err="1">
-                <a:solidFill>
-                  <a:schemeClr val="bg2">
-                    <a:lumMod val="75000"/>
-                  </a:schemeClr>
-                </a:solidFill>
-                <a:latin typeface="Berlin Sans FB" panose="020E0602020502020306" pitchFamily="34" charset="0"/>
-              </a:rPr>
-              <a:t>farklı</a:t>
-            </a:r>
-            <a:r>
-              <a:rPr lang="en-GB" sz="1600" dirty="0">
-                <a:solidFill>
-                  <a:schemeClr val="bg2">
-                    <a:lumMod val="75000"/>
-                  </a:schemeClr>
-                </a:solidFill>
-                <a:latin typeface="Berlin Sans FB" panose="020E0602020502020306" pitchFamily="34" charset="0"/>
-              </a:rPr>
-              <a:t> </a:t>
-            </a:r>
-            <a:r>
-              <a:rPr lang="en-GB" sz="1600" dirty="0" err="1">
-                <a:solidFill>
-                  <a:schemeClr val="bg2">
-                    <a:lumMod val="75000"/>
-                  </a:schemeClr>
-                </a:solidFill>
-                <a:latin typeface="Berlin Sans FB" panose="020E0602020502020306" pitchFamily="34" charset="0"/>
-              </a:rPr>
-              <a:t>zamanlarda</a:t>
-            </a:r>
-            <a:r>
-              <a:rPr lang="en-GB" sz="1600" dirty="0">
-                <a:solidFill>
-                  <a:schemeClr val="bg2">
-                    <a:lumMod val="75000"/>
-                  </a:schemeClr>
-                </a:solidFill>
-                <a:latin typeface="Berlin Sans FB" panose="020E0602020502020306" pitchFamily="34" charset="0"/>
-              </a:rPr>
-              <a:t>, </a:t>
-            </a:r>
-            <a:r>
-              <a:rPr lang="en-GB" sz="1600" dirty="0" err="1">
-                <a:solidFill>
-                  <a:schemeClr val="bg2">
-                    <a:lumMod val="75000"/>
-                  </a:schemeClr>
-                </a:solidFill>
-                <a:latin typeface="Berlin Sans FB" panose="020E0602020502020306" pitchFamily="34" charset="0"/>
-              </a:rPr>
-              <a:t>farklı</a:t>
-            </a:r>
-            <a:r>
-              <a:rPr lang="en-GB" sz="1600" dirty="0">
-                <a:solidFill>
-                  <a:schemeClr val="bg2">
-                    <a:lumMod val="75000"/>
-                  </a:schemeClr>
-                </a:solidFill>
-                <a:latin typeface="Berlin Sans FB" panose="020E0602020502020306" pitchFamily="34" charset="0"/>
-              </a:rPr>
-              <a:t> </a:t>
-            </a:r>
-            <a:r>
-              <a:rPr lang="en-GB" sz="1600" dirty="0" err="1">
-                <a:solidFill>
-                  <a:schemeClr val="bg2">
-                    <a:lumMod val="75000"/>
-                  </a:schemeClr>
-                </a:solidFill>
-                <a:latin typeface="Berlin Sans FB" panose="020E0602020502020306" pitchFamily="34" charset="0"/>
-              </a:rPr>
-              <a:t>farklı</a:t>
-            </a:r>
-            <a:r>
-              <a:rPr lang="en-GB" sz="1600" dirty="0">
-                <a:solidFill>
-                  <a:schemeClr val="bg2">
-                    <a:lumMod val="75000"/>
-                  </a:schemeClr>
-                </a:solidFill>
-                <a:latin typeface="Berlin Sans FB" panose="020E0602020502020306" pitchFamily="34" charset="0"/>
-              </a:rPr>
-              <a:t> </a:t>
-            </a:r>
-            <a:r>
-              <a:rPr lang="en-GB" sz="1600" dirty="0" err="1">
-                <a:solidFill>
-                  <a:schemeClr val="bg2">
-                    <a:lumMod val="75000"/>
-                  </a:schemeClr>
-                </a:solidFill>
-                <a:latin typeface="Berlin Sans FB" panose="020E0602020502020306" pitchFamily="34" charset="0"/>
-              </a:rPr>
-              <a:t>implementasyonlarla</a:t>
-            </a:r>
-            <a:r>
-              <a:rPr lang="en-GB" sz="1600" dirty="0">
-                <a:solidFill>
-                  <a:schemeClr val="bg2">
-                    <a:lumMod val="75000"/>
-                  </a:schemeClr>
-                </a:solidFill>
-                <a:latin typeface="Berlin Sans FB" panose="020E0602020502020306" pitchFamily="34" charset="0"/>
-              </a:rPr>
-              <a:t> </a:t>
-            </a:r>
-            <a:r>
-              <a:rPr lang="en-GB" sz="1600" dirty="0" err="1">
-                <a:solidFill>
-                  <a:schemeClr val="bg2">
-                    <a:lumMod val="75000"/>
-                  </a:schemeClr>
-                </a:solidFill>
-                <a:latin typeface="Berlin Sans FB" panose="020E0602020502020306" pitchFamily="34" charset="0"/>
-              </a:rPr>
-              <a:t>hayata</a:t>
-            </a:r>
-            <a:r>
-              <a:rPr lang="en-GB" sz="1600" dirty="0">
-                <a:solidFill>
-                  <a:schemeClr val="bg2">
-                    <a:lumMod val="75000"/>
-                  </a:schemeClr>
-                </a:solidFill>
-                <a:latin typeface="Berlin Sans FB" panose="020E0602020502020306" pitchFamily="34" charset="0"/>
-              </a:rPr>
-              <a:t> </a:t>
-            </a:r>
-            <a:r>
-              <a:rPr lang="en-GB" sz="1600" dirty="0" err="1">
-                <a:solidFill>
-                  <a:schemeClr val="bg2">
-                    <a:lumMod val="75000"/>
-                  </a:schemeClr>
-                </a:solidFill>
-                <a:latin typeface="Berlin Sans FB" panose="020E0602020502020306" pitchFamily="34" charset="0"/>
-              </a:rPr>
-              <a:t>geçirilebilir</a:t>
-            </a:r>
-            <a:r>
-              <a:rPr lang="en-GB" sz="1600" dirty="0">
-                <a:solidFill>
-                  <a:schemeClr val="bg2">
-                    <a:lumMod val="75000"/>
-                  </a:schemeClr>
-                </a:solidFill>
-                <a:latin typeface="Berlin Sans FB" panose="020E0602020502020306" pitchFamily="34" charset="0"/>
-              </a:rPr>
-              <a:t> </a:t>
-            </a:r>
-            <a:r>
-              <a:rPr lang="en-GB" sz="1600" dirty="0" err="1">
-                <a:solidFill>
-                  <a:schemeClr val="bg2">
-                    <a:lumMod val="75000"/>
-                  </a:schemeClr>
-                </a:solidFill>
-                <a:latin typeface="Berlin Sans FB" panose="020E0602020502020306" pitchFamily="34" charset="0"/>
-              </a:rPr>
-              <a:t>ve</a:t>
-            </a:r>
-            <a:r>
-              <a:rPr lang="en-GB" sz="1600" dirty="0">
-                <a:solidFill>
-                  <a:schemeClr val="bg2">
-                    <a:lumMod val="75000"/>
-                  </a:schemeClr>
-                </a:solidFill>
-                <a:latin typeface="Berlin Sans FB" panose="020E0602020502020306" pitchFamily="34" charset="0"/>
-              </a:rPr>
-              <a:t> </a:t>
-            </a:r>
-            <a:r>
-              <a:rPr lang="en-GB" sz="1600" dirty="0" err="1">
-                <a:solidFill>
-                  <a:schemeClr val="bg2">
-                    <a:lumMod val="75000"/>
-                  </a:schemeClr>
-                </a:solidFill>
-                <a:latin typeface="Berlin Sans FB" panose="020E0602020502020306" pitchFamily="34" charset="0"/>
-              </a:rPr>
-              <a:t>bu</a:t>
-            </a:r>
-            <a:r>
-              <a:rPr lang="en-GB" sz="1600" dirty="0">
-                <a:solidFill>
-                  <a:schemeClr val="bg2">
-                    <a:lumMod val="75000"/>
-                  </a:schemeClr>
-                </a:solidFill>
-                <a:latin typeface="Berlin Sans FB" panose="020E0602020502020306" pitchFamily="34" charset="0"/>
-              </a:rPr>
-              <a:t> </a:t>
-            </a:r>
-            <a:r>
-              <a:rPr lang="en-GB" sz="1600" dirty="0" err="1">
-                <a:solidFill>
-                  <a:schemeClr val="bg2">
-                    <a:lumMod val="75000"/>
-                  </a:schemeClr>
-                </a:solidFill>
-                <a:latin typeface="Berlin Sans FB" panose="020E0602020502020306" pitchFamily="34" charset="0"/>
-              </a:rPr>
-              <a:t>durumda</a:t>
-            </a:r>
-            <a:r>
-              <a:rPr lang="en-GB" sz="1600" dirty="0">
-                <a:solidFill>
-                  <a:schemeClr val="bg2">
-                    <a:lumMod val="75000"/>
-                  </a:schemeClr>
-                </a:solidFill>
-                <a:latin typeface="Berlin Sans FB" panose="020E0602020502020306" pitchFamily="34" charset="0"/>
-              </a:rPr>
-              <a:t> tracing </a:t>
-            </a:r>
-            <a:r>
-              <a:rPr lang="en-GB" sz="1600" dirty="0" err="1">
-                <a:solidFill>
-                  <a:schemeClr val="bg2">
-                    <a:lumMod val="75000"/>
-                  </a:schemeClr>
-                </a:solidFill>
-                <a:latin typeface="Berlin Sans FB" panose="020E0602020502020306" pitchFamily="34" charset="0"/>
-              </a:rPr>
-              <a:t>mekanizması</a:t>
-            </a:r>
-            <a:r>
-              <a:rPr lang="en-GB" sz="1600" dirty="0">
-                <a:solidFill>
-                  <a:schemeClr val="bg2">
-                    <a:lumMod val="75000"/>
-                  </a:schemeClr>
-                </a:solidFill>
-                <a:latin typeface="Berlin Sans FB" panose="020E0602020502020306" pitchFamily="34" charset="0"/>
-              </a:rPr>
-              <a:t> </a:t>
-            </a:r>
-            <a:r>
-              <a:rPr lang="en-GB" sz="1600" dirty="0" err="1">
-                <a:solidFill>
-                  <a:schemeClr val="bg2">
-                    <a:lumMod val="75000"/>
-                  </a:schemeClr>
-                </a:solidFill>
-                <a:latin typeface="Berlin Sans FB" panose="020E0602020502020306" pitchFamily="34" charset="0"/>
-              </a:rPr>
-              <a:t>çalışmayacaktır</a:t>
-            </a:r>
-            <a:r>
-              <a:rPr lang="en-GB" sz="1600" dirty="0">
-                <a:solidFill>
-                  <a:schemeClr val="bg2">
-                    <a:lumMod val="75000"/>
-                  </a:schemeClr>
-                </a:solidFill>
-                <a:latin typeface="Berlin Sans FB" panose="020E0602020502020306" pitchFamily="34" charset="0"/>
-              </a:rPr>
-              <a:t>.</a:t>
-            </a:r>
-            <a:endParaRPr lang="en-US" sz="1600" dirty="0">
-              <a:solidFill>
-                <a:schemeClr val="bg2">
-                  <a:lumMod val="75000"/>
-                </a:schemeClr>
-              </a:solidFill>
-              <a:latin typeface="Berlin Sans FB" panose="020E0602020502020306" pitchFamily="34" charset="0"/>
-            </a:endParaRPr>
-          </a:p>
-          <a:p>
-            <a:endParaRPr lang="en-US" sz="1600" dirty="0">
-              <a:latin typeface="Berlin Sans FB" panose="020E0602020502020306" pitchFamily="34" charset="0"/>
-            </a:endParaRPr>
-          </a:p>
-          <a:p>
-            <a:r>
-              <a:rPr lang="en-GB" sz="1600" dirty="0" err="1">
-                <a:latin typeface="Berlin Sans FB" panose="020E0602020502020306" pitchFamily="34" charset="0"/>
-              </a:rPr>
-              <a:t>Senaryo</a:t>
-            </a:r>
-            <a:r>
-              <a:rPr lang="en-GB" sz="1600" dirty="0">
-                <a:latin typeface="Berlin Sans FB" panose="020E0602020502020306" pitchFamily="34" charset="0"/>
-              </a:rPr>
-              <a:t> 3 : </a:t>
-            </a:r>
-          </a:p>
-          <a:p>
-            <a:r>
-              <a:rPr lang="en-GB" sz="1600" dirty="0">
-                <a:solidFill>
-                  <a:schemeClr val="bg2">
-                    <a:lumMod val="75000"/>
-                  </a:schemeClr>
-                </a:solidFill>
-                <a:latin typeface="Berlin Sans FB" panose="020E0602020502020306" pitchFamily="34" charset="0"/>
-              </a:rPr>
-              <a:t>Tek/</a:t>
-            </a:r>
-            <a:r>
-              <a:rPr lang="en-GB" sz="1600" dirty="0" err="1">
-                <a:solidFill>
-                  <a:schemeClr val="bg2">
-                    <a:lumMod val="75000"/>
-                  </a:schemeClr>
-                </a:solidFill>
-                <a:latin typeface="Berlin Sans FB" panose="020E0602020502020306" pitchFamily="34" charset="0"/>
-              </a:rPr>
-              <a:t>Çoklu</a:t>
-            </a:r>
-            <a:r>
-              <a:rPr lang="en-GB" sz="1600" dirty="0">
-                <a:solidFill>
-                  <a:schemeClr val="bg2">
-                    <a:lumMod val="75000"/>
-                  </a:schemeClr>
-                </a:solidFill>
-                <a:latin typeface="Berlin Sans FB" panose="020E0602020502020306" pitchFamily="34" charset="0"/>
-              </a:rPr>
-              <a:t> </a:t>
-            </a:r>
-            <a:r>
-              <a:rPr lang="en-GB" sz="1600" dirty="0" err="1">
-                <a:solidFill>
-                  <a:schemeClr val="bg2">
-                    <a:lumMod val="75000"/>
-                  </a:schemeClr>
-                </a:solidFill>
-                <a:latin typeface="Berlin Sans FB" panose="020E0602020502020306" pitchFamily="34" charset="0"/>
-              </a:rPr>
-              <a:t>proje</a:t>
-            </a:r>
-            <a:r>
-              <a:rPr lang="en-GB" sz="1600" dirty="0">
-                <a:solidFill>
-                  <a:schemeClr val="bg2">
-                    <a:lumMod val="75000"/>
-                  </a:schemeClr>
-                </a:solidFill>
-                <a:latin typeface="Berlin Sans FB" panose="020E0602020502020306" pitchFamily="34" charset="0"/>
-              </a:rPr>
-              <a:t> + Vendor.</a:t>
-            </a:r>
-          </a:p>
-          <a:p>
-            <a:r>
-              <a:rPr lang="en-GB" sz="1600" dirty="0" err="1">
-                <a:solidFill>
-                  <a:schemeClr val="bg2">
-                    <a:lumMod val="75000"/>
-                  </a:schemeClr>
-                </a:solidFill>
-                <a:latin typeface="Berlin Sans FB" panose="020E0602020502020306" pitchFamily="34" charset="0"/>
-              </a:rPr>
-              <a:t>Destekleyici</a:t>
-            </a:r>
-            <a:r>
-              <a:rPr lang="en-GB" sz="1600" dirty="0">
-                <a:solidFill>
-                  <a:schemeClr val="bg2">
-                    <a:lumMod val="75000"/>
-                  </a:schemeClr>
-                </a:solidFill>
-                <a:latin typeface="Berlin Sans FB" panose="020E0602020502020306" pitchFamily="34" charset="0"/>
-              </a:rPr>
-              <a:t> </a:t>
-            </a:r>
-            <a:r>
-              <a:rPr lang="en-GB" sz="1600" dirty="0" err="1">
-                <a:solidFill>
-                  <a:schemeClr val="bg2">
-                    <a:lumMod val="75000"/>
-                  </a:schemeClr>
-                </a:solidFill>
-                <a:latin typeface="Berlin Sans FB" panose="020E0602020502020306" pitchFamily="34" charset="0"/>
-              </a:rPr>
-              <a:t>bir</a:t>
-            </a:r>
-            <a:r>
-              <a:rPr lang="en-GB" sz="1600" dirty="0">
-                <a:solidFill>
-                  <a:schemeClr val="bg2">
-                    <a:lumMod val="75000"/>
-                  </a:schemeClr>
-                </a:solidFill>
-                <a:latin typeface="Berlin Sans FB" panose="020E0602020502020306" pitchFamily="34" charset="0"/>
-              </a:rPr>
-              <a:t> </a:t>
-            </a:r>
-            <a:r>
-              <a:rPr lang="en-GB" sz="1600" dirty="0" err="1">
-                <a:solidFill>
-                  <a:schemeClr val="bg2">
-                    <a:lumMod val="75000"/>
-                  </a:schemeClr>
-                </a:solidFill>
-                <a:latin typeface="Berlin Sans FB" panose="020E0602020502020306" pitchFamily="34" charset="0"/>
-              </a:rPr>
-              <a:t>marka</a:t>
-            </a:r>
-            <a:r>
-              <a:rPr lang="en-GB" sz="1600" dirty="0">
-                <a:solidFill>
-                  <a:schemeClr val="bg2">
-                    <a:lumMod val="75000"/>
-                  </a:schemeClr>
-                </a:solidFill>
-                <a:latin typeface="Berlin Sans FB" panose="020E0602020502020306" pitchFamily="34" charset="0"/>
-              </a:rPr>
-              <a:t> </a:t>
-            </a:r>
-            <a:r>
-              <a:rPr lang="en-GB" sz="1600" dirty="0" err="1">
-                <a:solidFill>
-                  <a:schemeClr val="bg2">
-                    <a:lumMod val="75000"/>
-                  </a:schemeClr>
-                </a:solidFill>
-                <a:latin typeface="Berlin Sans FB" panose="020E0602020502020306" pitchFamily="34" charset="0"/>
-              </a:rPr>
-              <a:t>bağımlılığı</a:t>
-            </a:r>
-            <a:r>
-              <a:rPr lang="en-GB" sz="1600" dirty="0">
-                <a:solidFill>
-                  <a:schemeClr val="bg2">
-                    <a:lumMod val="75000"/>
-                  </a:schemeClr>
-                </a:solidFill>
-                <a:latin typeface="Berlin Sans FB" panose="020E0602020502020306" pitchFamily="34" charset="0"/>
-              </a:rPr>
-              <a:t> </a:t>
-            </a:r>
-            <a:r>
-              <a:rPr lang="en-GB" sz="1600" dirty="0" err="1">
-                <a:solidFill>
-                  <a:schemeClr val="bg2">
-                    <a:lumMod val="75000"/>
-                  </a:schemeClr>
-                </a:solidFill>
-                <a:latin typeface="Berlin Sans FB" panose="020E0602020502020306" pitchFamily="34" charset="0"/>
-              </a:rPr>
-              <a:t>ile</a:t>
-            </a:r>
-            <a:r>
-              <a:rPr lang="en-GB" sz="1600" dirty="0">
-                <a:solidFill>
-                  <a:schemeClr val="bg2">
-                    <a:lumMod val="75000"/>
-                  </a:schemeClr>
-                </a:solidFill>
-                <a:latin typeface="Berlin Sans FB" panose="020E0602020502020306" pitchFamily="34" charset="0"/>
-              </a:rPr>
-              <a:t> Log </a:t>
-            </a:r>
-            <a:r>
-              <a:rPr lang="en-GB" sz="1600" dirty="0" err="1">
-                <a:solidFill>
-                  <a:schemeClr val="bg2">
-                    <a:lumMod val="75000"/>
-                  </a:schemeClr>
-                </a:solidFill>
-                <a:latin typeface="Berlin Sans FB" panose="020E0602020502020306" pitchFamily="34" charset="0"/>
-              </a:rPr>
-              <a:t>ve</a:t>
-            </a:r>
-            <a:r>
-              <a:rPr lang="en-GB" sz="1600" dirty="0">
-                <a:solidFill>
-                  <a:schemeClr val="bg2">
-                    <a:lumMod val="75000"/>
-                  </a:schemeClr>
-                </a:solidFill>
-                <a:latin typeface="Berlin Sans FB" panose="020E0602020502020306" pitchFamily="34" charset="0"/>
-              </a:rPr>
-              <a:t> Metric </a:t>
-            </a:r>
-            <a:r>
-              <a:rPr lang="en-GB" sz="1600" dirty="0" err="1">
-                <a:solidFill>
-                  <a:schemeClr val="bg2">
-                    <a:lumMod val="75000"/>
-                  </a:schemeClr>
-                </a:solidFill>
-                <a:latin typeface="Berlin Sans FB" panose="020E0602020502020306" pitchFamily="34" charset="0"/>
-              </a:rPr>
-              <a:t>sisteminizi</a:t>
-            </a:r>
-            <a:r>
-              <a:rPr lang="en-GB" sz="1600" dirty="0">
-                <a:solidFill>
-                  <a:schemeClr val="bg2">
-                    <a:lumMod val="75000"/>
-                  </a:schemeClr>
-                </a:solidFill>
-                <a:latin typeface="Berlin Sans FB" panose="020E0602020502020306" pitchFamily="34" charset="0"/>
-              </a:rPr>
-              <a:t> </a:t>
-            </a:r>
-            <a:r>
-              <a:rPr lang="en-GB" sz="1600" dirty="0" err="1">
-                <a:solidFill>
-                  <a:schemeClr val="bg2">
-                    <a:lumMod val="75000"/>
-                  </a:schemeClr>
-                </a:solidFill>
-                <a:latin typeface="Berlin Sans FB" panose="020E0602020502020306" pitchFamily="34" charset="0"/>
-              </a:rPr>
-              <a:t>sadece</a:t>
-            </a:r>
-            <a:r>
-              <a:rPr lang="en-GB" sz="1600" dirty="0">
-                <a:solidFill>
-                  <a:schemeClr val="bg2">
-                    <a:lumMod val="75000"/>
-                  </a:schemeClr>
-                </a:solidFill>
-                <a:latin typeface="Berlin Sans FB" panose="020E0602020502020306" pitchFamily="34" charset="0"/>
-              </a:rPr>
-              <a:t> </a:t>
-            </a:r>
-            <a:r>
-              <a:rPr lang="en-GB" sz="1600" dirty="0" err="1">
-                <a:solidFill>
-                  <a:schemeClr val="bg2">
-                    <a:lumMod val="75000"/>
-                  </a:schemeClr>
-                </a:solidFill>
-                <a:latin typeface="Berlin Sans FB" panose="020E0602020502020306" pitchFamily="34" charset="0"/>
-              </a:rPr>
-              <a:t>ilgili</a:t>
-            </a:r>
-            <a:r>
-              <a:rPr lang="en-GB" sz="1600" dirty="0">
-                <a:solidFill>
-                  <a:schemeClr val="bg2">
-                    <a:lumMod val="75000"/>
-                  </a:schemeClr>
-                </a:solidFill>
-                <a:latin typeface="Berlin Sans FB" panose="020E0602020502020306" pitchFamily="34" charset="0"/>
-              </a:rPr>
-              <a:t> </a:t>
-            </a:r>
-            <a:r>
-              <a:rPr lang="en-GB" sz="1600" dirty="0" err="1">
-                <a:solidFill>
-                  <a:schemeClr val="bg2">
-                    <a:lumMod val="75000"/>
-                  </a:schemeClr>
-                </a:solidFill>
-                <a:latin typeface="Berlin Sans FB" panose="020E0602020502020306" pitchFamily="34" charset="0"/>
-              </a:rPr>
-              <a:t>firmanın</a:t>
-            </a:r>
-            <a:r>
-              <a:rPr lang="en-GB" sz="1600" dirty="0">
-                <a:solidFill>
-                  <a:schemeClr val="bg2">
-                    <a:lumMod val="75000"/>
-                  </a:schemeClr>
-                </a:solidFill>
-                <a:latin typeface="Berlin Sans FB" panose="020E0602020502020306" pitchFamily="34" charset="0"/>
-              </a:rPr>
-              <a:t> </a:t>
-            </a:r>
-            <a:r>
-              <a:rPr lang="en-GB" sz="1600" dirty="0" err="1">
-                <a:solidFill>
-                  <a:schemeClr val="bg2">
-                    <a:lumMod val="75000"/>
-                  </a:schemeClr>
-                </a:solidFill>
-                <a:latin typeface="Berlin Sans FB" panose="020E0602020502020306" pitchFamily="34" charset="0"/>
-              </a:rPr>
-              <a:t>destek</a:t>
-            </a:r>
-            <a:r>
-              <a:rPr lang="en-GB" sz="1600" dirty="0">
-                <a:solidFill>
-                  <a:schemeClr val="bg2">
-                    <a:lumMod val="75000"/>
-                  </a:schemeClr>
-                </a:solidFill>
-                <a:latin typeface="Berlin Sans FB" panose="020E0602020502020306" pitchFamily="34" charset="0"/>
-              </a:rPr>
-              <a:t> </a:t>
-            </a:r>
-            <a:r>
-              <a:rPr lang="en-GB" sz="1600" dirty="0" err="1">
-                <a:solidFill>
-                  <a:schemeClr val="bg2">
-                    <a:lumMod val="75000"/>
-                  </a:schemeClr>
-                </a:solidFill>
-                <a:latin typeface="Berlin Sans FB" panose="020E0602020502020306" pitchFamily="34" charset="0"/>
-              </a:rPr>
-              <a:t>verdiği</a:t>
-            </a:r>
-            <a:r>
-              <a:rPr lang="en-GB" sz="1600" dirty="0">
-                <a:solidFill>
-                  <a:schemeClr val="bg2">
-                    <a:lumMod val="75000"/>
-                  </a:schemeClr>
-                </a:solidFill>
-                <a:latin typeface="Berlin Sans FB" panose="020E0602020502020306" pitchFamily="34" charset="0"/>
-              </a:rPr>
-              <a:t> </a:t>
-            </a:r>
-            <a:r>
-              <a:rPr lang="en-GB" sz="1600" dirty="0" err="1">
-                <a:solidFill>
-                  <a:schemeClr val="bg2">
-                    <a:lumMod val="75000"/>
-                  </a:schemeClr>
-                </a:solidFill>
-                <a:latin typeface="Berlin Sans FB" panose="020E0602020502020306" pitchFamily="34" charset="0"/>
-              </a:rPr>
-              <a:t>ölçüde</a:t>
-            </a:r>
-            <a:r>
-              <a:rPr lang="en-GB" sz="1600" dirty="0">
-                <a:solidFill>
-                  <a:schemeClr val="bg2">
-                    <a:lumMod val="75000"/>
-                  </a:schemeClr>
-                </a:solidFill>
-                <a:latin typeface="Berlin Sans FB" panose="020E0602020502020306" pitchFamily="34" charset="0"/>
-              </a:rPr>
-              <a:t> trace </a:t>
-            </a:r>
-            <a:r>
-              <a:rPr lang="en-GB" sz="1600" dirty="0" err="1">
-                <a:solidFill>
-                  <a:schemeClr val="bg2">
-                    <a:lumMod val="75000"/>
-                  </a:schemeClr>
-                </a:solidFill>
-                <a:latin typeface="Berlin Sans FB" panose="020E0602020502020306" pitchFamily="34" charset="0"/>
-              </a:rPr>
-              <a:t>edebilirsiniz</a:t>
-            </a:r>
-            <a:r>
-              <a:rPr lang="en-GB" sz="1600" dirty="0">
-                <a:solidFill>
-                  <a:schemeClr val="bg2">
-                    <a:lumMod val="75000"/>
-                  </a:schemeClr>
-                </a:solidFill>
-                <a:latin typeface="Berlin Sans FB" panose="020E0602020502020306" pitchFamily="34" charset="0"/>
-              </a:rPr>
-              <a:t>, her </a:t>
-            </a:r>
-            <a:r>
-              <a:rPr lang="en-GB" sz="1600" dirty="0" err="1">
-                <a:solidFill>
-                  <a:schemeClr val="bg2">
-                    <a:lumMod val="75000"/>
-                  </a:schemeClr>
-                </a:solidFill>
-                <a:latin typeface="Berlin Sans FB" panose="020E0602020502020306" pitchFamily="34" charset="0"/>
-              </a:rPr>
-              <a:t>durumu</a:t>
-            </a:r>
-            <a:r>
-              <a:rPr lang="en-GB" sz="1600" dirty="0">
-                <a:solidFill>
-                  <a:schemeClr val="bg2">
-                    <a:lumMod val="75000"/>
-                  </a:schemeClr>
-                </a:solidFill>
-                <a:latin typeface="Berlin Sans FB" panose="020E0602020502020306" pitchFamily="34" charset="0"/>
-              </a:rPr>
-              <a:t> </a:t>
-            </a:r>
-            <a:r>
-              <a:rPr lang="en-GB" sz="1600" dirty="0" err="1">
-                <a:solidFill>
-                  <a:schemeClr val="bg2">
-                    <a:lumMod val="75000"/>
-                  </a:schemeClr>
-                </a:solidFill>
-                <a:latin typeface="Berlin Sans FB" panose="020E0602020502020306" pitchFamily="34" charset="0"/>
-              </a:rPr>
-              <a:t>ele</a:t>
-            </a:r>
-            <a:r>
-              <a:rPr lang="en-GB" sz="1600" dirty="0">
-                <a:solidFill>
-                  <a:schemeClr val="bg2">
-                    <a:lumMod val="75000"/>
-                  </a:schemeClr>
-                </a:solidFill>
-                <a:latin typeface="Berlin Sans FB" panose="020E0602020502020306" pitchFamily="34" charset="0"/>
-              </a:rPr>
-              <a:t> </a:t>
-            </a:r>
-            <a:r>
-              <a:rPr lang="en-GB" sz="1600" dirty="0" err="1">
-                <a:solidFill>
-                  <a:schemeClr val="bg2">
-                    <a:lumMod val="75000"/>
-                  </a:schemeClr>
-                </a:solidFill>
-                <a:latin typeface="Berlin Sans FB" panose="020E0602020502020306" pitchFamily="34" charset="0"/>
-              </a:rPr>
-              <a:t>alamamaya</a:t>
-            </a:r>
-            <a:r>
-              <a:rPr lang="en-GB" sz="1600" dirty="0">
-                <a:solidFill>
-                  <a:schemeClr val="bg2">
-                    <a:lumMod val="75000"/>
-                  </a:schemeClr>
-                </a:solidFill>
-                <a:latin typeface="Berlin Sans FB" panose="020E0602020502020306" pitchFamily="34" charset="0"/>
-              </a:rPr>
-              <a:t> </a:t>
-            </a:r>
-            <a:r>
-              <a:rPr lang="en-GB" sz="1600" dirty="0" err="1">
-                <a:solidFill>
-                  <a:schemeClr val="bg2">
-                    <a:lumMod val="75000"/>
-                  </a:schemeClr>
-                </a:solidFill>
-                <a:latin typeface="Berlin Sans FB" panose="020E0602020502020306" pitchFamily="34" charset="0"/>
-              </a:rPr>
-              <a:t>sebebiyet</a:t>
-            </a:r>
-            <a:r>
-              <a:rPr lang="en-GB" sz="1600" dirty="0">
-                <a:solidFill>
-                  <a:schemeClr val="bg2">
-                    <a:lumMod val="75000"/>
-                  </a:schemeClr>
-                </a:solidFill>
-                <a:latin typeface="Berlin Sans FB" panose="020E0602020502020306" pitchFamily="34" charset="0"/>
-              </a:rPr>
-              <a:t> </a:t>
-            </a:r>
-            <a:r>
-              <a:rPr lang="en-GB" sz="1600" dirty="0" err="1">
-                <a:solidFill>
-                  <a:schemeClr val="bg2">
-                    <a:lumMod val="75000"/>
-                  </a:schemeClr>
-                </a:solidFill>
-                <a:latin typeface="Berlin Sans FB" panose="020E0602020502020306" pitchFamily="34" charset="0"/>
-              </a:rPr>
-              <a:t>verebilir</a:t>
-            </a:r>
-            <a:r>
-              <a:rPr lang="en-GB" sz="1600" dirty="0">
-                <a:solidFill>
-                  <a:schemeClr val="bg2">
-                    <a:lumMod val="75000"/>
-                  </a:schemeClr>
-                </a:solidFill>
-                <a:latin typeface="Berlin Sans FB" panose="020E0602020502020306" pitchFamily="34" charset="0"/>
-              </a:rPr>
-              <a:t>.</a:t>
-            </a:r>
-            <a:endParaRPr lang="en-US" sz="1600" dirty="0">
-              <a:solidFill>
-                <a:schemeClr val="bg2">
-                  <a:lumMod val="75000"/>
-                </a:schemeClr>
-              </a:solidFill>
-              <a:latin typeface="Berlin Sans FB" panose="020E0602020502020306" pitchFamily="34" charset="0"/>
-            </a:endParaRPr>
-          </a:p>
-        </p:txBody>
-      </p:sp>
-    </p:spTree>
-    <p:extLst>
-      <p:ext uri="{BB962C8B-B14F-4D97-AF65-F5344CB8AC3E}">
-        <p14:creationId xmlns:p14="http://schemas.microsoft.com/office/powerpoint/2010/main" val="721458803"/>
-      </p:ext>
-    </p:extLst>
-  </p:cSld>
-  <p:clrMapOvr>
-    <a:masterClrMapping/>
-  </p:clrMapOvr>
-</p:sld>
-</file>
-
-<file path=ppt/slides/slide5.xml><?xml version="1.0" encoding="utf-8"?>
-<p:sld xmlns:a="http://schemas.openxmlformats.org/drawingml/2006/main" xmlns:r="http://schemas.openxmlformats.org/officeDocument/2006/relationships" xmlns:p="http://schemas.openxmlformats.org/presentationml/2006/main">
-  <p:cSld>
-    <p:spTree>
-      <p:nvGrpSpPr>
-        <p:cNvPr id="1" name=""/>
-        <p:cNvGrpSpPr/>
-        <p:nvPr/>
-      </p:nvGrpSpPr>
-      <p:grpSpPr>
-        <a:xfrm>
-          <a:off x="0" y="0"/>
-          <a:ext cx="0" cy="0"/>
-          <a:chOff x="0" y="0"/>
-          <a:chExt cx="0" cy="0"/>
-        </a:xfrm>
-      </p:grpSpPr>
-      <p:sp>
-        <p:nvSpPr>
-          <p:cNvPr id="2" name="Title 1">
-            <a:extLst>
-              <a:ext uri="{FF2B5EF4-FFF2-40B4-BE49-F238E27FC236}">
-                <a16:creationId xmlns:a16="http://schemas.microsoft.com/office/drawing/2014/main" id="{71EE4FB3-66B0-4749-82EC-375C6BFBF789}"/>
-              </a:ext>
-            </a:extLst>
-          </p:cNvPr>
-          <p:cNvSpPr>
-            <a:spLocks noGrp="1"/>
-          </p:cNvSpPr>
-          <p:nvPr>
-            <p:ph type="title"/>
-          </p:nvPr>
-        </p:nvSpPr>
-        <p:spPr/>
-        <p:txBody>
-          <a:bodyPr/>
-          <a:lstStyle/>
-          <a:p>
-            <a:r>
-              <a:rPr lang="en-US" dirty="0"/>
-              <a:t>Log/Metrics/</a:t>
-            </a:r>
-            <a:r>
-              <a:rPr lang="en-US" dirty="0" err="1"/>
-              <a:t>Genel</a:t>
-            </a:r>
-            <a:endParaRPr lang="en-US" dirty="0"/>
-          </a:p>
-        </p:txBody>
-      </p:sp>
-      <p:pic>
-        <p:nvPicPr>
-          <p:cNvPr id="5" name="Picture 4" descr="A picture containing graphical user interface&#10;&#10;Description automatically generated">
-            <a:extLst>
-              <a:ext uri="{FF2B5EF4-FFF2-40B4-BE49-F238E27FC236}">
-                <a16:creationId xmlns:a16="http://schemas.microsoft.com/office/drawing/2014/main" id="{D757CC32-6D52-4041-A38B-BC9483EA8919}"/>
-              </a:ext>
-            </a:extLst>
-          </p:cNvPr>
-          <p:cNvPicPr>
-            <a:picLocks noChangeAspect="1"/>
-          </p:cNvPicPr>
-          <p:nvPr/>
-        </p:nvPicPr>
-        <p:blipFill>
-          <a:blip r:embed="rId2"/>
-          <a:stretch>
-            <a:fillRect/>
-          </a:stretch>
-        </p:blipFill>
-        <p:spPr>
-          <a:xfrm>
-            <a:off x="1484779" y="2070474"/>
-            <a:ext cx="9461500" cy="3517900"/>
-          </a:xfrm>
-          <a:prstGeom prst="rect">
-            <a:avLst/>
-          </a:prstGeom>
-        </p:spPr>
-      </p:pic>
-    </p:spTree>
-    <p:extLst>
-      <p:ext uri="{BB962C8B-B14F-4D97-AF65-F5344CB8AC3E}">
-        <p14:creationId xmlns:p14="http://schemas.microsoft.com/office/powerpoint/2010/main" val="854910226"/>
-      </p:ext>
-    </p:extLst>
-  </p:cSld>
-  <p:clrMapOvr>
-    <a:masterClrMapping/>
-  </p:clrMapOvr>
-</p:sld>
-</file>
-
-<file path=ppt/slides/slide6.xml><?xml version="1.0" encoding="utf-8"?>
+<file path=ppt/slides/slide10.xml><?xml version="1.0" encoding="utf-8"?>
 <p:sld xmlns:a="http://schemas.openxmlformats.org/drawingml/2006/main" xmlns:r="http://schemas.openxmlformats.org/officeDocument/2006/relationships" xmlns:p="http://schemas.openxmlformats.org/presentationml/2006/main">
   <p:cSld>
     <p:spTree>
@@ -5093,7 +3117,7 @@
 </p:sld>
 </file>
 
-<file path=ppt/slides/slide7.xml><?xml version="1.0" encoding="utf-8"?>
+<file path=ppt/slides/slide11.xml><?xml version="1.0" encoding="utf-8"?>
 <p:sld xmlns:a="http://schemas.openxmlformats.org/drawingml/2006/main" xmlns:r="http://schemas.openxmlformats.org/officeDocument/2006/relationships" xmlns:p="http://schemas.openxmlformats.org/presentationml/2006/main">
   <p:cSld>
     <p:spTree>
@@ -5471,7 +3495,7 @@
 </p:sld>
 </file>
 
-<file path=ppt/slides/slide8.xml><?xml version="1.0" encoding="utf-8"?>
+<file path=ppt/slides/slide12.xml><?xml version="1.0" encoding="utf-8"?>
 <p:sld xmlns:a="http://schemas.openxmlformats.org/drawingml/2006/main" xmlns:r="http://schemas.openxmlformats.org/officeDocument/2006/relationships" xmlns:p="http://schemas.openxmlformats.org/presentationml/2006/main">
   <p:cSld>
     <p:spTree>
@@ -5571,7 +3595,7 @@
 </p:sld>
 </file>
 
-<file path=ppt/slides/slide9.xml><?xml version="1.0" encoding="utf-8"?>
+<file path=ppt/slides/slide13.xml><?xml version="1.0" encoding="utf-8"?>
 <p:sld xmlns:a="http://schemas.openxmlformats.org/drawingml/2006/main" xmlns:r="http://schemas.openxmlformats.org/officeDocument/2006/relationships" xmlns:p="http://schemas.openxmlformats.org/presentationml/2006/main">
   <p:cSld>
     <p:spTree>
@@ -6157,6 +4181,7354 @@
     <p:extLst>
       <p:ext uri="{BB962C8B-B14F-4D97-AF65-F5344CB8AC3E}">
         <p14:creationId xmlns:p14="http://schemas.microsoft.com/office/powerpoint/2010/main" val="3396149713"/>
+      </p:ext>
+    </p:extLst>
+  </p:cSld>
+  <p:clrMapOvr>
+    <a:masterClrMapping/>
+  </p:clrMapOvr>
+</p:sld>
+</file>
+
+<file path=ppt/slides/slide2.xml><?xml version="1.0" encoding="utf-8"?>
+<p:sld xmlns:a="http://schemas.openxmlformats.org/drawingml/2006/main" xmlns:r="http://schemas.openxmlformats.org/officeDocument/2006/relationships" xmlns:p="http://schemas.openxmlformats.org/presentationml/2006/main">
+  <p:cSld>
+    <p:spTree>
+      <p:nvGrpSpPr>
+        <p:cNvPr id="1" name=""/>
+        <p:cNvGrpSpPr/>
+        <p:nvPr/>
+      </p:nvGrpSpPr>
+      <p:grpSpPr>
+        <a:xfrm>
+          <a:off x="0" y="0"/>
+          <a:ext cx="0" cy="0"/>
+          <a:chOff x="0" y="0"/>
+          <a:chExt cx="0" cy="0"/>
+        </a:xfrm>
+      </p:grpSpPr>
+      <p:sp>
+        <p:nvSpPr>
+          <p:cNvPr id="2" name="Title 1">
+            <a:extLst>
+              <a:ext uri="{FF2B5EF4-FFF2-40B4-BE49-F238E27FC236}">
+                <a16:creationId xmlns:a16="http://schemas.microsoft.com/office/drawing/2014/main" id="{71EE4FB3-66B0-4749-82EC-375C6BFBF789}"/>
+              </a:ext>
+            </a:extLst>
+          </p:cNvPr>
+          <p:cNvSpPr>
+            <a:spLocks noGrp="1"/>
+          </p:cNvSpPr>
+          <p:nvPr>
+            <p:ph type="title"/>
+          </p:nvPr>
+        </p:nvSpPr>
+        <p:spPr/>
+        <p:txBody>
+          <a:bodyPr/>
+          <a:lstStyle/>
+          <a:p>
+            <a:r>
+              <a:rPr lang="en-US" dirty="0" err="1"/>
+              <a:t>Gündem</a:t>
+            </a:r>
+            <a:endParaRPr lang="en-US" dirty="0"/>
+          </a:p>
+        </p:txBody>
+      </p:sp>
+      <p:sp>
+        <p:nvSpPr>
+          <p:cNvPr id="3" name="Content Placeholder 2">
+            <a:extLst>
+              <a:ext uri="{FF2B5EF4-FFF2-40B4-BE49-F238E27FC236}">
+                <a16:creationId xmlns:a16="http://schemas.microsoft.com/office/drawing/2014/main" id="{BAF8D38B-6464-4AFA-8729-AC625442AC62}"/>
+              </a:ext>
+            </a:extLst>
+          </p:cNvPr>
+          <p:cNvSpPr>
+            <a:spLocks noGrp="1"/>
+          </p:cNvSpPr>
+          <p:nvPr>
+            <p:ph sz="quarter" idx="10"/>
+          </p:nvPr>
+        </p:nvSpPr>
+        <p:spPr/>
+        <p:txBody>
+          <a:bodyPr>
+            <a:normAutofit/>
+          </a:bodyPr>
+          <a:lstStyle/>
+          <a:p>
+            <a:pPr marL="171450" indent="-171450">
+              <a:buFontTx/>
+              <a:buChar char="-"/>
+            </a:pPr>
+            <a:r>
+              <a:rPr lang="en-US" sz="1800" dirty="0">
+                <a:latin typeface="Berlin Sans FB" panose="020E0602020502020306" pitchFamily="34" charset="0"/>
+              </a:rPr>
+              <a:t>Log/Metrics/</a:t>
+            </a:r>
+            <a:r>
+              <a:rPr lang="en-US" sz="1800" dirty="0" err="1">
+                <a:latin typeface="Berlin Sans FB" panose="020E0602020502020306" pitchFamily="34" charset="0"/>
+              </a:rPr>
+              <a:t>Genel</a:t>
+            </a:r>
+            <a:endParaRPr lang="en-US" sz="1800" dirty="0">
+              <a:latin typeface="Berlin Sans FB" panose="020E0602020502020306" pitchFamily="34" charset="0"/>
+            </a:endParaRPr>
+          </a:p>
+          <a:p>
+            <a:pPr marL="171450" indent="-171450">
+              <a:buFontTx/>
+              <a:buChar char="-"/>
+            </a:pPr>
+            <a:r>
+              <a:rPr lang="en-US" sz="1800" dirty="0">
+                <a:latin typeface="Berlin Sans FB" panose="020E0602020502020306" pitchFamily="34" charset="0"/>
+              </a:rPr>
+              <a:t>Ok, Show me the Code!</a:t>
+            </a:r>
+          </a:p>
+          <a:p>
+            <a:pPr marL="171450" indent="-171450">
+              <a:buFontTx/>
+              <a:buChar char="-"/>
+            </a:pPr>
+            <a:r>
+              <a:rPr lang="en-US" sz="1800" dirty="0">
+                <a:latin typeface="Berlin Sans FB" panose="020E0602020502020306" pitchFamily="34" charset="0"/>
+              </a:rPr>
+              <a:t>Debugging</a:t>
+            </a:r>
+          </a:p>
+          <a:p>
+            <a:pPr marL="171450" indent="-171450">
+              <a:buFontTx/>
+              <a:buChar char="-"/>
+            </a:pPr>
+            <a:endParaRPr lang="en-US" dirty="0"/>
+          </a:p>
+        </p:txBody>
+      </p:sp>
+    </p:spTree>
+    <p:extLst>
+      <p:ext uri="{BB962C8B-B14F-4D97-AF65-F5344CB8AC3E}">
+        <p14:creationId xmlns:p14="http://schemas.microsoft.com/office/powerpoint/2010/main" val="1805498412"/>
+      </p:ext>
+    </p:extLst>
+  </p:cSld>
+  <p:clrMapOvr>
+    <a:masterClrMapping/>
+  </p:clrMapOvr>
+</p:sld>
+</file>
+
+<file path=ppt/slides/slide3.xml><?xml version="1.0" encoding="utf-8"?>
+<p:sld xmlns:a="http://schemas.openxmlformats.org/drawingml/2006/main" xmlns:r="http://schemas.openxmlformats.org/officeDocument/2006/relationships" xmlns:p="http://schemas.openxmlformats.org/presentationml/2006/main">
+  <p:cSld>
+    <p:spTree>
+      <p:nvGrpSpPr>
+        <p:cNvPr id="1" name=""/>
+        <p:cNvGrpSpPr/>
+        <p:nvPr/>
+      </p:nvGrpSpPr>
+      <p:grpSpPr>
+        <a:xfrm>
+          <a:off x="0" y="0"/>
+          <a:ext cx="0" cy="0"/>
+          <a:chOff x="0" y="0"/>
+          <a:chExt cx="0" cy="0"/>
+        </a:xfrm>
+      </p:grpSpPr>
+      <p:sp>
+        <p:nvSpPr>
+          <p:cNvPr id="2" name="Title 1">
+            <a:extLst>
+              <a:ext uri="{FF2B5EF4-FFF2-40B4-BE49-F238E27FC236}">
+                <a16:creationId xmlns:a16="http://schemas.microsoft.com/office/drawing/2014/main" id="{71EE4FB3-66B0-4749-82EC-375C6BFBF789}"/>
+              </a:ext>
+            </a:extLst>
+          </p:cNvPr>
+          <p:cNvSpPr>
+            <a:spLocks noGrp="1"/>
+          </p:cNvSpPr>
+          <p:nvPr>
+            <p:ph type="title"/>
+          </p:nvPr>
+        </p:nvSpPr>
+        <p:spPr/>
+        <p:txBody>
+          <a:bodyPr/>
+          <a:lstStyle/>
+          <a:p>
+            <a:r>
+              <a:rPr lang="en-US" dirty="0"/>
+              <a:t>Log/Metrics/</a:t>
+            </a:r>
+            <a:r>
+              <a:rPr lang="en-US" dirty="0" err="1"/>
+              <a:t>Genel</a:t>
+            </a:r>
+            <a:endParaRPr lang="en-US" dirty="0"/>
+          </a:p>
+        </p:txBody>
+      </p:sp>
+      <p:sp>
+        <p:nvSpPr>
+          <p:cNvPr id="4" name="TextBox 3">
+            <a:extLst>
+              <a:ext uri="{FF2B5EF4-FFF2-40B4-BE49-F238E27FC236}">
+                <a16:creationId xmlns:a16="http://schemas.microsoft.com/office/drawing/2014/main" id="{8C478976-B0BD-462C-8425-B7BE13689DB5}"/>
+              </a:ext>
+            </a:extLst>
+          </p:cNvPr>
+          <p:cNvSpPr txBox="1"/>
+          <p:nvPr/>
+        </p:nvSpPr>
+        <p:spPr>
+          <a:xfrm>
+            <a:off x="1019354" y="2897911"/>
+            <a:ext cx="10153291" cy="1323439"/>
+          </a:xfrm>
+          <a:prstGeom prst="rect">
+            <a:avLst/>
+          </a:prstGeom>
+          <a:noFill/>
+        </p:spPr>
+        <p:txBody>
+          <a:bodyPr wrap="square" rtlCol="0">
+            <a:spAutoFit/>
+          </a:bodyPr>
+          <a:lstStyle/>
+          <a:p>
+            <a:r>
+              <a:rPr lang="tr-TR" sz="1600" dirty="0">
+                <a:latin typeface="Berlin Sans FB" panose="020E0602020502020306" pitchFamily="34" charset="0"/>
+              </a:rPr>
+              <a:t>Log : </a:t>
+            </a:r>
+            <a:r>
+              <a:rPr lang="en-GB" sz="1600" dirty="0" err="1">
+                <a:latin typeface="Berlin Sans FB" panose="020E0602020502020306" pitchFamily="34" charset="0"/>
+              </a:rPr>
+              <a:t>sorunun</a:t>
+            </a:r>
+            <a:r>
+              <a:rPr lang="en-GB" sz="1600" dirty="0">
+                <a:latin typeface="Berlin Sans FB" panose="020E0602020502020306" pitchFamily="34" charset="0"/>
+              </a:rPr>
+              <a:t> </a:t>
+            </a:r>
+            <a:r>
+              <a:rPr lang="tr-TR" sz="1600" dirty="0">
+                <a:latin typeface="Berlin Sans FB" panose="020E0602020502020306" pitchFamily="34" charset="0"/>
+              </a:rPr>
+              <a:t>nerede ve kimin için yaşandığını</a:t>
+            </a:r>
+            <a:r>
+              <a:rPr lang="en-GB" sz="1600" dirty="0">
+                <a:latin typeface="Berlin Sans FB" panose="020E0602020502020306" pitchFamily="34" charset="0"/>
+              </a:rPr>
+              <a:t> </a:t>
+            </a:r>
+            <a:r>
+              <a:rPr lang="en-GB" sz="1600" dirty="0" err="1">
+                <a:latin typeface="Berlin Sans FB" panose="020E0602020502020306" pitchFamily="34" charset="0"/>
+              </a:rPr>
+              <a:t>anlatabilir</a:t>
+            </a:r>
+            <a:r>
+              <a:rPr lang="tr-TR" sz="1600" dirty="0">
+                <a:latin typeface="Berlin Sans FB" panose="020E0602020502020306" pitchFamily="34" charset="0"/>
+              </a:rPr>
+              <a:t>. </a:t>
+            </a:r>
+            <a:endParaRPr lang="en-US" sz="1600" dirty="0">
+              <a:latin typeface="Berlin Sans FB" panose="020E0602020502020306" pitchFamily="34" charset="0"/>
+            </a:endParaRPr>
+          </a:p>
+          <a:p>
+            <a:r>
+              <a:rPr lang="en-GB" sz="1600" dirty="0" err="1">
+                <a:solidFill>
+                  <a:schemeClr val="bg2">
+                    <a:lumMod val="75000"/>
+                  </a:schemeClr>
+                </a:solidFill>
+                <a:latin typeface="Berlin Sans FB" panose="020E0602020502020306" pitchFamily="34" charset="0"/>
+              </a:rPr>
+              <a:t>Doğru</a:t>
+            </a:r>
+            <a:r>
+              <a:rPr lang="en-GB" sz="1600" dirty="0">
+                <a:solidFill>
+                  <a:schemeClr val="bg2">
+                    <a:lumMod val="75000"/>
+                  </a:schemeClr>
+                </a:solidFill>
+                <a:latin typeface="Berlin Sans FB" panose="020E0602020502020306" pitchFamily="34" charset="0"/>
+              </a:rPr>
+              <a:t> </a:t>
+            </a:r>
+            <a:r>
+              <a:rPr lang="en-GB" sz="1600" dirty="0" err="1">
+                <a:solidFill>
+                  <a:schemeClr val="bg2">
+                    <a:lumMod val="75000"/>
+                  </a:schemeClr>
+                </a:solidFill>
+                <a:latin typeface="Berlin Sans FB" panose="020E0602020502020306" pitchFamily="34" charset="0"/>
+              </a:rPr>
+              <a:t>kurgulanmış</a:t>
+            </a:r>
+            <a:r>
+              <a:rPr lang="en-GB" sz="1600" dirty="0">
+                <a:solidFill>
+                  <a:schemeClr val="bg2">
+                    <a:lumMod val="75000"/>
+                  </a:schemeClr>
+                </a:solidFill>
+                <a:latin typeface="Berlin Sans FB" panose="020E0602020502020306" pitchFamily="34" charset="0"/>
+              </a:rPr>
+              <a:t> </a:t>
+            </a:r>
+            <a:r>
+              <a:rPr lang="en-GB" sz="1600" dirty="0" err="1">
+                <a:solidFill>
+                  <a:schemeClr val="bg2">
+                    <a:lumMod val="75000"/>
+                  </a:schemeClr>
+                </a:solidFill>
+                <a:latin typeface="Berlin Sans FB" panose="020E0602020502020306" pitchFamily="34" charset="0"/>
+              </a:rPr>
+              <a:t>yapısal</a:t>
+            </a:r>
+            <a:r>
+              <a:rPr lang="en-GB" sz="1600" dirty="0">
+                <a:solidFill>
+                  <a:schemeClr val="bg2">
+                    <a:lumMod val="75000"/>
+                  </a:schemeClr>
+                </a:solidFill>
+                <a:latin typeface="Berlin Sans FB" panose="020E0602020502020306" pitchFamily="34" charset="0"/>
+              </a:rPr>
+              <a:t> </a:t>
+            </a:r>
+            <a:r>
+              <a:rPr lang="en-GB" sz="1600" dirty="0" err="1">
+                <a:solidFill>
+                  <a:schemeClr val="bg2">
+                    <a:lumMod val="75000"/>
+                  </a:schemeClr>
+                </a:solidFill>
+                <a:latin typeface="Berlin Sans FB" panose="020E0602020502020306" pitchFamily="34" charset="0"/>
+              </a:rPr>
+              <a:t>bir</a:t>
+            </a:r>
+            <a:r>
+              <a:rPr lang="en-GB" sz="1600" dirty="0">
+                <a:solidFill>
+                  <a:schemeClr val="bg2">
+                    <a:lumMod val="75000"/>
+                  </a:schemeClr>
+                </a:solidFill>
+                <a:latin typeface="Berlin Sans FB" panose="020E0602020502020306" pitchFamily="34" charset="0"/>
+              </a:rPr>
+              <a:t> log </a:t>
+            </a:r>
+            <a:r>
+              <a:rPr lang="en-GB" sz="1600" dirty="0" err="1">
+                <a:solidFill>
+                  <a:schemeClr val="bg2">
+                    <a:lumMod val="75000"/>
+                  </a:schemeClr>
+                </a:solidFill>
+                <a:latin typeface="Berlin Sans FB" panose="020E0602020502020306" pitchFamily="34" charset="0"/>
+              </a:rPr>
+              <a:t>ile</a:t>
+            </a:r>
+            <a:r>
+              <a:rPr lang="en-GB" sz="1600" dirty="0">
+                <a:solidFill>
+                  <a:schemeClr val="bg2">
+                    <a:lumMod val="75000"/>
+                  </a:schemeClr>
+                </a:solidFill>
+                <a:latin typeface="Berlin Sans FB" panose="020E0602020502020306" pitchFamily="34" charset="0"/>
+              </a:rPr>
+              <a:t> </a:t>
+            </a:r>
+            <a:r>
+              <a:rPr lang="en-GB" sz="1600" dirty="0" err="1">
+                <a:solidFill>
+                  <a:schemeClr val="bg2">
+                    <a:lumMod val="75000"/>
+                  </a:schemeClr>
+                </a:solidFill>
+                <a:latin typeface="Berlin Sans FB" panose="020E0602020502020306" pitchFamily="34" charset="0"/>
+              </a:rPr>
+              <a:t>bu</a:t>
+            </a:r>
+            <a:r>
+              <a:rPr lang="en-GB" sz="1600" dirty="0">
+                <a:solidFill>
+                  <a:schemeClr val="bg2">
+                    <a:lumMod val="75000"/>
+                  </a:schemeClr>
+                </a:solidFill>
+                <a:latin typeface="Berlin Sans FB" panose="020E0602020502020306" pitchFamily="34" charset="0"/>
+              </a:rPr>
+              <a:t> </a:t>
+            </a:r>
+            <a:r>
+              <a:rPr lang="en-GB" sz="1600" dirty="0" err="1">
+                <a:solidFill>
+                  <a:schemeClr val="bg2">
+                    <a:lumMod val="75000"/>
+                  </a:schemeClr>
+                </a:solidFill>
+                <a:latin typeface="Berlin Sans FB" panose="020E0602020502020306" pitchFamily="34" charset="0"/>
+              </a:rPr>
+              <a:t>mümkün</a:t>
+            </a:r>
+            <a:r>
+              <a:rPr lang="tr-TR" sz="1600" dirty="0">
+                <a:solidFill>
+                  <a:schemeClr val="bg2">
+                    <a:lumMod val="75000"/>
+                  </a:schemeClr>
+                </a:solidFill>
+                <a:latin typeface="Berlin Sans FB" panose="020E0602020502020306" pitchFamily="34" charset="0"/>
+              </a:rPr>
+              <a:t>.</a:t>
+            </a:r>
+            <a:endParaRPr lang="en-US" sz="1600" dirty="0">
+              <a:solidFill>
+                <a:schemeClr val="bg2">
+                  <a:lumMod val="75000"/>
+                </a:schemeClr>
+              </a:solidFill>
+              <a:latin typeface="Berlin Sans FB" panose="020E0602020502020306" pitchFamily="34" charset="0"/>
+            </a:endParaRPr>
+          </a:p>
+          <a:p>
+            <a:endParaRPr lang="en-US" sz="1600" dirty="0">
+              <a:latin typeface="Berlin Sans FB" panose="020E0602020502020306" pitchFamily="34" charset="0"/>
+            </a:endParaRPr>
+          </a:p>
+          <a:p>
+            <a:r>
+              <a:rPr lang="tr-TR" sz="1600" dirty="0">
+                <a:latin typeface="Berlin Sans FB" panose="020E0602020502020306" pitchFamily="34" charset="0"/>
+              </a:rPr>
+              <a:t>Metric : </a:t>
+            </a:r>
+            <a:r>
+              <a:rPr lang="en-GB" sz="1600" dirty="0">
+                <a:latin typeface="Berlin Sans FB" panose="020E0602020502020306" pitchFamily="34" charset="0"/>
+              </a:rPr>
+              <a:t>S</a:t>
+            </a:r>
+            <a:r>
+              <a:rPr lang="tr-TR" sz="1600" dirty="0">
+                <a:latin typeface="Berlin Sans FB" panose="020E0602020502020306" pitchFamily="34" charset="0"/>
+              </a:rPr>
+              <a:t>istemin genel davranışını anlamaya ve performans problemlerini </a:t>
+            </a:r>
+            <a:r>
+              <a:rPr lang="en-GB" sz="1600" dirty="0" err="1">
+                <a:latin typeface="Berlin Sans FB" panose="020E0602020502020306" pitchFamily="34" charset="0"/>
+              </a:rPr>
+              <a:t>çözmeye</a:t>
+            </a:r>
+            <a:r>
+              <a:rPr lang="en-GB" sz="1600" dirty="0">
+                <a:latin typeface="Berlin Sans FB" panose="020E0602020502020306" pitchFamily="34" charset="0"/>
+              </a:rPr>
+              <a:t> </a:t>
+            </a:r>
+            <a:r>
+              <a:rPr lang="en-GB" sz="1600" dirty="0" err="1">
+                <a:latin typeface="Berlin Sans FB" panose="020E0602020502020306" pitchFamily="34" charset="0"/>
+              </a:rPr>
+              <a:t>destek</a:t>
+            </a:r>
+            <a:r>
+              <a:rPr lang="en-GB" sz="1600" dirty="0">
+                <a:latin typeface="Berlin Sans FB" panose="020E0602020502020306" pitchFamily="34" charset="0"/>
+              </a:rPr>
+              <a:t> </a:t>
+            </a:r>
+            <a:r>
+              <a:rPr lang="en-GB" sz="1600" dirty="0" err="1">
+                <a:latin typeface="Berlin Sans FB" panose="020E0602020502020306" pitchFamily="34" charset="0"/>
+              </a:rPr>
+              <a:t>verebilir</a:t>
+            </a:r>
+            <a:r>
+              <a:rPr lang="en-GB" sz="1600" dirty="0">
+                <a:latin typeface="Berlin Sans FB" panose="020E0602020502020306" pitchFamily="34" charset="0"/>
+              </a:rPr>
+              <a:t>.</a:t>
+            </a:r>
+          </a:p>
+          <a:p>
+            <a:r>
+              <a:rPr lang="en-GB" sz="1600" dirty="0">
+                <a:solidFill>
+                  <a:schemeClr val="bg2">
+                    <a:lumMod val="75000"/>
+                  </a:schemeClr>
+                </a:solidFill>
+                <a:latin typeface="Berlin Sans FB" panose="020E0602020502020306" pitchFamily="34" charset="0"/>
+              </a:rPr>
+              <a:t>Log </a:t>
+            </a:r>
+            <a:r>
+              <a:rPr lang="en-GB" sz="1600" dirty="0" err="1">
+                <a:solidFill>
+                  <a:schemeClr val="bg2">
+                    <a:lumMod val="75000"/>
+                  </a:schemeClr>
+                </a:solidFill>
+                <a:latin typeface="Berlin Sans FB" panose="020E0602020502020306" pitchFamily="34" charset="0"/>
+              </a:rPr>
+              <a:t>yapılanmasında</a:t>
+            </a:r>
+            <a:r>
+              <a:rPr lang="en-GB" sz="1600" dirty="0">
+                <a:solidFill>
+                  <a:schemeClr val="bg2">
+                    <a:lumMod val="75000"/>
+                  </a:schemeClr>
+                </a:solidFill>
+                <a:latin typeface="Berlin Sans FB" panose="020E0602020502020306" pitchFamily="34" charset="0"/>
+              </a:rPr>
+              <a:t> </a:t>
+            </a:r>
+            <a:r>
+              <a:rPr lang="en-GB" sz="1600" dirty="0" err="1">
+                <a:solidFill>
+                  <a:schemeClr val="bg2">
+                    <a:lumMod val="75000"/>
+                  </a:schemeClr>
+                </a:solidFill>
+                <a:latin typeface="Berlin Sans FB" panose="020E0602020502020306" pitchFamily="34" charset="0"/>
+              </a:rPr>
+              <a:t>olduğu</a:t>
+            </a:r>
+            <a:r>
+              <a:rPr lang="en-GB" sz="1600" dirty="0">
+                <a:solidFill>
+                  <a:schemeClr val="bg2">
+                    <a:lumMod val="75000"/>
+                  </a:schemeClr>
+                </a:solidFill>
+                <a:latin typeface="Berlin Sans FB" panose="020E0602020502020306" pitchFamily="34" charset="0"/>
+              </a:rPr>
+              <a:t> </a:t>
+            </a:r>
+            <a:r>
+              <a:rPr lang="en-GB" sz="1600" dirty="0" err="1">
+                <a:solidFill>
+                  <a:schemeClr val="bg2">
+                    <a:lumMod val="75000"/>
+                  </a:schemeClr>
+                </a:solidFill>
+                <a:latin typeface="Berlin Sans FB" panose="020E0602020502020306" pitchFamily="34" charset="0"/>
+              </a:rPr>
+              <a:t>gibi</a:t>
+            </a:r>
+            <a:r>
+              <a:rPr lang="en-GB" sz="1600" dirty="0">
+                <a:solidFill>
+                  <a:schemeClr val="bg2">
+                    <a:lumMod val="75000"/>
+                  </a:schemeClr>
+                </a:solidFill>
+                <a:latin typeface="Berlin Sans FB" panose="020E0602020502020306" pitchFamily="34" charset="0"/>
+              </a:rPr>
+              <a:t> </a:t>
+            </a:r>
+            <a:r>
+              <a:rPr lang="en-GB" sz="1600" dirty="0" err="1">
+                <a:solidFill>
+                  <a:schemeClr val="bg2">
+                    <a:lumMod val="75000"/>
+                  </a:schemeClr>
+                </a:solidFill>
+                <a:latin typeface="Berlin Sans FB" panose="020E0602020502020306" pitchFamily="34" charset="0"/>
+              </a:rPr>
+              <a:t>yapısal</a:t>
+            </a:r>
+            <a:r>
+              <a:rPr lang="en-GB" sz="1600" dirty="0">
+                <a:solidFill>
+                  <a:schemeClr val="bg2">
+                    <a:lumMod val="75000"/>
+                  </a:schemeClr>
+                </a:solidFill>
+                <a:latin typeface="Berlin Sans FB" panose="020E0602020502020306" pitchFamily="34" charset="0"/>
+              </a:rPr>
+              <a:t> </a:t>
+            </a:r>
+            <a:r>
+              <a:rPr lang="en-GB" sz="1600" dirty="0" err="1">
+                <a:solidFill>
+                  <a:schemeClr val="bg2">
+                    <a:lumMod val="75000"/>
+                  </a:schemeClr>
+                </a:solidFill>
+                <a:latin typeface="Berlin Sans FB" panose="020E0602020502020306" pitchFamily="34" charset="0"/>
+              </a:rPr>
+              <a:t>kurguya</a:t>
+            </a:r>
+            <a:r>
+              <a:rPr lang="en-GB" sz="1600" dirty="0">
+                <a:solidFill>
+                  <a:schemeClr val="bg2">
+                    <a:lumMod val="75000"/>
+                  </a:schemeClr>
+                </a:solidFill>
+                <a:latin typeface="Berlin Sans FB" panose="020E0602020502020306" pitchFamily="34" charset="0"/>
+              </a:rPr>
+              <a:t> </a:t>
+            </a:r>
+            <a:r>
+              <a:rPr lang="en-GB" sz="1600" dirty="0" err="1">
+                <a:solidFill>
+                  <a:schemeClr val="bg2">
+                    <a:lumMod val="75000"/>
+                  </a:schemeClr>
+                </a:solidFill>
+                <a:latin typeface="Berlin Sans FB" panose="020E0602020502020306" pitchFamily="34" charset="0"/>
+              </a:rPr>
+              <a:t>ihtiyacı</a:t>
+            </a:r>
+            <a:r>
+              <a:rPr lang="en-GB" sz="1600" dirty="0">
+                <a:solidFill>
+                  <a:schemeClr val="bg2">
+                    <a:lumMod val="75000"/>
+                  </a:schemeClr>
+                </a:solidFill>
+                <a:latin typeface="Berlin Sans FB" panose="020E0602020502020306" pitchFamily="34" charset="0"/>
+              </a:rPr>
+              <a:t> var</a:t>
+            </a:r>
+            <a:endParaRPr lang="en-US" sz="1600" dirty="0">
+              <a:solidFill>
+                <a:schemeClr val="bg2">
+                  <a:lumMod val="75000"/>
+                </a:schemeClr>
+              </a:solidFill>
+              <a:latin typeface="Berlin Sans FB" panose="020E0602020502020306" pitchFamily="34" charset="0"/>
+            </a:endParaRPr>
+          </a:p>
+        </p:txBody>
+      </p:sp>
+    </p:spTree>
+    <p:extLst>
+      <p:ext uri="{BB962C8B-B14F-4D97-AF65-F5344CB8AC3E}">
+        <p14:creationId xmlns:p14="http://schemas.microsoft.com/office/powerpoint/2010/main" val="2871327621"/>
+      </p:ext>
+    </p:extLst>
+  </p:cSld>
+  <p:clrMapOvr>
+    <a:masterClrMapping/>
+  </p:clrMapOvr>
+</p:sld>
+</file>
+
+<file path=ppt/slides/slide4.xml><?xml version="1.0" encoding="utf-8"?>
+<p:sld xmlns:a="http://schemas.openxmlformats.org/drawingml/2006/main" xmlns:r="http://schemas.openxmlformats.org/officeDocument/2006/relationships" xmlns:p="http://schemas.openxmlformats.org/presentationml/2006/main">
+  <p:cSld>
+    <p:spTree>
+      <p:nvGrpSpPr>
+        <p:cNvPr id="1" name=""/>
+        <p:cNvGrpSpPr/>
+        <p:nvPr/>
+      </p:nvGrpSpPr>
+      <p:grpSpPr>
+        <a:xfrm>
+          <a:off x="0" y="0"/>
+          <a:ext cx="0" cy="0"/>
+          <a:chOff x="0" y="0"/>
+          <a:chExt cx="0" cy="0"/>
+        </a:xfrm>
+      </p:grpSpPr>
+      <p:sp>
+        <p:nvSpPr>
+          <p:cNvPr id="2" name="Title 1">
+            <a:extLst>
+              <a:ext uri="{FF2B5EF4-FFF2-40B4-BE49-F238E27FC236}">
+                <a16:creationId xmlns:a16="http://schemas.microsoft.com/office/drawing/2014/main" id="{71EE4FB3-66B0-4749-82EC-375C6BFBF789}"/>
+              </a:ext>
+            </a:extLst>
+          </p:cNvPr>
+          <p:cNvSpPr>
+            <a:spLocks noGrp="1"/>
+          </p:cNvSpPr>
+          <p:nvPr>
+            <p:ph type="title"/>
+          </p:nvPr>
+        </p:nvSpPr>
+        <p:spPr/>
+        <p:txBody>
+          <a:bodyPr/>
+          <a:lstStyle/>
+          <a:p>
+            <a:r>
+              <a:rPr lang="en-US" dirty="0"/>
+              <a:t>Log/Metrics/</a:t>
+            </a:r>
+            <a:r>
+              <a:rPr lang="en-US" dirty="0" err="1"/>
+              <a:t>Genel</a:t>
+            </a:r>
+            <a:endParaRPr lang="en-US" dirty="0"/>
+          </a:p>
+        </p:txBody>
+      </p:sp>
+      <p:sp>
+        <p:nvSpPr>
+          <p:cNvPr id="4" name="TextBox 3">
+            <a:extLst>
+              <a:ext uri="{FF2B5EF4-FFF2-40B4-BE49-F238E27FC236}">
+                <a16:creationId xmlns:a16="http://schemas.microsoft.com/office/drawing/2014/main" id="{8C478976-B0BD-462C-8425-B7BE13689DB5}"/>
+              </a:ext>
+            </a:extLst>
+          </p:cNvPr>
+          <p:cNvSpPr txBox="1"/>
+          <p:nvPr/>
+        </p:nvSpPr>
+        <p:spPr>
+          <a:xfrm>
+            <a:off x="1019354" y="1887888"/>
+            <a:ext cx="10153291" cy="2800767"/>
+          </a:xfrm>
+          <a:prstGeom prst="rect">
+            <a:avLst/>
+          </a:prstGeom>
+          <a:noFill/>
+        </p:spPr>
+        <p:txBody>
+          <a:bodyPr wrap="square" rtlCol="0">
+            <a:spAutoFit/>
+          </a:bodyPr>
+          <a:lstStyle/>
+          <a:p>
+            <a:r>
+              <a:rPr lang="en-GB" sz="1600" dirty="0" err="1">
+                <a:latin typeface="Berlin Sans FB" panose="020E0602020502020306" pitchFamily="34" charset="0"/>
+              </a:rPr>
+              <a:t>Senaryo</a:t>
+            </a:r>
+            <a:r>
+              <a:rPr lang="en-GB" sz="1600" dirty="0">
+                <a:latin typeface="Berlin Sans FB" panose="020E0602020502020306" pitchFamily="34" charset="0"/>
+              </a:rPr>
+              <a:t> 1 :</a:t>
+            </a:r>
+            <a:endParaRPr lang="en-US" sz="1600" dirty="0">
+              <a:latin typeface="Berlin Sans FB" panose="020E0602020502020306" pitchFamily="34" charset="0"/>
+            </a:endParaRPr>
+          </a:p>
+          <a:p>
+            <a:r>
+              <a:rPr lang="en-GB" sz="1600" dirty="0">
+                <a:solidFill>
+                  <a:schemeClr val="bg2">
+                    <a:lumMod val="75000"/>
+                  </a:schemeClr>
+                </a:solidFill>
+                <a:latin typeface="Berlin Sans FB" panose="020E0602020502020306" pitchFamily="34" charset="0"/>
+              </a:rPr>
+              <a:t>Tek </a:t>
+            </a:r>
+            <a:r>
+              <a:rPr lang="en-GB" sz="1600" dirty="0" err="1">
+                <a:solidFill>
+                  <a:schemeClr val="bg2">
+                    <a:lumMod val="75000"/>
+                  </a:schemeClr>
+                </a:solidFill>
+                <a:latin typeface="Berlin Sans FB" panose="020E0602020502020306" pitchFamily="34" charset="0"/>
+              </a:rPr>
+              <a:t>proje</a:t>
+            </a:r>
+            <a:r>
+              <a:rPr lang="tr-TR" sz="1600" dirty="0">
+                <a:solidFill>
+                  <a:schemeClr val="bg2">
+                    <a:lumMod val="75000"/>
+                  </a:schemeClr>
+                </a:solidFill>
+                <a:latin typeface="Berlin Sans FB" panose="020E0602020502020306" pitchFamily="34" charset="0"/>
+              </a:rPr>
+              <a:t>.</a:t>
+            </a:r>
+            <a:r>
+              <a:rPr lang="en-GB" sz="1600" dirty="0">
+                <a:solidFill>
+                  <a:schemeClr val="bg2">
+                    <a:lumMod val="75000"/>
+                  </a:schemeClr>
+                </a:solidFill>
+                <a:latin typeface="Berlin Sans FB" panose="020E0602020502020306" pitchFamily="34" charset="0"/>
+              </a:rPr>
+              <a:t> Log </a:t>
+            </a:r>
+            <a:r>
+              <a:rPr lang="en-GB" sz="1600" dirty="0" err="1">
+                <a:solidFill>
+                  <a:schemeClr val="bg2">
+                    <a:lumMod val="75000"/>
+                  </a:schemeClr>
+                </a:solidFill>
+                <a:latin typeface="Berlin Sans FB" panose="020E0602020502020306" pitchFamily="34" charset="0"/>
+              </a:rPr>
+              <a:t>ve</a:t>
+            </a:r>
+            <a:r>
+              <a:rPr lang="en-GB" sz="1600" dirty="0">
+                <a:solidFill>
+                  <a:schemeClr val="bg2">
+                    <a:lumMod val="75000"/>
+                  </a:schemeClr>
+                </a:solidFill>
+                <a:latin typeface="Berlin Sans FB" panose="020E0602020502020306" pitchFamily="34" charset="0"/>
+              </a:rPr>
+              <a:t> </a:t>
+            </a:r>
+            <a:r>
+              <a:rPr lang="en-GB" sz="1600" dirty="0" err="1">
+                <a:solidFill>
+                  <a:schemeClr val="bg2">
+                    <a:lumMod val="75000"/>
+                  </a:schemeClr>
+                </a:solidFill>
+                <a:latin typeface="Berlin Sans FB" panose="020E0602020502020306" pitchFamily="34" charset="0"/>
+              </a:rPr>
+              <a:t>Metricler</a:t>
+            </a:r>
+            <a:r>
+              <a:rPr lang="en-GB" sz="1600" dirty="0">
+                <a:solidFill>
+                  <a:schemeClr val="bg2">
+                    <a:lumMod val="75000"/>
+                  </a:schemeClr>
+                </a:solidFill>
+                <a:latin typeface="Berlin Sans FB" panose="020E0602020502020306" pitchFamily="34" charset="0"/>
+              </a:rPr>
+              <a:t> </a:t>
+            </a:r>
+            <a:r>
+              <a:rPr lang="en-GB" sz="1600" dirty="0" err="1">
+                <a:solidFill>
+                  <a:schemeClr val="bg2">
+                    <a:lumMod val="75000"/>
+                  </a:schemeClr>
+                </a:solidFill>
+                <a:latin typeface="Berlin Sans FB" panose="020E0602020502020306" pitchFamily="34" charset="0"/>
+              </a:rPr>
+              <a:t>belirli</a:t>
+            </a:r>
+            <a:r>
+              <a:rPr lang="en-GB" sz="1600" dirty="0">
+                <a:solidFill>
+                  <a:schemeClr val="bg2">
+                    <a:lumMod val="75000"/>
+                  </a:schemeClr>
+                </a:solidFill>
+                <a:latin typeface="Berlin Sans FB" panose="020E0602020502020306" pitchFamily="34" charset="0"/>
+              </a:rPr>
+              <a:t> </a:t>
+            </a:r>
+            <a:r>
+              <a:rPr lang="en-GB" sz="1600" dirty="0" err="1">
+                <a:solidFill>
+                  <a:schemeClr val="bg2">
+                    <a:lumMod val="75000"/>
+                  </a:schemeClr>
+                </a:solidFill>
+                <a:latin typeface="Berlin Sans FB" panose="020E0602020502020306" pitchFamily="34" charset="0"/>
+              </a:rPr>
+              <a:t>bir</a:t>
+            </a:r>
+            <a:r>
+              <a:rPr lang="en-GB" sz="1600" dirty="0">
+                <a:solidFill>
+                  <a:schemeClr val="bg2">
+                    <a:lumMod val="75000"/>
+                  </a:schemeClr>
+                </a:solidFill>
+                <a:latin typeface="Berlin Sans FB" panose="020E0602020502020306" pitchFamily="34" charset="0"/>
+              </a:rPr>
+              <a:t> standard </a:t>
+            </a:r>
+            <a:r>
+              <a:rPr lang="en-GB" sz="1600" dirty="0" err="1">
+                <a:solidFill>
+                  <a:schemeClr val="bg2">
+                    <a:lumMod val="75000"/>
+                  </a:schemeClr>
+                </a:solidFill>
+                <a:latin typeface="Berlin Sans FB" panose="020E0602020502020306" pitchFamily="34" charset="0"/>
+              </a:rPr>
+              <a:t>dahilinde</a:t>
+            </a:r>
+            <a:r>
+              <a:rPr lang="en-GB" sz="1600" dirty="0">
+                <a:solidFill>
+                  <a:schemeClr val="bg2">
+                    <a:lumMod val="75000"/>
+                  </a:schemeClr>
+                </a:solidFill>
+                <a:latin typeface="Berlin Sans FB" panose="020E0602020502020306" pitchFamily="34" charset="0"/>
+              </a:rPr>
+              <a:t> </a:t>
+            </a:r>
+            <a:r>
+              <a:rPr lang="en-GB" sz="1600" dirty="0" err="1">
+                <a:solidFill>
+                  <a:schemeClr val="bg2">
+                    <a:lumMod val="75000"/>
+                  </a:schemeClr>
+                </a:solidFill>
+                <a:latin typeface="Berlin Sans FB" panose="020E0602020502020306" pitchFamily="34" charset="0"/>
+              </a:rPr>
+              <a:t>yazılırsa</a:t>
+            </a:r>
+            <a:r>
+              <a:rPr lang="en-GB" sz="1600" dirty="0">
+                <a:solidFill>
+                  <a:schemeClr val="bg2">
+                    <a:lumMod val="75000"/>
+                  </a:schemeClr>
+                </a:solidFill>
+                <a:latin typeface="Berlin Sans FB" panose="020E0602020502020306" pitchFamily="34" charset="0"/>
+              </a:rPr>
+              <a:t> (tracing) problem </a:t>
+            </a:r>
+            <a:r>
+              <a:rPr lang="en-GB" sz="1600" dirty="0" err="1">
+                <a:solidFill>
+                  <a:schemeClr val="bg2">
+                    <a:lumMod val="75000"/>
+                  </a:schemeClr>
+                </a:solidFill>
+                <a:latin typeface="Berlin Sans FB" panose="020E0602020502020306" pitchFamily="34" charset="0"/>
+              </a:rPr>
+              <a:t>yaşamayabiliriz</a:t>
+            </a:r>
+            <a:r>
+              <a:rPr lang="en-GB" sz="1600" dirty="0">
+                <a:solidFill>
+                  <a:schemeClr val="bg2">
+                    <a:lumMod val="75000"/>
+                  </a:schemeClr>
+                </a:solidFill>
+                <a:latin typeface="Berlin Sans FB" panose="020E0602020502020306" pitchFamily="34" charset="0"/>
+              </a:rPr>
+              <a:t>.</a:t>
+            </a:r>
+            <a:endParaRPr lang="en-GB" sz="1600" dirty="0">
+              <a:latin typeface="Berlin Sans FB" panose="020E0602020502020306" pitchFamily="34" charset="0"/>
+            </a:endParaRPr>
+          </a:p>
+          <a:p>
+            <a:endParaRPr lang="en-GB" sz="1600" dirty="0">
+              <a:latin typeface="Berlin Sans FB" panose="020E0602020502020306" pitchFamily="34" charset="0"/>
+            </a:endParaRPr>
+          </a:p>
+          <a:p>
+            <a:r>
+              <a:rPr lang="en-GB" sz="1600" dirty="0" err="1">
+                <a:latin typeface="Berlin Sans FB" panose="020E0602020502020306" pitchFamily="34" charset="0"/>
+              </a:rPr>
+              <a:t>Senaryo</a:t>
+            </a:r>
+            <a:r>
+              <a:rPr lang="en-GB" sz="1600" dirty="0">
+                <a:latin typeface="Berlin Sans FB" panose="020E0602020502020306" pitchFamily="34" charset="0"/>
+              </a:rPr>
+              <a:t> 2 :</a:t>
+            </a:r>
+            <a:r>
+              <a:rPr lang="tr-TR" sz="1600" dirty="0">
+                <a:latin typeface="Berlin Sans FB" panose="020E0602020502020306" pitchFamily="34" charset="0"/>
+              </a:rPr>
+              <a:t> </a:t>
+            </a:r>
+            <a:endParaRPr lang="en-US" sz="1600" dirty="0">
+              <a:latin typeface="Berlin Sans FB" panose="020E0602020502020306" pitchFamily="34" charset="0"/>
+            </a:endParaRPr>
+          </a:p>
+          <a:p>
+            <a:r>
+              <a:rPr lang="en-GB" sz="1600" dirty="0" err="1">
+                <a:solidFill>
+                  <a:schemeClr val="bg2">
+                    <a:lumMod val="75000"/>
+                  </a:schemeClr>
+                </a:solidFill>
+                <a:latin typeface="Berlin Sans FB" panose="020E0602020502020306" pitchFamily="34" charset="0"/>
+              </a:rPr>
+              <a:t>Çoklu</a:t>
+            </a:r>
+            <a:r>
+              <a:rPr lang="en-GB" sz="1600" dirty="0">
+                <a:solidFill>
+                  <a:schemeClr val="bg2">
+                    <a:lumMod val="75000"/>
+                  </a:schemeClr>
+                </a:solidFill>
+                <a:latin typeface="Berlin Sans FB" panose="020E0602020502020306" pitchFamily="34" charset="0"/>
+              </a:rPr>
+              <a:t> </a:t>
+            </a:r>
+            <a:r>
+              <a:rPr lang="en-GB" sz="1600" dirty="0" err="1">
+                <a:solidFill>
+                  <a:schemeClr val="bg2">
+                    <a:lumMod val="75000"/>
+                  </a:schemeClr>
+                </a:solidFill>
+                <a:latin typeface="Berlin Sans FB" panose="020E0602020502020306" pitchFamily="34" charset="0"/>
+              </a:rPr>
+              <a:t>proje</a:t>
+            </a:r>
+            <a:r>
+              <a:rPr lang="tr-TR" sz="1600" dirty="0">
+                <a:solidFill>
+                  <a:schemeClr val="bg2">
+                    <a:lumMod val="75000"/>
+                  </a:schemeClr>
+                </a:solidFill>
+                <a:latin typeface="Berlin Sans FB" panose="020E0602020502020306" pitchFamily="34" charset="0"/>
+              </a:rPr>
+              <a:t>.</a:t>
+            </a:r>
+            <a:r>
+              <a:rPr lang="en-GB" sz="1600" dirty="0">
+                <a:solidFill>
+                  <a:schemeClr val="bg2">
+                    <a:lumMod val="75000"/>
+                  </a:schemeClr>
+                </a:solidFill>
+                <a:latin typeface="Berlin Sans FB" panose="020E0602020502020306" pitchFamily="34" charset="0"/>
+              </a:rPr>
+              <a:t> Log </a:t>
+            </a:r>
+            <a:r>
+              <a:rPr lang="en-GB" sz="1600" dirty="0" err="1">
+                <a:solidFill>
+                  <a:schemeClr val="bg2">
+                    <a:lumMod val="75000"/>
+                  </a:schemeClr>
+                </a:solidFill>
+                <a:latin typeface="Berlin Sans FB" panose="020E0602020502020306" pitchFamily="34" charset="0"/>
+              </a:rPr>
+              <a:t>ve</a:t>
+            </a:r>
+            <a:r>
+              <a:rPr lang="en-GB" sz="1600" dirty="0">
+                <a:solidFill>
+                  <a:schemeClr val="bg2">
+                    <a:lumMod val="75000"/>
+                  </a:schemeClr>
+                </a:solidFill>
+                <a:latin typeface="Berlin Sans FB" panose="020E0602020502020306" pitchFamily="34" charset="0"/>
+              </a:rPr>
+              <a:t> </a:t>
+            </a:r>
+            <a:r>
+              <a:rPr lang="en-GB" sz="1600" dirty="0" err="1">
+                <a:solidFill>
+                  <a:schemeClr val="bg2">
+                    <a:lumMod val="75000"/>
+                  </a:schemeClr>
+                </a:solidFill>
+                <a:latin typeface="Berlin Sans FB" panose="020E0602020502020306" pitchFamily="34" charset="0"/>
+              </a:rPr>
+              <a:t>Metricler</a:t>
+            </a:r>
+            <a:r>
+              <a:rPr lang="en-GB" sz="1600" dirty="0">
+                <a:solidFill>
+                  <a:schemeClr val="bg2">
+                    <a:lumMod val="75000"/>
+                  </a:schemeClr>
+                </a:solidFill>
+                <a:latin typeface="Berlin Sans FB" panose="020E0602020502020306" pitchFamily="34" charset="0"/>
+              </a:rPr>
+              <a:t> </a:t>
+            </a:r>
+            <a:r>
+              <a:rPr lang="en-GB" sz="1600" dirty="0" err="1">
+                <a:solidFill>
+                  <a:schemeClr val="bg2">
+                    <a:lumMod val="75000"/>
+                  </a:schemeClr>
+                </a:solidFill>
+                <a:latin typeface="Berlin Sans FB" panose="020E0602020502020306" pitchFamily="34" charset="0"/>
+              </a:rPr>
+              <a:t>farklı</a:t>
+            </a:r>
+            <a:r>
+              <a:rPr lang="en-GB" sz="1600" dirty="0">
+                <a:solidFill>
+                  <a:schemeClr val="bg2">
+                    <a:lumMod val="75000"/>
+                  </a:schemeClr>
+                </a:solidFill>
+                <a:latin typeface="Berlin Sans FB" panose="020E0602020502020306" pitchFamily="34" charset="0"/>
+              </a:rPr>
+              <a:t> </a:t>
+            </a:r>
+            <a:r>
+              <a:rPr lang="en-GB" sz="1600" dirty="0" err="1">
+                <a:solidFill>
+                  <a:schemeClr val="bg2">
+                    <a:lumMod val="75000"/>
+                  </a:schemeClr>
+                </a:solidFill>
+                <a:latin typeface="Berlin Sans FB" panose="020E0602020502020306" pitchFamily="34" charset="0"/>
+              </a:rPr>
+              <a:t>farklı</a:t>
+            </a:r>
+            <a:r>
+              <a:rPr lang="en-GB" sz="1600" dirty="0">
+                <a:solidFill>
+                  <a:schemeClr val="bg2">
+                    <a:lumMod val="75000"/>
+                  </a:schemeClr>
+                </a:solidFill>
+                <a:latin typeface="Berlin Sans FB" panose="020E0602020502020306" pitchFamily="34" charset="0"/>
+              </a:rPr>
+              <a:t> </a:t>
+            </a:r>
+            <a:r>
+              <a:rPr lang="en-GB" sz="1600" dirty="0" err="1">
+                <a:solidFill>
+                  <a:schemeClr val="bg2">
+                    <a:lumMod val="75000"/>
+                  </a:schemeClr>
+                </a:solidFill>
+                <a:latin typeface="Berlin Sans FB" panose="020E0602020502020306" pitchFamily="34" charset="0"/>
+              </a:rPr>
+              <a:t>zamanlarda</a:t>
+            </a:r>
+            <a:r>
+              <a:rPr lang="en-GB" sz="1600" dirty="0">
+                <a:solidFill>
+                  <a:schemeClr val="bg2">
+                    <a:lumMod val="75000"/>
+                  </a:schemeClr>
+                </a:solidFill>
+                <a:latin typeface="Berlin Sans FB" panose="020E0602020502020306" pitchFamily="34" charset="0"/>
+              </a:rPr>
+              <a:t>, </a:t>
+            </a:r>
+            <a:r>
+              <a:rPr lang="en-GB" sz="1600" dirty="0" err="1">
+                <a:solidFill>
+                  <a:schemeClr val="bg2">
+                    <a:lumMod val="75000"/>
+                  </a:schemeClr>
+                </a:solidFill>
+                <a:latin typeface="Berlin Sans FB" panose="020E0602020502020306" pitchFamily="34" charset="0"/>
+              </a:rPr>
+              <a:t>farklı</a:t>
+            </a:r>
+            <a:r>
+              <a:rPr lang="en-GB" sz="1600" dirty="0">
+                <a:solidFill>
+                  <a:schemeClr val="bg2">
+                    <a:lumMod val="75000"/>
+                  </a:schemeClr>
+                </a:solidFill>
+                <a:latin typeface="Berlin Sans FB" panose="020E0602020502020306" pitchFamily="34" charset="0"/>
+              </a:rPr>
+              <a:t> </a:t>
+            </a:r>
+            <a:r>
+              <a:rPr lang="en-GB" sz="1600" dirty="0" err="1">
+                <a:solidFill>
+                  <a:schemeClr val="bg2">
+                    <a:lumMod val="75000"/>
+                  </a:schemeClr>
+                </a:solidFill>
+                <a:latin typeface="Berlin Sans FB" panose="020E0602020502020306" pitchFamily="34" charset="0"/>
+              </a:rPr>
+              <a:t>farklı</a:t>
+            </a:r>
+            <a:r>
+              <a:rPr lang="en-GB" sz="1600" dirty="0">
+                <a:solidFill>
+                  <a:schemeClr val="bg2">
+                    <a:lumMod val="75000"/>
+                  </a:schemeClr>
+                </a:solidFill>
+                <a:latin typeface="Berlin Sans FB" panose="020E0602020502020306" pitchFamily="34" charset="0"/>
+              </a:rPr>
+              <a:t> </a:t>
+            </a:r>
+            <a:r>
+              <a:rPr lang="en-GB" sz="1600" dirty="0" err="1">
+                <a:solidFill>
+                  <a:schemeClr val="bg2">
+                    <a:lumMod val="75000"/>
+                  </a:schemeClr>
+                </a:solidFill>
+                <a:latin typeface="Berlin Sans FB" panose="020E0602020502020306" pitchFamily="34" charset="0"/>
+              </a:rPr>
+              <a:t>implementasyonlarla</a:t>
+            </a:r>
+            <a:r>
+              <a:rPr lang="en-GB" sz="1600" dirty="0">
+                <a:solidFill>
+                  <a:schemeClr val="bg2">
+                    <a:lumMod val="75000"/>
+                  </a:schemeClr>
+                </a:solidFill>
+                <a:latin typeface="Berlin Sans FB" panose="020E0602020502020306" pitchFamily="34" charset="0"/>
+              </a:rPr>
+              <a:t> </a:t>
+            </a:r>
+            <a:r>
+              <a:rPr lang="en-GB" sz="1600" dirty="0" err="1">
+                <a:solidFill>
+                  <a:schemeClr val="bg2">
+                    <a:lumMod val="75000"/>
+                  </a:schemeClr>
+                </a:solidFill>
+                <a:latin typeface="Berlin Sans FB" panose="020E0602020502020306" pitchFamily="34" charset="0"/>
+              </a:rPr>
+              <a:t>hayata</a:t>
+            </a:r>
+            <a:r>
+              <a:rPr lang="en-GB" sz="1600" dirty="0">
+                <a:solidFill>
+                  <a:schemeClr val="bg2">
+                    <a:lumMod val="75000"/>
+                  </a:schemeClr>
+                </a:solidFill>
+                <a:latin typeface="Berlin Sans FB" panose="020E0602020502020306" pitchFamily="34" charset="0"/>
+              </a:rPr>
+              <a:t> </a:t>
+            </a:r>
+            <a:r>
+              <a:rPr lang="en-GB" sz="1600" dirty="0" err="1">
+                <a:solidFill>
+                  <a:schemeClr val="bg2">
+                    <a:lumMod val="75000"/>
+                  </a:schemeClr>
+                </a:solidFill>
+                <a:latin typeface="Berlin Sans FB" panose="020E0602020502020306" pitchFamily="34" charset="0"/>
+              </a:rPr>
+              <a:t>geçirilebilir</a:t>
+            </a:r>
+            <a:r>
+              <a:rPr lang="en-GB" sz="1600" dirty="0">
+                <a:solidFill>
+                  <a:schemeClr val="bg2">
+                    <a:lumMod val="75000"/>
+                  </a:schemeClr>
+                </a:solidFill>
+                <a:latin typeface="Berlin Sans FB" panose="020E0602020502020306" pitchFamily="34" charset="0"/>
+              </a:rPr>
+              <a:t> </a:t>
+            </a:r>
+            <a:r>
+              <a:rPr lang="en-GB" sz="1600" dirty="0" err="1">
+                <a:solidFill>
+                  <a:schemeClr val="bg2">
+                    <a:lumMod val="75000"/>
+                  </a:schemeClr>
+                </a:solidFill>
+                <a:latin typeface="Berlin Sans FB" panose="020E0602020502020306" pitchFamily="34" charset="0"/>
+              </a:rPr>
+              <a:t>ve</a:t>
+            </a:r>
+            <a:r>
+              <a:rPr lang="en-GB" sz="1600" dirty="0">
+                <a:solidFill>
+                  <a:schemeClr val="bg2">
+                    <a:lumMod val="75000"/>
+                  </a:schemeClr>
+                </a:solidFill>
+                <a:latin typeface="Berlin Sans FB" panose="020E0602020502020306" pitchFamily="34" charset="0"/>
+              </a:rPr>
+              <a:t> </a:t>
+            </a:r>
+            <a:r>
+              <a:rPr lang="en-GB" sz="1600" dirty="0" err="1">
+                <a:solidFill>
+                  <a:schemeClr val="bg2">
+                    <a:lumMod val="75000"/>
+                  </a:schemeClr>
+                </a:solidFill>
+                <a:latin typeface="Berlin Sans FB" panose="020E0602020502020306" pitchFamily="34" charset="0"/>
+              </a:rPr>
+              <a:t>bu</a:t>
+            </a:r>
+            <a:r>
+              <a:rPr lang="en-GB" sz="1600" dirty="0">
+                <a:solidFill>
+                  <a:schemeClr val="bg2">
+                    <a:lumMod val="75000"/>
+                  </a:schemeClr>
+                </a:solidFill>
+                <a:latin typeface="Berlin Sans FB" panose="020E0602020502020306" pitchFamily="34" charset="0"/>
+              </a:rPr>
+              <a:t> </a:t>
+            </a:r>
+            <a:r>
+              <a:rPr lang="en-GB" sz="1600" dirty="0" err="1">
+                <a:solidFill>
+                  <a:schemeClr val="bg2">
+                    <a:lumMod val="75000"/>
+                  </a:schemeClr>
+                </a:solidFill>
+                <a:latin typeface="Berlin Sans FB" panose="020E0602020502020306" pitchFamily="34" charset="0"/>
+              </a:rPr>
+              <a:t>durumda</a:t>
+            </a:r>
+            <a:r>
+              <a:rPr lang="en-GB" sz="1600" dirty="0">
+                <a:solidFill>
+                  <a:schemeClr val="bg2">
+                    <a:lumMod val="75000"/>
+                  </a:schemeClr>
+                </a:solidFill>
+                <a:latin typeface="Berlin Sans FB" panose="020E0602020502020306" pitchFamily="34" charset="0"/>
+              </a:rPr>
+              <a:t> tracing </a:t>
+            </a:r>
+            <a:r>
+              <a:rPr lang="en-GB" sz="1600" dirty="0" err="1">
+                <a:solidFill>
+                  <a:schemeClr val="bg2">
+                    <a:lumMod val="75000"/>
+                  </a:schemeClr>
+                </a:solidFill>
+                <a:latin typeface="Berlin Sans FB" panose="020E0602020502020306" pitchFamily="34" charset="0"/>
+              </a:rPr>
+              <a:t>mekanizması</a:t>
+            </a:r>
+            <a:r>
+              <a:rPr lang="en-GB" sz="1600" dirty="0">
+                <a:solidFill>
+                  <a:schemeClr val="bg2">
+                    <a:lumMod val="75000"/>
+                  </a:schemeClr>
+                </a:solidFill>
+                <a:latin typeface="Berlin Sans FB" panose="020E0602020502020306" pitchFamily="34" charset="0"/>
+              </a:rPr>
+              <a:t> </a:t>
+            </a:r>
+            <a:r>
+              <a:rPr lang="en-GB" sz="1600" dirty="0" err="1">
+                <a:solidFill>
+                  <a:schemeClr val="bg2">
+                    <a:lumMod val="75000"/>
+                  </a:schemeClr>
+                </a:solidFill>
+                <a:latin typeface="Berlin Sans FB" panose="020E0602020502020306" pitchFamily="34" charset="0"/>
+              </a:rPr>
+              <a:t>çalışmayacaktır</a:t>
+            </a:r>
+            <a:r>
+              <a:rPr lang="en-GB" sz="1600" dirty="0">
+                <a:solidFill>
+                  <a:schemeClr val="bg2">
+                    <a:lumMod val="75000"/>
+                  </a:schemeClr>
+                </a:solidFill>
+                <a:latin typeface="Berlin Sans FB" panose="020E0602020502020306" pitchFamily="34" charset="0"/>
+              </a:rPr>
+              <a:t>.</a:t>
+            </a:r>
+            <a:endParaRPr lang="en-US" sz="1600" dirty="0">
+              <a:solidFill>
+                <a:schemeClr val="bg2">
+                  <a:lumMod val="75000"/>
+                </a:schemeClr>
+              </a:solidFill>
+              <a:latin typeface="Berlin Sans FB" panose="020E0602020502020306" pitchFamily="34" charset="0"/>
+            </a:endParaRPr>
+          </a:p>
+          <a:p>
+            <a:endParaRPr lang="en-US" sz="1600" dirty="0">
+              <a:latin typeface="Berlin Sans FB" panose="020E0602020502020306" pitchFamily="34" charset="0"/>
+            </a:endParaRPr>
+          </a:p>
+          <a:p>
+            <a:r>
+              <a:rPr lang="en-GB" sz="1600" dirty="0" err="1">
+                <a:latin typeface="Berlin Sans FB" panose="020E0602020502020306" pitchFamily="34" charset="0"/>
+              </a:rPr>
+              <a:t>Senaryo</a:t>
+            </a:r>
+            <a:r>
+              <a:rPr lang="en-GB" sz="1600" dirty="0">
+                <a:latin typeface="Berlin Sans FB" panose="020E0602020502020306" pitchFamily="34" charset="0"/>
+              </a:rPr>
+              <a:t> 3 : </a:t>
+            </a:r>
+          </a:p>
+          <a:p>
+            <a:r>
+              <a:rPr lang="en-GB" sz="1600" dirty="0">
+                <a:solidFill>
+                  <a:schemeClr val="bg2">
+                    <a:lumMod val="75000"/>
+                  </a:schemeClr>
+                </a:solidFill>
+                <a:latin typeface="Berlin Sans FB" panose="020E0602020502020306" pitchFamily="34" charset="0"/>
+              </a:rPr>
+              <a:t>Tek/</a:t>
+            </a:r>
+            <a:r>
+              <a:rPr lang="en-GB" sz="1600" dirty="0" err="1">
+                <a:solidFill>
+                  <a:schemeClr val="bg2">
+                    <a:lumMod val="75000"/>
+                  </a:schemeClr>
+                </a:solidFill>
+                <a:latin typeface="Berlin Sans FB" panose="020E0602020502020306" pitchFamily="34" charset="0"/>
+              </a:rPr>
+              <a:t>Çoklu</a:t>
+            </a:r>
+            <a:r>
+              <a:rPr lang="en-GB" sz="1600" dirty="0">
+                <a:solidFill>
+                  <a:schemeClr val="bg2">
+                    <a:lumMod val="75000"/>
+                  </a:schemeClr>
+                </a:solidFill>
+                <a:latin typeface="Berlin Sans FB" panose="020E0602020502020306" pitchFamily="34" charset="0"/>
+              </a:rPr>
+              <a:t> </a:t>
+            </a:r>
+            <a:r>
+              <a:rPr lang="en-GB" sz="1600" dirty="0" err="1">
+                <a:solidFill>
+                  <a:schemeClr val="bg2">
+                    <a:lumMod val="75000"/>
+                  </a:schemeClr>
+                </a:solidFill>
+                <a:latin typeface="Berlin Sans FB" panose="020E0602020502020306" pitchFamily="34" charset="0"/>
+              </a:rPr>
+              <a:t>proje</a:t>
+            </a:r>
+            <a:r>
+              <a:rPr lang="en-GB" sz="1600" dirty="0">
+                <a:solidFill>
+                  <a:schemeClr val="bg2">
+                    <a:lumMod val="75000"/>
+                  </a:schemeClr>
+                </a:solidFill>
+                <a:latin typeface="Berlin Sans FB" panose="020E0602020502020306" pitchFamily="34" charset="0"/>
+              </a:rPr>
+              <a:t> + Vendor.</a:t>
+            </a:r>
+          </a:p>
+          <a:p>
+            <a:r>
+              <a:rPr lang="en-GB" sz="1600" dirty="0" err="1">
+                <a:solidFill>
+                  <a:schemeClr val="bg2">
+                    <a:lumMod val="75000"/>
+                  </a:schemeClr>
+                </a:solidFill>
+                <a:latin typeface="Berlin Sans FB" panose="020E0602020502020306" pitchFamily="34" charset="0"/>
+              </a:rPr>
+              <a:t>Destekleyici</a:t>
+            </a:r>
+            <a:r>
+              <a:rPr lang="en-GB" sz="1600" dirty="0">
+                <a:solidFill>
+                  <a:schemeClr val="bg2">
+                    <a:lumMod val="75000"/>
+                  </a:schemeClr>
+                </a:solidFill>
+                <a:latin typeface="Berlin Sans FB" panose="020E0602020502020306" pitchFamily="34" charset="0"/>
+              </a:rPr>
+              <a:t> </a:t>
+            </a:r>
+            <a:r>
+              <a:rPr lang="en-GB" sz="1600" dirty="0" err="1">
+                <a:solidFill>
+                  <a:schemeClr val="bg2">
+                    <a:lumMod val="75000"/>
+                  </a:schemeClr>
+                </a:solidFill>
+                <a:latin typeface="Berlin Sans FB" panose="020E0602020502020306" pitchFamily="34" charset="0"/>
+              </a:rPr>
+              <a:t>bir</a:t>
+            </a:r>
+            <a:r>
+              <a:rPr lang="en-GB" sz="1600" dirty="0">
+                <a:solidFill>
+                  <a:schemeClr val="bg2">
+                    <a:lumMod val="75000"/>
+                  </a:schemeClr>
+                </a:solidFill>
+                <a:latin typeface="Berlin Sans FB" panose="020E0602020502020306" pitchFamily="34" charset="0"/>
+              </a:rPr>
+              <a:t> </a:t>
+            </a:r>
+            <a:r>
+              <a:rPr lang="en-GB" sz="1600" dirty="0" err="1">
+                <a:solidFill>
+                  <a:schemeClr val="bg2">
+                    <a:lumMod val="75000"/>
+                  </a:schemeClr>
+                </a:solidFill>
+                <a:latin typeface="Berlin Sans FB" panose="020E0602020502020306" pitchFamily="34" charset="0"/>
+              </a:rPr>
+              <a:t>marka</a:t>
+            </a:r>
+            <a:r>
+              <a:rPr lang="en-GB" sz="1600" dirty="0">
+                <a:solidFill>
+                  <a:schemeClr val="bg2">
+                    <a:lumMod val="75000"/>
+                  </a:schemeClr>
+                </a:solidFill>
+                <a:latin typeface="Berlin Sans FB" panose="020E0602020502020306" pitchFamily="34" charset="0"/>
+              </a:rPr>
+              <a:t> </a:t>
+            </a:r>
+            <a:r>
+              <a:rPr lang="en-GB" sz="1600" dirty="0" err="1">
+                <a:solidFill>
+                  <a:schemeClr val="bg2">
+                    <a:lumMod val="75000"/>
+                  </a:schemeClr>
+                </a:solidFill>
+                <a:latin typeface="Berlin Sans FB" panose="020E0602020502020306" pitchFamily="34" charset="0"/>
+              </a:rPr>
+              <a:t>bağımlılığı</a:t>
+            </a:r>
+            <a:r>
+              <a:rPr lang="en-GB" sz="1600" dirty="0">
+                <a:solidFill>
+                  <a:schemeClr val="bg2">
+                    <a:lumMod val="75000"/>
+                  </a:schemeClr>
+                </a:solidFill>
+                <a:latin typeface="Berlin Sans FB" panose="020E0602020502020306" pitchFamily="34" charset="0"/>
+              </a:rPr>
+              <a:t> </a:t>
+            </a:r>
+            <a:r>
+              <a:rPr lang="en-GB" sz="1600" dirty="0" err="1">
+                <a:solidFill>
+                  <a:schemeClr val="bg2">
+                    <a:lumMod val="75000"/>
+                  </a:schemeClr>
+                </a:solidFill>
+                <a:latin typeface="Berlin Sans FB" panose="020E0602020502020306" pitchFamily="34" charset="0"/>
+              </a:rPr>
+              <a:t>ile</a:t>
+            </a:r>
+            <a:r>
+              <a:rPr lang="en-GB" sz="1600" dirty="0">
+                <a:solidFill>
+                  <a:schemeClr val="bg2">
+                    <a:lumMod val="75000"/>
+                  </a:schemeClr>
+                </a:solidFill>
+                <a:latin typeface="Berlin Sans FB" panose="020E0602020502020306" pitchFamily="34" charset="0"/>
+              </a:rPr>
+              <a:t> Log </a:t>
+            </a:r>
+            <a:r>
+              <a:rPr lang="en-GB" sz="1600" dirty="0" err="1">
+                <a:solidFill>
+                  <a:schemeClr val="bg2">
+                    <a:lumMod val="75000"/>
+                  </a:schemeClr>
+                </a:solidFill>
+                <a:latin typeface="Berlin Sans FB" panose="020E0602020502020306" pitchFamily="34" charset="0"/>
+              </a:rPr>
+              <a:t>ve</a:t>
+            </a:r>
+            <a:r>
+              <a:rPr lang="en-GB" sz="1600" dirty="0">
+                <a:solidFill>
+                  <a:schemeClr val="bg2">
+                    <a:lumMod val="75000"/>
+                  </a:schemeClr>
+                </a:solidFill>
+                <a:latin typeface="Berlin Sans FB" panose="020E0602020502020306" pitchFamily="34" charset="0"/>
+              </a:rPr>
+              <a:t> Metric </a:t>
+            </a:r>
+            <a:r>
+              <a:rPr lang="en-GB" sz="1600" dirty="0" err="1">
+                <a:solidFill>
+                  <a:schemeClr val="bg2">
+                    <a:lumMod val="75000"/>
+                  </a:schemeClr>
+                </a:solidFill>
+                <a:latin typeface="Berlin Sans FB" panose="020E0602020502020306" pitchFamily="34" charset="0"/>
+              </a:rPr>
+              <a:t>sisteminizi</a:t>
+            </a:r>
+            <a:r>
+              <a:rPr lang="en-GB" sz="1600" dirty="0">
+                <a:solidFill>
+                  <a:schemeClr val="bg2">
+                    <a:lumMod val="75000"/>
+                  </a:schemeClr>
+                </a:solidFill>
+                <a:latin typeface="Berlin Sans FB" panose="020E0602020502020306" pitchFamily="34" charset="0"/>
+              </a:rPr>
+              <a:t> </a:t>
+            </a:r>
+            <a:r>
+              <a:rPr lang="en-GB" sz="1600" dirty="0" err="1">
+                <a:solidFill>
+                  <a:schemeClr val="bg2">
+                    <a:lumMod val="75000"/>
+                  </a:schemeClr>
+                </a:solidFill>
+                <a:latin typeface="Berlin Sans FB" panose="020E0602020502020306" pitchFamily="34" charset="0"/>
+              </a:rPr>
+              <a:t>sadece</a:t>
+            </a:r>
+            <a:r>
+              <a:rPr lang="en-GB" sz="1600" dirty="0">
+                <a:solidFill>
+                  <a:schemeClr val="bg2">
+                    <a:lumMod val="75000"/>
+                  </a:schemeClr>
+                </a:solidFill>
+                <a:latin typeface="Berlin Sans FB" panose="020E0602020502020306" pitchFamily="34" charset="0"/>
+              </a:rPr>
+              <a:t> </a:t>
+            </a:r>
+            <a:r>
+              <a:rPr lang="en-GB" sz="1600" dirty="0" err="1">
+                <a:solidFill>
+                  <a:schemeClr val="bg2">
+                    <a:lumMod val="75000"/>
+                  </a:schemeClr>
+                </a:solidFill>
+                <a:latin typeface="Berlin Sans FB" panose="020E0602020502020306" pitchFamily="34" charset="0"/>
+              </a:rPr>
+              <a:t>ilgili</a:t>
+            </a:r>
+            <a:r>
+              <a:rPr lang="en-GB" sz="1600" dirty="0">
+                <a:solidFill>
+                  <a:schemeClr val="bg2">
+                    <a:lumMod val="75000"/>
+                  </a:schemeClr>
+                </a:solidFill>
+                <a:latin typeface="Berlin Sans FB" panose="020E0602020502020306" pitchFamily="34" charset="0"/>
+              </a:rPr>
+              <a:t> </a:t>
+            </a:r>
+            <a:r>
+              <a:rPr lang="en-GB" sz="1600" dirty="0" err="1">
+                <a:solidFill>
+                  <a:schemeClr val="bg2">
+                    <a:lumMod val="75000"/>
+                  </a:schemeClr>
+                </a:solidFill>
+                <a:latin typeface="Berlin Sans FB" panose="020E0602020502020306" pitchFamily="34" charset="0"/>
+              </a:rPr>
+              <a:t>firmanın</a:t>
+            </a:r>
+            <a:r>
+              <a:rPr lang="en-GB" sz="1600" dirty="0">
+                <a:solidFill>
+                  <a:schemeClr val="bg2">
+                    <a:lumMod val="75000"/>
+                  </a:schemeClr>
+                </a:solidFill>
+                <a:latin typeface="Berlin Sans FB" panose="020E0602020502020306" pitchFamily="34" charset="0"/>
+              </a:rPr>
+              <a:t> </a:t>
+            </a:r>
+            <a:r>
+              <a:rPr lang="en-GB" sz="1600" dirty="0" err="1">
+                <a:solidFill>
+                  <a:schemeClr val="bg2">
+                    <a:lumMod val="75000"/>
+                  </a:schemeClr>
+                </a:solidFill>
+                <a:latin typeface="Berlin Sans FB" panose="020E0602020502020306" pitchFamily="34" charset="0"/>
+              </a:rPr>
+              <a:t>destek</a:t>
+            </a:r>
+            <a:r>
+              <a:rPr lang="en-GB" sz="1600" dirty="0">
+                <a:solidFill>
+                  <a:schemeClr val="bg2">
+                    <a:lumMod val="75000"/>
+                  </a:schemeClr>
+                </a:solidFill>
+                <a:latin typeface="Berlin Sans FB" panose="020E0602020502020306" pitchFamily="34" charset="0"/>
+              </a:rPr>
+              <a:t> </a:t>
+            </a:r>
+            <a:r>
+              <a:rPr lang="en-GB" sz="1600" dirty="0" err="1">
+                <a:solidFill>
+                  <a:schemeClr val="bg2">
+                    <a:lumMod val="75000"/>
+                  </a:schemeClr>
+                </a:solidFill>
+                <a:latin typeface="Berlin Sans FB" panose="020E0602020502020306" pitchFamily="34" charset="0"/>
+              </a:rPr>
+              <a:t>verdiği</a:t>
+            </a:r>
+            <a:r>
+              <a:rPr lang="en-GB" sz="1600" dirty="0">
+                <a:solidFill>
+                  <a:schemeClr val="bg2">
+                    <a:lumMod val="75000"/>
+                  </a:schemeClr>
+                </a:solidFill>
+                <a:latin typeface="Berlin Sans FB" panose="020E0602020502020306" pitchFamily="34" charset="0"/>
+              </a:rPr>
+              <a:t> </a:t>
+            </a:r>
+            <a:r>
+              <a:rPr lang="en-GB" sz="1600" dirty="0" err="1">
+                <a:solidFill>
+                  <a:schemeClr val="bg2">
+                    <a:lumMod val="75000"/>
+                  </a:schemeClr>
+                </a:solidFill>
+                <a:latin typeface="Berlin Sans FB" panose="020E0602020502020306" pitchFamily="34" charset="0"/>
+              </a:rPr>
+              <a:t>ölçüde</a:t>
+            </a:r>
+            <a:r>
+              <a:rPr lang="en-GB" sz="1600" dirty="0">
+                <a:solidFill>
+                  <a:schemeClr val="bg2">
+                    <a:lumMod val="75000"/>
+                  </a:schemeClr>
+                </a:solidFill>
+                <a:latin typeface="Berlin Sans FB" panose="020E0602020502020306" pitchFamily="34" charset="0"/>
+              </a:rPr>
+              <a:t> trace </a:t>
+            </a:r>
+            <a:r>
+              <a:rPr lang="en-GB" sz="1600" dirty="0" err="1">
+                <a:solidFill>
+                  <a:schemeClr val="bg2">
+                    <a:lumMod val="75000"/>
+                  </a:schemeClr>
+                </a:solidFill>
+                <a:latin typeface="Berlin Sans FB" panose="020E0602020502020306" pitchFamily="34" charset="0"/>
+              </a:rPr>
+              <a:t>edebilirsiniz</a:t>
+            </a:r>
+            <a:r>
+              <a:rPr lang="en-GB" sz="1600" dirty="0">
+                <a:solidFill>
+                  <a:schemeClr val="bg2">
+                    <a:lumMod val="75000"/>
+                  </a:schemeClr>
+                </a:solidFill>
+                <a:latin typeface="Berlin Sans FB" panose="020E0602020502020306" pitchFamily="34" charset="0"/>
+              </a:rPr>
+              <a:t>, her </a:t>
+            </a:r>
+            <a:r>
+              <a:rPr lang="en-GB" sz="1600" dirty="0" err="1">
+                <a:solidFill>
+                  <a:schemeClr val="bg2">
+                    <a:lumMod val="75000"/>
+                  </a:schemeClr>
+                </a:solidFill>
+                <a:latin typeface="Berlin Sans FB" panose="020E0602020502020306" pitchFamily="34" charset="0"/>
+              </a:rPr>
+              <a:t>durumu</a:t>
+            </a:r>
+            <a:r>
+              <a:rPr lang="en-GB" sz="1600" dirty="0">
+                <a:solidFill>
+                  <a:schemeClr val="bg2">
+                    <a:lumMod val="75000"/>
+                  </a:schemeClr>
+                </a:solidFill>
+                <a:latin typeface="Berlin Sans FB" panose="020E0602020502020306" pitchFamily="34" charset="0"/>
+              </a:rPr>
+              <a:t> </a:t>
+            </a:r>
+            <a:r>
+              <a:rPr lang="en-GB" sz="1600" dirty="0" err="1">
+                <a:solidFill>
+                  <a:schemeClr val="bg2">
+                    <a:lumMod val="75000"/>
+                  </a:schemeClr>
+                </a:solidFill>
+                <a:latin typeface="Berlin Sans FB" panose="020E0602020502020306" pitchFamily="34" charset="0"/>
+              </a:rPr>
+              <a:t>ele</a:t>
+            </a:r>
+            <a:r>
+              <a:rPr lang="en-GB" sz="1600" dirty="0">
+                <a:solidFill>
+                  <a:schemeClr val="bg2">
+                    <a:lumMod val="75000"/>
+                  </a:schemeClr>
+                </a:solidFill>
+                <a:latin typeface="Berlin Sans FB" panose="020E0602020502020306" pitchFamily="34" charset="0"/>
+              </a:rPr>
+              <a:t> </a:t>
+            </a:r>
+            <a:r>
+              <a:rPr lang="en-GB" sz="1600" dirty="0" err="1">
+                <a:solidFill>
+                  <a:schemeClr val="bg2">
+                    <a:lumMod val="75000"/>
+                  </a:schemeClr>
+                </a:solidFill>
+                <a:latin typeface="Berlin Sans FB" panose="020E0602020502020306" pitchFamily="34" charset="0"/>
+              </a:rPr>
+              <a:t>alamamaya</a:t>
+            </a:r>
+            <a:r>
+              <a:rPr lang="en-GB" sz="1600" dirty="0">
+                <a:solidFill>
+                  <a:schemeClr val="bg2">
+                    <a:lumMod val="75000"/>
+                  </a:schemeClr>
+                </a:solidFill>
+                <a:latin typeface="Berlin Sans FB" panose="020E0602020502020306" pitchFamily="34" charset="0"/>
+              </a:rPr>
+              <a:t> </a:t>
+            </a:r>
+            <a:r>
+              <a:rPr lang="en-GB" sz="1600" dirty="0" err="1">
+                <a:solidFill>
+                  <a:schemeClr val="bg2">
+                    <a:lumMod val="75000"/>
+                  </a:schemeClr>
+                </a:solidFill>
+                <a:latin typeface="Berlin Sans FB" panose="020E0602020502020306" pitchFamily="34" charset="0"/>
+              </a:rPr>
+              <a:t>sebebiyet</a:t>
+            </a:r>
+            <a:r>
+              <a:rPr lang="en-GB" sz="1600" dirty="0">
+                <a:solidFill>
+                  <a:schemeClr val="bg2">
+                    <a:lumMod val="75000"/>
+                  </a:schemeClr>
+                </a:solidFill>
+                <a:latin typeface="Berlin Sans FB" panose="020E0602020502020306" pitchFamily="34" charset="0"/>
+              </a:rPr>
+              <a:t> </a:t>
+            </a:r>
+            <a:r>
+              <a:rPr lang="en-GB" sz="1600" dirty="0" err="1">
+                <a:solidFill>
+                  <a:schemeClr val="bg2">
+                    <a:lumMod val="75000"/>
+                  </a:schemeClr>
+                </a:solidFill>
+                <a:latin typeface="Berlin Sans FB" panose="020E0602020502020306" pitchFamily="34" charset="0"/>
+              </a:rPr>
+              <a:t>verebilir</a:t>
+            </a:r>
+            <a:r>
+              <a:rPr lang="en-GB" sz="1600" dirty="0">
+                <a:solidFill>
+                  <a:schemeClr val="bg2">
+                    <a:lumMod val="75000"/>
+                  </a:schemeClr>
+                </a:solidFill>
+                <a:latin typeface="Berlin Sans FB" panose="020E0602020502020306" pitchFamily="34" charset="0"/>
+              </a:rPr>
+              <a:t>.</a:t>
+            </a:r>
+            <a:endParaRPr lang="en-US" sz="1600" dirty="0">
+              <a:solidFill>
+                <a:schemeClr val="bg2">
+                  <a:lumMod val="75000"/>
+                </a:schemeClr>
+              </a:solidFill>
+              <a:latin typeface="Berlin Sans FB" panose="020E0602020502020306" pitchFamily="34" charset="0"/>
+            </a:endParaRPr>
+          </a:p>
+        </p:txBody>
+      </p:sp>
+    </p:spTree>
+    <p:extLst>
+      <p:ext uri="{BB962C8B-B14F-4D97-AF65-F5344CB8AC3E}">
+        <p14:creationId xmlns:p14="http://schemas.microsoft.com/office/powerpoint/2010/main" val="721458803"/>
+      </p:ext>
+    </p:extLst>
+  </p:cSld>
+  <p:clrMapOvr>
+    <a:masterClrMapping/>
+  </p:clrMapOvr>
+</p:sld>
+</file>
+
+<file path=ppt/slides/slide5.xml><?xml version="1.0" encoding="utf-8"?>
+<p:sld xmlns:a="http://schemas.openxmlformats.org/drawingml/2006/main" xmlns:r="http://schemas.openxmlformats.org/officeDocument/2006/relationships" xmlns:p="http://schemas.openxmlformats.org/presentationml/2006/main">
+  <p:cSld>
+    <p:spTree>
+      <p:nvGrpSpPr>
+        <p:cNvPr id="1" name=""/>
+        <p:cNvGrpSpPr/>
+        <p:nvPr/>
+      </p:nvGrpSpPr>
+      <p:grpSpPr>
+        <a:xfrm>
+          <a:off x="0" y="0"/>
+          <a:ext cx="0" cy="0"/>
+          <a:chOff x="0" y="0"/>
+          <a:chExt cx="0" cy="0"/>
+        </a:xfrm>
+      </p:grpSpPr>
+      <p:sp>
+        <p:nvSpPr>
+          <p:cNvPr id="2" name="Title 1">
+            <a:extLst>
+              <a:ext uri="{FF2B5EF4-FFF2-40B4-BE49-F238E27FC236}">
+                <a16:creationId xmlns:a16="http://schemas.microsoft.com/office/drawing/2014/main" id="{71EE4FB3-66B0-4749-82EC-375C6BFBF789}"/>
+              </a:ext>
+            </a:extLst>
+          </p:cNvPr>
+          <p:cNvSpPr>
+            <a:spLocks noGrp="1"/>
+          </p:cNvSpPr>
+          <p:nvPr>
+            <p:ph type="title"/>
+          </p:nvPr>
+        </p:nvSpPr>
+        <p:spPr/>
+        <p:txBody>
+          <a:bodyPr/>
+          <a:lstStyle/>
+          <a:p>
+            <a:r>
+              <a:rPr lang="en-US" dirty="0"/>
+              <a:t>Log/Metrics/</a:t>
+            </a:r>
+            <a:r>
+              <a:rPr lang="en-US" dirty="0" err="1"/>
+              <a:t>Genel</a:t>
+            </a:r>
+            <a:endParaRPr lang="en-US" dirty="0"/>
+          </a:p>
+        </p:txBody>
+      </p:sp>
+      <p:sp>
+        <p:nvSpPr>
+          <p:cNvPr id="5" name="Rectangle 4">
+            <a:extLst>
+              <a:ext uri="{FF2B5EF4-FFF2-40B4-BE49-F238E27FC236}">
+                <a16:creationId xmlns:a16="http://schemas.microsoft.com/office/drawing/2014/main" id="{32A0D808-05AF-4FC2-A7BB-225721BAFD90}"/>
+              </a:ext>
+            </a:extLst>
+          </p:cNvPr>
+          <p:cNvSpPr/>
+          <p:nvPr/>
+        </p:nvSpPr>
+        <p:spPr>
+          <a:xfrm>
+            <a:off x="3177175" y="2683799"/>
+            <a:ext cx="1054166" cy="745201"/>
+          </a:xfrm>
+          <a:prstGeom prst="rect">
+            <a:avLst/>
+          </a:prstGeom>
+        </p:spPr>
+        <p:style>
+          <a:lnRef idx="2">
+            <a:schemeClr val="accent1">
+              <a:shade val="50000"/>
+            </a:schemeClr>
+          </a:lnRef>
+          <a:fillRef idx="1">
+            <a:schemeClr val="accent1"/>
+          </a:fillRef>
+          <a:effectRef idx="0">
+            <a:schemeClr val="accent1"/>
+          </a:effectRef>
+          <a:fontRef idx="minor">
+            <a:schemeClr val="lt1"/>
+          </a:fontRef>
+        </p:style>
+        <p:txBody>
+          <a:bodyPr rtlCol="0" anchor="ctr"/>
+          <a:lstStyle>
+            <a:defPPr>
+              <a:defRPr lang="en-US"/>
+            </a:defPPr>
+            <a:lvl1pPr marL="0" algn="l" defTabSz="914400" rtl="0" eaLnBrk="1" latinLnBrk="0" hangingPunct="1">
+              <a:defRPr sz="1800" kern="1200">
+                <a:solidFill>
+                  <a:schemeClr val="lt1"/>
+                </a:solidFill>
+                <a:latin typeface="+mn-lt"/>
+                <a:ea typeface="+mn-ea"/>
+                <a:cs typeface="+mn-cs"/>
+              </a:defRPr>
+            </a:lvl1pPr>
+            <a:lvl2pPr marL="457200" algn="l" defTabSz="914400" rtl="0" eaLnBrk="1" latinLnBrk="0" hangingPunct="1">
+              <a:defRPr sz="1800" kern="1200">
+                <a:solidFill>
+                  <a:schemeClr val="lt1"/>
+                </a:solidFill>
+                <a:latin typeface="+mn-lt"/>
+                <a:ea typeface="+mn-ea"/>
+                <a:cs typeface="+mn-cs"/>
+              </a:defRPr>
+            </a:lvl2pPr>
+            <a:lvl3pPr marL="914400" algn="l" defTabSz="914400" rtl="0" eaLnBrk="1" latinLnBrk="0" hangingPunct="1">
+              <a:defRPr sz="1800" kern="1200">
+                <a:solidFill>
+                  <a:schemeClr val="lt1"/>
+                </a:solidFill>
+                <a:latin typeface="+mn-lt"/>
+                <a:ea typeface="+mn-ea"/>
+                <a:cs typeface="+mn-cs"/>
+              </a:defRPr>
+            </a:lvl3pPr>
+            <a:lvl4pPr marL="1371600" algn="l" defTabSz="914400" rtl="0" eaLnBrk="1" latinLnBrk="0" hangingPunct="1">
+              <a:defRPr sz="1800" kern="1200">
+                <a:solidFill>
+                  <a:schemeClr val="lt1"/>
+                </a:solidFill>
+                <a:latin typeface="+mn-lt"/>
+                <a:ea typeface="+mn-ea"/>
+                <a:cs typeface="+mn-cs"/>
+              </a:defRPr>
+            </a:lvl4pPr>
+            <a:lvl5pPr marL="1828800" algn="l" defTabSz="914400" rtl="0" eaLnBrk="1" latinLnBrk="0" hangingPunct="1">
+              <a:defRPr sz="1800" kern="1200">
+                <a:solidFill>
+                  <a:schemeClr val="lt1"/>
+                </a:solidFill>
+                <a:latin typeface="+mn-lt"/>
+                <a:ea typeface="+mn-ea"/>
+                <a:cs typeface="+mn-cs"/>
+              </a:defRPr>
+            </a:lvl5pPr>
+            <a:lvl6pPr marL="2286000" algn="l" defTabSz="914400" rtl="0" eaLnBrk="1" latinLnBrk="0" hangingPunct="1">
+              <a:defRPr sz="1800" kern="1200">
+                <a:solidFill>
+                  <a:schemeClr val="lt1"/>
+                </a:solidFill>
+                <a:latin typeface="+mn-lt"/>
+                <a:ea typeface="+mn-ea"/>
+                <a:cs typeface="+mn-cs"/>
+              </a:defRPr>
+            </a:lvl6pPr>
+            <a:lvl7pPr marL="2743200" algn="l" defTabSz="914400" rtl="0" eaLnBrk="1" latinLnBrk="0" hangingPunct="1">
+              <a:defRPr sz="1800" kern="1200">
+                <a:solidFill>
+                  <a:schemeClr val="lt1"/>
+                </a:solidFill>
+                <a:latin typeface="+mn-lt"/>
+                <a:ea typeface="+mn-ea"/>
+                <a:cs typeface="+mn-cs"/>
+              </a:defRPr>
+            </a:lvl7pPr>
+            <a:lvl8pPr marL="3200400" algn="l" defTabSz="914400" rtl="0" eaLnBrk="1" latinLnBrk="0" hangingPunct="1">
+              <a:defRPr sz="1800" kern="1200">
+                <a:solidFill>
+                  <a:schemeClr val="lt1"/>
+                </a:solidFill>
+                <a:latin typeface="+mn-lt"/>
+                <a:ea typeface="+mn-ea"/>
+                <a:cs typeface="+mn-cs"/>
+              </a:defRPr>
+            </a:lvl8pPr>
+            <a:lvl9pPr marL="3657600" algn="l" defTabSz="914400" rtl="0" eaLnBrk="1" latinLnBrk="0" hangingPunct="1">
+              <a:defRPr sz="1800" kern="1200">
+                <a:solidFill>
+                  <a:schemeClr val="lt1"/>
+                </a:solidFill>
+                <a:latin typeface="+mn-lt"/>
+                <a:ea typeface="+mn-ea"/>
+                <a:cs typeface="+mn-cs"/>
+              </a:defRPr>
+            </a:lvl9pPr>
+          </a:lstStyle>
+          <a:p>
+            <a:pPr algn="ctr"/>
+            <a:r>
+              <a:rPr lang="en-US" dirty="0"/>
+              <a:t>API</a:t>
+            </a:r>
+          </a:p>
+        </p:txBody>
+      </p:sp>
+      <p:sp>
+        <p:nvSpPr>
+          <p:cNvPr id="6" name="Rectangle 5">
+            <a:extLst>
+              <a:ext uri="{FF2B5EF4-FFF2-40B4-BE49-F238E27FC236}">
+                <a16:creationId xmlns:a16="http://schemas.microsoft.com/office/drawing/2014/main" id="{5C837401-EF96-4293-BA60-C7DE15FEB070}"/>
+              </a:ext>
+            </a:extLst>
+          </p:cNvPr>
+          <p:cNvSpPr/>
+          <p:nvPr/>
+        </p:nvSpPr>
+        <p:spPr>
+          <a:xfrm>
+            <a:off x="6983591" y="1738767"/>
+            <a:ext cx="1154635" cy="875110"/>
+          </a:xfrm>
+          <a:prstGeom prst="rect">
+            <a:avLst/>
+          </a:prstGeom>
+        </p:spPr>
+        <p:style>
+          <a:lnRef idx="2">
+            <a:schemeClr val="accent2">
+              <a:shade val="50000"/>
+            </a:schemeClr>
+          </a:lnRef>
+          <a:fillRef idx="1">
+            <a:schemeClr val="accent2"/>
+          </a:fillRef>
+          <a:effectRef idx="0">
+            <a:schemeClr val="accent2"/>
+          </a:effectRef>
+          <a:fontRef idx="minor">
+            <a:schemeClr val="lt1"/>
+          </a:fontRef>
+        </p:style>
+        <p:txBody>
+          <a:bodyPr rtlCol="0" anchor="ctr"/>
+          <a:lstStyle>
+            <a:defPPr>
+              <a:defRPr lang="en-US"/>
+            </a:defPPr>
+            <a:lvl1pPr marL="0" algn="l" defTabSz="914400" rtl="0" eaLnBrk="1" latinLnBrk="0" hangingPunct="1">
+              <a:defRPr sz="1800" kern="1200">
+                <a:solidFill>
+                  <a:schemeClr val="lt1"/>
+                </a:solidFill>
+                <a:latin typeface="+mn-lt"/>
+                <a:ea typeface="+mn-ea"/>
+                <a:cs typeface="+mn-cs"/>
+              </a:defRPr>
+            </a:lvl1pPr>
+            <a:lvl2pPr marL="457200" algn="l" defTabSz="914400" rtl="0" eaLnBrk="1" latinLnBrk="0" hangingPunct="1">
+              <a:defRPr sz="1800" kern="1200">
+                <a:solidFill>
+                  <a:schemeClr val="lt1"/>
+                </a:solidFill>
+                <a:latin typeface="+mn-lt"/>
+                <a:ea typeface="+mn-ea"/>
+                <a:cs typeface="+mn-cs"/>
+              </a:defRPr>
+            </a:lvl2pPr>
+            <a:lvl3pPr marL="914400" algn="l" defTabSz="914400" rtl="0" eaLnBrk="1" latinLnBrk="0" hangingPunct="1">
+              <a:defRPr sz="1800" kern="1200">
+                <a:solidFill>
+                  <a:schemeClr val="lt1"/>
+                </a:solidFill>
+                <a:latin typeface="+mn-lt"/>
+                <a:ea typeface="+mn-ea"/>
+                <a:cs typeface="+mn-cs"/>
+              </a:defRPr>
+            </a:lvl3pPr>
+            <a:lvl4pPr marL="1371600" algn="l" defTabSz="914400" rtl="0" eaLnBrk="1" latinLnBrk="0" hangingPunct="1">
+              <a:defRPr sz="1800" kern="1200">
+                <a:solidFill>
+                  <a:schemeClr val="lt1"/>
+                </a:solidFill>
+                <a:latin typeface="+mn-lt"/>
+                <a:ea typeface="+mn-ea"/>
+                <a:cs typeface="+mn-cs"/>
+              </a:defRPr>
+            </a:lvl4pPr>
+            <a:lvl5pPr marL="1828800" algn="l" defTabSz="914400" rtl="0" eaLnBrk="1" latinLnBrk="0" hangingPunct="1">
+              <a:defRPr sz="1800" kern="1200">
+                <a:solidFill>
+                  <a:schemeClr val="lt1"/>
+                </a:solidFill>
+                <a:latin typeface="+mn-lt"/>
+                <a:ea typeface="+mn-ea"/>
+                <a:cs typeface="+mn-cs"/>
+              </a:defRPr>
+            </a:lvl5pPr>
+            <a:lvl6pPr marL="2286000" algn="l" defTabSz="914400" rtl="0" eaLnBrk="1" latinLnBrk="0" hangingPunct="1">
+              <a:defRPr sz="1800" kern="1200">
+                <a:solidFill>
+                  <a:schemeClr val="lt1"/>
+                </a:solidFill>
+                <a:latin typeface="+mn-lt"/>
+                <a:ea typeface="+mn-ea"/>
+                <a:cs typeface="+mn-cs"/>
+              </a:defRPr>
+            </a:lvl6pPr>
+            <a:lvl7pPr marL="2743200" algn="l" defTabSz="914400" rtl="0" eaLnBrk="1" latinLnBrk="0" hangingPunct="1">
+              <a:defRPr sz="1800" kern="1200">
+                <a:solidFill>
+                  <a:schemeClr val="lt1"/>
+                </a:solidFill>
+                <a:latin typeface="+mn-lt"/>
+                <a:ea typeface="+mn-ea"/>
+                <a:cs typeface="+mn-cs"/>
+              </a:defRPr>
+            </a:lvl7pPr>
+            <a:lvl8pPr marL="3200400" algn="l" defTabSz="914400" rtl="0" eaLnBrk="1" latinLnBrk="0" hangingPunct="1">
+              <a:defRPr sz="1800" kern="1200">
+                <a:solidFill>
+                  <a:schemeClr val="lt1"/>
+                </a:solidFill>
+                <a:latin typeface="+mn-lt"/>
+                <a:ea typeface="+mn-ea"/>
+                <a:cs typeface="+mn-cs"/>
+              </a:defRPr>
+            </a:lvl8pPr>
+            <a:lvl9pPr marL="3657600" algn="l" defTabSz="914400" rtl="0" eaLnBrk="1" latinLnBrk="0" hangingPunct="1">
+              <a:defRPr sz="1800" kern="1200">
+                <a:solidFill>
+                  <a:schemeClr val="lt1"/>
+                </a:solidFill>
+                <a:latin typeface="+mn-lt"/>
+                <a:ea typeface="+mn-ea"/>
+                <a:cs typeface="+mn-cs"/>
+              </a:defRPr>
+            </a:lvl9pPr>
+          </a:lstStyle>
+          <a:p>
+            <a:pPr algn="ctr"/>
+            <a:r>
+              <a:rPr lang="en-US" dirty="0"/>
+              <a:t>Worker Service</a:t>
+            </a:r>
+          </a:p>
+        </p:txBody>
+      </p:sp>
+      <p:sp>
+        <p:nvSpPr>
+          <p:cNvPr id="7" name="Rectangle 6">
+            <a:extLst>
+              <a:ext uri="{FF2B5EF4-FFF2-40B4-BE49-F238E27FC236}">
+                <a16:creationId xmlns:a16="http://schemas.microsoft.com/office/drawing/2014/main" id="{2FD4FE61-0D7B-43C1-AE39-50B6BF03E9E9}"/>
+              </a:ext>
+            </a:extLst>
+          </p:cNvPr>
+          <p:cNvSpPr/>
+          <p:nvPr/>
+        </p:nvSpPr>
+        <p:spPr>
+          <a:xfrm>
+            <a:off x="7911376" y="4891014"/>
+            <a:ext cx="1202742" cy="798586"/>
+          </a:xfrm>
+          <a:prstGeom prst="rect">
+            <a:avLst/>
+          </a:prstGeom>
+        </p:spPr>
+        <p:style>
+          <a:lnRef idx="2">
+            <a:schemeClr val="accent6">
+              <a:shade val="50000"/>
+            </a:schemeClr>
+          </a:lnRef>
+          <a:fillRef idx="1">
+            <a:schemeClr val="accent6"/>
+          </a:fillRef>
+          <a:effectRef idx="0">
+            <a:schemeClr val="accent6"/>
+          </a:effectRef>
+          <a:fontRef idx="minor">
+            <a:schemeClr val="lt1"/>
+          </a:fontRef>
+        </p:style>
+        <p:txBody>
+          <a:bodyPr rtlCol="0" anchor="ctr"/>
+          <a:lstStyle>
+            <a:defPPr>
+              <a:defRPr lang="en-US"/>
+            </a:defPPr>
+            <a:lvl1pPr marL="0" algn="l" defTabSz="914400" rtl="0" eaLnBrk="1" latinLnBrk="0" hangingPunct="1">
+              <a:defRPr sz="1800" kern="1200">
+                <a:solidFill>
+                  <a:schemeClr val="lt1"/>
+                </a:solidFill>
+                <a:latin typeface="+mn-lt"/>
+                <a:ea typeface="+mn-ea"/>
+                <a:cs typeface="+mn-cs"/>
+              </a:defRPr>
+            </a:lvl1pPr>
+            <a:lvl2pPr marL="457200" algn="l" defTabSz="914400" rtl="0" eaLnBrk="1" latinLnBrk="0" hangingPunct="1">
+              <a:defRPr sz="1800" kern="1200">
+                <a:solidFill>
+                  <a:schemeClr val="lt1"/>
+                </a:solidFill>
+                <a:latin typeface="+mn-lt"/>
+                <a:ea typeface="+mn-ea"/>
+                <a:cs typeface="+mn-cs"/>
+              </a:defRPr>
+            </a:lvl2pPr>
+            <a:lvl3pPr marL="914400" algn="l" defTabSz="914400" rtl="0" eaLnBrk="1" latinLnBrk="0" hangingPunct="1">
+              <a:defRPr sz="1800" kern="1200">
+                <a:solidFill>
+                  <a:schemeClr val="lt1"/>
+                </a:solidFill>
+                <a:latin typeface="+mn-lt"/>
+                <a:ea typeface="+mn-ea"/>
+                <a:cs typeface="+mn-cs"/>
+              </a:defRPr>
+            </a:lvl3pPr>
+            <a:lvl4pPr marL="1371600" algn="l" defTabSz="914400" rtl="0" eaLnBrk="1" latinLnBrk="0" hangingPunct="1">
+              <a:defRPr sz="1800" kern="1200">
+                <a:solidFill>
+                  <a:schemeClr val="lt1"/>
+                </a:solidFill>
+                <a:latin typeface="+mn-lt"/>
+                <a:ea typeface="+mn-ea"/>
+                <a:cs typeface="+mn-cs"/>
+              </a:defRPr>
+            </a:lvl4pPr>
+            <a:lvl5pPr marL="1828800" algn="l" defTabSz="914400" rtl="0" eaLnBrk="1" latinLnBrk="0" hangingPunct="1">
+              <a:defRPr sz="1800" kern="1200">
+                <a:solidFill>
+                  <a:schemeClr val="lt1"/>
+                </a:solidFill>
+                <a:latin typeface="+mn-lt"/>
+                <a:ea typeface="+mn-ea"/>
+                <a:cs typeface="+mn-cs"/>
+              </a:defRPr>
+            </a:lvl5pPr>
+            <a:lvl6pPr marL="2286000" algn="l" defTabSz="914400" rtl="0" eaLnBrk="1" latinLnBrk="0" hangingPunct="1">
+              <a:defRPr sz="1800" kern="1200">
+                <a:solidFill>
+                  <a:schemeClr val="lt1"/>
+                </a:solidFill>
+                <a:latin typeface="+mn-lt"/>
+                <a:ea typeface="+mn-ea"/>
+                <a:cs typeface="+mn-cs"/>
+              </a:defRPr>
+            </a:lvl6pPr>
+            <a:lvl7pPr marL="2743200" algn="l" defTabSz="914400" rtl="0" eaLnBrk="1" latinLnBrk="0" hangingPunct="1">
+              <a:defRPr sz="1800" kern="1200">
+                <a:solidFill>
+                  <a:schemeClr val="lt1"/>
+                </a:solidFill>
+                <a:latin typeface="+mn-lt"/>
+                <a:ea typeface="+mn-ea"/>
+                <a:cs typeface="+mn-cs"/>
+              </a:defRPr>
+            </a:lvl7pPr>
+            <a:lvl8pPr marL="3200400" algn="l" defTabSz="914400" rtl="0" eaLnBrk="1" latinLnBrk="0" hangingPunct="1">
+              <a:defRPr sz="1800" kern="1200">
+                <a:solidFill>
+                  <a:schemeClr val="lt1"/>
+                </a:solidFill>
+                <a:latin typeface="+mn-lt"/>
+                <a:ea typeface="+mn-ea"/>
+                <a:cs typeface="+mn-cs"/>
+              </a:defRPr>
+            </a:lvl8pPr>
+            <a:lvl9pPr marL="3657600" algn="l" defTabSz="914400" rtl="0" eaLnBrk="1" latinLnBrk="0" hangingPunct="1">
+              <a:defRPr sz="1800" kern="1200">
+                <a:solidFill>
+                  <a:schemeClr val="lt1"/>
+                </a:solidFill>
+                <a:latin typeface="+mn-lt"/>
+                <a:ea typeface="+mn-ea"/>
+                <a:cs typeface="+mn-cs"/>
+              </a:defRPr>
+            </a:lvl9pPr>
+          </a:lstStyle>
+          <a:p>
+            <a:pPr algn="ctr"/>
+            <a:r>
+              <a:rPr lang="en-US" dirty="0"/>
+              <a:t>Other Worker Service</a:t>
+            </a:r>
+          </a:p>
+        </p:txBody>
+      </p:sp>
+      <p:cxnSp>
+        <p:nvCxnSpPr>
+          <p:cNvPr id="8" name="Straight Arrow Connector 7">
+            <a:extLst>
+              <a:ext uri="{FF2B5EF4-FFF2-40B4-BE49-F238E27FC236}">
+                <a16:creationId xmlns:a16="http://schemas.microsoft.com/office/drawing/2014/main" id="{DC57C76D-34A9-40BA-92D1-4340DAF37561}"/>
+              </a:ext>
+            </a:extLst>
+          </p:cNvPr>
+          <p:cNvCxnSpPr>
+            <a:cxnSpLocks/>
+            <a:stCxn id="5" idx="3"/>
+            <a:endCxn id="6" idx="1"/>
+          </p:cNvCxnSpPr>
+          <p:nvPr/>
+        </p:nvCxnSpPr>
+        <p:spPr>
+          <a:xfrm flipV="1">
+            <a:off x="4231341" y="2176322"/>
+            <a:ext cx="2752250" cy="880078"/>
+          </a:xfrm>
+          <a:prstGeom prst="straightConnector1">
+            <a:avLst/>
+          </a:prstGeom>
+          <a:ln w="38100" cap="flat" cmpd="sng" algn="ctr">
+            <a:solidFill>
+              <a:schemeClr val="dk1"/>
+            </a:solidFill>
+            <a:prstDash val="solid"/>
+            <a:round/>
+            <a:headEnd type="arrow" w="med" len="med"/>
+            <a:tailEnd type="arrow" w="med" len="med"/>
+          </a:ln>
+        </p:spPr>
+        <p:style>
+          <a:lnRef idx="0">
+            <a:scrgbClr r="0" g="0" b="0"/>
+          </a:lnRef>
+          <a:fillRef idx="0">
+            <a:scrgbClr r="0" g="0" b="0"/>
+          </a:fillRef>
+          <a:effectRef idx="0">
+            <a:scrgbClr r="0" g="0" b="0"/>
+          </a:effectRef>
+          <a:fontRef idx="minor">
+            <a:schemeClr val="tx1"/>
+          </a:fontRef>
+        </p:style>
+      </p:cxnSp>
+      <p:cxnSp>
+        <p:nvCxnSpPr>
+          <p:cNvPr id="9" name="Straight Arrow Connector 8">
+            <a:extLst>
+              <a:ext uri="{FF2B5EF4-FFF2-40B4-BE49-F238E27FC236}">
+                <a16:creationId xmlns:a16="http://schemas.microsoft.com/office/drawing/2014/main" id="{CC214570-C7E8-4681-93E5-42C99EAA7169}"/>
+              </a:ext>
+            </a:extLst>
+          </p:cNvPr>
+          <p:cNvCxnSpPr>
+            <a:cxnSpLocks/>
+            <a:stCxn id="6" idx="2"/>
+            <a:endCxn id="7" idx="0"/>
+          </p:cNvCxnSpPr>
+          <p:nvPr/>
+        </p:nvCxnSpPr>
+        <p:spPr>
+          <a:xfrm>
+            <a:off x="7560909" y="2613877"/>
+            <a:ext cx="951838" cy="2277137"/>
+          </a:xfrm>
+          <a:prstGeom prst="straightConnector1">
+            <a:avLst/>
+          </a:prstGeom>
+          <a:ln w="38100" cap="flat" cmpd="sng" algn="ctr">
+            <a:solidFill>
+              <a:schemeClr val="dk1"/>
+            </a:solidFill>
+            <a:prstDash val="solid"/>
+            <a:round/>
+            <a:headEnd type="arrow" w="med" len="med"/>
+            <a:tailEnd type="arrow" w="med" len="med"/>
+          </a:ln>
+        </p:spPr>
+        <p:style>
+          <a:lnRef idx="0">
+            <a:scrgbClr r="0" g="0" b="0"/>
+          </a:lnRef>
+          <a:fillRef idx="0">
+            <a:scrgbClr r="0" g="0" b="0"/>
+          </a:fillRef>
+          <a:effectRef idx="0">
+            <a:scrgbClr r="0" g="0" b="0"/>
+          </a:effectRef>
+          <a:fontRef idx="minor">
+            <a:schemeClr val="tx1"/>
+          </a:fontRef>
+        </p:style>
+      </p:cxnSp>
+      <p:grpSp>
+        <p:nvGrpSpPr>
+          <p:cNvPr id="10" name="Group 9">
+            <a:extLst>
+              <a:ext uri="{FF2B5EF4-FFF2-40B4-BE49-F238E27FC236}">
+                <a16:creationId xmlns:a16="http://schemas.microsoft.com/office/drawing/2014/main" id="{D6D47B53-8CB1-43EA-8176-26AF64AFB94B}"/>
+              </a:ext>
+            </a:extLst>
+          </p:cNvPr>
+          <p:cNvGrpSpPr/>
+          <p:nvPr/>
+        </p:nvGrpSpPr>
+        <p:grpSpPr>
+          <a:xfrm>
+            <a:off x="7806718" y="4414481"/>
+            <a:ext cx="618146" cy="381000"/>
+            <a:chOff x="838200" y="3886200"/>
+            <a:chExt cx="914400" cy="609600"/>
+          </a:xfrm>
+        </p:grpSpPr>
+        <p:sp>
+          <p:nvSpPr>
+            <p:cNvPr id="12" name="Rectangle 11">
+              <a:extLst>
+                <a:ext uri="{FF2B5EF4-FFF2-40B4-BE49-F238E27FC236}">
+                  <a16:creationId xmlns:a16="http://schemas.microsoft.com/office/drawing/2014/main" id="{F6F3DE86-3DBF-4FD6-B57C-BF2928F390F1}"/>
+                </a:ext>
+              </a:extLst>
+            </p:cNvPr>
+            <p:cNvSpPr/>
+            <p:nvPr/>
+          </p:nvSpPr>
+          <p:spPr>
+            <a:xfrm>
+              <a:off x="838200" y="3886200"/>
+              <a:ext cx="914400" cy="609600"/>
+            </a:xfrm>
+            <a:prstGeom prst="rect">
+              <a:avLst/>
+            </a:prstGeom>
+            <a:gradFill>
+              <a:gsLst>
+                <a:gs pos="100000">
+                  <a:schemeClr val="tx1">
+                    <a:lumMod val="50000"/>
+                    <a:lumOff val="50000"/>
+                  </a:schemeClr>
+                </a:gs>
+                <a:gs pos="48000">
+                  <a:schemeClr val="accent1">
+                    <a:tint val="44500"/>
+                    <a:satMod val="160000"/>
+                  </a:schemeClr>
+                </a:gs>
+                <a:gs pos="0">
+                  <a:schemeClr val="accent1">
+                    <a:tint val="23500"/>
+                    <a:satMod val="160000"/>
+                  </a:schemeClr>
+                </a:gs>
+              </a:gsLst>
+              <a:path path="circle">
+                <a:fillToRect l="50000" t="50000" r="50000" b="50000"/>
+              </a:path>
+            </a:gradFill>
+            <a:ln w="12700">
+              <a:solidFill>
+                <a:schemeClr val="tx1"/>
+              </a:solidFill>
+            </a:ln>
+          </p:spPr>
+          <p:style>
+            <a:lnRef idx="2">
+              <a:schemeClr val="accent1">
+                <a:shade val="50000"/>
+              </a:schemeClr>
+            </a:lnRef>
+            <a:fillRef idx="1">
+              <a:schemeClr val="accent1"/>
+            </a:fillRef>
+            <a:effectRef idx="0">
+              <a:schemeClr val="accent1"/>
+            </a:effectRef>
+            <a:fontRef idx="minor">
+              <a:schemeClr val="lt1"/>
+            </a:fontRef>
+          </p:style>
+          <p:txBody>
+            <a:bodyPr rtlCol="0" anchor="ctr"/>
+            <a:lstStyle>
+              <a:defPPr>
+                <a:defRPr lang="en-US"/>
+              </a:defPPr>
+              <a:lvl1pPr marL="0" algn="l" defTabSz="914400" rtl="0" eaLnBrk="1" latinLnBrk="0" hangingPunct="1">
+                <a:defRPr sz="1800" kern="1200">
+                  <a:solidFill>
+                    <a:schemeClr val="lt1"/>
+                  </a:solidFill>
+                  <a:latin typeface="+mn-lt"/>
+                  <a:ea typeface="+mn-ea"/>
+                  <a:cs typeface="+mn-cs"/>
+                </a:defRPr>
+              </a:lvl1pPr>
+              <a:lvl2pPr marL="457200" algn="l" defTabSz="914400" rtl="0" eaLnBrk="1" latinLnBrk="0" hangingPunct="1">
+                <a:defRPr sz="1800" kern="1200">
+                  <a:solidFill>
+                    <a:schemeClr val="lt1"/>
+                  </a:solidFill>
+                  <a:latin typeface="+mn-lt"/>
+                  <a:ea typeface="+mn-ea"/>
+                  <a:cs typeface="+mn-cs"/>
+                </a:defRPr>
+              </a:lvl2pPr>
+              <a:lvl3pPr marL="914400" algn="l" defTabSz="914400" rtl="0" eaLnBrk="1" latinLnBrk="0" hangingPunct="1">
+                <a:defRPr sz="1800" kern="1200">
+                  <a:solidFill>
+                    <a:schemeClr val="lt1"/>
+                  </a:solidFill>
+                  <a:latin typeface="+mn-lt"/>
+                  <a:ea typeface="+mn-ea"/>
+                  <a:cs typeface="+mn-cs"/>
+                </a:defRPr>
+              </a:lvl3pPr>
+              <a:lvl4pPr marL="1371600" algn="l" defTabSz="914400" rtl="0" eaLnBrk="1" latinLnBrk="0" hangingPunct="1">
+                <a:defRPr sz="1800" kern="1200">
+                  <a:solidFill>
+                    <a:schemeClr val="lt1"/>
+                  </a:solidFill>
+                  <a:latin typeface="+mn-lt"/>
+                  <a:ea typeface="+mn-ea"/>
+                  <a:cs typeface="+mn-cs"/>
+                </a:defRPr>
+              </a:lvl4pPr>
+              <a:lvl5pPr marL="1828800" algn="l" defTabSz="914400" rtl="0" eaLnBrk="1" latinLnBrk="0" hangingPunct="1">
+                <a:defRPr sz="1800" kern="1200">
+                  <a:solidFill>
+                    <a:schemeClr val="lt1"/>
+                  </a:solidFill>
+                  <a:latin typeface="+mn-lt"/>
+                  <a:ea typeface="+mn-ea"/>
+                  <a:cs typeface="+mn-cs"/>
+                </a:defRPr>
+              </a:lvl5pPr>
+              <a:lvl6pPr marL="2286000" algn="l" defTabSz="914400" rtl="0" eaLnBrk="1" latinLnBrk="0" hangingPunct="1">
+                <a:defRPr sz="1800" kern="1200">
+                  <a:solidFill>
+                    <a:schemeClr val="lt1"/>
+                  </a:solidFill>
+                  <a:latin typeface="+mn-lt"/>
+                  <a:ea typeface="+mn-ea"/>
+                  <a:cs typeface="+mn-cs"/>
+                </a:defRPr>
+              </a:lvl6pPr>
+              <a:lvl7pPr marL="2743200" algn="l" defTabSz="914400" rtl="0" eaLnBrk="1" latinLnBrk="0" hangingPunct="1">
+                <a:defRPr sz="1800" kern="1200">
+                  <a:solidFill>
+                    <a:schemeClr val="lt1"/>
+                  </a:solidFill>
+                  <a:latin typeface="+mn-lt"/>
+                  <a:ea typeface="+mn-ea"/>
+                  <a:cs typeface="+mn-cs"/>
+                </a:defRPr>
+              </a:lvl7pPr>
+              <a:lvl8pPr marL="3200400" algn="l" defTabSz="914400" rtl="0" eaLnBrk="1" latinLnBrk="0" hangingPunct="1">
+                <a:defRPr sz="1800" kern="1200">
+                  <a:solidFill>
+                    <a:schemeClr val="lt1"/>
+                  </a:solidFill>
+                  <a:latin typeface="+mn-lt"/>
+                  <a:ea typeface="+mn-ea"/>
+                  <a:cs typeface="+mn-cs"/>
+                </a:defRPr>
+              </a:lvl8pPr>
+              <a:lvl9pPr marL="3657600" algn="l" defTabSz="914400" rtl="0" eaLnBrk="1" latinLnBrk="0" hangingPunct="1">
+                <a:defRPr sz="1800" kern="1200">
+                  <a:solidFill>
+                    <a:schemeClr val="lt1"/>
+                  </a:solidFill>
+                  <a:latin typeface="+mn-lt"/>
+                  <a:ea typeface="+mn-ea"/>
+                  <a:cs typeface="+mn-cs"/>
+                </a:defRPr>
+              </a:lvl9pPr>
+            </a:lstStyle>
+            <a:p>
+              <a:pPr algn="ctr"/>
+              <a:endParaRPr lang="en-US"/>
+            </a:p>
+          </p:txBody>
+        </p:sp>
+        <p:sp>
+          <p:nvSpPr>
+            <p:cNvPr id="13" name="Isosceles Triangle 12">
+              <a:extLst>
+                <a:ext uri="{FF2B5EF4-FFF2-40B4-BE49-F238E27FC236}">
+                  <a16:creationId xmlns:a16="http://schemas.microsoft.com/office/drawing/2014/main" id="{6C7B53B0-A8D2-4D10-A698-4D84821DEB87}"/>
+                </a:ext>
+              </a:extLst>
+            </p:cNvPr>
+            <p:cNvSpPr/>
+            <p:nvPr/>
+          </p:nvSpPr>
+          <p:spPr>
+            <a:xfrm>
+              <a:off x="838200" y="4114800"/>
+              <a:ext cx="914400" cy="381000"/>
+            </a:xfrm>
+            <a:prstGeom prst="triangle">
+              <a:avLst/>
+            </a:prstGeom>
+            <a:noFill/>
+            <a:ln w="12700">
+              <a:solidFill>
+                <a:schemeClr val="tx1"/>
+              </a:solidFill>
+            </a:ln>
+          </p:spPr>
+          <p:style>
+            <a:lnRef idx="2">
+              <a:schemeClr val="accent1">
+                <a:shade val="50000"/>
+              </a:schemeClr>
+            </a:lnRef>
+            <a:fillRef idx="1">
+              <a:schemeClr val="accent1"/>
+            </a:fillRef>
+            <a:effectRef idx="0">
+              <a:schemeClr val="accent1"/>
+            </a:effectRef>
+            <a:fontRef idx="minor">
+              <a:schemeClr val="lt1"/>
+            </a:fontRef>
+          </p:style>
+          <p:txBody>
+            <a:bodyPr rtlCol="0" anchor="ctr"/>
+            <a:lstStyle>
+              <a:defPPr>
+                <a:defRPr lang="en-US"/>
+              </a:defPPr>
+              <a:lvl1pPr marL="0" algn="l" defTabSz="914400" rtl="0" eaLnBrk="1" latinLnBrk="0" hangingPunct="1">
+                <a:defRPr sz="1800" kern="1200">
+                  <a:solidFill>
+                    <a:schemeClr val="lt1"/>
+                  </a:solidFill>
+                  <a:latin typeface="+mn-lt"/>
+                  <a:ea typeface="+mn-ea"/>
+                  <a:cs typeface="+mn-cs"/>
+                </a:defRPr>
+              </a:lvl1pPr>
+              <a:lvl2pPr marL="457200" algn="l" defTabSz="914400" rtl="0" eaLnBrk="1" latinLnBrk="0" hangingPunct="1">
+                <a:defRPr sz="1800" kern="1200">
+                  <a:solidFill>
+                    <a:schemeClr val="lt1"/>
+                  </a:solidFill>
+                  <a:latin typeface="+mn-lt"/>
+                  <a:ea typeface="+mn-ea"/>
+                  <a:cs typeface="+mn-cs"/>
+                </a:defRPr>
+              </a:lvl2pPr>
+              <a:lvl3pPr marL="914400" algn="l" defTabSz="914400" rtl="0" eaLnBrk="1" latinLnBrk="0" hangingPunct="1">
+                <a:defRPr sz="1800" kern="1200">
+                  <a:solidFill>
+                    <a:schemeClr val="lt1"/>
+                  </a:solidFill>
+                  <a:latin typeface="+mn-lt"/>
+                  <a:ea typeface="+mn-ea"/>
+                  <a:cs typeface="+mn-cs"/>
+                </a:defRPr>
+              </a:lvl3pPr>
+              <a:lvl4pPr marL="1371600" algn="l" defTabSz="914400" rtl="0" eaLnBrk="1" latinLnBrk="0" hangingPunct="1">
+                <a:defRPr sz="1800" kern="1200">
+                  <a:solidFill>
+                    <a:schemeClr val="lt1"/>
+                  </a:solidFill>
+                  <a:latin typeface="+mn-lt"/>
+                  <a:ea typeface="+mn-ea"/>
+                  <a:cs typeface="+mn-cs"/>
+                </a:defRPr>
+              </a:lvl4pPr>
+              <a:lvl5pPr marL="1828800" algn="l" defTabSz="914400" rtl="0" eaLnBrk="1" latinLnBrk="0" hangingPunct="1">
+                <a:defRPr sz="1800" kern="1200">
+                  <a:solidFill>
+                    <a:schemeClr val="lt1"/>
+                  </a:solidFill>
+                  <a:latin typeface="+mn-lt"/>
+                  <a:ea typeface="+mn-ea"/>
+                  <a:cs typeface="+mn-cs"/>
+                </a:defRPr>
+              </a:lvl5pPr>
+              <a:lvl6pPr marL="2286000" algn="l" defTabSz="914400" rtl="0" eaLnBrk="1" latinLnBrk="0" hangingPunct="1">
+                <a:defRPr sz="1800" kern="1200">
+                  <a:solidFill>
+                    <a:schemeClr val="lt1"/>
+                  </a:solidFill>
+                  <a:latin typeface="+mn-lt"/>
+                  <a:ea typeface="+mn-ea"/>
+                  <a:cs typeface="+mn-cs"/>
+                </a:defRPr>
+              </a:lvl6pPr>
+              <a:lvl7pPr marL="2743200" algn="l" defTabSz="914400" rtl="0" eaLnBrk="1" latinLnBrk="0" hangingPunct="1">
+                <a:defRPr sz="1800" kern="1200">
+                  <a:solidFill>
+                    <a:schemeClr val="lt1"/>
+                  </a:solidFill>
+                  <a:latin typeface="+mn-lt"/>
+                  <a:ea typeface="+mn-ea"/>
+                  <a:cs typeface="+mn-cs"/>
+                </a:defRPr>
+              </a:lvl7pPr>
+              <a:lvl8pPr marL="3200400" algn="l" defTabSz="914400" rtl="0" eaLnBrk="1" latinLnBrk="0" hangingPunct="1">
+                <a:defRPr sz="1800" kern="1200">
+                  <a:solidFill>
+                    <a:schemeClr val="lt1"/>
+                  </a:solidFill>
+                  <a:latin typeface="+mn-lt"/>
+                  <a:ea typeface="+mn-ea"/>
+                  <a:cs typeface="+mn-cs"/>
+                </a:defRPr>
+              </a:lvl8pPr>
+              <a:lvl9pPr marL="3657600" algn="l" defTabSz="914400" rtl="0" eaLnBrk="1" latinLnBrk="0" hangingPunct="1">
+                <a:defRPr sz="1800" kern="1200">
+                  <a:solidFill>
+                    <a:schemeClr val="lt1"/>
+                  </a:solidFill>
+                  <a:latin typeface="+mn-lt"/>
+                  <a:ea typeface="+mn-ea"/>
+                  <a:cs typeface="+mn-cs"/>
+                </a:defRPr>
+              </a:lvl9pPr>
+            </a:lstStyle>
+            <a:p>
+              <a:pPr algn="ctr"/>
+              <a:endParaRPr lang="en-US"/>
+            </a:p>
+          </p:txBody>
+        </p:sp>
+        <p:sp>
+          <p:nvSpPr>
+            <p:cNvPr id="14" name="Isosceles Triangle 13">
+              <a:extLst>
+                <a:ext uri="{FF2B5EF4-FFF2-40B4-BE49-F238E27FC236}">
+                  <a16:creationId xmlns:a16="http://schemas.microsoft.com/office/drawing/2014/main" id="{2E3B5631-67DA-4008-8DD9-22D719044BFE}"/>
+                </a:ext>
+              </a:extLst>
+            </p:cNvPr>
+            <p:cNvSpPr/>
+            <p:nvPr/>
+          </p:nvSpPr>
+          <p:spPr>
+            <a:xfrm rot="10800000">
+              <a:off x="838200" y="3886200"/>
+              <a:ext cx="914400" cy="381000"/>
+            </a:xfrm>
+            <a:prstGeom prst="triangle">
+              <a:avLst/>
+            </a:prstGeom>
+            <a:gradFill flip="none" rotWithShape="1">
+              <a:gsLst>
+                <a:gs pos="100000">
+                  <a:schemeClr val="bg1">
+                    <a:lumMod val="85000"/>
+                  </a:schemeClr>
+                </a:gs>
+                <a:gs pos="48000">
+                  <a:schemeClr val="accent1">
+                    <a:tint val="44500"/>
+                    <a:satMod val="160000"/>
+                  </a:schemeClr>
+                </a:gs>
+                <a:gs pos="0">
+                  <a:schemeClr val="accent1">
+                    <a:tint val="23500"/>
+                    <a:satMod val="160000"/>
+                  </a:schemeClr>
+                </a:gs>
+              </a:gsLst>
+              <a:lin ang="16200000" scaled="1"/>
+              <a:tileRect/>
+            </a:gradFill>
+            <a:ln w="12700">
+              <a:solidFill>
+                <a:schemeClr val="tx1"/>
+              </a:solidFill>
+            </a:ln>
+          </p:spPr>
+          <p:style>
+            <a:lnRef idx="2">
+              <a:schemeClr val="accent1">
+                <a:shade val="50000"/>
+              </a:schemeClr>
+            </a:lnRef>
+            <a:fillRef idx="1">
+              <a:schemeClr val="accent1"/>
+            </a:fillRef>
+            <a:effectRef idx="0">
+              <a:schemeClr val="accent1"/>
+            </a:effectRef>
+            <a:fontRef idx="minor">
+              <a:schemeClr val="lt1"/>
+            </a:fontRef>
+          </p:style>
+          <p:txBody>
+            <a:bodyPr rtlCol="0" anchor="ctr"/>
+            <a:lstStyle>
+              <a:defPPr>
+                <a:defRPr lang="en-US"/>
+              </a:defPPr>
+              <a:lvl1pPr marL="0" algn="l" defTabSz="914400" rtl="0" eaLnBrk="1" latinLnBrk="0" hangingPunct="1">
+                <a:defRPr sz="1800" kern="1200">
+                  <a:solidFill>
+                    <a:schemeClr val="lt1"/>
+                  </a:solidFill>
+                  <a:latin typeface="+mn-lt"/>
+                  <a:ea typeface="+mn-ea"/>
+                  <a:cs typeface="+mn-cs"/>
+                </a:defRPr>
+              </a:lvl1pPr>
+              <a:lvl2pPr marL="457200" algn="l" defTabSz="914400" rtl="0" eaLnBrk="1" latinLnBrk="0" hangingPunct="1">
+                <a:defRPr sz="1800" kern="1200">
+                  <a:solidFill>
+                    <a:schemeClr val="lt1"/>
+                  </a:solidFill>
+                  <a:latin typeface="+mn-lt"/>
+                  <a:ea typeface="+mn-ea"/>
+                  <a:cs typeface="+mn-cs"/>
+                </a:defRPr>
+              </a:lvl2pPr>
+              <a:lvl3pPr marL="914400" algn="l" defTabSz="914400" rtl="0" eaLnBrk="1" latinLnBrk="0" hangingPunct="1">
+                <a:defRPr sz="1800" kern="1200">
+                  <a:solidFill>
+                    <a:schemeClr val="lt1"/>
+                  </a:solidFill>
+                  <a:latin typeface="+mn-lt"/>
+                  <a:ea typeface="+mn-ea"/>
+                  <a:cs typeface="+mn-cs"/>
+                </a:defRPr>
+              </a:lvl3pPr>
+              <a:lvl4pPr marL="1371600" algn="l" defTabSz="914400" rtl="0" eaLnBrk="1" latinLnBrk="0" hangingPunct="1">
+                <a:defRPr sz="1800" kern="1200">
+                  <a:solidFill>
+                    <a:schemeClr val="lt1"/>
+                  </a:solidFill>
+                  <a:latin typeface="+mn-lt"/>
+                  <a:ea typeface="+mn-ea"/>
+                  <a:cs typeface="+mn-cs"/>
+                </a:defRPr>
+              </a:lvl4pPr>
+              <a:lvl5pPr marL="1828800" algn="l" defTabSz="914400" rtl="0" eaLnBrk="1" latinLnBrk="0" hangingPunct="1">
+                <a:defRPr sz="1800" kern="1200">
+                  <a:solidFill>
+                    <a:schemeClr val="lt1"/>
+                  </a:solidFill>
+                  <a:latin typeface="+mn-lt"/>
+                  <a:ea typeface="+mn-ea"/>
+                  <a:cs typeface="+mn-cs"/>
+                </a:defRPr>
+              </a:lvl5pPr>
+              <a:lvl6pPr marL="2286000" algn="l" defTabSz="914400" rtl="0" eaLnBrk="1" latinLnBrk="0" hangingPunct="1">
+                <a:defRPr sz="1800" kern="1200">
+                  <a:solidFill>
+                    <a:schemeClr val="lt1"/>
+                  </a:solidFill>
+                  <a:latin typeface="+mn-lt"/>
+                  <a:ea typeface="+mn-ea"/>
+                  <a:cs typeface="+mn-cs"/>
+                </a:defRPr>
+              </a:lvl6pPr>
+              <a:lvl7pPr marL="2743200" algn="l" defTabSz="914400" rtl="0" eaLnBrk="1" latinLnBrk="0" hangingPunct="1">
+                <a:defRPr sz="1800" kern="1200">
+                  <a:solidFill>
+                    <a:schemeClr val="lt1"/>
+                  </a:solidFill>
+                  <a:latin typeface="+mn-lt"/>
+                  <a:ea typeface="+mn-ea"/>
+                  <a:cs typeface="+mn-cs"/>
+                </a:defRPr>
+              </a:lvl7pPr>
+              <a:lvl8pPr marL="3200400" algn="l" defTabSz="914400" rtl="0" eaLnBrk="1" latinLnBrk="0" hangingPunct="1">
+                <a:defRPr sz="1800" kern="1200">
+                  <a:solidFill>
+                    <a:schemeClr val="lt1"/>
+                  </a:solidFill>
+                  <a:latin typeface="+mn-lt"/>
+                  <a:ea typeface="+mn-ea"/>
+                  <a:cs typeface="+mn-cs"/>
+                </a:defRPr>
+              </a:lvl8pPr>
+              <a:lvl9pPr marL="3657600" algn="l" defTabSz="914400" rtl="0" eaLnBrk="1" latinLnBrk="0" hangingPunct="1">
+                <a:defRPr sz="1800" kern="1200">
+                  <a:solidFill>
+                    <a:schemeClr val="lt1"/>
+                  </a:solidFill>
+                  <a:latin typeface="+mn-lt"/>
+                  <a:ea typeface="+mn-ea"/>
+                  <a:cs typeface="+mn-cs"/>
+                </a:defRPr>
+              </a:lvl9pPr>
+            </a:lstStyle>
+            <a:p>
+              <a:pPr algn="ctr"/>
+              <a:endParaRPr lang="en-US"/>
+            </a:p>
+          </p:txBody>
+        </p:sp>
+      </p:grpSp>
+      <p:sp>
+        <p:nvSpPr>
+          <p:cNvPr id="11" name="Explosion: 14 Points 10">
+            <a:extLst>
+              <a:ext uri="{FF2B5EF4-FFF2-40B4-BE49-F238E27FC236}">
+                <a16:creationId xmlns:a16="http://schemas.microsoft.com/office/drawing/2014/main" id="{3C709FC9-8745-4EF4-99DC-FEB09C34C26C}"/>
+              </a:ext>
+            </a:extLst>
+          </p:cNvPr>
+          <p:cNvSpPr/>
+          <p:nvPr/>
+        </p:nvSpPr>
+        <p:spPr>
+          <a:xfrm>
+            <a:off x="7513170" y="5222112"/>
+            <a:ext cx="796411" cy="563021"/>
+          </a:xfrm>
+          <a:prstGeom prst="irregularSeal2">
+            <a:avLst/>
+          </a:prstGeom>
+        </p:spPr>
+        <p:style>
+          <a:lnRef idx="2">
+            <a:schemeClr val="accent2">
+              <a:shade val="50000"/>
+            </a:schemeClr>
+          </a:lnRef>
+          <a:fillRef idx="1">
+            <a:schemeClr val="accent2"/>
+          </a:fillRef>
+          <a:effectRef idx="0">
+            <a:schemeClr val="accent2"/>
+          </a:effectRef>
+          <a:fontRef idx="minor">
+            <a:schemeClr val="lt1"/>
+          </a:fontRef>
+        </p:style>
+        <p:txBody>
+          <a:bodyPr rtlCol="0" anchor="ctr"/>
+          <a:lstStyle>
+            <a:defPPr>
+              <a:defRPr lang="en-US"/>
+            </a:defPPr>
+            <a:lvl1pPr marL="0" algn="l" defTabSz="914400" rtl="0" eaLnBrk="1" latinLnBrk="0" hangingPunct="1">
+              <a:defRPr sz="1800" kern="1200">
+                <a:solidFill>
+                  <a:schemeClr val="lt1"/>
+                </a:solidFill>
+                <a:latin typeface="+mn-lt"/>
+                <a:ea typeface="+mn-ea"/>
+                <a:cs typeface="+mn-cs"/>
+              </a:defRPr>
+            </a:lvl1pPr>
+            <a:lvl2pPr marL="457200" algn="l" defTabSz="914400" rtl="0" eaLnBrk="1" latinLnBrk="0" hangingPunct="1">
+              <a:defRPr sz="1800" kern="1200">
+                <a:solidFill>
+                  <a:schemeClr val="lt1"/>
+                </a:solidFill>
+                <a:latin typeface="+mn-lt"/>
+                <a:ea typeface="+mn-ea"/>
+                <a:cs typeface="+mn-cs"/>
+              </a:defRPr>
+            </a:lvl2pPr>
+            <a:lvl3pPr marL="914400" algn="l" defTabSz="914400" rtl="0" eaLnBrk="1" latinLnBrk="0" hangingPunct="1">
+              <a:defRPr sz="1800" kern="1200">
+                <a:solidFill>
+                  <a:schemeClr val="lt1"/>
+                </a:solidFill>
+                <a:latin typeface="+mn-lt"/>
+                <a:ea typeface="+mn-ea"/>
+                <a:cs typeface="+mn-cs"/>
+              </a:defRPr>
+            </a:lvl3pPr>
+            <a:lvl4pPr marL="1371600" algn="l" defTabSz="914400" rtl="0" eaLnBrk="1" latinLnBrk="0" hangingPunct="1">
+              <a:defRPr sz="1800" kern="1200">
+                <a:solidFill>
+                  <a:schemeClr val="lt1"/>
+                </a:solidFill>
+                <a:latin typeface="+mn-lt"/>
+                <a:ea typeface="+mn-ea"/>
+                <a:cs typeface="+mn-cs"/>
+              </a:defRPr>
+            </a:lvl4pPr>
+            <a:lvl5pPr marL="1828800" algn="l" defTabSz="914400" rtl="0" eaLnBrk="1" latinLnBrk="0" hangingPunct="1">
+              <a:defRPr sz="1800" kern="1200">
+                <a:solidFill>
+                  <a:schemeClr val="lt1"/>
+                </a:solidFill>
+                <a:latin typeface="+mn-lt"/>
+                <a:ea typeface="+mn-ea"/>
+                <a:cs typeface="+mn-cs"/>
+              </a:defRPr>
+            </a:lvl5pPr>
+            <a:lvl6pPr marL="2286000" algn="l" defTabSz="914400" rtl="0" eaLnBrk="1" latinLnBrk="0" hangingPunct="1">
+              <a:defRPr sz="1800" kern="1200">
+                <a:solidFill>
+                  <a:schemeClr val="lt1"/>
+                </a:solidFill>
+                <a:latin typeface="+mn-lt"/>
+                <a:ea typeface="+mn-ea"/>
+                <a:cs typeface="+mn-cs"/>
+              </a:defRPr>
+            </a:lvl6pPr>
+            <a:lvl7pPr marL="2743200" algn="l" defTabSz="914400" rtl="0" eaLnBrk="1" latinLnBrk="0" hangingPunct="1">
+              <a:defRPr sz="1800" kern="1200">
+                <a:solidFill>
+                  <a:schemeClr val="lt1"/>
+                </a:solidFill>
+                <a:latin typeface="+mn-lt"/>
+                <a:ea typeface="+mn-ea"/>
+                <a:cs typeface="+mn-cs"/>
+              </a:defRPr>
+            </a:lvl7pPr>
+            <a:lvl8pPr marL="3200400" algn="l" defTabSz="914400" rtl="0" eaLnBrk="1" latinLnBrk="0" hangingPunct="1">
+              <a:defRPr sz="1800" kern="1200">
+                <a:solidFill>
+                  <a:schemeClr val="lt1"/>
+                </a:solidFill>
+                <a:latin typeface="+mn-lt"/>
+                <a:ea typeface="+mn-ea"/>
+                <a:cs typeface="+mn-cs"/>
+              </a:defRPr>
+            </a:lvl8pPr>
+            <a:lvl9pPr marL="3657600" algn="l" defTabSz="914400" rtl="0" eaLnBrk="1" latinLnBrk="0" hangingPunct="1">
+              <a:defRPr sz="1800" kern="1200">
+                <a:solidFill>
+                  <a:schemeClr val="lt1"/>
+                </a:solidFill>
+                <a:latin typeface="+mn-lt"/>
+                <a:ea typeface="+mn-ea"/>
+                <a:cs typeface="+mn-cs"/>
+              </a:defRPr>
+            </a:lvl9pPr>
+          </a:lstStyle>
+          <a:p>
+            <a:pPr algn="ctr"/>
+            <a:endParaRPr lang="en-US"/>
+          </a:p>
+        </p:txBody>
+      </p:sp>
+    </p:spTree>
+    <p:extLst>
+      <p:ext uri="{BB962C8B-B14F-4D97-AF65-F5344CB8AC3E}">
+        <p14:creationId xmlns:p14="http://schemas.microsoft.com/office/powerpoint/2010/main" val="540850228"/>
+      </p:ext>
+    </p:extLst>
+  </p:cSld>
+  <p:clrMapOvr>
+    <a:masterClrMapping/>
+  </p:clrMapOvr>
+</p:sld>
+</file>
+
+<file path=ppt/slides/slide6.xml><?xml version="1.0" encoding="utf-8"?>
+<p:sld xmlns:a="http://schemas.openxmlformats.org/drawingml/2006/main" xmlns:r="http://schemas.openxmlformats.org/officeDocument/2006/relationships" xmlns:p="http://schemas.openxmlformats.org/presentationml/2006/main">
+  <p:cSld>
+    <p:spTree>
+      <p:nvGrpSpPr>
+        <p:cNvPr id="1" name=""/>
+        <p:cNvGrpSpPr/>
+        <p:nvPr/>
+      </p:nvGrpSpPr>
+      <p:grpSpPr>
+        <a:xfrm>
+          <a:off x="0" y="0"/>
+          <a:ext cx="0" cy="0"/>
+          <a:chOff x="0" y="0"/>
+          <a:chExt cx="0" cy="0"/>
+        </a:xfrm>
+      </p:grpSpPr>
+      <p:sp>
+        <p:nvSpPr>
+          <p:cNvPr id="2" name="Title 1">
+            <a:extLst>
+              <a:ext uri="{FF2B5EF4-FFF2-40B4-BE49-F238E27FC236}">
+                <a16:creationId xmlns:a16="http://schemas.microsoft.com/office/drawing/2014/main" id="{71EE4FB3-66B0-4749-82EC-375C6BFBF789}"/>
+              </a:ext>
+            </a:extLst>
+          </p:cNvPr>
+          <p:cNvSpPr>
+            <a:spLocks noGrp="1"/>
+          </p:cNvSpPr>
+          <p:nvPr>
+            <p:ph type="title"/>
+          </p:nvPr>
+        </p:nvSpPr>
+        <p:spPr/>
+        <p:txBody>
+          <a:bodyPr/>
+          <a:lstStyle/>
+          <a:p>
+            <a:r>
+              <a:rPr lang="en-US" dirty="0"/>
+              <a:t>Log/Metrics/</a:t>
+            </a:r>
+            <a:r>
+              <a:rPr lang="en-US" dirty="0" err="1"/>
+              <a:t>Genel</a:t>
+            </a:r>
+            <a:endParaRPr lang="en-US" dirty="0"/>
+          </a:p>
+        </p:txBody>
+      </p:sp>
+      <p:sp>
+        <p:nvSpPr>
+          <p:cNvPr id="15" name="Rectangle 14">
+            <a:extLst>
+              <a:ext uri="{FF2B5EF4-FFF2-40B4-BE49-F238E27FC236}">
+                <a16:creationId xmlns:a16="http://schemas.microsoft.com/office/drawing/2014/main" id="{32A0D808-05AF-4FC2-A7BB-225721BAFD90}"/>
+              </a:ext>
+            </a:extLst>
+          </p:cNvPr>
+          <p:cNvSpPr/>
+          <p:nvPr/>
+        </p:nvSpPr>
+        <p:spPr>
+          <a:xfrm>
+            <a:off x="1440117" y="3739597"/>
+            <a:ext cx="1677190" cy="1184456"/>
+          </a:xfrm>
+          <a:prstGeom prst="rect">
+            <a:avLst/>
+          </a:prstGeom>
+        </p:spPr>
+        <p:style>
+          <a:lnRef idx="2">
+            <a:schemeClr val="accent1">
+              <a:shade val="50000"/>
+            </a:schemeClr>
+          </a:lnRef>
+          <a:fillRef idx="1">
+            <a:schemeClr val="accent1"/>
+          </a:fillRef>
+          <a:effectRef idx="0">
+            <a:schemeClr val="accent1"/>
+          </a:effectRef>
+          <a:fontRef idx="minor">
+            <a:schemeClr val="lt1"/>
+          </a:fontRef>
+        </p:style>
+        <p:txBody>
+          <a:bodyPr rtlCol="0" anchor="ctr"/>
+          <a:lstStyle>
+            <a:defPPr>
+              <a:defRPr lang="en-US"/>
+            </a:defPPr>
+            <a:lvl1pPr marL="0" algn="l" defTabSz="914400" rtl="0" eaLnBrk="1" latinLnBrk="0" hangingPunct="1">
+              <a:defRPr sz="1800" kern="1200">
+                <a:solidFill>
+                  <a:schemeClr val="lt1"/>
+                </a:solidFill>
+                <a:latin typeface="+mn-lt"/>
+                <a:ea typeface="+mn-ea"/>
+                <a:cs typeface="+mn-cs"/>
+              </a:defRPr>
+            </a:lvl1pPr>
+            <a:lvl2pPr marL="457200" algn="l" defTabSz="914400" rtl="0" eaLnBrk="1" latinLnBrk="0" hangingPunct="1">
+              <a:defRPr sz="1800" kern="1200">
+                <a:solidFill>
+                  <a:schemeClr val="lt1"/>
+                </a:solidFill>
+                <a:latin typeface="+mn-lt"/>
+                <a:ea typeface="+mn-ea"/>
+                <a:cs typeface="+mn-cs"/>
+              </a:defRPr>
+            </a:lvl2pPr>
+            <a:lvl3pPr marL="914400" algn="l" defTabSz="914400" rtl="0" eaLnBrk="1" latinLnBrk="0" hangingPunct="1">
+              <a:defRPr sz="1800" kern="1200">
+                <a:solidFill>
+                  <a:schemeClr val="lt1"/>
+                </a:solidFill>
+                <a:latin typeface="+mn-lt"/>
+                <a:ea typeface="+mn-ea"/>
+                <a:cs typeface="+mn-cs"/>
+              </a:defRPr>
+            </a:lvl3pPr>
+            <a:lvl4pPr marL="1371600" algn="l" defTabSz="914400" rtl="0" eaLnBrk="1" latinLnBrk="0" hangingPunct="1">
+              <a:defRPr sz="1800" kern="1200">
+                <a:solidFill>
+                  <a:schemeClr val="lt1"/>
+                </a:solidFill>
+                <a:latin typeface="+mn-lt"/>
+                <a:ea typeface="+mn-ea"/>
+                <a:cs typeface="+mn-cs"/>
+              </a:defRPr>
+            </a:lvl4pPr>
+            <a:lvl5pPr marL="1828800" algn="l" defTabSz="914400" rtl="0" eaLnBrk="1" latinLnBrk="0" hangingPunct="1">
+              <a:defRPr sz="1800" kern="1200">
+                <a:solidFill>
+                  <a:schemeClr val="lt1"/>
+                </a:solidFill>
+                <a:latin typeface="+mn-lt"/>
+                <a:ea typeface="+mn-ea"/>
+                <a:cs typeface="+mn-cs"/>
+              </a:defRPr>
+            </a:lvl5pPr>
+            <a:lvl6pPr marL="2286000" algn="l" defTabSz="914400" rtl="0" eaLnBrk="1" latinLnBrk="0" hangingPunct="1">
+              <a:defRPr sz="1800" kern="1200">
+                <a:solidFill>
+                  <a:schemeClr val="lt1"/>
+                </a:solidFill>
+                <a:latin typeface="+mn-lt"/>
+                <a:ea typeface="+mn-ea"/>
+                <a:cs typeface="+mn-cs"/>
+              </a:defRPr>
+            </a:lvl6pPr>
+            <a:lvl7pPr marL="2743200" algn="l" defTabSz="914400" rtl="0" eaLnBrk="1" latinLnBrk="0" hangingPunct="1">
+              <a:defRPr sz="1800" kern="1200">
+                <a:solidFill>
+                  <a:schemeClr val="lt1"/>
+                </a:solidFill>
+                <a:latin typeface="+mn-lt"/>
+                <a:ea typeface="+mn-ea"/>
+                <a:cs typeface="+mn-cs"/>
+              </a:defRPr>
+            </a:lvl7pPr>
+            <a:lvl8pPr marL="3200400" algn="l" defTabSz="914400" rtl="0" eaLnBrk="1" latinLnBrk="0" hangingPunct="1">
+              <a:defRPr sz="1800" kern="1200">
+                <a:solidFill>
+                  <a:schemeClr val="lt1"/>
+                </a:solidFill>
+                <a:latin typeface="+mn-lt"/>
+                <a:ea typeface="+mn-ea"/>
+                <a:cs typeface="+mn-cs"/>
+              </a:defRPr>
+            </a:lvl8pPr>
+            <a:lvl9pPr marL="3657600" algn="l" defTabSz="914400" rtl="0" eaLnBrk="1" latinLnBrk="0" hangingPunct="1">
+              <a:defRPr sz="1800" kern="1200">
+                <a:solidFill>
+                  <a:schemeClr val="lt1"/>
+                </a:solidFill>
+                <a:latin typeface="+mn-lt"/>
+                <a:ea typeface="+mn-ea"/>
+                <a:cs typeface="+mn-cs"/>
+              </a:defRPr>
+            </a:lvl9pPr>
+          </a:lstStyle>
+          <a:p>
+            <a:pPr algn="ctr"/>
+            <a:r>
+              <a:rPr lang="en-US" dirty="0"/>
+              <a:t>API</a:t>
+            </a:r>
+          </a:p>
+        </p:txBody>
+      </p:sp>
+      <p:sp>
+        <p:nvSpPr>
+          <p:cNvPr id="16" name="Rectangle 15">
+            <a:extLst>
+              <a:ext uri="{FF2B5EF4-FFF2-40B4-BE49-F238E27FC236}">
+                <a16:creationId xmlns:a16="http://schemas.microsoft.com/office/drawing/2014/main" id="{5C837401-EF96-4293-BA60-C7DE15FEB070}"/>
+              </a:ext>
+            </a:extLst>
+          </p:cNvPr>
+          <p:cNvSpPr/>
+          <p:nvPr/>
+        </p:nvSpPr>
+        <p:spPr>
+          <a:xfrm>
+            <a:off x="5721136" y="1744579"/>
+            <a:ext cx="1677190" cy="1184456"/>
+          </a:xfrm>
+          <a:prstGeom prst="rect">
+            <a:avLst/>
+          </a:prstGeom>
+        </p:spPr>
+        <p:style>
+          <a:lnRef idx="2">
+            <a:schemeClr val="accent2">
+              <a:shade val="50000"/>
+            </a:schemeClr>
+          </a:lnRef>
+          <a:fillRef idx="1">
+            <a:schemeClr val="accent2"/>
+          </a:fillRef>
+          <a:effectRef idx="0">
+            <a:schemeClr val="accent2"/>
+          </a:effectRef>
+          <a:fontRef idx="minor">
+            <a:schemeClr val="lt1"/>
+          </a:fontRef>
+        </p:style>
+        <p:txBody>
+          <a:bodyPr rtlCol="0" anchor="ctr"/>
+          <a:lstStyle>
+            <a:defPPr>
+              <a:defRPr lang="en-US"/>
+            </a:defPPr>
+            <a:lvl1pPr marL="0" algn="l" defTabSz="914400" rtl="0" eaLnBrk="1" latinLnBrk="0" hangingPunct="1">
+              <a:defRPr sz="1800" kern="1200">
+                <a:solidFill>
+                  <a:schemeClr val="lt1"/>
+                </a:solidFill>
+                <a:latin typeface="+mn-lt"/>
+                <a:ea typeface="+mn-ea"/>
+                <a:cs typeface="+mn-cs"/>
+              </a:defRPr>
+            </a:lvl1pPr>
+            <a:lvl2pPr marL="457200" algn="l" defTabSz="914400" rtl="0" eaLnBrk="1" latinLnBrk="0" hangingPunct="1">
+              <a:defRPr sz="1800" kern="1200">
+                <a:solidFill>
+                  <a:schemeClr val="lt1"/>
+                </a:solidFill>
+                <a:latin typeface="+mn-lt"/>
+                <a:ea typeface="+mn-ea"/>
+                <a:cs typeface="+mn-cs"/>
+              </a:defRPr>
+            </a:lvl2pPr>
+            <a:lvl3pPr marL="914400" algn="l" defTabSz="914400" rtl="0" eaLnBrk="1" latinLnBrk="0" hangingPunct="1">
+              <a:defRPr sz="1800" kern="1200">
+                <a:solidFill>
+                  <a:schemeClr val="lt1"/>
+                </a:solidFill>
+                <a:latin typeface="+mn-lt"/>
+                <a:ea typeface="+mn-ea"/>
+                <a:cs typeface="+mn-cs"/>
+              </a:defRPr>
+            </a:lvl3pPr>
+            <a:lvl4pPr marL="1371600" algn="l" defTabSz="914400" rtl="0" eaLnBrk="1" latinLnBrk="0" hangingPunct="1">
+              <a:defRPr sz="1800" kern="1200">
+                <a:solidFill>
+                  <a:schemeClr val="lt1"/>
+                </a:solidFill>
+                <a:latin typeface="+mn-lt"/>
+                <a:ea typeface="+mn-ea"/>
+                <a:cs typeface="+mn-cs"/>
+              </a:defRPr>
+            </a:lvl4pPr>
+            <a:lvl5pPr marL="1828800" algn="l" defTabSz="914400" rtl="0" eaLnBrk="1" latinLnBrk="0" hangingPunct="1">
+              <a:defRPr sz="1800" kern="1200">
+                <a:solidFill>
+                  <a:schemeClr val="lt1"/>
+                </a:solidFill>
+                <a:latin typeface="+mn-lt"/>
+                <a:ea typeface="+mn-ea"/>
+                <a:cs typeface="+mn-cs"/>
+              </a:defRPr>
+            </a:lvl5pPr>
+            <a:lvl6pPr marL="2286000" algn="l" defTabSz="914400" rtl="0" eaLnBrk="1" latinLnBrk="0" hangingPunct="1">
+              <a:defRPr sz="1800" kern="1200">
+                <a:solidFill>
+                  <a:schemeClr val="lt1"/>
+                </a:solidFill>
+                <a:latin typeface="+mn-lt"/>
+                <a:ea typeface="+mn-ea"/>
+                <a:cs typeface="+mn-cs"/>
+              </a:defRPr>
+            </a:lvl6pPr>
+            <a:lvl7pPr marL="2743200" algn="l" defTabSz="914400" rtl="0" eaLnBrk="1" latinLnBrk="0" hangingPunct="1">
+              <a:defRPr sz="1800" kern="1200">
+                <a:solidFill>
+                  <a:schemeClr val="lt1"/>
+                </a:solidFill>
+                <a:latin typeface="+mn-lt"/>
+                <a:ea typeface="+mn-ea"/>
+                <a:cs typeface="+mn-cs"/>
+              </a:defRPr>
+            </a:lvl7pPr>
+            <a:lvl8pPr marL="3200400" algn="l" defTabSz="914400" rtl="0" eaLnBrk="1" latinLnBrk="0" hangingPunct="1">
+              <a:defRPr sz="1800" kern="1200">
+                <a:solidFill>
+                  <a:schemeClr val="lt1"/>
+                </a:solidFill>
+                <a:latin typeface="+mn-lt"/>
+                <a:ea typeface="+mn-ea"/>
+                <a:cs typeface="+mn-cs"/>
+              </a:defRPr>
+            </a:lvl8pPr>
+            <a:lvl9pPr marL="3657600" algn="l" defTabSz="914400" rtl="0" eaLnBrk="1" latinLnBrk="0" hangingPunct="1">
+              <a:defRPr sz="1800" kern="1200">
+                <a:solidFill>
+                  <a:schemeClr val="lt1"/>
+                </a:solidFill>
+                <a:latin typeface="+mn-lt"/>
+                <a:ea typeface="+mn-ea"/>
+                <a:cs typeface="+mn-cs"/>
+              </a:defRPr>
+            </a:lvl9pPr>
+          </a:lstStyle>
+          <a:p>
+            <a:pPr algn="ctr"/>
+            <a:r>
+              <a:rPr lang="en-US" dirty="0"/>
+              <a:t>Worker Service</a:t>
+            </a:r>
+          </a:p>
+        </p:txBody>
+      </p:sp>
+      <p:sp>
+        <p:nvSpPr>
+          <p:cNvPr id="17" name="Rectangle 16">
+            <a:extLst>
+              <a:ext uri="{FF2B5EF4-FFF2-40B4-BE49-F238E27FC236}">
+                <a16:creationId xmlns:a16="http://schemas.microsoft.com/office/drawing/2014/main" id="{2FD4FE61-0D7B-43C1-AE39-50B6BF03E9E9}"/>
+              </a:ext>
+            </a:extLst>
+          </p:cNvPr>
+          <p:cNvSpPr/>
+          <p:nvPr/>
+        </p:nvSpPr>
+        <p:spPr>
+          <a:xfrm>
+            <a:off x="8076624" y="4599526"/>
+            <a:ext cx="1677190" cy="1184456"/>
+          </a:xfrm>
+          <a:prstGeom prst="rect">
+            <a:avLst/>
+          </a:prstGeom>
+        </p:spPr>
+        <p:style>
+          <a:lnRef idx="2">
+            <a:schemeClr val="accent6">
+              <a:shade val="50000"/>
+            </a:schemeClr>
+          </a:lnRef>
+          <a:fillRef idx="1">
+            <a:schemeClr val="accent6"/>
+          </a:fillRef>
+          <a:effectRef idx="0">
+            <a:schemeClr val="accent6"/>
+          </a:effectRef>
+          <a:fontRef idx="minor">
+            <a:schemeClr val="lt1"/>
+          </a:fontRef>
+        </p:style>
+        <p:txBody>
+          <a:bodyPr rtlCol="0" anchor="ctr"/>
+          <a:lstStyle>
+            <a:defPPr>
+              <a:defRPr lang="en-US"/>
+            </a:defPPr>
+            <a:lvl1pPr marL="0" algn="l" defTabSz="914400" rtl="0" eaLnBrk="1" latinLnBrk="0" hangingPunct="1">
+              <a:defRPr sz="1800" kern="1200">
+                <a:solidFill>
+                  <a:schemeClr val="lt1"/>
+                </a:solidFill>
+                <a:latin typeface="+mn-lt"/>
+                <a:ea typeface="+mn-ea"/>
+                <a:cs typeface="+mn-cs"/>
+              </a:defRPr>
+            </a:lvl1pPr>
+            <a:lvl2pPr marL="457200" algn="l" defTabSz="914400" rtl="0" eaLnBrk="1" latinLnBrk="0" hangingPunct="1">
+              <a:defRPr sz="1800" kern="1200">
+                <a:solidFill>
+                  <a:schemeClr val="lt1"/>
+                </a:solidFill>
+                <a:latin typeface="+mn-lt"/>
+                <a:ea typeface="+mn-ea"/>
+                <a:cs typeface="+mn-cs"/>
+              </a:defRPr>
+            </a:lvl2pPr>
+            <a:lvl3pPr marL="914400" algn="l" defTabSz="914400" rtl="0" eaLnBrk="1" latinLnBrk="0" hangingPunct="1">
+              <a:defRPr sz="1800" kern="1200">
+                <a:solidFill>
+                  <a:schemeClr val="lt1"/>
+                </a:solidFill>
+                <a:latin typeface="+mn-lt"/>
+                <a:ea typeface="+mn-ea"/>
+                <a:cs typeface="+mn-cs"/>
+              </a:defRPr>
+            </a:lvl3pPr>
+            <a:lvl4pPr marL="1371600" algn="l" defTabSz="914400" rtl="0" eaLnBrk="1" latinLnBrk="0" hangingPunct="1">
+              <a:defRPr sz="1800" kern="1200">
+                <a:solidFill>
+                  <a:schemeClr val="lt1"/>
+                </a:solidFill>
+                <a:latin typeface="+mn-lt"/>
+                <a:ea typeface="+mn-ea"/>
+                <a:cs typeface="+mn-cs"/>
+              </a:defRPr>
+            </a:lvl4pPr>
+            <a:lvl5pPr marL="1828800" algn="l" defTabSz="914400" rtl="0" eaLnBrk="1" latinLnBrk="0" hangingPunct="1">
+              <a:defRPr sz="1800" kern="1200">
+                <a:solidFill>
+                  <a:schemeClr val="lt1"/>
+                </a:solidFill>
+                <a:latin typeface="+mn-lt"/>
+                <a:ea typeface="+mn-ea"/>
+                <a:cs typeface="+mn-cs"/>
+              </a:defRPr>
+            </a:lvl5pPr>
+            <a:lvl6pPr marL="2286000" algn="l" defTabSz="914400" rtl="0" eaLnBrk="1" latinLnBrk="0" hangingPunct="1">
+              <a:defRPr sz="1800" kern="1200">
+                <a:solidFill>
+                  <a:schemeClr val="lt1"/>
+                </a:solidFill>
+                <a:latin typeface="+mn-lt"/>
+                <a:ea typeface="+mn-ea"/>
+                <a:cs typeface="+mn-cs"/>
+              </a:defRPr>
+            </a:lvl6pPr>
+            <a:lvl7pPr marL="2743200" algn="l" defTabSz="914400" rtl="0" eaLnBrk="1" latinLnBrk="0" hangingPunct="1">
+              <a:defRPr sz="1800" kern="1200">
+                <a:solidFill>
+                  <a:schemeClr val="lt1"/>
+                </a:solidFill>
+                <a:latin typeface="+mn-lt"/>
+                <a:ea typeface="+mn-ea"/>
+                <a:cs typeface="+mn-cs"/>
+              </a:defRPr>
+            </a:lvl7pPr>
+            <a:lvl8pPr marL="3200400" algn="l" defTabSz="914400" rtl="0" eaLnBrk="1" latinLnBrk="0" hangingPunct="1">
+              <a:defRPr sz="1800" kern="1200">
+                <a:solidFill>
+                  <a:schemeClr val="lt1"/>
+                </a:solidFill>
+                <a:latin typeface="+mn-lt"/>
+                <a:ea typeface="+mn-ea"/>
+                <a:cs typeface="+mn-cs"/>
+              </a:defRPr>
+            </a:lvl8pPr>
+            <a:lvl9pPr marL="3657600" algn="l" defTabSz="914400" rtl="0" eaLnBrk="1" latinLnBrk="0" hangingPunct="1">
+              <a:defRPr sz="1800" kern="1200">
+                <a:solidFill>
+                  <a:schemeClr val="lt1"/>
+                </a:solidFill>
+                <a:latin typeface="+mn-lt"/>
+                <a:ea typeface="+mn-ea"/>
+                <a:cs typeface="+mn-cs"/>
+              </a:defRPr>
+            </a:lvl9pPr>
+          </a:lstStyle>
+          <a:p>
+            <a:pPr algn="ctr"/>
+            <a:r>
+              <a:rPr lang="en-US" dirty="0"/>
+              <a:t>Other Worker Service</a:t>
+            </a:r>
+          </a:p>
+        </p:txBody>
+      </p:sp>
+      <p:cxnSp>
+        <p:nvCxnSpPr>
+          <p:cNvPr id="18" name="Straight Arrow Connector 17">
+            <a:extLst>
+              <a:ext uri="{FF2B5EF4-FFF2-40B4-BE49-F238E27FC236}">
+                <a16:creationId xmlns:a16="http://schemas.microsoft.com/office/drawing/2014/main" id="{DC57C76D-34A9-40BA-92D1-4340DAF37561}"/>
+              </a:ext>
+            </a:extLst>
+          </p:cNvPr>
+          <p:cNvCxnSpPr>
+            <a:stCxn id="15" idx="3"/>
+            <a:endCxn id="16" idx="1"/>
+          </p:cNvCxnSpPr>
+          <p:nvPr/>
+        </p:nvCxnSpPr>
+        <p:spPr>
+          <a:xfrm flipV="1">
+            <a:off x="3117307" y="2336807"/>
+            <a:ext cx="2603829" cy="1995018"/>
+          </a:xfrm>
+          <a:prstGeom prst="straightConnector1">
+            <a:avLst/>
+          </a:prstGeom>
+          <a:ln w="38100" cap="flat" cmpd="sng" algn="ctr">
+            <a:solidFill>
+              <a:schemeClr val="dk1"/>
+            </a:solidFill>
+            <a:prstDash val="solid"/>
+            <a:round/>
+            <a:headEnd type="arrow" w="med" len="med"/>
+            <a:tailEnd type="arrow" w="med" len="med"/>
+          </a:ln>
+        </p:spPr>
+        <p:style>
+          <a:lnRef idx="0">
+            <a:scrgbClr r="0" g="0" b="0"/>
+          </a:lnRef>
+          <a:fillRef idx="0">
+            <a:scrgbClr r="0" g="0" b="0"/>
+          </a:fillRef>
+          <a:effectRef idx="0">
+            <a:scrgbClr r="0" g="0" b="0"/>
+          </a:effectRef>
+          <a:fontRef idx="minor">
+            <a:schemeClr val="tx1"/>
+          </a:fontRef>
+        </p:style>
+      </p:cxnSp>
+      <p:cxnSp>
+        <p:nvCxnSpPr>
+          <p:cNvPr id="19" name="Straight Arrow Connector 18">
+            <a:extLst>
+              <a:ext uri="{FF2B5EF4-FFF2-40B4-BE49-F238E27FC236}">
+                <a16:creationId xmlns:a16="http://schemas.microsoft.com/office/drawing/2014/main" id="{CC214570-C7E8-4681-93E5-42C99EAA7169}"/>
+              </a:ext>
+            </a:extLst>
+          </p:cNvPr>
+          <p:cNvCxnSpPr>
+            <a:cxnSpLocks/>
+            <a:stCxn id="16" idx="2"/>
+            <a:endCxn id="17" idx="0"/>
+          </p:cNvCxnSpPr>
+          <p:nvPr/>
+        </p:nvCxnSpPr>
+        <p:spPr>
+          <a:xfrm>
+            <a:off x="6559731" y="2929035"/>
+            <a:ext cx="2355488" cy="1670491"/>
+          </a:xfrm>
+          <a:prstGeom prst="straightConnector1">
+            <a:avLst/>
+          </a:prstGeom>
+          <a:ln w="38100" cap="flat" cmpd="sng" algn="ctr">
+            <a:solidFill>
+              <a:schemeClr val="dk1"/>
+            </a:solidFill>
+            <a:prstDash val="solid"/>
+            <a:round/>
+            <a:headEnd type="arrow" w="med" len="med"/>
+            <a:tailEnd type="arrow" w="med" len="med"/>
+          </a:ln>
+        </p:spPr>
+        <p:style>
+          <a:lnRef idx="0">
+            <a:scrgbClr r="0" g="0" b="0"/>
+          </a:lnRef>
+          <a:fillRef idx="0">
+            <a:scrgbClr r="0" g="0" b="0"/>
+          </a:fillRef>
+          <a:effectRef idx="0">
+            <a:scrgbClr r="0" g="0" b="0"/>
+          </a:effectRef>
+          <a:fontRef idx="minor">
+            <a:schemeClr val="tx1"/>
+          </a:fontRef>
+        </p:style>
+      </p:cxnSp>
+      <p:grpSp>
+        <p:nvGrpSpPr>
+          <p:cNvPr id="20" name="Group 19">
+            <a:extLst>
+              <a:ext uri="{FF2B5EF4-FFF2-40B4-BE49-F238E27FC236}">
+                <a16:creationId xmlns:a16="http://schemas.microsoft.com/office/drawing/2014/main" id="{D6D47B53-8CB1-43EA-8176-26AF64AFB94B}"/>
+              </a:ext>
+            </a:extLst>
+          </p:cNvPr>
+          <p:cNvGrpSpPr/>
+          <p:nvPr/>
+        </p:nvGrpSpPr>
+        <p:grpSpPr>
+          <a:xfrm>
+            <a:off x="9025443" y="4141325"/>
+            <a:ext cx="618146" cy="381000"/>
+            <a:chOff x="838200" y="3886200"/>
+            <a:chExt cx="914400" cy="609600"/>
+          </a:xfrm>
+        </p:grpSpPr>
+        <p:sp>
+          <p:nvSpPr>
+            <p:cNvPr id="23" name="Rectangle 22">
+              <a:extLst>
+                <a:ext uri="{FF2B5EF4-FFF2-40B4-BE49-F238E27FC236}">
+                  <a16:creationId xmlns:a16="http://schemas.microsoft.com/office/drawing/2014/main" id="{F6F3DE86-3DBF-4FD6-B57C-BF2928F390F1}"/>
+                </a:ext>
+              </a:extLst>
+            </p:cNvPr>
+            <p:cNvSpPr/>
+            <p:nvPr/>
+          </p:nvSpPr>
+          <p:spPr>
+            <a:xfrm>
+              <a:off x="838200" y="3886200"/>
+              <a:ext cx="914400" cy="609600"/>
+            </a:xfrm>
+            <a:prstGeom prst="rect">
+              <a:avLst/>
+            </a:prstGeom>
+            <a:gradFill>
+              <a:gsLst>
+                <a:gs pos="100000">
+                  <a:schemeClr val="tx1">
+                    <a:lumMod val="50000"/>
+                    <a:lumOff val="50000"/>
+                  </a:schemeClr>
+                </a:gs>
+                <a:gs pos="48000">
+                  <a:schemeClr val="accent1">
+                    <a:tint val="44500"/>
+                    <a:satMod val="160000"/>
+                  </a:schemeClr>
+                </a:gs>
+                <a:gs pos="0">
+                  <a:schemeClr val="accent1">
+                    <a:tint val="23500"/>
+                    <a:satMod val="160000"/>
+                  </a:schemeClr>
+                </a:gs>
+              </a:gsLst>
+              <a:path path="circle">
+                <a:fillToRect l="50000" t="50000" r="50000" b="50000"/>
+              </a:path>
+            </a:gradFill>
+            <a:ln w="12700">
+              <a:solidFill>
+                <a:schemeClr val="tx1"/>
+              </a:solidFill>
+            </a:ln>
+          </p:spPr>
+          <p:style>
+            <a:lnRef idx="2">
+              <a:schemeClr val="accent1">
+                <a:shade val="50000"/>
+              </a:schemeClr>
+            </a:lnRef>
+            <a:fillRef idx="1">
+              <a:schemeClr val="accent1"/>
+            </a:fillRef>
+            <a:effectRef idx="0">
+              <a:schemeClr val="accent1"/>
+            </a:effectRef>
+            <a:fontRef idx="minor">
+              <a:schemeClr val="lt1"/>
+            </a:fontRef>
+          </p:style>
+          <p:txBody>
+            <a:bodyPr rtlCol="0" anchor="ctr"/>
+            <a:lstStyle>
+              <a:defPPr>
+                <a:defRPr lang="en-US"/>
+              </a:defPPr>
+              <a:lvl1pPr marL="0" algn="l" defTabSz="914400" rtl="0" eaLnBrk="1" latinLnBrk="0" hangingPunct="1">
+                <a:defRPr sz="1800" kern="1200">
+                  <a:solidFill>
+                    <a:schemeClr val="lt1"/>
+                  </a:solidFill>
+                  <a:latin typeface="+mn-lt"/>
+                  <a:ea typeface="+mn-ea"/>
+                  <a:cs typeface="+mn-cs"/>
+                </a:defRPr>
+              </a:lvl1pPr>
+              <a:lvl2pPr marL="457200" algn="l" defTabSz="914400" rtl="0" eaLnBrk="1" latinLnBrk="0" hangingPunct="1">
+                <a:defRPr sz="1800" kern="1200">
+                  <a:solidFill>
+                    <a:schemeClr val="lt1"/>
+                  </a:solidFill>
+                  <a:latin typeface="+mn-lt"/>
+                  <a:ea typeface="+mn-ea"/>
+                  <a:cs typeface="+mn-cs"/>
+                </a:defRPr>
+              </a:lvl2pPr>
+              <a:lvl3pPr marL="914400" algn="l" defTabSz="914400" rtl="0" eaLnBrk="1" latinLnBrk="0" hangingPunct="1">
+                <a:defRPr sz="1800" kern="1200">
+                  <a:solidFill>
+                    <a:schemeClr val="lt1"/>
+                  </a:solidFill>
+                  <a:latin typeface="+mn-lt"/>
+                  <a:ea typeface="+mn-ea"/>
+                  <a:cs typeface="+mn-cs"/>
+                </a:defRPr>
+              </a:lvl3pPr>
+              <a:lvl4pPr marL="1371600" algn="l" defTabSz="914400" rtl="0" eaLnBrk="1" latinLnBrk="0" hangingPunct="1">
+                <a:defRPr sz="1800" kern="1200">
+                  <a:solidFill>
+                    <a:schemeClr val="lt1"/>
+                  </a:solidFill>
+                  <a:latin typeface="+mn-lt"/>
+                  <a:ea typeface="+mn-ea"/>
+                  <a:cs typeface="+mn-cs"/>
+                </a:defRPr>
+              </a:lvl4pPr>
+              <a:lvl5pPr marL="1828800" algn="l" defTabSz="914400" rtl="0" eaLnBrk="1" latinLnBrk="0" hangingPunct="1">
+                <a:defRPr sz="1800" kern="1200">
+                  <a:solidFill>
+                    <a:schemeClr val="lt1"/>
+                  </a:solidFill>
+                  <a:latin typeface="+mn-lt"/>
+                  <a:ea typeface="+mn-ea"/>
+                  <a:cs typeface="+mn-cs"/>
+                </a:defRPr>
+              </a:lvl5pPr>
+              <a:lvl6pPr marL="2286000" algn="l" defTabSz="914400" rtl="0" eaLnBrk="1" latinLnBrk="0" hangingPunct="1">
+                <a:defRPr sz="1800" kern="1200">
+                  <a:solidFill>
+                    <a:schemeClr val="lt1"/>
+                  </a:solidFill>
+                  <a:latin typeface="+mn-lt"/>
+                  <a:ea typeface="+mn-ea"/>
+                  <a:cs typeface="+mn-cs"/>
+                </a:defRPr>
+              </a:lvl6pPr>
+              <a:lvl7pPr marL="2743200" algn="l" defTabSz="914400" rtl="0" eaLnBrk="1" latinLnBrk="0" hangingPunct="1">
+                <a:defRPr sz="1800" kern="1200">
+                  <a:solidFill>
+                    <a:schemeClr val="lt1"/>
+                  </a:solidFill>
+                  <a:latin typeface="+mn-lt"/>
+                  <a:ea typeface="+mn-ea"/>
+                  <a:cs typeface="+mn-cs"/>
+                </a:defRPr>
+              </a:lvl7pPr>
+              <a:lvl8pPr marL="3200400" algn="l" defTabSz="914400" rtl="0" eaLnBrk="1" latinLnBrk="0" hangingPunct="1">
+                <a:defRPr sz="1800" kern="1200">
+                  <a:solidFill>
+                    <a:schemeClr val="lt1"/>
+                  </a:solidFill>
+                  <a:latin typeface="+mn-lt"/>
+                  <a:ea typeface="+mn-ea"/>
+                  <a:cs typeface="+mn-cs"/>
+                </a:defRPr>
+              </a:lvl8pPr>
+              <a:lvl9pPr marL="3657600" algn="l" defTabSz="914400" rtl="0" eaLnBrk="1" latinLnBrk="0" hangingPunct="1">
+                <a:defRPr sz="1800" kern="1200">
+                  <a:solidFill>
+                    <a:schemeClr val="lt1"/>
+                  </a:solidFill>
+                  <a:latin typeface="+mn-lt"/>
+                  <a:ea typeface="+mn-ea"/>
+                  <a:cs typeface="+mn-cs"/>
+                </a:defRPr>
+              </a:lvl9pPr>
+            </a:lstStyle>
+            <a:p>
+              <a:pPr algn="ctr"/>
+              <a:endParaRPr lang="en-US"/>
+            </a:p>
+          </p:txBody>
+        </p:sp>
+        <p:sp>
+          <p:nvSpPr>
+            <p:cNvPr id="24" name="Isosceles Triangle 23">
+              <a:extLst>
+                <a:ext uri="{FF2B5EF4-FFF2-40B4-BE49-F238E27FC236}">
+                  <a16:creationId xmlns:a16="http://schemas.microsoft.com/office/drawing/2014/main" id="{6C7B53B0-A8D2-4D10-A698-4D84821DEB87}"/>
+                </a:ext>
+              </a:extLst>
+            </p:cNvPr>
+            <p:cNvSpPr/>
+            <p:nvPr/>
+          </p:nvSpPr>
+          <p:spPr>
+            <a:xfrm>
+              <a:off x="838200" y="4114800"/>
+              <a:ext cx="914400" cy="381000"/>
+            </a:xfrm>
+            <a:prstGeom prst="triangle">
+              <a:avLst/>
+            </a:prstGeom>
+            <a:noFill/>
+            <a:ln w="12700">
+              <a:solidFill>
+                <a:schemeClr val="tx1"/>
+              </a:solidFill>
+            </a:ln>
+          </p:spPr>
+          <p:style>
+            <a:lnRef idx="2">
+              <a:schemeClr val="accent1">
+                <a:shade val="50000"/>
+              </a:schemeClr>
+            </a:lnRef>
+            <a:fillRef idx="1">
+              <a:schemeClr val="accent1"/>
+            </a:fillRef>
+            <a:effectRef idx="0">
+              <a:schemeClr val="accent1"/>
+            </a:effectRef>
+            <a:fontRef idx="minor">
+              <a:schemeClr val="lt1"/>
+            </a:fontRef>
+          </p:style>
+          <p:txBody>
+            <a:bodyPr rtlCol="0" anchor="ctr"/>
+            <a:lstStyle>
+              <a:defPPr>
+                <a:defRPr lang="en-US"/>
+              </a:defPPr>
+              <a:lvl1pPr marL="0" algn="l" defTabSz="914400" rtl="0" eaLnBrk="1" latinLnBrk="0" hangingPunct="1">
+                <a:defRPr sz="1800" kern="1200">
+                  <a:solidFill>
+                    <a:schemeClr val="lt1"/>
+                  </a:solidFill>
+                  <a:latin typeface="+mn-lt"/>
+                  <a:ea typeface="+mn-ea"/>
+                  <a:cs typeface="+mn-cs"/>
+                </a:defRPr>
+              </a:lvl1pPr>
+              <a:lvl2pPr marL="457200" algn="l" defTabSz="914400" rtl="0" eaLnBrk="1" latinLnBrk="0" hangingPunct="1">
+                <a:defRPr sz="1800" kern="1200">
+                  <a:solidFill>
+                    <a:schemeClr val="lt1"/>
+                  </a:solidFill>
+                  <a:latin typeface="+mn-lt"/>
+                  <a:ea typeface="+mn-ea"/>
+                  <a:cs typeface="+mn-cs"/>
+                </a:defRPr>
+              </a:lvl2pPr>
+              <a:lvl3pPr marL="914400" algn="l" defTabSz="914400" rtl="0" eaLnBrk="1" latinLnBrk="0" hangingPunct="1">
+                <a:defRPr sz="1800" kern="1200">
+                  <a:solidFill>
+                    <a:schemeClr val="lt1"/>
+                  </a:solidFill>
+                  <a:latin typeface="+mn-lt"/>
+                  <a:ea typeface="+mn-ea"/>
+                  <a:cs typeface="+mn-cs"/>
+                </a:defRPr>
+              </a:lvl3pPr>
+              <a:lvl4pPr marL="1371600" algn="l" defTabSz="914400" rtl="0" eaLnBrk="1" latinLnBrk="0" hangingPunct="1">
+                <a:defRPr sz="1800" kern="1200">
+                  <a:solidFill>
+                    <a:schemeClr val="lt1"/>
+                  </a:solidFill>
+                  <a:latin typeface="+mn-lt"/>
+                  <a:ea typeface="+mn-ea"/>
+                  <a:cs typeface="+mn-cs"/>
+                </a:defRPr>
+              </a:lvl4pPr>
+              <a:lvl5pPr marL="1828800" algn="l" defTabSz="914400" rtl="0" eaLnBrk="1" latinLnBrk="0" hangingPunct="1">
+                <a:defRPr sz="1800" kern="1200">
+                  <a:solidFill>
+                    <a:schemeClr val="lt1"/>
+                  </a:solidFill>
+                  <a:latin typeface="+mn-lt"/>
+                  <a:ea typeface="+mn-ea"/>
+                  <a:cs typeface="+mn-cs"/>
+                </a:defRPr>
+              </a:lvl5pPr>
+              <a:lvl6pPr marL="2286000" algn="l" defTabSz="914400" rtl="0" eaLnBrk="1" latinLnBrk="0" hangingPunct="1">
+                <a:defRPr sz="1800" kern="1200">
+                  <a:solidFill>
+                    <a:schemeClr val="lt1"/>
+                  </a:solidFill>
+                  <a:latin typeface="+mn-lt"/>
+                  <a:ea typeface="+mn-ea"/>
+                  <a:cs typeface="+mn-cs"/>
+                </a:defRPr>
+              </a:lvl6pPr>
+              <a:lvl7pPr marL="2743200" algn="l" defTabSz="914400" rtl="0" eaLnBrk="1" latinLnBrk="0" hangingPunct="1">
+                <a:defRPr sz="1800" kern="1200">
+                  <a:solidFill>
+                    <a:schemeClr val="lt1"/>
+                  </a:solidFill>
+                  <a:latin typeface="+mn-lt"/>
+                  <a:ea typeface="+mn-ea"/>
+                  <a:cs typeface="+mn-cs"/>
+                </a:defRPr>
+              </a:lvl7pPr>
+              <a:lvl8pPr marL="3200400" algn="l" defTabSz="914400" rtl="0" eaLnBrk="1" latinLnBrk="0" hangingPunct="1">
+                <a:defRPr sz="1800" kern="1200">
+                  <a:solidFill>
+                    <a:schemeClr val="lt1"/>
+                  </a:solidFill>
+                  <a:latin typeface="+mn-lt"/>
+                  <a:ea typeface="+mn-ea"/>
+                  <a:cs typeface="+mn-cs"/>
+                </a:defRPr>
+              </a:lvl8pPr>
+              <a:lvl9pPr marL="3657600" algn="l" defTabSz="914400" rtl="0" eaLnBrk="1" latinLnBrk="0" hangingPunct="1">
+                <a:defRPr sz="1800" kern="1200">
+                  <a:solidFill>
+                    <a:schemeClr val="lt1"/>
+                  </a:solidFill>
+                  <a:latin typeface="+mn-lt"/>
+                  <a:ea typeface="+mn-ea"/>
+                  <a:cs typeface="+mn-cs"/>
+                </a:defRPr>
+              </a:lvl9pPr>
+            </a:lstStyle>
+            <a:p>
+              <a:pPr algn="ctr"/>
+              <a:endParaRPr lang="en-US"/>
+            </a:p>
+          </p:txBody>
+        </p:sp>
+        <p:sp>
+          <p:nvSpPr>
+            <p:cNvPr id="25" name="Isosceles Triangle 24">
+              <a:extLst>
+                <a:ext uri="{FF2B5EF4-FFF2-40B4-BE49-F238E27FC236}">
+                  <a16:creationId xmlns:a16="http://schemas.microsoft.com/office/drawing/2014/main" id="{2E3B5631-67DA-4008-8DD9-22D719044BFE}"/>
+                </a:ext>
+              </a:extLst>
+            </p:cNvPr>
+            <p:cNvSpPr/>
+            <p:nvPr/>
+          </p:nvSpPr>
+          <p:spPr>
+            <a:xfrm rot="10800000">
+              <a:off x="838200" y="3886200"/>
+              <a:ext cx="914400" cy="381000"/>
+            </a:xfrm>
+            <a:prstGeom prst="triangle">
+              <a:avLst/>
+            </a:prstGeom>
+            <a:gradFill flip="none" rotWithShape="1">
+              <a:gsLst>
+                <a:gs pos="100000">
+                  <a:schemeClr val="bg1">
+                    <a:lumMod val="85000"/>
+                  </a:schemeClr>
+                </a:gs>
+                <a:gs pos="48000">
+                  <a:schemeClr val="accent1">
+                    <a:tint val="44500"/>
+                    <a:satMod val="160000"/>
+                  </a:schemeClr>
+                </a:gs>
+                <a:gs pos="0">
+                  <a:schemeClr val="accent1">
+                    <a:tint val="23500"/>
+                    <a:satMod val="160000"/>
+                  </a:schemeClr>
+                </a:gs>
+              </a:gsLst>
+              <a:lin ang="16200000" scaled="1"/>
+              <a:tileRect/>
+            </a:gradFill>
+            <a:ln w="12700">
+              <a:solidFill>
+                <a:schemeClr val="tx1"/>
+              </a:solidFill>
+            </a:ln>
+          </p:spPr>
+          <p:style>
+            <a:lnRef idx="2">
+              <a:schemeClr val="accent1">
+                <a:shade val="50000"/>
+              </a:schemeClr>
+            </a:lnRef>
+            <a:fillRef idx="1">
+              <a:schemeClr val="accent1"/>
+            </a:fillRef>
+            <a:effectRef idx="0">
+              <a:schemeClr val="accent1"/>
+            </a:effectRef>
+            <a:fontRef idx="minor">
+              <a:schemeClr val="lt1"/>
+            </a:fontRef>
+          </p:style>
+          <p:txBody>
+            <a:bodyPr rtlCol="0" anchor="ctr"/>
+            <a:lstStyle>
+              <a:defPPr>
+                <a:defRPr lang="en-US"/>
+              </a:defPPr>
+              <a:lvl1pPr marL="0" algn="l" defTabSz="914400" rtl="0" eaLnBrk="1" latinLnBrk="0" hangingPunct="1">
+                <a:defRPr sz="1800" kern="1200">
+                  <a:solidFill>
+                    <a:schemeClr val="lt1"/>
+                  </a:solidFill>
+                  <a:latin typeface="+mn-lt"/>
+                  <a:ea typeface="+mn-ea"/>
+                  <a:cs typeface="+mn-cs"/>
+                </a:defRPr>
+              </a:lvl1pPr>
+              <a:lvl2pPr marL="457200" algn="l" defTabSz="914400" rtl="0" eaLnBrk="1" latinLnBrk="0" hangingPunct="1">
+                <a:defRPr sz="1800" kern="1200">
+                  <a:solidFill>
+                    <a:schemeClr val="lt1"/>
+                  </a:solidFill>
+                  <a:latin typeface="+mn-lt"/>
+                  <a:ea typeface="+mn-ea"/>
+                  <a:cs typeface="+mn-cs"/>
+                </a:defRPr>
+              </a:lvl2pPr>
+              <a:lvl3pPr marL="914400" algn="l" defTabSz="914400" rtl="0" eaLnBrk="1" latinLnBrk="0" hangingPunct="1">
+                <a:defRPr sz="1800" kern="1200">
+                  <a:solidFill>
+                    <a:schemeClr val="lt1"/>
+                  </a:solidFill>
+                  <a:latin typeface="+mn-lt"/>
+                  <a:ea typeface="+mn-ea"/>
+                  <a:cs typeface="+mn-cs"/>
+                </a:defRPr>
+              </a:lvl3pPr>
+              <a:lvl4pPr marL="1371600" algn="l" defTabSz="914400" rtl="0" eaLnBrk="1" latinLnBrk="0" hangingPunct="1">
+                <a:defRPr sz="1800" kern="1200">
+                  <a:solidFill>
+                    <a:schemeClr val="lt1"/>
+                  </a:solidFill>
+                  <a:latin typeface="+mn-lt"/>
+                  <a:ea typeface="+mn-ea"/>
+                  <a:cs typeface="+mn-cs"/>
+                </a:defRPr>
+              </a:lvl4pPr>
+              <a:lvl5pPr marL="1828800" algn="l" defTabSz="914400" rtl="0" eaLnBrk="1" latinLnBrk="0" hangingPunct="1">
+                <a:defRPr sz="1800" kern="1200">
+                  <a:solidFill>
+                    <a:schemeClr val="lt1"/>
+                  </a:solidFill>
+                  <a:latin typeface="+mn-lt"/>
+                  <a:ea typeface="+mn-ea"/>
+                  <a:cs typeface="+mn-cs"/>
+                </a:defRPr>
+              </a:lvl5pPr>
+              <a:lvl6pPr marL="2286000" algn="l" defTabSz="914400" rtl="0" eaLnBrk="1" latinLnBrk="0" hangingPunct="1">
+                <a:defRPr sz="1800" kern="1200">
+                  <a:solidFill>
+                    <a:schemeClr val="lt1"/>
+                  </a:solidFill>
+                  <a:latin typeface="+mn-lt"/>
+                  <a:ea typeface="+mn-ea"/>
+                  <a:cs typeface="+mn-cs"/>
+                </a:defRPr>
+              </a:lvl6pPr>
+              <a:lvl7pPr marL="2743200" algn="l" defTabSz="914400" rtl="0" eaLnBrk="1" latinLnBrk="0" hangingPunct="1">
+                <a:defRPr sz="1800" kern="1200">
+                  <a:solidFill>
+                    <a:schemeClr val="lt1"/>
+                  </a:solidFill>
+                  <a:latin typeface="+mn-lt"/>
+                  <a:ea typeface="+mn-ea"/>
+                  <a:cs typeface="+mn-cs"/>
+                </a:defRPr>
+              </a:lvl7pPr>
+              <a:lvl8pPr marL="3200400" algn="l" defTabSz="914400" rtl="0" eaLnBrk="1" latinLnBrk="0" hangingPunct="1">
+                <a:defRPr sz="1800" kern="1200">
+                  <a:solidFill>
+                    <a:schemeClr val="lt1"/>
+                  </a:solidFill>
+                  <a:latin typeface="+mn-lt"/>
+                  <a:ea typeface="+mn-ea"/>
+                  <a:cs typeface="+mn-cs"/>
+                </a:defRPr>
+              </a:lvl8pPr>
+              <a:lvl9pPr marL="3657600" algn="l" defTabSz="914400" rtl="0" eaLnBrk="1" latinLnBrk="0" hangingPunct="1">
+                <a:defRPr sz="1800" kern="1200">
+                  <a:solidFill>
+                    <a:schemeClr val="lt1"/>
+                  </a:solidFill>
+                  <a:latin typeface="+mn-lt"/>
+                  <a:ea typeface="+mn-ea"/>
+                  <a:cs typeface="+mn-cs"/>
+                </a:defRPr>
+              </a:lvl9pPr>
+            </a:lstStyle>
+            <a:p>
+              <a:pPr algn="ctr"/>
+              <a:endParaRPr lang="en-US"/>
+            </a:p>
+          </p:txBody>
+        </p:sp>
+      </p:grpSp>
+      <p:sp>
+        <p:nvSpPr>
+          <p:cNvPr id="21" name="TextBox 18">
+            <a:extLst>
+              <a:ext uri="{FF2B5EF4-FFF2-40B4-BE49-F238E27FC236}">
+                <a16:creationId xmlns:a16="http://schemas.microsoft.com/office/drawing/2014/main" id="{6FEF36CB-7E0D-48E5-8B48-1869D80DE9EC}"/>
+              </a:ext>
+            </a:extLst>
+          </p:cNvPr>
+          <p:cNvSpPr txBox="1"/>
+          <p:nvPr/>
+        </p:nvSpPr>
+        <p:spPr>
+          <a:xfrm>
+            <a:off x="2515999" y="2605869"/>
+            <a:ext cx="2137872" cy="646331"/>
+          </a:xfrm>
+          <a:prstGeom prst="rect">
+            <a:avLst/>
+          </a:prstGeom>
+          <a:noFill/>
+        </p:spPr>
+        <p:txBody>
+          <a:bodyPr wrap="square" rtlCol="0">
+            <a:noAutofit/>
+          </a:bodyPr>
+          <a:lstStyle>
+            <a:defPPr>
+              <a:defRPr lang="en-US"/>
+            </a:defPPr>
+            <a:lvl1pPr marL="0" algn="l" defTabSz="914400" rtl="0" eaLnBrk="1" latinLnBrk="0" hangingPunct="1">
+              <a:defRPr sz="1800" kern="1200">
+                <a:solidFill>
+                  <a:schemeClr val="tx1"/>
+                </a:solidFill>
+                <a:latin typeface="+mn-lt"/>
+                <a:ea typeface="+mn-ea"/>
+                <a:cs typeface="+mn-cs"/>
+              </a:defRPr>
+            </a:lvl1pPr>
+            <a:lvl2pPr marL="457200" algn="l" defTabSz="914400" rtl="0" eaLnBrk="1" latinLnBrk="0" hangingPunct="1">
+              <a:defRPr sz="1800" kern="1200">
+                <a:solidFill>
+                  <a:schemeClr val="tx1"/>
+                </a:solidFill>
+                <a:latin typeface="+mn-lt"/>
+                <a:ea typeface="+mn-ea"/>
+                <a:cs typeface="+mn-cs"/>
+              </a:defRPr>
+            </a:lvl2pPr>
+            <a:lvl3pPr marL="914400" algn="l" defTabSz="914400" rtl="0" eaLnBrk="1" latinLnBrk="0" hangingPunct="1">
+              <a:defRPr sz="1800" kern="1200">
+                <a:solidFill>
+                  <a:schemeClr val="tx1"/>
+                </a:solidFill>
+                <a:latin typeface="+mn-lt"/>
+                <a:ea typeface="+mn-ea"/>
+                <a:cs typeface="+mn-cs"/>
+              </a:defRPr>
+            </a:lvl3pPr>
+            <a:lvl4pPr marL="1371600" algn="l" defTabSz="914400" rtl="0" eaLnBrk="1" latinLnBrk="0" hangingPunct="1">
+              <a:defRPr sz="1800" kern="1200">
+                <a:solidFill>
+                  <a:schemeClr val="tx1"/>
+                </a:solidFill>
+                <a:latin typeface="+mn-lt"/>
+                <a:ea typeface="+mn-ea"/>
+                <a:cs typeface="+mn-cs"/>
+              </a:defRPr>
+            </a:lvl4pPr>
+            <a:lvl5pPr marL="1828800" algn="l" defTabSz="914400" rtl="0" eaLnBrk="1" latinLnBrk="0" hangingPunct="1">
+              <a:defRPr sz="1800" kern="1200">
+                <a:solidFill>
+                  <a:schemeClr val="tx1"/>
+                </a:solidFill>
+                <a:latin typeface="+mn-lt"/>
+                <a:ea typeface="+mn-ea"/>
+                <a:cs typeface="+mn-cs"/>
+              </a:defRPr>
+            </a:lvl5pPr>
+            <a:lvl6pPr marL="2286000" algn="l" defTabSz="914400" rtl="0" eaLnBrk="1" latinLnBrk="0" hangingPunct="1">
+              <a:defRPr sz="1800" kern="1200">
+                <a:solidFill>
+                  <a:schemeClr val="tx1"/>
+                </a:solidFill>
+                <a:latin typeface="+mn-lt"/>
+                <a:ea typeface="+mn-ea"/>
+                <a:cs typeface="+mn-cs"/>
+              </a:defRPr>
+            </a:lvl6pPr>
+            <a:lvl7pPr marL="2743200" algn="l" defTabSz="914400" rtl="0" eaLnBrk="1" latinLnBrk="0" hangingPunct="1">
+              <a:defRPr sz="1800" kern="1200">
+                <a:solidFill>
+                  <a:schemeClr val="tx1"/>
+                </a:solidFill>
+                <a:latin typeface="+mn-lt"/>
+                <a:ea typeface="+mn-ea"/>
+                <a:cs typeface="+mn-cs"/>
+              </a:defRPr>
+            </a:lvl7pPr>
+            <a:lvl8pPr marL="3200400" algn="l" defTabSz="914400" rtl="0" eaLnBrk="1" latinLnBrk="0" hangingPunct="1">
+              <a:defRPr sz="1800" kern="1200">
+                <a:solidFill>
+                  <a:schemeClr val="tx1"/>
+                </a:solidFill>
+                <a:latin typeface="+mn-lt"/>
+                <a:ea typeface="+mn-ea"/>
+                <a:cs typeface="+mn-cs"/>
+              </a:defRPr>
+            </a:lvl8pPr>
+            <a:lvl9pPr marL="3657600" algn="l" defTabSz="914400" rtl="0" eaLnBrk="1" latinLnBrk="0" hangingPunct="1">
+              <a:defRPr sz="1800" kern="1200">
+                <a:solidFill>
+                  <a:schemeClr val="tx1"/>
+                </a:solidFill>
+                <a:latin typeface="+mn-lt"/>
+                <a:ea typeface="+mn-ea"/>
+                <a:cs typeface="+mn-cs"/>
+              </a:defRPr>
+            </a:lvl9pPr>
+          </a:lstStyle>
+          <a:p>
+            <a:br>
+              <a:rPr lang="en-US" dirty="0"/>
+            </a:br>
+            <a:r>
+              <a:rPr lang="en-US" dirty="0"/>
+              <a:t>X-B3-SpanId:1</a:t>
+            </a:r>
+          </a:p>
+        </p:txBody>
+      </p:sp>
+      <p:sp>
+        <p:nvSpPr>
+          <p:cNvPr id="22" name="TextBox 19">
+            <a:extLst>
+              <a:ext uri="{FF2B5EF4-FFF2-40B4-BE49-F238E27FC236}">
+                <a16:creationId xmlns:a16="http://schemas.microsoft.com/office/drawing/2014/main" id="{9CEBAB57-13B1-41FF-A05C-74F429FCFDF4}"/>
+              </a:ext>
+            </a:extLst>
+          </p:cNvPr>
+          <p:cNvSpPr txBox="1"/>
+          <p:nvPr/>
+        </p:nvSpPr>
+        <p:spPr>
+          <a:xfrm>
+            <a:off x="7505717" y="1888363"/>
+            <a:ext cx="2355488" cy="646331"/>
+          </a:xfrm>
+          <a:prstGeom prst="rect">
+            <a:avLst/>
+          </a:prstGeom>
+          <a:noFill/>
+        </p:spPr>
+        <p:txBody>
+          <a:bodyPr wrap="square" rtlCol="0">
+            <a:noAutofit/>
+          </a:bodyPr>
+          <a:lstStyle>
+            <a:defPPr>
+              <a:defRPr lang="en-US"/>
+            </a:defPPr>
+            <a:lvl1pPr marL="0" algn="l" defTabSz="914400" rtl="0" eaLnBrk="1" latinLnBrk="0" hangingPunct="1">
+              <a:defRPr sz="1800" kern="1200">
+                <a:solidFill>
+                  <a:schemeClr val="tx1"/>
+                </a:solidFill>
+                <a:latin typeface="+mn-lt"/>
+                <a:ea typeface="+mn-ea"/>
+                <a:cs typeface="+mn-cs"/>
+              </a:defRPr>
+            </a:lvl1pPr>
+            <a:lvl2pPr marL="457200" algn="l" defTabSz="914400" rtl="0" eaLnBrk="1" latinLnBrk="0" hangingPunct="1">
+              <a:defRPr sz="1800" kern="1200">
+                <a:solidFill>
+                  <a:schemeClr val="tx1"/>
+                </a:solidFill>
+                <a:latin typeface="+mn-lt"/>
+                <a:ea typeface="+mn-ea"/>
+                <a:cs typeface="+mn-cs"/>
+              </a:defRPr>
+            </a:lvl2pPr>
+            <a:lvl3pPr marL="914400" algn="l" defTabSz="914400" rtl="0" eaLnBrk="1" latinLnBrk="0" hangingPunct="1">
+              <a:defRPr sz="1800" kern="1200">
+                <a:solidFill>
+                  <a:schemeClr val="tx1"/>
+                </a:solidFill>
+                <a:latin typeface="+mn-lt"/>
+                <a:ea typeface="+mn-ea"/>
+                <a:cs typeface="+mn-cs"/>
+              </a:defRPr>
+            </a:lvl3pPr>
+            <a:lvl4pPr marL="1371600" algn="l" defTabSz="914400" rtl="0" eaLnBrk="1" latinLnBrk="0" hangingPunct="1">
+              <a:defRPr sz="1800" kern="1200">
+                <a:solidFill>
+                  <a:schemeClr val="tx1"/>
+                </a:solidFill>
+                <a:latin typeface="+mn-lt"/>
+                <a:ea typeface="+mn-ea"/>
+                <a:cs typeface="+mn-cs"/>
+              </a:defRPr>
+            </a:lvl4pPr>
+            <a:lvl5pPr marL="1828800" algn="l" defTabSz="914400" rtl="0" eaLnBrk="1" latinLnBrk="0" hangingPunct="1">
+              <a:defRPr sz="1800" kern="1200">
+                <a:solidFill>
+                  <a:schemeClr val="tx1"/>
+                </a:solidFill>
+                <a:latin typeface="+mn-lt"/>
+                <a:ea typeface="+mn-ea"/>
+                <a:cs typeface="+mn-cs"/>
+              </a:defRPr>
+            </a:lvl5pPr>
+            <a:lvl6pPr marL="2286000" algn="l" defTabSz="914400" rtl="0" eaLnBrk="1" latinLnBrk="0" hangingPunct="1">
+              <a:defRPr sz="1800" kern="1200">
+                <a:solidFill>
+                  <a:schemeClr val="tx1"/>
+                </a:solidFill>
+                <a:latin typeface="+mn-lt"/>
+                <a:ea typeface="+mn-ea"/>
+                <a:cs typeface="+mn-cs"/>
+              </a:defRPr>
+            </a:lvl6pPr>
+            <a:lvl7pPr marL="2743200" algn="l" defTabSz="914400" rtl="0" eaLnBrk="1" latinLnBrk="0" hangingPunct="1">
+              <a:defRPr sz="1800" kern="1200">
+                <a:solidFill>
+                  <a:schemeClr val="tx1"/>
+                </a:solidFill>
+                <a:latin typeface="+mn-lt"/>
+                <a:ea typeface="+mn-ea"/>
+                <a:cs typeface="+mn-cs"/>
+              </a:defRPr>
+            </a:lvl7pPr>
+            <a:lvl8pPr marL="3200400" algn="l" defTabSz="914400" rtl="0" eaLnBrk="1" latinLnBrk="0" hangingPunct="1">
+              <a:defRPr sz="1800" kern="1200">
+                <a:solidFill>
+                  <a:schemeClr val="tx1"/>
+                </a:solidFill>
+                <a:latin typeface="+mn-lt"/>
+                <a:ea typeface="+mn-ea"/>
+                <a:cs typeface="+mn-cs"/>
+              </a:defRPr>
+            </a:lvl8pPr>
+            <a:lvl9pPr marL="3657600" algn="l" defTabSz="914400" rtl="0" eaLnBrk="1" latinLnBrk="0" hangingPunct="1">
+              <a:defRPr sz="1800" kern="1200">
+                <a:solidFill>
+                  <a:schemeClr val="tx1"/>
+                </a:solidFill>
+                <a:latin typeface="+mn-lt"/>
+                <a:ea typeface="+mn-ea"/>
+                <a:cs typeface="+mn-cs"/>
+              </a:defRPr>
+            </a:lvl9pPr>
+          </a:lstStyle>
+          <a:p>
+            <a:r>
+              <a:rPr lang="en-US" dirty="0"/>
+              <a:t>X-B3-SpanId:2</a:t>
+            </a:r>
+          </a:p>
+          <a:p>
+            <a:r>
+              <a:rPr lang="en-US" dirty="0"/>
+              <a:t>X-B3-ParentSpanId:1</a:t>
+            </a:r>
+          </a:p>
+        </p:txBody>
+      </p:sp>
+    </p:spTree>
+    <p:extLst>
+      <p:ext uri="{BB962C8B-B14F-4D97-AF65-F5344CB8AC3E}">
+        <p14:creationId xmlns:p14="http://schemas.microsoft.com/office/powerpoint/2010/main" val="1008561436"/>
+      </p:ext>
+    </p:extLst>
+  </p:cSld>
+  <p:clrMapOvr>
+    <a:masterClrMapping/>
+  </p:clrMapOvr>
+</p:sld>
+</file>
+
+<file path=ppt/slides/slide7.xml><?xml version="1.0" encoding="utf-8"?>
+<p:sld xmlns:a="http://schemas.openxmlformats.org/drawingml/2006/main" xmlns:r="http://schemas.openxmlformats.org/officeDocument/2006/relationships" xmlns:p="http://schemas.openxmlformats.org/presentationml/2006/main">
+  <p:cSld>
+    <p:spTree>
+      <p:nvGrpSpPr>
+        <p:cNvPr id="1" name=""/>
+        <p:cNvGrpSpPr/>
+        <p:nvPr/>
+      </p:nvGrpSpPr>
+      <p:grpSpPr>
+        <a:xfrm>
+          <a:off x="0" y="0"/>
+          <a:ext cx="0" cy="0"/>
+          <a:chOff x="0" y="0"/>
+          <a:chExt cx="0" cy="0"/>
+        </a:xfrm>
+      </p:grpSpPr>
+      <p:sp>
+        <p:nvSpPr>
+          <p:cNvPr id="2" name="Title 1">
+            <a:extLst>
+              <a:ext uri="{FF2B5EF4-FFF2-40B4-BE49-F238E27FC236}">
+                <a16:creationId xmlns:a16="http://schemas.microsoft.com/office/drawing/2014/main" id="{71EE4FB3-66B0-4749-82EC-375C6BFBF789}"/>
+              </a:ext>
+            </a:extLst>
+          </p:cNvPr>
+          <p:cNvSpPr>
+            <a:spLocks noGrp="1"/>
+          </p:cNvSpPr>
+          <p:nvPr>
+            <p:ph type="title"/>
+          </p:nvPr>
+        </p:nvSpPr>
+        <p:spPr/>
+        <p:txBody>
+          <a:bodyPr/>
+          <a:lstStyle/>
+          <a:p>
+            <a:r>
+              <a:rPr lang="en-US" dirty="0"/>
+              <a:t>Log/Metrics/</a:t>
+            </a:r>
+            <a:r>
+              <a:rPr lang="en-US" dirty="0" err="1"/>
+              <a:t>Genel</a:t>
+            </a:r>
+            <a:endParaRPr lang="en-US" dirty="0"/>
+          </a:p>
+        </p:txBody>
+      </p:sp>
+      <p:sp>
+        <p:nvSpPr>
+          <p:cNvPr id="26" name="Rectangle 25">
+            <a:extLst>
+              <a:ext uri="{FF2B5EF4-FFF2-40B4-BE49-F238E27FC236}">
+                <a16:creationId xmlns:a16="http://schemas.microsoft.com/office/drawing/2014/main" id="{32A0D808-05AF-4FC2-A7BB-225721BAFD90}"/>
+              </a:ext>
+            </a:extLst>
+          </p:cNvPr>
+          <p:cNvSpPr/>
+          <p:nvPr/>
+        </p:nvSpPr>
+        <p:spPr>
+          <a:xfrm>
+            <a:off x="1146229" y="1686920"/>
+            <a:ext cx="1677190" cy="1184456"/>
+          </a:xfrm>
+          <a:prstGeom prst="rect">
+            <a:avLst/>
+          </a:prstGeom>
+        </p:spPr>
+        <p:style>
+          <a:lnRef idx="2">
+            <a:schemeClr val="accent1">
+              <a:shade val="50000"/>
+            </a:schemeClr>
+          </a:lnRef>
+          <a:fillRef idx="1">
+            <a:schemeClr val="accent1"/>
+          </a:fillRef>
+          <a:effectRef idx="0">
+            <a:schemeClr val="accent1"/>
+          </a:effectRef>
+          <a:fontRef idx="minor">
+            <a:schemeClr val="lt1"/>
+          </a:fontRef>
+        </p:style>
+        <p:txBody>
+          <a:bodyPr rtlCol="0" anchor="ctr"/>
+          <a:lstStyle>
+            <a:defPPr>
+              <a:defRPr lang="en-US"/>
+            </a:defPPr>
+            <a:lvl1pPr marL="0" algn="l" defTabSz="914400" rtl="0" eaLnBrk="1" latinLnBrk="0" hangingPunct="1">
+              <a:defRPr sz="1800" kern="1200">
+                <a:solidFill>
+                  <a:schemeClr val="lt1"/>
+                </a:solidFill>
+                <a:latin typeface="+mn-lt"/>
+                <a:ea typeface="+mn-ea"/>
+                <a:cs typeface="+mn-cs"/>
+              </a:defRPr>
+            </a:lvl1pPr>
+            <a:lvl2pPr marL="457200" algn="l" defTabSz="914400" rtl="0" eaLnBrk="1" latinLnBrk="0" hangingPunct="1">
+              <a:defRPr sz="1800" kern="1200">
+                <a:solidFill>
+                  <a:schemeClr val="lt1"/>
+                </a:solidFill>
+                <a:latin typeface="+mn-lt"/>
+                <a:ea typeface="+mn-ea"/>
+                <a:cs typeface="+mn-cs"/>
+              </a:defRPr>
+            </a:lvl2pPr>
+            <a:lvl3pPr marL="914400" algn="l" defTabSz="914400" rtl="0" eaLnBrk="1" latinLnBrk="0" hangingPunct="1">
+              <a:defRPr sz="1800" kern="1200">
+                <a:solidFill>
+                  <a:schemeClr val="lt1"/>
+                </a:solidFill>
+                <a:latin typeface="+mn-lt"/>
+                <a:ea typeface="+mn-ea"/>
+                <a:cs typeface="+mn-cs"/>
+              </a:defRPr>
+            </a:lvl3pPr>
+            <a:lvl4pPr marL="1371600" algn="l" defTabSz="914400" rtl="0" eaLnBrk="1" latinLnBrk="0" hangingPunct="1">
+              <a:defRPr sz="1800" kern="1200">
+                <a:solidFill>
+                  <a:schemeClr val="lt1"/>
+                </a:solidFill>
+                <a:latin typeface="+mn-lt"/>
+                <a:ea typeface="+mn-ea"/>
+                <a:cs typeface="+mn-cs"/>
+              </a:defRPr>
+            </a:lvl4pPr>
+            <a:lvl5pPr marL="1828800" algn="l" defTabSz="914400" rtl="0" eaLnBrk="1" latinLnBrk="0" hangingPunct="1">
+              <a:defRPr sz="1800" kern="1200">
+                <a:solidFill>
+                  <a:schemeClr val="lt1"/>
+                </a:solidFill>
+                <a:latin typeface="+mn-lt"/>
+                <a:ea typeface="+mn-ea"/>
+                <a:cs typeface="+mn-cs"/>
+              </a:defRPr>
+            </a:lvl5pPr>
+            <a:lvl6pPr marL="2286000" algn="l" defTabSz="914400" rtl="0" eaLnBrk="1" latinLnBrk="0" hangingPunct="1">
+              <a:defRPr sz="1800" kern="1200">
+                <a:solidFill>
+                  <a:schemeClr val="lt1"/>
+                </a:solidFill>
+                <a:latin typeface="+mn-lt"/>
+                <a:ea typeface="+mn-ea"/>
+                <a:cs typeface="+mn-cs"/>
+              </a:defRPr>
+            </a:lvl6pPr>
+            <a:lvl7pPr marL="2743200" algn="l" defTabSz="914400" rtl="0" eaLnBrk="1" latinLnBrk="0" hangingPunct="1">
+              <a:defRPr sz="1800" kern="1200">
+                <a:solidFill>
+                  <a:schemeClr val="lt1"/>
+                </a:solidFill>
+                <a:latin typeface="+mn-lt"/>
+                <a:ea typeface="+mn-ea"/>
+                <a:cs typeface="+mn-cs"/>
+              </a:defRPr>
+            </a:lvl7pPr>
+            <a:lvl8pPr marL="3200400" algn="l" defTabSz="914400" rtl="0" eaLnBrk="1" latinLnBrk="0" hangingPunct="1">
+              <a:defRPr sz="1800" kern="1200">
+                <a:solidFill>
+                  <a:schemeClr val="lt1"/>
+                </a:solidFill>
+                <a:latin typeface="+mn-lt"/>
+                <a:ea typeface="+mn-ea"/>
+                <a:cs typeface="+mn-cs"/>
+              </a:defRPr>
+            </a:lvl8pPr>
+            <a:lvl9pPr marL="3657600" algn="l" defTabSz="914400" rtl="0" eaLnBrk="1" latinLnBrk="0" hangingPunct="1">
+              <a:defRPr sz="1800" kern="1200">
+                <a:solidFill>
+                  <a:schemeClr val="lt1"/>
+                </a:solidFill>
+                <a:latin typeface="+mn-lt"/>
+                <a:ea typeface="+mn-ea"/>
+                <a:cs typeface="+mn-cs"/>
+              </a:defRPr>
+            </a:lvl9pPr>
+          </a:lstStyle>
+          <a:p>
+            <a:pPr algn="ctr"/>
+            <a:r>
+              <a:rPr lang="en-US" dirty="0"/>
+              <a:t>API</a:t>
+            </a:r>
+          </a:p>
+        </p:txBody>
+      </p:sp>
+      <p:sp>
+        <p:nvSpPr>
+          <p:cNvPr id="27" name="Rectangle 26">
+            <a:extLst>
+              <a:ext uri="{FF2B5EF4-FFF2-40B4-BE49-F238E27FC236}">
+                <a16:creationId xmlns:a16="http://schemas.microsoft.com/office/drawing/2014/main" id="{5C837401-EF96-4293-BA60-C7DE15FEB070}"/>
+              </a:ext>
+            </a:extLst>
+          </p:cNvPr>
+          <p:cNvSpPr/>
+          <p:nvPr/>
+        </p:nvSpPr>
+        <p:spPr>
+          <a:xfrm>
+            <a:off x="5313540" y="1686920"/>
+            <a:ext cx="1677190" cy="1184456"/>
+          </a:xfrm>
+          <a:prstGeom prst="rect">
+            <a:avLst/>
+          </a:prstGeom>
+        </p:spPr>
+        <p:style>
+          <a:lnRef idx="2">
+            <a:schemeClr val="accent2">
+              <a:shade val="50000"/>
+            </a:schemeClr>
+          </a:lnRef>
+          <a:fillRef idx="1">
+            <a:schemeClr val="accent2"/>
+          </a:fillRef>
+          <a:effectRef idx="0">
+            <a:schemeClr val="accent2"/>
+          </a:effectRef>
+          <a:fontRef idx="minor">
+            <a:schemeClr val="lt1"/>
+          </a:fontRef>
+        </p:style>
+        <p:txBody>
+          <a:bodyPr rtlCol="0" anchor="ctr"/>
+          <a:lstStyle>
+            <a:defPPr>
+              <a:defRPr lang="en-US"/>
+            </a:defPPr>
+            <a:lvl1pPr marL="0" algn="l" defTabSz="914400" rtl="0" eaLnBrk="1" latinLnBrk="0" hangingPunct="1">
+              <a:defRPr sz="1800" kern="1200">
+                <a:solidFill>
+                  <a:schemeClr val="lt1"/>
+                </a:solidFill>
+                <a:latin typeface="+mn-lt"/>
+                <a:ea typeface="+mn-ea"/>
+                <a:cs typeface="+mn-cs"/>
+              </a:defRPr>
+            </a:lvl1pPr>
+            <a:lvl2pPr marL="457200" algn="l" defTabSz="914400" rtl="0" eaLnBrk="1" latinLnBrk="0" hangingPunct="1">
+              <a:defRPr sz="1800" kern="1200">
+                <a:solidFill>
+                  <a:schemeClr val="lt1"/>
+                </a:solidFill>
+                <a:latin typeface="+mn-lt"/>
+                <a:ea typeface="+mn-ea"/>
+                <a:cs typeface="+mn-cs"/>
+              </a:defRPr>
+            </a:lvl2pPr>
+            <a:lvl3pPr marL="914400" algn="l" defTabSz="914400" rtl="0" eaLnBrk="1" latinLnBrk="0" hangingPunct="1">
+              <a:defRPr sz="1800" kern="1200">
+                <a:solidFill>
+                  <a:schemeClr val="lt1"/>
+                </a:solidFill>
+                <a:latin typeface="+mn-lt"/>
+                <a:ea typeface="+mn-ea"/>
+                <a:cs typeface="+mn-cs"/>
+              </a:defRPr>
+            </a:lvl3pPr>
+            <a:lvl4pPr marL="1371600" algn="l" defTabSz="914400" rtl="0" eaLnBrk="1" latinLnBrk="0" hangingPunct="1">
+              <a:defRPr sz="1800" kern="1200">
+                <a:solidFill>
+                  <a:schemeClr val="lt1"/>
+                </a:solidFill>
+                <a:latin typeface="+mn-lt"/>
+                <a:ea typeface="+mn-ea"/>
+                <a:cs typeface="+mn-cs"/>
+              </a:defRPr>
+            </a:lvl4pPr>
+            <a:lvl5pPr marL="1828800" algn="l" defTabSz="914400" rtl="0" eaLnBrk="1" latinLnBrk="0" hangingPunct="1">
+              <a:defRPr sz="1800" kern="1200">
+                <a:solidFill>
+                  <a:schemeClr val="lt1"/>
+                </a:solidFill>
+                <a:latin typeface="+mn-lt"/>
+                <a:ea typeface="+mn-ea"/>
+                <a:cs typeface="+mn-cs"/>
+              </a:defRPr>
+            </a:lvl5pPr>
+            <a:lvl6pPr marL="2286000" algn="l" defTabSz="914400" rtl="0" eaLnBrk="1" latinLnBrk="0" hangingPunct="1">
+              <a:defRPr sz="1800" kern="1200">
+                <a:solidFill>
+                  <a:schemeClr val="lt1"/>
+                </a:solidFill>
+                <a:latin typeface="+mn-lt"/>
+                <a:ea typeface="+mn-ea"/>
+                <a:cs typeface="+mn-cs"/>
+              </a:defRPr>
+            </a:lvl6pPr>
+            <a:lvl7pPr marL="2743200" algn="l" defTabSz="914400" rtl="0" eaLnBrk="1" latinLnBrk="0" hangingPunct="1">
+              <a:defRPr sz="1800" kern="1200">
+                <a:solidFill>
+                  <a:schemeClr val="lt1"/>
+                </a:solidFill>
+                <a:latin typeface="+mn-lt"/>
+                <a:ea typeface="+mn-ea"/>
+                <a:cs typeface="+mn-cs"/>
+              </a:defRPr>
+            </a:lvl7pPr>
+            <a:lvl8pPr marL="3200400" algn="l" defTabSz="914400" rtl="0" eaLnBrk="1" latinLnBrk="0" hangingPunct="1">
+              <a:defRPr sz="1800" kern="1200">
+                <a:solidFill>
+                  <a:schemeClr val="lt1"/>
+                </a:solidFill>
+                <a:latin typeface="+mn-lt"/>
+                <a:ea typeface="+mn-ea"/>
+                <a:cs typeface="+mn-cs"/>
+              </a:defRPr>
+            </a:lvl8pPr>
+            <a:lvl9pPr marL="3657600" algn="l" defTabSz="914400" rtl="0" eaLnBrk="1" latinLnBrk="0" hangingPunct="1">
+              <a:defRPr sz="1800" kern="1200">
+                <a:solidFill>
+                  <a:schemeClr val="lt1"/>
+                </a:solidFill>
+                <a:latin typeface="+mn-lt"/>
+                <a:ea typeface="+mn-ea"/>
+                <a:cs typeface="+mn-cs"/>
+              </a:defRPr>
+            </a:lvl9pPr>
+          </a:lstStyle>
+          <a:p>
+            <a:pPr algn="ctr"/>
+            <a:r>
+              <a:rPr lang="en-US" dirty="0"/>
+              <a:t>Worker Service</a:t>
+            </a:r>
+          </a:p>
+        </p:txBody>
+      </p:sp>
+      <p:sp>
+        <p:nvSpPr>
+          <p:cNvPr id="28" name="Rectangle 27">
+            <a:extLst>
+              <a:ext uri="{FF2B5EF4-FFF2-40B4-BE49-F238E27FC236}">
+                <a16:creationId xmlns:a16="http://schemas.microsoft.com/office/drawing/2014/main" id="{2FD4FE61-0D7B-43C1-AE39-50B6BF03E9E9}"/>
+              </a:ext>
+            </a:extLst>
+          </p:cNvPr>
+          <p:cNvSpPr/>
+          <p:nvPr/>
+        </p:nvSpPr>
+        <p:spPr>
+          <a:xfrm>
+            <a:off x="9445712" y="1686920"/>
+            <a:ext cx="1677190" cy="1184456"/>
+          </a:xfrm>
+          <a:prstGeom prst="rect">
+            <a:avLst/>
+          </a:prstGeom>
+        </p:spPr>
+        <p:style>
+          <a:lnRef idx="2">
+            <a:schemeClr val="accent6">
+              <a:shade val="50000"/>
+            </a:schemeClr>
+          </a:lnRef>
+          <a:fillRef idx="1">
+            <a:schemeClr val="accent6"/>
+          </a:fillRef>
+          <a:effectRef idx="0">
+            <a:schemeClr val="accent6"/>
+          </a:effectRef>
+          <a:fontRef idx="minor">
+            <a:schemeClr val="lt1"/>
+          </a:fontRef>
+        </p:style>
+        <p:txBody>
+          <a:bodyPr rtlCol="0" anchor="ctr"/>
+          <a:lstStyle>
+            <a:defPPr>
+              <a:defRPr lang="en-US"/>
+            </a:defPPr>
+            <a:lvl1pPr marL="0" algn="l" defTabSz="914400" rtl="0" eaLnBrk="1" latinLnBrk="0" hangingPunct="1">
+              <a:defRPr sz="1800" kern="1200">
+                <a:solidFill>
+                  <a:schemeClr val="lt1"/>
+                </a:solidFill>
+                <a:latin typeface="+mn-lt"/>
+                <a:ea typeface="+mn-ea"/>
+                <a:cs typeface="+mn-cs"/>
+              </a:defRPr>
+            </a:lvl1pPr>
+            <a:lvl2pPr marL="457200" algn="l" defTabSz="914400" rtl="0" eaLnBrk="1" latinLnBrk="0" hangingPunct="1">
+              <a:defRPr sz="1800" kern="1200">
+                <a:solidFill>
+                  <a:schemeClr val="lt1"/>
+                </a:solidFill>
+                <a:latin typeface="+mn-lt"/>
+                <a:ea typeface="+mn-ea"/>
+                <a:cs typeface="+mn-cs"/>
+              </a:defRPr>
+            </a:lvl2pPr>
+            <a:lvl3pPr marL="914400" algn="l" defTabSz="914400" rtl="0" eaLnBrk="1" latinLnBrk="0" hangingPunct="1">
+              <a:defRPr sz="1800" kern="1200">
+                <a:solidFill>
+                  <a:schemeClr val="lt1"/>
+                </a:solidFill>
+                <a:latin typeface="+mn-lt"/>
+                <a:ea typeface="+mn-ea"/>
+                <a:cs typeface="+mn-cs"/>
+              </a:defRPr>
+            </a:lvl3pPr>
+            <a:lvl4pPr marL="1371600" algn="l" defTabSz="914400" rtl="0" eaLnBrk="1" latinLnBrk="0" hangingPunct="1">
+              <a:defRPr sz="1800" kern="1200">
+                <a:solidFill>
+                  <a:schemeClr val="lt1"/>
+                </a:solidFill>
+                <a:latin typeface="+mn-lt"/>
+                <a:ea typeface="+mn-ea"/>
+                <a:cs typeface="+mn-cs"/>
+              </a:defRPr>
+            </a:lvl4pPr>
+            <a:lvl5pPr marL="1828800" algn="l" defTabSz="914400" rtl="0" eaLnBrk="1" latinLnBrk="0" hangingPunct="1">
+              <a:defRPr sz="1800" kern="1200">
+                <a:solidFill>
+                  <a:schemeClr val="lt1"/>
+                </a:solidFill>
+                <a:latin typeface="+mn-lt"/>
+                <a:ea typeface="+mn-ea"/>
+                <a:cs typeface="+mn-cs"/>
+              </a:defRPr>
+            </a:lvl5pPr>
+            <a:lvl6pPr marL="2286000" algn="l" defTabSz="914400" rtl="0" eaLnBrk="1" latinLnBrk="0" hangingPunct="1">
+              <a:defRPr sz="1800" kern="1200">
+                <a:solidFill>
+                  <a:schemeClr val="lt1"/>
+                </a:solidFill>
+                <a:latin typeface="+mn-lt"/>
+                <a:ea typeface="+mn-ea"/>
+                <a:cs typeface="+mn-cs"/>
+              </a:defRPr>
+            </a:lvl6pPr>
+            <a:lvl7pPr marL="2743200" algn="l" defTabSz="914400" rtl="0" eaLnBrk="1" latinLnBrk="0" hangingPunct="1">
+              <a:defRPr sz="1800" kern="1200">
+                <a:solidFill>
+                  <a:schemeClr val="lt1"/>
+                </a:solidFill>
+                <a:latin typeface="+mn-lt"/>
+                <a:ea typeface="+mn-ea"/>
+                <a:cs typeface="+mn-cs"/>
+              </a:defRPr>
+            </a:lvl7pPr>
+            <a:lvl8pPr marL="3200400" algn="l" defTabSz="914400" rtl="0" eaLnBrk="1" latinLnBrk="0" hangingPunct="1">
+              <a:defRPr sz="1800" kern="1200">
+                <a:solidFill>
+                  <a:schemeClr val="lt1"/>
+                </a:solidFill>
+                <a:latin typeface="+mn-lt"/>
+                <a:ea typeface="+mn-ea"/>
+                <a:cs typeface="+mn-cs"/>
+              </a:defRPr>
+            </a:lvl8pPr>
+            <a:lvl9pPr marL="3657600" algn="l" defTabSz="914400" rtl="0" eaLnBrk="1" latinLnBrk="0" hangingPunct="1">
+              <a:defRPr sz="1800" kern="1200">
+                <a:solidFill>
+                  <a:schemeClr val="lt1"/>
+                </a:solidFill>
+                <a:latin typeface="+mn-lt"/>
+                <a:ea typeface="+mn-ea"/>
+                <a:cs typeface="+mn-cs"/>
+              </a:defRPr>
+            </a:lvl9pPr>
+          </a:lstStyle>
+          <a:p>
+            <a:pPr algn="ctr"/>
+            <a:r>
+              <a:rPr lang="en-US" dirty="0"/>
+              <a:t>Other Worker Service</a:t>
+            </a:r>
+          </a:p>
+        </p:txBody>
+      </p:sp>
+      <p:cxnSp>
+        <p:nvCxnSpPr>
+          <p:cNvPr id="29" name="Straight Arrow Connector 28">
+            <a:extLst>
+              <a:ext uri="{FF2B5EF4-FFF2-40B4-BE49-F238E27FC236}">
+                <a16:creationId xmlns:a16="http://schemas.microsoft.com/office/drawing/2014/main" id="{DC57C76D-34A9-40BA-92D1-4340DAF37561}"/>
+              </a:ext>
+            </a:extLst>
+          </p:cNvPr>
+          <p:cNvCxnSpPr>
+            <a:stCxn id="26" idx="3"/>
+            <a:endCxn id="27" idx="1"/>
+          </p:cNvCxnSpPr>
+          <p:nvPr/>
+        </p:nvCxnSpPr>
+        <p:spPr>
+          <a:xfrm>
+            <a:off x="2823419" y="2279148"/>
+            <a:ext cx="2490121" cy="0"/>
+          </a:xfrm>
+          <a:prstGeom prst="straightConnector1">
+            <a:avLst/>
+          </a:prstGeom>
+          <a:ln w="38100" cap="flat" cmpd="sng" algn="ctr">
+            <a:solidFill>
+              <a:schemeClr val="dk1"/>
+            </a:solidFill>
+            <a:prstDash val="solid"/>
+            <a:round/>
+            <a:headEnd type="arrow" w="med" len="med"/>
+            <a:tailEnd type="arrow" w="med" len="med"/>
+          </a:ln>
+        </p:spPr>
+        <p:style>
+          <a:lnRef idx="0">
+            <a:scrgbClr r="0" g="0" b="0"/>
+          </a:lnRef>
+          <a:fillRef idx="0">
+            <a:scrgbClr r="0" g="0" b="0"/>
+          </a:fillRef>
+          <a:effectRef idx="0">
+            <a:scrgbClr r="0" g="0" b="0"/>
+          </a:effectRef>
+          <a:fontRef idx="minor">
+            <a:schemeClr val="tx1"/>
+          </a:fontRef>
+        </p:style>
+      </p:cxnSp>
+      <p:cxnSp>
+        <p:nvCxnSpPr>
+          <p:cNvPr id="30" name="Straight Arrow Connector 29">
+            <a:extLst>
+              <a:ext uri="{FF2B5EF4-FFF2-40B4-BE49-F238E27FC236}">
+                <a16:creationId xmlns:a16="http://schemas.microsoft.com/office/drawing/2014/main" id="{CC214570-C7E8-4681-93E5-42C99EAA7169}"/>
+              </a:ext>
+            </a:extLst>
+          </p:cNvPr>
+          <p:cNvCxnSpPr>
+            <a:cxnSpLocks/>
+            <a:stCxn id="27" idx="3"/>
+            <a:endCxn id="28" idx="1"/>
+          </p:cNvCxnSpPr>
+          <p:nvPr/>
+        </p:nvCxnSpPr>
+        <p:spPr>
+          <a:xfrm>
+            <a:off x="6990730" y="2279148"/>
+            <a:ext cx="2454982" cy="0"/>
+          </a:xfrm>
+          <a:prstGeom prst="straightConnector1">
+            <a:avLst/>
+          </a:prstGeom>
+          <a:ln w="38100" cap="flat" cmpd="sng" algn="ctr">
+            <a:solidFill>
+              <a:schemeClr val="dk1"/>
+            </a:solidFill>
+            <a:prstDash val="solid"/>
+            <a:round/>
+            <a:headEnd type="arrow" w="med" len="med"/>
+            <a:tailEnd type="arrow" w="med" len="med"/>
+          </a:ln>
+        </p:spPr>
+        <p:style>
+          <a:lnRef idx="0">
+            <a:scrgbClr r="0" g="0" b="0"/>
+          </a:lnRef>
+          <a:fillRef idx="0">
+            <a:scrgbClr r="0" g="0" b="0"/>
+          </a:fillRef>
+          <a:effectRef idx="0">
+            <a:scrgbClr r="0" g="0" b="0"/>
+          </a:effectRef>
+          <a:fontRef idx="minor">
+            <a:schemeClr val="tx1"/>
+          </a:fontRef>
+        </p:style>
+      </p:cxnSp>
+      <p:grpSp>
+        <p:nvGrpSpPr>
+          <p:cNvPr id="31" name="Group 30">
+            <a:extLst>
+              <a:ext uri="{FF2B5EF4-FFF2-40B4-BE49-F238E27FC236}">
+                <a16:creationId xmlns:a16="http://schemas.microsoft.com/office/drawing/2014/main" id="{D6D47B53-8CB1-43EA-8176-26AF64AFB94B}"/>
+              </a:ext>
+            </a:extLst>
+          </p:cNvPr>
+          <p:cNvGrpSpPr/>
+          <p:nvPr/>
+        </p:nvGrpSpPr>
+        <p:grpSpPr>
+          <a:xfrm>
+            <a:off x="8712603" y="2619679"/>
+            <a:ext cx="618146" cy="381000"/>
+            <a:chOff x="838200" y="3886200"/>
+            <a:chExt cx="914400" cy="609600"/>
+          </a:xfrm>
+        </p:grpSpPr>
+        <p:sp>
+          <p:nvSpPr>
+            <p:cNvPr id="36" name="Rectangle 35">
+              <a:extLst>
+                <a:ext uri="{FF2B5EF4-FFF2-40B4-BE49-F238E27FC236}">
+                  <a16:creationId xmlns:a16="http://schemas.microsoft.com/office/drawing/2014/main" id="{F6F3DE86-3DBF-4FD6-B57C-BF2928F390F1}"/>
+                </a:ext>
+              </a:extLst>
+            </p:cNvPr>
+            <p:cNvSpPr/>
+            <p:nvPr/>
+          </p:nvSpPr>
+          <p:spPr>
+            <a:xfrm>
+              <a:off x="838200" y="3886200"/>
+              <a:ext cx="914400" cy="609600"/>
+            </a:xfrm>
+            <a:prstGeom prst="rect">
+              <a:avLst/>
+            </a:prstGeom>
+            <a:gradFill>
+              <a:gsLst>
+                <a:gs pos="100000">
+                  <a:schemeClr val="tx1">
+                    <a:lumMod val="50000"/>
+                    <a:lumOff val="50000"/>
+                  </a:schemeClr>
+                </a:gs>
+                <a:gs pos="48000">
+                  <a:schemeClr val="accent1">
+                    <a:tint val="44500"/>
+                    <a:satMod val="160000"/>
+                  </a:schemeClr>
+                </a:gs>
+                <a:gs pos="0">
+                  <a:schemeClr val="accent1">
+                    <a:tint val="23500"/>
+                    <a:satMod val="160000"/>
+                  </a:schemeClr>
+                </a:gs>
+              </a:gsLst>
+              <a:path path="circle">
+                <a:fillToRect l="50000" t="50000" r="50000" b="50000"/>
+              </a:path>
+            </a:gradFill>
+            <a:ln w="12700">
+              <a:solidFill>
+                <a:schemeClr val="tx1"/>
+              </a:solidFill>
+            </a:ln>
+          </p:spPr>
+          <p:style>
+            <a:lnRef idx="2">
+              <a:schemeClr val="accent1">
+                <a:shade val="50000"/>
+              </a:schemeClr>
+            </a:lnRef>
+            <a:fillRef idx="1">
+              <a:schemeClr val="accent1"/>
+            </a:fillRef>
+            <a:effectRef idx="0">
+              <a:schemeClr val="accent1"/>
+            </a:effectRef>
+            <a:fontRef idx="minor">
+              <a:schemeClr val="lt1"/>
+            </a:fontRef>
+          </p:style>
+          <p:txBody>
+            <a:bodyPr rtlCol="0" anchor="ctr"/>
+            <a:lstStyle>
+              <a:defPPr>
+                <a:defRPr lang="en-US"/>
+              </a:defPPr>
+              <a:lvl1pPr marL="0" algn="l" defTabSz="914400" rtl="0" eaLnBrk="1" latinLnBrk="0" hangingPunct="1">
+                <a:defRPr sz="1800" kern="1200">
+                  <a:solidFill>
+                    <a:schemeClr val="lt1"/>
+                  </a:solidFill>
+                  <a:latin typeface="+mn-lt"/>
+                  <a:ea typeface="+mn-ea"/>
+                  <a:cs typeface="+mn-cs"/>
+                </a:defRPr>
+              </a:lvl1pPr>
+              <a:lvl2pPr marL="457200" algn="l" defTabSz="914400" rtl="0" eaLnBrk="1" latinLnBrk="0" hangingPunct="1">
+                <a:defRPr sz="1800" kern="1200">
+                  <a:solidFill>
+                    <a:schemeClr val="lt1"/>
+                  </a:solidFill>
+                  <a:latin typeface="+mn-lt"/>
+                  <a:ea typeface="+mn-ea"/>
+                  <a:cs typeface="+mn-cs"/>
+                </a:defRPr>
+              </a:lvl2pPr>
+              <a:lvl3pPr marL="914400" algn="l" defTabSz="914400" rtl="0" eaLnBrk="1" latinLnBrk="0" hangingPunct="1">
+                <a:defRPr sz="1800" kern="1200">
+                  <a:solidFill>
+                    <a:schemeClr val="lt1"/>
+                  </a:solidFill>
+                  <a:latin typeface="+mn-lt"/>
+                  <a:ea typeface="+mn-ea"/>
+                  <a:cs typeface="+mn-cs"/>
+                </a:defRPr>
+              </a:lvl3pPr>
+              <a:lvl4pPr marL="1371600" algn="l" defTabSz="914400" rtl="0" eaLnBrk="1" latinLnBrk="0" hangingPunct="1">
+                <a:defRPr sz="1800" kern="1200">
+                  <a:solidFill>
+                    <a:schemeClr val="lt1"/>
+                  </a:solidFill>
+                  <a:latin typeface="+mn-lt"/>
+                  <a:ea typeface="+mn-ea"/>
+                  <a:cs typeface="+mn-cs"/>
+                </a:defRPr>
+              </a:lvl4pPr>
+              <a:lvl5pPr marL="1828800" algn="l" defTabSz="914400" rtl="0" eaLnBrk="1" latinLnBrk="0" hangingPunct="1">
+                <a:defRPr sz="1800" kern="1200">
+                  <a:solidFill>
+                    <a:schemeClr val="lt1"/>
+                  </a:solidFill>
+                  <a:latin typeface="+mn-lt"/>
+                  <a:ea typeface="+mn-ea"/>
+                  <a:cs typeface="+mn-cs"/>
+                </a:defRPr>
+              </a:lvl5pPr>
+              <a:lvl6pPr marL="2286000" algn="l" defTabSz="914400" rtl="0" eaLnBrk="1" latinLnBrk="0" hangingPunct="1">
+                <a:defRPr sz="1800" kern="1200">
+                  <a:solidFill>
+                    <a:schemeClr val="lt1"/>
+                  </a:solidFill>
+                  <a:latin typeface="+mn-lt"/>
+                  <a:ea typeface="+mn-ea"/>
+                  <a:cs typeface="+mn-cs"/>
+                </a:defRPr>
+              </a:lvl6pPr>
+              <a:lvl7pPr marL="2743200" algn="l" defTabSz="914400" rtl="0" eaLnBrk="1" latinLnBrk="0" hangingPunct="1">
+                <a:defRPr sz="1800" kern="1200">
+                  <a:solidFill>
+                    <a:schemeClr val="lt1"/>
+                  </a:solidFill>
+                  <a:latin typeface="+mn-lt"/>
+                  <a:ea typeface="+mn-ea"/>
+                  <a:cs typeface="+mn-cs"/>
+                </a:defRPr>
+              </a:lvl7pPr>
+              <a:lvl8pPr marL="3200400" algn="l" defTabSz="914400" rtl="0" eaLnBrk="1" latinLnBrk="0" hangingPunct="1">
+                <a:defRPr sz="1800" kern="1200">
+                  <a:solidFill>
+                    <a:schemeClr val="lt1"/>
+                  </a:solidFill>
+                  <a:latin typeface="+mn-lt"/>
+                  <a:ea typeface="+mn-ea"/>
+                  <a:cs typeface="+mn-cs"/>
+                </a:defRPr>
+              </a:lvl8pPr>
+              <a:lvl9pPr marL="3657600" algn="l" defTabSz="914400" rtl="0" eaLnBrk="1" latinLnBrk="0" hangingPunct="1">
+                <a:defRPr sz="1800" kern="1200">
+                  <a:solidFill>
+                    <a:schemeClr val="lt1"/>
+                  </a:solidFill>
+                  <a:latin typeface="+mn-lt"/>
+                  <a:ea typeface="+mn-ea"/>
+                  <a:cs typeface="+mn-cs"/>
+                </a:defRPr>
+              </a:lvl9pPr>
+            </a:lstStyle>
+            <a:p>
+              <a:pPr algn="ctr"/>
+              <a:endParaRPr lang="en-US"/>
+            </a:p>
+          </p:txBody>
+        </p:sp>
+        <p:sp>
+          <p:nvSpPr>
+            <p:cNvPr id="37" name="Isosceles Triangle 36">
+              <a:extLst>
+                <a:ext uri="{FF2B5EF4-FFF2-40B4-BE49-F238E27FC236}">
+                  <a16:creationId xmlns:a16="http://schemas.microsoft.com/office/drawing/2014/main" id="{6C7B53B0-A8D2-4D10-A698-4D84821DEB87}"/>
+                </a:ext>
+              </a:extLst>
+            </p:cNvPr>
+            <p:cNvSpPr/>
+            <p:nvPr/>
+          </p:nvSpPr>
+          <p:spPr>
+            <a:xfrm>
+              <a:off x="838200" y="4114800"/>
+              <a:ext cx="914400" cy="381000"/>
+            </a:xfrm>
+            <a:prstGeom prst="triangle">
+              <a:avLst/>
+            </a:prstGeom>
+            <a:noFill/>
+            <a:ln w="12700">
+              <a:solidFill>
+                <a:schemeClr val="tx1"/>
+              </a:solidFill>
+            </a:ln>
+          </p:spPr>
+          <p:style>
+            <a:lnRef idx="2">
+              <a:schemeClr val="accent1">
+                <a:shade val="50000"/>
+              </a:schemeClr>
+            </a:lnRef>
+            <a:fillRef idx="1">
+              <a:schemeClr val="accent1"/>
+            </a:fillRef>
+            <a:effectRef idx="0">
+              <a:schemeClr val="accent1"/>
+            </a:effectRef>
+            <a:fontRef idx="minor">
+              <a:schemeClr val="lt1"/>
+            </a:fontRef>
+          </p:style>
+          <p:txBody>
+            <a:bodyPr rtlCol="0" anchor="ctr"/>
+            <a:lstStyle>
+              <a:defPPr>
+                <a:defRPr lang="en-US"/>
+              </a:defPPr>
+              <a:lvl1pPr marL="0" algn="l" defTabSz="914400" rtl="0" eaLnBrk="1" latinLnBrk="0" hangingPunct="1">
+                <a:defRPr sz="1800" kern="1200">
+                  <a:solidFill>
+                    <a:schemeClr val="lt1"/>
+                  </a:solidFill>
+                  <a:latin typeface="+mn-lt"/>
+                  <a:ea typeface="+mn-ea"/>
+                  <a:cs typeface="+mn-cs"/>
+                </a:defRPr>
+              </a:lvl1pPr>
+              <a:lvl2pPr marL="457200" algn="l" defTabSz="914400" rtl="0" eaLnBrk="1" latinLnBrk="0" hangingPunct="1">
+                <a:defRPr sz="1800" kern="1200">
+                  <a:solidFill>
+                    <a:schemeClr val="lt1"/>
+                  </a:solidFill>
+                  <a:latin typeface="+mn-lt"/>
+                  <a:ea typeface="+mn-ea"/>
+                  <a:cs typeface="+mn-cs"/>
+                </a:defRPr>
+              </a:lvl2pPr>
+              <a:lvl3pPr marL="914400" algn="l" defTabSz="914400" rtl="0" eaLnBrk="1" latinLnBrk="0" hangingPunct="1">
+                <a:defRPr sz="1800" kern="1200">
+                  <a:solidFill>
+                    <a:schemeClr val="lt1"/>
+                  </a:solidFill>
+                  <a:latin typeface="+mn-lt"/>
+                  <a:ea typeface="+mn-ea"/>
+                  <a:cs typeface="+mn-cs"/>
+                </a:defRPr>
+              </a:lvl3pPr>
+              <a:lvl4pPr marL="1371600" algn="l" defTabSz="914400" rtl="0" eaLnBrk="1" latinLnBrk="0" hangingPunct="1">
+                <a:defRPr sz="1800" kern="1200">
+                  <a:solidFill>
+                    <a:schemeClr val="lt1"/>
+                  </a:solidFill>
+                  <a:latin typeface="+mn-lt"/>
+                  <a:ea typeface="+mn-ea"/>
+                  <a:cs typeface="+mn-cs"/>
+                </a:defRPr>
+              </a:lvl4pPr>
+              <a:lvl5pPr marL="1828800" algn="l" defTabSz="914400" rtl="0" eaLnBrk="1" latinLnBrk="0" hangingPunct="1">
+                <a:defRPr sz="1800" kern="1200">
+                  <a:solidFill>
+                    <a:schemeClr val="lt1"/>
+                  </a:solidFill>
+                  <a:latin typeface="+mn-lt"/>
+                  <a:ea typeface="+mn-ea"/>
+                  <a:cs typeface="+mn-cs"/>
+                </a:defRPr>
+              </a:lvl5pPr>
+              <a:lvl6pPr marL="2286000" algn="l" defTabSz="914400" rtl="0" eaLnBrk="1" latinLnBrk="0" hangingPunct="1">
+                <a:defRPr sz="1800" kern="1200">
+                  <a:solidFill>
+                    <a:schemeClr val="lt1"/>
+                  </a:solidFill>
+                  <a:latin typeface="+mn-lt"/>
+                  <a:ea typeface="+mn-ea"/>
+                  <a:cs typeface="+mn-cs"/>
+                </a:defRPr>
+              </a:lvl6pPr>
+              <a:lvl7pPr marL="2743200" algn="l" defTabSz="914400" rtl="0" eaLnBrk="1" latinLnBrk="0" hangingPunct="1">
+                <a:defRPr sz="1800" kern="1200">
+                  <a:solidFill>
+                    <a:schemeClr val="lt1"/>
+                  </a:solidFill>
+                  <a:latin typeface="+mn-lt"/>
+                  <a:ea typeface="+mn-ea"/>
+                  <a:cs typeface="+mn-cs"/>
+                </a:defRPr>
+              </a:lvl7pPr>
+              <a:lvl8pPr marL="3200400" algn="l" defTabSz="914400" rtl="0" eaLnBrk="1" latinLnBrk="0" hangingPunct="1">
+                <a:defRPr sz="1800" kern="1200">
+                  <a:solidFill>
+                    <a:schemeClr val="lt1"/>
+                  </a:solidFill>
+                  <a:latin typeface="+mn-lt"/>
+                  <a:ea typeface="+mn-ea"/>
+                  <a:cs typeface="+mn-cs"/>
+                </a:defRPr>
+              </a:lvl8pPr>
+              <a:lvl9pPr marL="3657600" algn="l" defTabSz="914400" rtl="0" eaLnBrk="1" latinLnBrk="0" hangingPunct="1">
+                <a:defRPr sz="1800" kern="1200">
+                  <a:solidFill>
+                    <a:schemeClr val="lt1"/>
+                  </a:solidFill>
+                  <a:latin typeface="+mn-lt"/>
+                  <a:ea typeface="+mn-ea"/>
+                  <a:cs typeface="+mn-cs"/>
+                </a:defRPr>
+              </a:lvl9pPr>
+            </a:lstStyle>
+            <a:p>
+              <a:pPr algn="ctr"/>
+              <a:endParaRPr lang="en-US"/>
+            </a:p>
+          </p:txBody>
+        </p:sp>
+        <p:sp>
+          <p:nvSpPr>
+            <p:cNvPr id="38" name="Isosceles Triangle 37">
+              <a:extLst>
+                <a:ext uri="{FF2B5EF4-FFF2-40B4-BE49-F238E27FC236}">
+                  <a16:creationId xmlns:a16="http://schemas.microsoft.com/office/drawing/2014/main" id="{2E3B5631-67DA-4008-8DD9-22D719044BFE}"/>
+                </a:ext>
+              </a:extLst>
+            </p:cNvPr>
+            <p:cNvSpPr/>
+            <p:nvPr/>
+          </p:nvSpPr>
+          <p:spPr>
+            <a:xfrm rot="10800000">
+              <a:off x="838200" y="3886200"/>
+              <a:ext cx="914400" cy="381000"/>
+            </a:xfrm>
+            <a:prstGeom prst="triangle">
+              <a:avLst/>
+            </a:prstGeom>
+            <a:gradFill flip="none" rotWithShape="1">
+              <a:gsLst>
+                <a:gs pos="100000">
+                  <a:schemeClr val="bg1">
+                    <a:lumMod val="85000"/>
+                  </a:schemeClr>
+                </a:gs>
+                <a:gs pos="48000">
+                  <a:schemeClr val="accent1">
+                    <a:tint val="44500"/>
+                    <a:satMod val="160000"/>
+                  </a:schemeClr>
+                </a:gs>
+                <a:gs pos="0">
+                  <a:schemeClr val="accent1">
+                    <a:tint val="23500"/>
+                    <a:satMod val="160000"/>
+                  </a:schemeClr>
+                </a:gs>
+              </a:gsLst>
+              <a:lin ang="16200000" scaled="1"/>
+              <a:tileRect/>
+            </a:gradFill>
+            <a:ln w="12700">
+              <a:solidFill>
+                <a:schemeClr val="tx1"/>
+              </a:solidFill>
+            </a:ln>
+          </p:spPr>
+          <p:style>
+            <a:lnRef idx="2">
+              <a:schemeClr val="accent1">
+                <a:shade val="50000"/>
+              </a:schemeClr>
+            </a:lnRef>
+            <a:fillRef idx="1">
+              <a:schemeClr val="accent1"/>
+            </a:fillRef>
+            <a:effectRef idx="0">
+              <a:schemeClr val="accent1"/>
+            </a:effectRef>
+            <a:fontRef idx="minor">
+              <a:schemeClr val="lt1"/>
+            </a:fontRef>
+          </p:style>
+          <p:txBody>
+            <a:bodyPr rtlCol="0" anchor="ctr"/>
+            <a:lstStyle>
+              <a:defPPr>
+                <a:defRPr lang="en-US"/>
+              </a:defPPr>
+              <a:lvl1pPr marL="0" algn="l" defTabSz="914400" rtl="0" eaLnBrk="1" latinLnBrk="0" hangingPunct="1">
+                <a:defRPr sz="1800" kern="1200">
+                  <a:solidFill>
+                    <a:schemeClr val="lt1"/>
+                  </a:solidFill>
+                  <a:latin typeface="+mn-lt"/>
+                  <a:ea typeface="+mn-ea"/>
+                  <a:cs typeface="+mn-cs"/>
+                </a:defRPr>
+              </a:lvl1pPr>
+              <a:lvl2pPr marL="457200" algn="l" defTabSz="914400" rtl="0" eaLnBrk="1" latinLnBrk="0" hangingPunct="1">
+                <a:defRPr sz="1800" kern="1200">
+                  <a:solidFill>
+                    <a:schemeClr val="lt1"/>
+                  </a:solidFill>
+                  <a:latin typeface="+mn-lt"/>
+                  <a:ea typeface="+mn-ea"/>
+                  <a:cs typeface="+mn-cs"/>
+                </a:defRPr>
+              </a:lvl2pPr>
+              <a:lvl3pPr marL="914400" algn="l" defTabSz="914400" rtl="0" eaLnBrk="1" latinLnBrk="0" hangingPunct="1">
+                <a:defRPr sz="1800" kern="1200">
+                  <a:solidFill>
+                    <a:schemeClr val="lt1"/>
+                  </a:solidFill>
+                  <a:latin typeface="+mn-lt"/>
+                  <a:ea typeface="+mn-ea"/>
+                  <a:cs typeface="+mn-cs"/>
+                </a:defRPr>
+              </a:lvl3pPr>
+              <a:lvl4pPr marL="1371600" algn="l" defTabSz="914400" rtl="0" eaLnBrk="1" latinLnBrk="0" hangingPunct="1">
+                <a:defRPr sz="1800" kern="1200">
+                  <a:solidFill>
+                    <a:schemeClr val="lt1"/>
+                  </a:solidFill>
+                  <a:latin typeface="+mn-lt"/>
+                  <a:ea typeface="+mn-ea"/>
+                  <a:cs typeface="+mn-cs"/>
+                </a:defRPr>
+              </a:lvl4pPr>
+              <a:lvl5pPr marL="1828800" algn="l" defTabSz="914400" rtl="0" eaLnBrk="1" latinLnBrk="0" hangingPunct="1">
+                <a:defRPr sz="1800" kern="1200">
+                  <a:solidFill>
+                    <a:schemeClr val="lt1"/>
+                  </a:solidFill>
+                  <a:latin typeface="+mn-lt"/>
+                  <a:ea typeface="+mn-ea"/>
+                  <a:cs typeface="+mn-cs"/>
+                </a:defRPr>
+              </a:lvl5pPr>
+              <a:lvl6pPr marL="2286000" algn="l" defTabSz="914400" rtl="0" eaLnBrk="1" latinLnBrk="0" hangingPunct="1">
+                <a:defRPr sz="1800" kern="1200">
+                  <a:solidFill>
+                    <a:schemeClr val="lt1"/>
+                  </a:solidFill>
+                  <a:latin typeface="+mn-lt"/>
+                  <a:ea typeface="+mn-ea"/>
+                  <a:cs typeface="+mn-cs"/>
+                </a:defRPr>
+              </a:lvl6pPr>
+              <a:lvl7pPr marL="2743200" algn="l" defTabSz="914400" rtl="0" eaLnBrk="1" latinLnBrk="0" hangingPunct="1">
+                <a:defRPr sz="1800" kern="1200">
+                  <a:solidFill>
+                    <a:schemeClr val="lt1"/>
+                  </a:solidFill>
+                  <a:latin typeface="+mn-lt"/>
+                  <a:ea typeface="+mn-ea"/>
+                  <a:cs typeface="+mn-cs"/>
+                </a:defRPr>
+              </a:lvl7pPr>
+              <a:lvl8pPr marL="3200400" algn="l" defTabSz="914400" rtl="0" eaLnBrk="1" latinLnBrk="0" hangingPunct="1">
+                <a:defRPr sz="1800" kern="1200">
+                  <a:solidFill>
+                    <a:schemeClr val="lt1"/>
+                  </a:solidFill>
+                  <a:latin typeface="+mn-lt"/>
+                  <a:ea typeface="+mn-ea"/>
+                  <a:cs typeface="+mn-cs"/>
+                </a:defRPr>
+              </a:lvl8pPr>
+              <a:lvl9pPr marL="3657600" algn="l" defTabSz="914400" rtl="0" eaLnBrk="1" latinLnBrk="0" hangingPunct="1">
+                <a:defRPr sz="1800" kern="1200">
+                  <a:solidFill>
+                    <a:schemeClr val="lt1"/>
+                  </a:solidFill>
+                  <a:latin typeface="+mn-lt"/>
+                  <a:ea typeface="+mn-ea"/>
+                  <a:cs typeface="+mn-cs"/>
+                </a:defRPr>
+              </a:lvl9pPr>
+            </a:lstStyle>
+            <a:p>
+              <a:pPr algn="ctr"/>
+              <a:endParaRPr lang="en-US"/>
+            </a:p>
+          </p:txBody>
+        </p:sp>
+      </p:grpSp>
+      <p:cxnSp>
+        <p:nvCxnSpPr>
+          <p:cNvPr id="32" name="Straight Arrow Connector 31">
+            <a:extLst>
+              <a:ext uri="{FF2B5EF4-FFF2-40B4-BE49-F238E27FC236}">
+                <a16:creationId xmlns:a16="http://schemas.microsoft.com/office/drawing/2014/main" id="{252EDC05-C990-4020-A5A4-7E066C023AD5}"/>
+              </a:ext>
+            </a:extLst>
+          </p:cNvPr>
+          <p:cNvCxnSpPr>
+            <a:cxnSpLocks/>
+            <a:stCxn id="26" idx="2"/>
+            <a:endCxn id="33" idx="1"/>
+          </p:cNvCxnSpPr>
+          <p:nvPr/>
+        </p:nvCxnSpPr>
+        <p:spPr>
+          <a:xfrm>
+            <a:off x="1984824" y="2871376"/>
+            <a:ext cx="3344142" cy="2126086"/>
+          </a:xfrm>
+          <a:prstGeom prst="straightConnector1">
+            <a:avLst/>
+          </a:prstGeom>
+          <a:ln w="38100" cap="flat" cmpd="sng" algn="ctr">
+            <a:solidFill>
+              <a:schemeClr val="dk1"/>
+            </a:solidFill>
+            <a:prstDash val="solid"/>
+            <a:round/>
+            <a:headEnd type="none" w="med" len="med"/>
+            <a:tailEnd type="arrow" w="med" len="med"/>
+          </a:ln>
+        </p:spPr>
+        <p:style>
+          <a:lnRef idx="0">
+            <a:scrgbClr r="0" g="0" b="0"/>
+          </a:lnRef>
+          <a:fillRef idx="0">
+            <a:scrgbClr r="0" g="0" b="0"/>
+          </a:fillRef>
+          <a:effectRef idx="0">
+            <a:scrgbClr r="0" g="0" b="0"/>
+          </a:effectRef>
+          <a:fontRef idx="minor">
+            <a:schemeClr val="tx1"/>
+          </a:fontRef>
+        </p:style>
+      </p:cxnSp>
+      <p:pic>
+        <p:nvPicPr>
+          <p:cNvPr id="33" name="Picture 32" descr="OpenZipkin · A distributed tracing system">
+            <a:extLst>
+              <a:ext uri="{FF2B5EF4-FFF2-40B4-BE49-F238E27FC236}">
+                <a16:creationId xmlns:a16="http://schemas.microsoft.com/office/drawing/2014/main" id="{D89BEC98-F26B-4CBC-8519-106AC735CF3A}"/>
+              </a:ext>
+            </a:extLst>
+          </p:cNvPr>
+          <p:cNvPicPr>
+            <a:picLocks noChangeAspect="1" noChangeArrowheads="1"/>
+          </p:cNvPicPr>
+          <p:nvPr/>
+        </p:nvPicPr>
+        <p:blipFill>
+          <a:blip r:embed="rId2" cstate="print">
+            <a:extLst>
+              <a:ext uri="{28A0092B-C50C-407E-A947-70E740481C1C}">
+                <a14:useLocalDpi xmlns:a14="http://schemas.microsoft.com/office/drawing/2010/main" val="0"/>
+              </a:ext>
+            </a:extLst>
+          </a:blip>
+          <a:srcRect/>
+          <a:stretch>
+            <a:fillRect/>
+          </a:stretch>
+        </p:blipFill>
+        <p:spPr bwMode="auto">
+          <a:xfrm>
+            <a:off x="5328966" y="4019171"/>
+            <a:ext cx="1646337" cy="1956582"/>
+          </a:xfrm>
+          <a:prstGeom prst="rect">
+            <a:avLst/>
+          </a:prstGeom>
+          <a:noFill/>
+          <a:extLst>
+            <a:ext uri="{909E8E84-426E-40DD-AFC4-6F175D3DCCD1}">
+              <a14:hiddenFill xmlns:a14="http://schemas.microsoft.com/office/drawing/2010/main">
+                <a:solidFill>
+                  <a:srgbClr val="FFFFFF"/>
+                </a:solidFill>
+              </a14:hiddenFill>
+            </a:ext>
+          </a:extLst>
+        </p:spPr>
+      </p:pic>
+      <p:cxnSp>
+        <p:nvCxnSpPr>
+          <p:cNvPr id="34" name="Straight Arrow Connector 33">
+            <a:extLst>
+              <a:ext uri="{FF2B5EF4-FFF2-40B4-BE49-F238E27FC236}">
+                <a16:creationId xmlns:a16="http://schemas.microsoft.com/office/drawing/2014/main" id="{2DFBCA20-86F8-4373-908F-63D42B2C0489}"/>
+              </a:ext>
+            </a:extLst>
+          </p:cNvPr>
+          <p:cNvCxnSpPr>
+            <a:cxnSpLocks/>
+            <a:stCxn id="27" idx="2"/>
+            <a:endCxn id="33" idx="0"/>
+          </p:cNvCxnSpPr>
+          <p:nvPr/>
+        </p:nvCxnSpPr>
+        <p:spPr>
+          <a:xfrm>
+            <a:off x="6152135" y="2871376"/>
+            <a:ext cx="0" cy="1147795"/>
+          </a:xfrm>
+          <a:prstGeom prst="straightConnector1">
+            <a:avLst/>
+          </a:prstGeom>
+          <a:ln w="38100" cap="flat" cmpd="sng" algn="ctr">
+            <a:solidFill>
+              <a:schemeClr val="dk1"/>
+            </a:solidFill>
+            <a:prstDash val="solid"/>
+            <a:round/>
+            <a:headEnd type="none" w="med" len="med"/>
+            <a:tailEnd type="arrow" w="med" len="med"/>
+          </a:ln>
+        </p:spPr>
+        <p:style>
+          <a:lnRef idx="0">
+            <a:scrgbClr r="0" g="0" b="0"/>
+          </a:lnRef>
+          <a:fillRef idx="0">
+            <a:scrgbClr r="0" g="0" b="0"/>
+          </a:fillRef>
+          <a:effectRef idx="0">
+            <a:scrgbClr r="0" g="0" b="0"/>
+          </a:effectRef>
+          <a:fontRef idx="minor">
+            <a:schemeClr val="tx1"/>
+          </a:fontRef>
+        </p:style>
+      </p:cxnSp>
+      <p:cxnSp>
+        <p:nvCxnSpPr>
+          <p:cNvPr id="35" name="Straight Arrow Connector 34">
+            <a:extLst>
+              <a:ext uri="{FF2B5EF4-FFF2-40B4-BE49-F238E27FC236}">
+                <a16:creationId xmlns:a16="http://schemas.microsoft.com/office/drawing/2014/main" id="{20673CC6-57B6-430E-9FC1-6F497C2D39FB}"/>
+              </a:ext>
+            </a:extLst>
+          </p:cNvPr>
+          <p:cNvCxnSpPr>
+            <a:cxnSpLocks/>
+            <a:stCxn id="28" idx="2"/>
+            <a:endCxn id="33" idx="3"/>
+          </p:cNvCxnSpPr>
+          <p:nvPr/>
+        </p:nvCxnSpPr>
+        <p:spPr>
+          <a:xfrm flipH="1">
+            <a:off x="6975303" y="2871376"/>
+            <a:ext cx="3309004" cy="2126086"/>
+          </a:xfrm>
+          <a:prstGeom prst="straightConnector1">
+            <a:avLst/>
+          </a:prstGeom>
+          <a:ln w="38100" cap="flat" cmpd="sng" algn="ctr">
+            <a:solidFill>
+              <a:schemeClr val="dk1"/>
+            </a:solidFill>
+            <a:prstDash val="solid"/>
+            <a:round/>
+            <a:headEnd type="none" w="med" len="med"/>
+            <a:tailEnd type="arrow" w="med" len="med"/>
+          </a:ln>
+        </p:spPr>
+        <p:style>
+          <a:lnRef idx="0">
+            <a:scrgbClr r="0" g="0" b="0"/>
+          </a:lnRef>
+          <a:fillRef idx="0">
+            <a:scrgbClr r="0" g="0" b="0"/>
+          </a:fillRef>
+          <a:effectRef idx="0">
+            <a:scrgbClr r="0" g="0" b="0"/>
+          </a:effectRef>
+          <a:fontRef idx="minor">
+            <a:schemeClr val="tx1"/>
+          </a:fontRef>
+        </p:style>
+      </p:cxnSp>
+    </p:spTree>
+    <p:extLst>
+      <p:ext uri="{BB962C8B-B14F-4D97-AF65-F5344CB8AC3E}">
+        <p14:creationId xmlns:p14="http://schemas.microsoft.com/office/powerpoint/2010/main" val="4094194096"/>
+      </p:ext>
+    </p:extLst>
+  </p:cSld>
+  <p:clrMapOvr>
+    <a:masterClrMapping/>
+  </p:clrMapOvr>
+</p:sld>
+</file>
+
+<file path=ppt/slides/slide8.xml><?xml version="1.0" encoding="utf-8"?>
+<p:sld xmlns:a="http://schemas.openxmlformats.org/drawingml/2006/main" xmlns:r="http://schemas.openxmlformats.org/officeDocument/2006/relationships" xmlns:p="http://schemas.openxmlformats.org/presentationml/2006/main">
+  <p:cSld>
+    <p:spTree>
+      <p:nvGrpSpPr>
+        <p:cNvPr id="1" name=""/>
+        <p:cNvGrpSpPr/>
+        <p:nvPr/>
+      </p:nvGrpSpPr>
+      <p:grpSpPr>
+        <a:xfrm>
+          <a:off x="0" y="0"/>
+          <a:ext cx="0" cy="0"/>
+          <a:chOff x="0" y="0"/>
+          <a:chExt cx="0" cy="0"/>
+        </a:xfrm>
+      </p:grpSpPr>
+      <p:sp>
+        <p:nvSpPr>
+          <p:cNvPr id="2" name="Title 1">
+            <a:extLst>
+              <a:ext uri="{FF2B5EF4-FFF2-40B4-BE49-F238E27FC236}">
+                <a16:creationId xmlns:a16="http://schemas.microsoft.com/office/drawing/2014/main" id="{71EE4FB3-66B0-4749-82EC-375C6BFBF789}"/>
+              </a:ext>
+            </a:extLst>
+          </p:cNvPr>
+          <p:cNvSpPr>
+            <a:spLocks noGrp="1"/>
+          </p:cNvSpPr>
+          <p:nvPr>
+            <p:ph type="title"/>
+          </p:nvPr>
+        </p:nvSpPr>
+        <p:spPr/>
+        <p:txBody>
+          <a:bodyPr/>
+          <a:lstStyle/>
+          <a:p>
+            <a:r>
+              <a:rPr lang="en-US" dirty="0"/>
+              <a:t>Log/Metrics/</a:t>
+            </a:r>
+            <a:r>
+              <a:rPr lang="en-US" dirty="0" err="1"/>
+              <a:t>Genel</a:t>
+            </a:r>
+            <a:endParaRPr lang="en-US" dirty="0"/>
+          </a:p>
+        </p:txBody>
+      </p:sp>
+      <p:pic>
+        <p:nvPicPr>
+          <p:cNvPr id="5" name="Picture 4" descr="A picture containing graphical user interface&#10;&#10;Description automatically generated">
+            <a:extLst>
+              <a:ext uri="{FF2B5EF4-FFF2-40B4-BE49-F238E27FC236}">
+                <a16:creationId xmlns:a16="http://schemas.microsoft.com/office/drawing/2014/main" id="{D757CC32-6D52-4041-A38B-BC9483EA8919}"/>
+              </a:ext>
+            </a:extLst>
+          </p:cNvPr>
+          <p:cNvPicPr>
+            <a:picLocks noChangeAspect="1"/>
+          </p:cNvPicPr>
+          <p:nvPr/>
+        </p:nvPicPr>
+        <p:blipFill>
+          <a:blip r:embed="rId2"/>
+          <a:stretch>
+            <a:fillRect/>
+          </a:stretch>
+        </p:blipFill>
+        <p:spPr>
+          <a:xfrm>
+            <a:off x="1484779" y="2070474"/>
+            <a:ext cx="9461500" cy="3517900"/>
+          </a:xfrm>
+          <a:prstGeom prst="rect">
+            <a:avLst/>
+          </a:prstGeom>
+        </p:spPr>
+      </p:pic>
+    </p:spTree>
+    <p:extLst>
+      <p:ext uri="{BB962C8B-B14F-4D97-AF65-F5344CB8AC3E}">
+        <p14:creationId xmlns:p14="http://schemas.microsoft.com/office/powerpoint/2010/main" val="854910226"/>
+      </p:ext>
+    </p:extLst>
+  </p:cSld>
+  <p:clrMapOvr>
+    <a:masterClrMapping/>
+  </p:clrMapOvr>
+</p:sld>
+</file>
+
+<file path=ppt/slides/slide9.xml><?xml version="1.0" encoding="utf-8"?>
+<p:sld xmlns:a="http://schemas.openxmlformats.org/drawingml/2006/main" xmlns:r="http://schemas.openxmlformats.org/officeDocument/2006/relationships" xmlns:p="http://schemas.openxmlformats.org/presentationml/2006/main">
+  <p:cSld>
+    <p:spTree>
+      <p:nvGrpSpPr>
+        <p:cNvPr id="1" name=""/>
+        <p:cNvGrpSpPr/>
+        <p:nvPr/>
+      </p:nvGrpSpPr>
+      <p:grpSpPr>
+        <a:xfrm>
+          <a:off x="0" y="0"/>
+          <a:ext cx="0" cy="0"/>
+          <a:chOff x="0" y="0"/>
+          <a:chExt cx="0" cy="0"/>
+        </a:xfrm>
+      </p:grpSpPr>
+      <p:sp>
+        <p:nvSpPr>
+          <p:cNvPr id="2" name="Title 1">
+            <a:extLst>
+              <a:ext uri="{FF2B5EF4-FFF2-40B4-BE49-F238E27FC236}">
+                <a16:creationId xmlns:a16="http://schemas.microsoft.com/office/drawing/2014/main" id="{71EE4FB3-66B0-4749-82EC-375C6BFBF789}"/>
+              </a:ext>
+            </a:extLst>
+          </p:cNvPr>
+          <p:cNvSpPr>
+            <a:spLocks noGrp="1"/>
+          </p:cNvSpPr>
+          <p:nvPr>
+            <p:ph type="title"/>
+          </p:nvPr>
+        </p:nvSpPr>
+        <p:spPr/>
+        <p:txBody>
+          <a:bodyPr/>
+          <a:lstStyle/>
+          <a:p>
+            <a:r>
+              <a:rPr lang="en-US" dirty="0"/>
+              <a:t>Log/Metrics/</a:t>
+            </a:r>
+            <a:r>
+              <a:rPr lang="en-US" dirty="0" err="1"/>
+              <a:t>Genel</a:t>
+            </a:r>
+            <a:endParaRPr lang="en-US" dirty="0"/>
+          </a:p>
+        </p:txBody>
+      </p:sp>
+      <p:sp>
+        <p:nvSpPr>
+          <p:cNvPr id="17" name="Rectangle 16">
+            <a:extLst>
+              <a:ext uri="{FF2B5EF4-FFF2-40B4-BE49-F238E27FC236}">
+                <a16:creationId xmlns:a16="http://schemas.microsoft.com/office/drawing/2014/main" id="{32A0D808-05AF-4FC2-A7BB-225721BAFD90}"/>
+              </a:ext>
+            </a:extLst>
+          </p:cNvPr>
+          <p:cNvSpPr/>
+          <p:nvPr/>
+        </p:nvSpPr>
+        <p:spPr>
+          <a:xfrm>
+            <a:off x="1138242" y="1451490"/>
+            <a:ext cx="1677190" cy="1184456"/>
+          </a:xfrm>
+          <a:prstGeom prst="rect">
+            <a:avLst/>
+          </a:prstGeom>
+        </p:spPr>
+        <p:style>
+          <a:lnRef idx="2">
+            <a:schemeClr val="accent1">
+              <a:shade val="50000"/>
+            </a:schemeClr>
+          </a:lnRef>
+          <a:fillRef idx="1">
+            <a:schemeClr val="accent1"/>
+          </a:fillRef>
+          <a:effectRef idx="0">
+            <a:schemeClr val="accent1"/>
+          </a:effectRef>
+          <a:fontRef idx="minor">
+            <a:schemeClr val="lt1"/>
+          </a:fontRef>
+        </p:style>
+        <p:txBody>
+          <a:bodyPr rtlCol="0" anchor="ctr"/>
+          <a:lstStyle>
+            <a:defPPr>
+              <a:defRPr lang="en-US"/>
+            </a:defPPr>
+            <a:lvl1pPr marL="0" algn="l" defTabSz="914400" rtl="0" eaLnBrk="1" latinLnBrk="0" hangingPunct="1">
+              <a:defRPr sz="1800" kern="1200">
+                <a:solidFill>
+                  <a:schemeClr val="lt1"/>
+                </a:solidFill>
+                <a:latin typeface="+mn-lt"/>
+                <a:ea typeface="+mn-ea"/>
+                <a:cs typeface="+mn-cs"/>
+              </a:defRPr>
+            </a:lvl1pPr>
+            <a:lvl2pPr marL="457200" algn="l" defTabSz="914400" rtl="0" eaLnBrk="1" latinLnBrk="0" hangingPunct="1">
+              <a:defRPr sz="1800" kern="1200">
+                <a:solidFill>
+                  <a:schemeClr val="lt1"/>
+                </a:solidFill>
+                <a:latin typeface="+mn-lt"/>
+                <a:ea typeface="+mn-ea"/>
+                <a:cs typeface="+mn-cs"/>
+              </a:defRPr>
+            </a:lvl2pPr>
+            <a:lvl3pPr marL="914400" algn="l" defTabSz="914400" rtl="0" eaLnBrk="1" latinLnBrk="0" hangingPunct="1">
+              <a:defRPr sz="1800" kern="1200">
+                <a:solidFill>
+                  <a:schemeClr val="lt1"/>
+                </a:solidFill>
+                <a:latin typeface="+mn-lt"/>
+                <a:ea typeface="+mn-ea"/>
+                <a:cs typeface="+mn-cs"/>
+              </a:defRPr>
+            </a:lvl3pPr>
+            <a:lvl4pPr marL="1371600" algn="l" defTabSz="914400" rtl="0" eaLnBrk="1" latinLnBrk="0" hangingPunct="1">
+              <a:defRPr sz="1800" kern="1200">
+                <a:solidFill>
+                  <a:schemeClr val="lt1"/>
+                </a:solidFill>
+                <a:latin typeface="+mn-lt"/>
+                <a:ea typeface="+mn-ea"/>
+                <a:cs typeface="+mn-cs"/>
+              </a:defRPr>
+            </a:lvl4pPr>
+            <a:lvl5pPr marL="1828800" algn="l" defTabSz="914400" rtl="0" eaLnBrk="1" latinLnBrk="0" hangingPunct="1">
+              <a:defRPr sz="1800" kern="1200">
+                <a:solidFill>
+                  <a:schemeClr val="lt1"/>
+                </a:solidFill>
+                <a:latin typeface="+mn-lt"/>
+                <a:ea typeface="+mn-ea"/>
+                <a:cs typeface="+mn-cs"/>
+              </a:defRPr>
+            </a:lvl5pPr>
+            <a:lvl6pPr marL="2286000" algn="l" defTabSz="914400" rtl="0" eaLnBrk="1" latinLnBrk="0" hangingPunct="1">
+              <a:defRPr sz="1800" kern="1200">
+                <a:solidFill>
+                  <a:schemeClr val="lt1"/>
+                </a:solidFill>
+                <a:latin typeface="+mn-lt"/>
+                <a:ea typeface="+mn-ea"/>
+                <a:cs typeface="+mn-cs"/>
+              </a:defRPr>
+            </a:lvl6pPr>
+            <a:lvl7pPr marL="2743200" algn="l" defTabSz="914400" rtl="0" eaLnBrk="1" latinLnBrk="0" hangingPunct="1">
+              <a:defRPr sz="1800" kern="1200">
+                <a:solidFill>
+                  <a:schemeClr val="lt1"/>
+                </a:solidFill>
+                <a:latin typeface="+mn-lt"/>
+                <a:ea typeface="+mn-ea"/>
+                <a:cs typeface="+mn-cs"/>
+              </a:defRPr>
+            </a:lvl7pPr>
+            <a:lvl8pPr marL="3200400" algn="l" defTabSz="914400" rtl="0" eaLnBrk="1" latinLnBrk="0" hangingPunct="1">
+              <a:defRPr sz="1800" kern="1200">
+                <a:solidFill>
+                  <a:schemeClr val="lt1"/>
+                </a:solidFill>
+                <a:latin typeface="+mn-lt"/>
+                <a:ea typeface="+mn-ea"/>
+                <a:cs typeface="+mn-cs"/>
+              </a:defRPr>
+            </a:lvl8pPr>
+            <a:lvl9pPr marL="3657600" algn="l" defTabSz="914400" rtl="0" eaLnBrk="1" latinLnBrk="0" hangingPunct="1">
+              <a:defRPr sz="1800" kern="1200">
+                <a:solidFill>
+                  <a:schemeClr val="lt1"/>
+                </a:solidFill>
+                <a:latin typeface="+mn-lt"/>
+                <a:ea typeface="+mn-ea"/>
+                <a:cs typeface="+mn-cs"/>
+              </a:defRPr>
+            </a:lvl9pPr>
+          </a:lstStyle>
+          <a:p>
+            <a:pPr algn="ctr"/>
+            <a:r>
+              <a:rPr lang="en-US" dirty="0"/>
+              <a:t>API</a:t>
+            </a:r>
+          </a:p>
+        </p:txBody>
+      </p:sp>
+      <p:sp>
+        <p:nvSpPr>
+          <p:cNvPr id="18" name="Rectangle 17">
+            <a:extLst>
+              <a:ext uri="{FF2B5EF4-FFF2-40B4-BE49-F238E27FC236}">
+                <a16:creationId xmlns:a16="http://schemas.microsoft.com/office/drawing/2014/main" id="{5C837401-EF96-4293-BA60-C7DE15FEB070}"/>
+              </a:ext>
+            </a:extLst>
+          </p:cNvPr>
+          <p:cNvSpPr/>
+          <p:nvPr/>
+        </p:nvSpPr>
+        <p:spPr>
+          <a:xfrm>
+            <a:off x="5305553" y="1451490"/>
+            <a:ext cx="1677190" cy="1184456"/>
+          </a:xfrm>
+          <a:prstGeom prst="rect">
+            <a:avLst/>
+          </a:prstGeom>
+        </p:spPr>
+        <p:style>
+          <a:lnRef idx="2">
+            <a:schemeClr val="accent2">
+              <a:shade val="50000"/>
+            </a:schemeClr>
+          </a:lnRef>
+          <a:fillRef idx="1">
+            <a:schemeClr val="accent2"/>
+          </a:fillRef>
+          <a:effectRef idx="0">
+            <a:schemeClr val="accent2"/>
+          </a:effectRef>
+          <a:fontRef idx="minor">
+            <a:schemeClr val="lt1"/>
+          </a:fontRef>
+        </p:style>
+        <p:txBody>
+          <a:bodyPr rtlCol="0" anchor="ctr"/>
+          <a:lstStyle>
+            <a:defPPr>
+              <a:defRPr lang="en-US"/>
+            </a:defPPr>
+            <a:lvl1pPr marL="0" algn="l" defTabSz="914400" rtl="0" eaLnBrk="1" latinLnBrk="0" hangingPunct="1">
+              <a:defRPr sz="1800" kern="1200">
+                <a:solidFill>
+                  <a:schemeClr val="lt1"/>
+                </a:solidFill>
+                <a:latin typeface="+mn-lt"/>
+                <a:ea typeface="+mn-ea"/>
+                <a:cs typeface="+mn-cs"/>
+              </a:defRPr>
+            </a:lvl1pPr>
+            <a:lvl2pPr marL="457200" algn="l" defTabSz="914400" rtl="0" eaLnBrk="1" latinLnBrk="0" hangingPunct="1">
+              <a:defRPr sz="1800" kern="1200">
+                <a:solidFill>
+                  <a:schemeClr val="lt1"/>
+                </a:solidFill>
+                <a:latin typeface="+mn-lt"/>
+                <a:ea typeface="+mn-ea"/>
+                <a:cs typeface="+mn-cs"/>
+              </a:defRPr>
+            </a:lvl2pPr>
+            <a:lvl3pPr marL="914400" algn="l" defTabSz="914400" rtl="0" eaLnBrk="1" latinLnBrk="0" hangingPunct="1">
+              <a:defRPr sz="1800" kern="1200">
+                <a:solidFill>
+                  <a:schemeClr val="lt1"/>
+                </a:solidFill>
+                <a:latin typeface="+mn-lt"/>
+                <a:ea typeface="+mn-ea"/>
+                <a:cs typeface="+mn-cs"/>
+              </a:defRPr>
+            </a:lvl3pPr>
+            <a:lvl4pPr marL="1371600" algn="l" defTabSz="914400" rtl="0" eaLnBrk="1" latinLnBrk="0" hangingPunct="1">
+              <a:defRPr sz="1800" kern="1200">
+                <a:solidFill>
+                  <a:schemeClr val="lt1"/>
+                </a:solidFill>
+                <a:latin typeface="+mn-lt"/>
+                <a:ea typeface="+mn-ea"/>
+                <a:cs typeface="+mn-cs"/>
+              </a:defRPr>
+            </a:lvl4pPr>
+            <a:lvl5pPr marL="1828800" algn="l" defTabSz="914400" rtl="0" eaLnBrk="1" latinLnBrk="0" hangingPunct="1">
+              <a:defRPr sz="1800" kern="1200">
+                <a:solidFill>
+                  <a:schemeClr val="lt1"/>
+                </a:solidFill>
+                <a:latin typeface="+mn-lt"/>
+                <a:ea typeface="+mn-ea"/>
+                <a:cs typeface="+mn-cs"/>
+              </a:defRPr>
+            </a:lvl5pPr>
+            <a:lvl6pPr marL="2286000" algn="l" defTabSz="914400" rtl="0" eaLnBrk="1" latinLnBrk="0" hangingPunct="1">
+              <a:defRPr sz="1800" kern="1200">
+                <a:solidFill>
+                  <a:schemeClr val="lt1"/>
+                </a:solidFill>
+                <a:latin typeface="+mn-lt"/>
+                <a:ea typeface="+mn-ea"/>
+                <a:cs typeface="+mn-cs"/>
+              </a:defRPr>
+            </a:lvl6pPr>
+            <a:lvl7pPr marL="2743200" algn="l" defTabSz="914400" rtl="0" eaLnBrk="1" latinLnBrk="0" hangingPunct="1">
+              <a:defRPr sz="1800" kern="1200">
+                <a:solidFill>
+                  <a:schemeClr val="lt1"/>
+                </a:solidFill>
+                <a:latin typeface="+mn-lt"/>
+                <a:ea typeface="+mn-ea"/>
+                <a:cs typeface="+mn-cs"/>
+              </a:defRPr>
+            </a:lvl7pPr>
+            <a:lvl8pPr marL="3200400" algn="l" defTabSz="914400" rtl="0" eaLnBrk="1" latinLnBrk="0" hangingPunct="1">
+              <a:defRPr sz="1800" kern="1200">
+                <a:solidFill>
+                  <a:schemeClr val="lt1"/>
+                </a:solidFill>
+                <a:latin typeface="+mn-lt"/>
+                <a:ea typeface="+mn-ea"/>
+                <a:cs typeface="+mn-cs"/>
+              </a:defRPr>
+            </a:lvl8pPr>
+            <a:lvl9pPr marL="3657600" algn="l" defTabSz="914400" rtl="0" eaLnBrk="1" latinLnBrk="0" hangingPunct="1">
+              <a:defRPr sz="1800" kern="1200">
+                <a:solidFill>
+                  <a:schemeClr val="lt1"/>
+                </a:solidFill>
+                <a:latin typeface="+mn-lt"/>
+                <a:ea typeface="+mn-ea"/>
+                <a:cs typeface="+mn-cs"/>
+              </a:defRPr>
+            </a:lvl9pPr>
+          </a:lstStyle>
+          <a:p>
+            <a:pPr algn="ctr"/>
+            <a:r>
+              <a:rPr lang="en-US" dirty="0"/>
+              <a:t>Worker Service</a:t>
+            </a:r>
+          </a:p>
+        </p:txBody>
+      </p:sp>
+      <p:sp>
+        <p:nvSpPr>
+          <p:cNvPr id="19" name="Rectangle 18">
+            <a:extLst>
+              <a:ext uri="{FF2B5EF4-FFF2-40B4-BE49-F238E27FC236}">
+                <a16:creationId xmlns:a16="http://schemas.microsoft.com/office/drawing/2014/main" id="{2FD4FE61-0D7B-43C1-AE39-50B6BF03E9E9}"/>
+              </a:ext>
+            </a:extLst>
+          </p:cNvPr>
+          <p:cNvSpPr/>
+          <p:nvPr/>
+        </p:nvSpPr>
+        <p:spPr>
+          <a:xfrm>
+            <a:off x="9437725" y="1451490"/>
+            <a:ext cx="1677190" cy="1184456"/>
+          </a:xfrm>
+          <a:prstGeom prst="rect">
+            <a:avLst/>
+          </a:prstGeom>
+        </p:spPr>
+        <p:style>
+          <a:lnRef idx="2">
+            <a:schemeClr val="accent6">
+              <a:shade val="50000"/>
+            </a:schemeClr>
+          </a:lnRef>
+          <a:fillRef idx="1">
+            <a:schemeClr val="accent6"/>
+          </a:fillRef>
+          <a:effectRef idx="0">
+            <a:schemeClr val="accent6"/>
+          </a:effectRef>
+          <a:fontRef idx="minor">
+            <a:schemeClr val="lt1"/>
+          </a:fontRef>
+        </p:style>
+        <p:txBody>
+          <a:bodyPr rtlCol="0" anchor="ctr"/>
+          <a:lstStyle>
+            <a:defPPr>
+              <a:defRPr lang="en-US"/>
+            </a:defPPr>
+            <a:lvl1pPr marL="0" algn="l" defTabSz="914400" rtl="0" eaLnBrk="1" latinLnBrk="0" hangingPunct="1">
+              <a:defRPr sz="1800" kern="1200">
+                <a:solidFill>
+                  <a:schemeClr val="lt1"/>
+                </a:solidFill>
+                <a:latin typeface="+mn-lt"/>
+                <a:ea typeface="+mn-ea"/>
+                <a:cs typeface="+mn-cs"/>
+              </a:defRPr>
+            </a:lvl1pPr>
+            <a:lvl2pPr marL="457200" algn="l" defTabSz="914400" rtl="0" eaLnBrk="1" latinLnBrk="0" hangingPunct="1">
+              <a:defRPr sz="1800" kern="1200">
+                <a:solidFill>
+                  <a:schemeClr val="lt1"/>
+                </a:solidFill>
+                <a:latin typeface="+mn-lt"/>
+                <a:ea typeface="+mn-ea"/>
+                <a:cs typeface="+mn-cs"/>
+              </a:defRPr>
+            </a:lvl2pPr>
+            <a:lvl3pPr marL="914400" algn="l" defTabSz="914400" rtl="0" eaLnBrk="1" latinLnBrk="0" hangingPunct="1">
+              <a:defRPr sz="1800" kern="1200">
+                <a:solidFill>
+                  <a:schemeClr val="lt1"/>
+                </a:solidFill>
+                <a:latin typeface="+mn-lt"/>
+                <a:ea typeface="+mn-ea"/>
+                <a:cs typeface="+mn-cs"/>
+              </a:defRPr>
+            </a:lvl3pPr>
+            <a:lvl4pPr marL="1371600" algn="l" defTabSz="914400" rtl="0" eaLnBrk="1" latinLnBrk="0" hangingPunct="1">
+              <a:defRPr sz="1800" kern="1200">
+                <a:solidFill>
+                  <a:schemeClr val="lt1"/>
+                </a:solidFill>
+                <a:latin typeface="+mn-lt"/>
+                <a:ea typeface="+mn-ea"/>
+                <a:cs typeface="+mn-cs"/>
+              </a:defRPr>
+            </a:lvl4pPr>
+            <a:lvl5pPr marL="1828800" algn="l" defTabSz="914400" rtl="0" eaLnBrk="1" latinLnBrk="0" hangingPunct="1">
+              <a:defRPr sz="1800" kern="1200">
+                <a:solidFill>
+                  <a:schemeClr val="lt1"/>
+                </a:solidFill>
+                <a:latin typeface="+mn-lt"/>
+                <a:ea typeface="+mn-ea"/>
+                <a:cs typeface="+mn-cs"/>
+              </a:defRPr>
+            </a:lvl5pPr>
+            <a:lvl6pPr marL="2286000" algn="l" defTabSz="914400" rtl="0" eaLnBrk="1" latinLnBrk="0" hangingPunct="1">
+              <a:defRPr sz="1800" kern="1200">
+                <a:solidFill>
+                  <a:schemeClr val="lt1"/>
+                </a:solidFill>
+                <a:latin typeface="+mn-lt"/>
+                <a:ea typeface="+mn-ea"/>
+                <a:cs typeface="+mn-cs"/>
+              </a:defRPr>
+            </a:lvl6pPr>
+            <a:lvl7pPr marL="2743200" algn="l" defTabSz="914400" rtl="0" eaLnBrk="1" latinLnBrk="0" hangingPunct="1">
+              <a:defRPr sz="1800" kern="1200">
+                <a:solidFill>
+                  <a:schemeClr val="lt1"/>
+                </a:solidFill>
+                <a:latin typeface="+mn-lt"/>
+                <a:ea typeface="+mn-ea"/>
+                <a:cs typeface="+mn-cs"/>
+              </a:defRPr>
+            </a:lvl7pPr>
+            <a:lvl8pPr marL="3200400" algn="l" defTabSz="914400" rtl="0" eaLnBrk="1" latinLnBrk="0" hangingPunct="1">
+              <a:defRPr sz="1800" kern="1200">
+                <a:solidFill>
+                  <a:schemeClr val="lt1"/>
+                </a:solidFill>
+                <a:latin typeface="+mn-lt"/>
+                <a:ea typeface="+mn-ea"/>
+                <a:cs typeface="+mn-cs"/>
+              </a:defRPr>
+            </a:lvl8pPr>
+            <a:lvl9pPr marL="3657600" algn="l" defTabSz="914400" rtl="0" eaLnBrk="1" latinLnBrk="0" hangingPunct="1">
+              <a:defRPr sz="1800" kern="1200">
+                <a:solidFill>
+                  <a:schemeClr val="lt1"/>
+                </a:solidFill>
+                <a:latin typeface="+mn-lt"/>
+                <a:ea typeface="+mn-ea"/>
+                <a:cs typeface="+mn-cs"/>
+              </a:defRPr>
+            </a:lvl9pPr>
+          </a:lstStyle>
+          <a:p>
+            <a:pPr algn="ctr"/>
+            <a:r>
+              <a:rPr lang="en-US" dirty="0"/>
+              <a:t>Other Worker Service</a:t>
+            </a:r>
+          </a:p>
+        </p:txBody>
+      </p:sp>
+      <p:cxnSp>
+        <p:nvCxnSpPr>
+          <p:cNvPr id="20" name="Straight Arrow Connector 19">
+            <a:extLst>
+              <a:ext uri="{FF2B5EF4-FFF2-40B4-BE49-F238E27FC236}">
+                <a16:creationId xmlns:a16="http://schemas.microsoft.com/office/drawing/2014/main" id="{DC57C76D-34A9-40BA-92D1-4340DAF37561}"/>
+              </a:ext>
+            </a:extLst>
+          </p:cNvPr>
+          <p:cNvCxnSpPr>
+            <a:stCxn id="17" idx="3"/>
+            <a:endCxn id="18" idx="1"/>
+          </p:cNvCxnSpPr>
+          <p:nvPr/>
+        </p:nvCxnSpPr>
+        <p:spPr>
+          <a:xfrm>
+            <a:off x="2815432" y="2043718"/>
+            <a:ext cx="2490121" cy="0"/>
+          </a:xfrm>
+          <a:prstGeom prst="straightConnector1">
+            <a:avLst/>
+          </a:prstGeom>
+          <a:ln w="38100" cap="flat" cmpd="sng" algn="ctr">
+            <a:solidFill>
+              <a:schemeClr val="dk1"/>
+            </a:solidFill>
+            <a:prstDash val="solid"/>
+            <a:round/>
+            <a:headEnd type="arrow" w="med" len="med"/>
+            <a:tailEnd type="arrow" w="med" len="med"/>
+          </a:ln>
+        </p:spPr>
+        <p:style>
+          <a:lnRef idx="0">
+            <a:scrgbClr r="0" g="0" b="0"/>
+          </a:lnRef>
+          <a:fillRef idx="0">
+            <a:scrgbClr r="0" g="0" b="0"/>
+          </a:fillRef>
+          <a:effectRef idx="0">
+            <a:scrgbClr r="0" g="0" b="0"/>
+          </a:effectRef>
+          <a:fontRef idx="minor">
+            <a:schemeClr val="tx1"/>
+          </a:fontRef>
+        </p:style>
+      </p:cxnSp>
+      <p:cxnSp>
+        <p:nvCxnSpPr>
+          <p:cNvPr id="21" name="Straight Arrow Connector 20">
+            <a:extLst>
+              <a:ext uri="{FF2B5EF4-FFF2-40B4-BE49-F238E27FC236}">
+                <a16:creationId xmlns:a16="http://schemas.microsoft.com/office/drawing/2014/main" id="{CC214570-C7E8-4681-93E5-42C99EAA7169}"/>
+              </a:ext>
+            </a:extLst>
+          </p:cNvPr>
+          <p:cNvCxnSpPr>
+            <a:cxnSpLocks/>
+            <a:stCxn id="18" idx="3"/>
+            <a:endCxn id="19" idx="1"/>
+          </p:cNvCxnSpPr>
+          <p:nvPr/>
+        </p:nvCxnSpPr>
+        <p:spPr>
+          <a:xfrm>
+            <a:off x="6982743" y="2043718"/>
+            <a:ext cx="2454982" cy="0"/>
+          </a:xfrm>
+          <a:prstGeom prst="straightConnector1">
+            <a:avLst/>
+          </a:prstGeom>
+          <a:ln w="38100" cap="flat" cmpd="sng" algn="ctr">
+            <a:solidFill>
+              <a:schemeClr val="dk1"/>
+            </a:solidFill>
+            <a:prstDash val="solid"/>
+            <a:round/>
+            <a:headEnd type="arrow" w="med" len="med"/>
+            <a:tailEnd type="arrow" w="med" len="med"/>
+          </a:ln>
+        </p:spPr>
+        <p:style>
+          <a:lnRef idx="0">
+            <a:scrgbClr r="0" g="0" b="0"/>
+          </a:lnRef>
+          <a:fillRef idx="0">
+            <a:scrgbClr r="0" g="0" b="0"/>
+          </a:fillRef>
+          <a:effectRef idx="0">
+            <a:scrgbClr r="0" g="0" b="0"/>
+          </a:effectRef>
+          <a:fontRef idx="minor">
+            <a:schemeClr val="tx1"/>
+          </a:fontRef>
+        </p:style>
+      </p:cxnSp>
+      <p:grpSp>
+        <p:nvGrpSpPr>
+          <p:cNvPr id="22" name="Group 21">
+            <a:extLst>
+              <a:ext uri="{FF2B5EF4-FFF2-40B4-BE49-F238E27FC236}">
+                <a16:creationId xmlns:a16="http://schemas.microsoft.com/office/drawing/2014/main" id="{D6D47B53-8CB1-43EA-8176-26AF64AFB94B}"/>
+              </a:ext>
+            </a:extLst>
+          </p:cNvPr>
+          <p:cNvGrpSpPr/>
+          <p:nvPr/>
+        </p:nvGrpSpPr>
+        <p:grpSpPr>
+          <a:xfrm>
+            <a:off x="8704616" y="2384249"/>
+            <a:ext cx="618146" cy="381000"/>
+            <a:chOff x="838200" y="3886200"/>
+            <a:chExt cx="914400" cy="609600"/>
+          </a:xfrm>
+        </p:grpSpPr>
+        <p:sp>
+          <p:nvSpPr>
+            <p:cNvPr id="44" name="Rectangle 43">
+              <a:extLst>
+                <a:ext uri="{FF2B5EF4-FFF2-40B4-BE49-F238E27FC236}">
+                  <a16:creationId xmlns:a16="http://schemas.microsoft.com/office/drawing/2014/main" id="{F6F3DE86-3DBF-4FD6-B57C-BF2928F390F1}"/>
+                </a:ext>
+              </a:extLst>
+            </p:cNvPr>
+            <p:cNvSpPr/>
+            <p:nvPr/>
+          </p:nvSpPr>
+          <p:spPr>
+            <a:xfrm>
+              <a:off x="838200" y="3886200"/>
+              <a:ext cx="914400" cy="609600"/>
+            </a:xfrm>
+            <a:prstGeom prst="rect">
+              <a:avLst/>
+            </a:prstGeom>
+            <a:gradFill>
+              <a:gsLst>
+                <a:gs pos="100000">
+                  <a:schemeClr val="tx1">
+                    <a:lumMod val="50000"/>
+                    <a:lumOff val="50000"/>
+                  </a:schemeClr>
+                </a:gs>
+                <a:gs pos="48000">
+                  <a:schemeClr val="accent1">
+                    <a:tint val="44500"/>
+                    <a:satMod val="160000"/>
+                  </a:schemeClr>
+                </a:gs>
+                <a:gs pos="0">
+                  <a:schemeClr val="accent1">
+                    <a:tint val="23500"/>
+                    <a:satMod val="160000"/>
+                  </a:schemeClr>
+                </a:gs>
+              </a:gsLst>
+              <a:path path="circle">
+                <a:fillToRect l="50000" t="50000" r="50000" b="50000"/>
+              </a:path>
+            </a:gradFill>
+            <a:ln w="12700">
+              <a:solidFill>
+                <a:schemeClr val="tx1"/>
+              </a:solidFill>
+            </a:ln>
+          </p:spPr>
+          <p:style>
+            <a:lnRef idx="2">
+              <a:schemeClr val="accent1">
+                <a:shade val="50000"/>
+              </a:schemeClr>
+            </a:lnRef>
+            <a:fillRef idx="1">
+              <a:schemeClr val="accent1"/>
+            </a:fillRef>
+            <a:effectRef idx="0">
+              <a:schemeClr val="accent1"/>
+            </a:effectRef>
+            <a:fontRef idx="minor">
+              <a:schemeClr val="lt1"/>
+            </a:fontRef>
+          </p:style>
+          <p:txBody>
+            <a:bodyPr rtlCol="0" anchor="ctr"/>
+            <a:lstStyle>
+              <a:defPPr>
+                <a:defRPr lang="en-US"/>
+              </a:defPPr>
+              <a:lvl1pPr marL="0" algn="l" defTabSz="914400" rtl="0" eaLnBrk="1" latinLnBrk="0" hangingPunct="1">
+                <a:defRPr sz="1800" kern="1200">
+                  <a:solidFill>
+                    <a:schemeClr val="lt1"/>
+                  </a:solidFill>
+                  <a:latin typeface="+mn-lt"/>
+                  <a:ea typeface="+mn-ea"/>
+                  <a:cs typeface="+mn-cs"/>
+                </a:defRPr>
+              </a:lvl1pPr>
+              <a:lvl2pPr marL="457200" algn="l" defTabSz="914400" rtl="0" eaLnBrk="1" latinLnBrk="0" hangingPunct="1">
+                <a:defRPr sz="1800" kern="1200">
+                  <a:solidFill>
+                    <a:schemeClr val="lt1"/>
+                  </a:solidFill>
+                  <a:latin typeface="+mn-lt"/>
+                  <a:ea typeface="+mn-ea"/>
+                  <a:cs typeface="+mn-cs"/>
+                </a:defRPr>
+              </a:lvl2pPr>
+              <a:lvl3pPr marL="914400" algn="l" defTabSz="914400" rtl="0" eaLnBrk="1" latinLnBrk="0" hangingPunct="1">
+                <a:defRPr sz="1800" kern="1200">
+                  <a:solidFill>
+                    <a:schemeClr val="lt1"/>
+                  </a:solidFill>
+                  <a:latin typeface="+mn-lt"/>
+                  <a:ea typeface="+mn-ea"/>
+                  <a:cs typeface="+mn-cs"/>
+                </a:defRPr>
+              </a:lvl3pPr>
+              <a:lvl4pPr marL="1371600" algn="l" defTabSz="914400" rtl="0" eaLnBrk="1" latinLnBrk="0" hangingPunct="1">
+                <a:defRPr sz="1800" kern="1200">
+                  <a:solidFill>
+                    <a:schemeClr val="lt1"/>
+                  </a:solidFill>
+                  <a:latin typeface="+mn-lt"/>
+                  <a:ea typeface="+mn-ea"/>
+                  <a:cs typeface="+mn-cs"/>
+                </a:defRPr>
+              </a:lvl4pPr>
+              <a:lvl5pPr marL="1828800" algn="l" defTabSz="914400" rtl="0" eaLnBrk="1" latinLnBrk="0" hangingPunct="1">
+                <a:defRPr sz="1800" kern="1200">
+                  <a:solidFill>
+                    <a:schemeClr val="lt1"/>
+                  </a:solidFill>
+                  <a:latin typeface="+mn-lt"/>
+                  <a:ea typeface="+mn-ea"/>
+                  <a:cs typeface="+mn-cs"/>
+                </a:defRPr>
+              </a:lvl5pPr>
+              <a:lvl6pPr marL="2286000" algn="l" defTabSz="914400" rtl="0" eaLnBrk="1" latinLnBrk="0" hangingPunct="1">
+                <a:defRPr sz="1800" kern="1200">
+                  <a:solidFill>
+                    <a:schemeClr val="lt1"/>
+                  </a:solidFill>
+                  <a:latin typeface="+mn-lt"/>
+                  <a:ea typeface="+mn-ea"/>
+                  <a:cs typeface="+mn-cs"/>
+                </a:defRPr>
+              </a:lvl6pPr>
+              <a:lvl7pPr marL="2743200" algn="l" defTabSz="914400" rtl="0" eaLnBrk="1" latinLnBrk="0" hangingPunct="1">
+                <a:defRPr sz="1800" kern="1200">
+                  <a:solidFill>
+                    <a:schemeClr val="lt1"/>
+                  </a:solidFill>
+                  <a:latin typeface="+mn-lt"/>
+                  <a:ea typeface="+mn-ea"/>
+                  <a:cs typeface="+mn-cs"/>
+                </a:defRPr>
+              </a:lvl7pPr>
+              <a:lvl8pPr marL="3200400" algn="l" defTabSz="914400" rtl="0" eaLnBrk="1" latinLnBrk="0" hangingPunct="1">
+                <a:defRPr sz="1800" kern="1200">
+                  <a:solidFill>
+                    <a:schemeClr val="lt1"/>
+                  </a:solidFill>
+                  <a:latin typeface="+mn-lt"/>
+                  <a:ea typeface="+mn-ea"/>
+                  <a:cs typeface="+mn-cs"/>
+                </a:defRPr>
+              </a:lvl8pPr>
+              <a:lvl9pPr marL="3657600" algn="l" defTabSz="914400" rtl="0" eaLnBrk="1" latinLnBrk="0" hangingPunct="1">
+                <a:defRPr sz="1800" kern="1200">
+                  <a:solidFill>
+                    <a:schemeClr val="lt1"/>
+                  </a:solidFill>
+                  <a:latin typeface="+mn-lt"/>
+                  <a:ea typeface="+mn-ea"/>
+                  <a:cs typeface="+mn-cs"/>
+                </a:defRPr>
+              </a:lvl9pPr>
+            </a:lstStyle>
+            <a:p>
+              <a:pPr algn="ctr"/>
+              <a:endParaRPr lang="en-US"/>
+            </a:p>
+          </p:txBody>
+        </p:sp>
+        <p:sp>
+          <p:nvSpPr>
+            <p:cNvPr id="45" name="Isosceles Triangle 44">
+              <a:extLst>
+                <a:ext uri="{FF2B5EF4-FFF2-40B4-BE49-F238E27FC236}">
+                  <a16:creationId xmlns:a16="http://schemas.microsoft.com/office/drawing/2014/main" id="{6C7B53B0-A8D2-4D10-A698-4D84821DEB87}"/>
+                </a:ext>
+              </a:extLst>
+            </p:cNvPr>
+            <p:cNvSpPr/>
+            <p:nvPr/>
+          </p:nvSpPr>
+          <p:spPr>
+            <a:xfrm>
+              <a:off x="838200" y="4114800"/>
+              <a:ext cx="914400" cy="381000"/>
+            </a:xfrm>
+            <a:prstGeom prst="triangle">
+              <a:avLst/>
+            </a:prstGeom>
+            <a:noFill/>
+            <a:ln w="12700">
+              <a:solidFill>
+                <a:schemeClr val="tx1"/>
+              </a:solidFill>
+            </a:ln>
+          </p:spPr>
+          <p:style>
+            <a:lnRef idx="2">
+              <a:schemeClr val="accent1">
+                <a:shade val="50000"/>
+              </a:schemeClr>
+            </a:lnRef>
+            <a:fillRef idx="1">
+              <a:schemeClr val="accent1"/>
+            </a:fillRef>
+            <a:effectRef idx="0">
+              <a:schemeClr val="accent1"/>
+            </a:effectRef>
+            <a:fontRef idx="minor">
+              <a:schemeClr val="lt1"/>
+            </a:fontRef>
+          </p:style>
+          <p:txBody>
+            <a:bodyPr rtlCol="0" anchor="ctr"/>
+            <a:lstStyle>
+              <a:defPPr>
+                <a:defRPr lang="en-US"/>
+              </a:defPPr>
+              <a:lvl1pPr marL="0" algn="l" defTabSz="914400" rtl="0" eaLnBrk="1" latinLnBrk="0" hangingPunct="1">
+                <a:defRPr sz="1800" kern="1200">
+                  <a:solidFill>
+                    <a:schemeClr val="lt1"/>
+                  </a:solidFill>
+                  <a:latin typeface="+mn-lt"/>
+                  <a:ea typeface="+mn-ea"/>
+                  <a:cs typeface="+mn-cs"/>
+                </a:defRPr>
+              </a:lvl1pPr>
+              <a:lvl2pPr marL="457200" algn="l" defTabSz="914400" rtl="0" eaLnBrk="1" latinLnBrk="0" hangingPunct="1">
+                <a:defRPr sz="1800" kern="1200">
+                  <a:solidFill>
+                    <a:schemeClr val="lt1"/>
+                  </a:solidFill>
+                  <a:latin typeface="+mn-lt"/>
+                  <a:ea typeface="+mn-ea"/>
+                  <a:cs typeface="+mn-cs"/>
+                </a:defRPr>
+              </a:lvl2pPr>
+              <a:lvl3pPr marL="914400" algn="l" defTabSz="914400" rtl="0" eaLnBrk="1" latinLnBrk="0" hangingPunct="1">
+                <a:defRPr sz="1800" kern="1200">
+                  <a:solidFill>
+                    <a:schemeClr val="lt1"/>
+                  </a:solidFill>
+                  <a:latin typeface="+mn-lt"/>
+                  <a:ea typeface="+mn-ea"/>
+                  <a:cs typeface="+mn-cs"/>
+                </a:defRPr>
+              </a:lvl3pPr>
+              <a:lvl4pPr marL="1371600" algn="l" defTabSz="914400" rtl="0" eaLnBrk="1" latinLnBrk="0" hangingPunct="1">
+                <a:defRPr sz="1800" kern="1200">
+                  <a:solidFill>
+                    <a:schemeClr val="lt1"/>
+                  </a:solidFill>
+                  <a:latin typeface="+mn-lt"/>
+                  <a:ea typeface="+mn-ea"/>
+                  <a:cs typeface="+mn-cs"/>
+                </a:defRPr>
+              </a:lvl4pPr>
+              <a:lvl5pPr marL="1828800" algn="l" defTabSz="914400" rtl="0" eaLnBrk="1" latinLnBrk="0" hangingPunct="1">
+                <a:defRPr sz="1800" kern="1200">
+                  <a:solidFill>
+                    <a:schemeClr val="lt1"/>
+                  </a:solidFill>
+                  <a:latin typeface="+mn-lt"/>
+                  <a:ea typeface="+mn-ea"/>
+                  <a:cs typeface="+mn-cs"/>
+                </a:defRPr>
+              </a:lvl5pPr>
+              <a:lvl6pPr marL="2286000" algn="l" defTabSz="914400" rtl="0" eaLnBrk="1" latinLnBrk="0" hangingPunct="1">
+                <a:defRPr sz="1800" kern="1200">
+                  <a:solidFill>
+                    <a:schemeClr val="lt1"/>
+                  </a:solidFill>
+                  <a:latin typeface="+mn-lt"/>
+                  <a:ea typeface="+mn-ea"/>
+                  <a:cs typeface="+mn-cs"/>
+                </a:defRPr>
+              </a:lvl6pPr>
+              <a:lvl7pPr marL="2743200" algn="l" defTabSz="914400" rtl="0" eaLnBrk="1" latinLnBrk="0" hangingPunct="1">
+                <a:defRPr sz="1800" kern="1200">
+                  <a:solidFill>
+                    <a:schemeClr val="lt1"/>
+                  </a:solidFill>
+                  <a:latin typeface="+mn-lt"/>
+                  <a:ea typeface="+mn-ea"/>
+                  <a:cs typeface="+mn-cs"/>
+                </a:defRPr>
+              </a:lvl7pPr>
+              <a:lvl8pPr marL="3200400" algn="l" defTabSz="914400" rtl="0" eaLnBrk="1" latinLnBrk="0" hangingPunct="1">
+                <a:defRPr sz="1800" kern="1200">
+                  <a:solidFill>
+                    <a:schemeClr val="lt1"/>
+                  </a:solidFill>
+                  <a:latin typeface="+mn-lt"/>
+                  <a:ea typeface="+mn-ea"/>
+                  <a:cs typeface="+mn-cs"/>
+                </a:defRPr>
+              </a:lvl8pPr>
+              <a:lvl9pPr marL="3657600" algn="l" defTabSz="914400" rtl="0" eaLnBrk="1" latinLnBrk="0" hangingPunct="1">
+                <a:defRPr sz="1800" kern="1200">
+                  <a:solidFill>
+                    <a:schemeClr val="lt1"/>
+                  </a:solidFill>
+                  <a:latin typeface="+mn-lt"/>
+                  <a:ea typeface="+mn-ea"/>
+                  <a:cs typeface="+mn-cs"/>
+                </a:defRPr>
+              </a:lvl9pPr>
+            </a:lstStyle>
+            <a:p>
+              <a:pPr algn="ctr"/>
+              <a:endParaRPr lang="en-US"/>
+            </a:p>
+          </p:txBody>
+        </p:sp>
+        <p:sp>
+          <p:nvSpPr>
+            <p:cNvPr id="46" name="Isosceles Triangle 45">
+              <a:extLst>
+                <a:ext uri="{FF2B5EF4-FFF2-40B4-BE49-F238E27FC236}">
+                  <a16:creationId xmlns:a16="http://schemas.microsoft.com/office/drawing/2014/main" id="{2E3B5631-67DA-4008-8DD9-22D719044BFE}"/>
+                </a:ext>
+              </a:extLst>
+            </p:cNvPr>
+            <p:cNvSpPr/>
+            <p:nvPr/>
+          </p:nvSpPr>
+          <p:spPr>
+            <a:xfrm rot="10800000">
+              <a:off x="838200" y="3886200"/>
+              <a:ext cx="914400" cy="381000"/>
+            </a:xfrm>
+            <a:prstGeom prst="triangle">
+              <a:avLst/>
+            </a:prstGeom>
+            <a:gradFill flip="none" rotWithShape="1">
+              <a:gsLst>
+                <a:gs pos="100000">
+                  <a:schemeClr val="bg1">
+                    <a:lumMod val="85000"/>
+                  </a:schemeClr>
+                </a:gs>
+                <a:gs pos="48000">
+                  <a:schemeClr val="accent1">
+                    <a:tint val="44500"/>
+                    <a:satMod val="160000"/>
+                  </a:schemeClr>
+                </a:gs>
+                <a:gs pos="0">
+                  <a:schemeClr val="accent1">
+                    <a:tint val="23500"/>
+                    <a:satMod val="160000"/>
+                  </a:schemeClr>
+                </a:gs>
+              </a:gsLst>
+              <a:lin ang="16200000" scaled="1"/>
+              <a:tileRect/>
+            </a:gradFill>
+            <a:ln w="12700">
+              <a:solidFill>
+                <a:schemeClr val="tx1"/>
+              </a:solidFill>
+            </a:ln>
+          </p:spPr>
+          <p:style>
+            <a:lnRef idx="2">
+              <a:schemeClr val="accent1">
+                <a:shade val="50000"/>
+              </a:schemeClr>
+            </a:lnRef>
+            <a:fillRef idx="1">
+              <a:schemeClr val="accent1"/>
+            </a:fillRef>
+            <a:effectRef idx="0">
+              <a:schemeClr val="accent1"/>
+            </a:effectRef>
+            <a:fontRef idx="minor">
+              <a:schemeClr val="lt1"/>
+            </a:fontRef>
+          </p:style>
+          <p:txBody>
+            <a:bodyPr rtlCol="0" anchor="ctr"/>
+            <a:lstStyle>
+              <a:defPPr>
+                <a:defRPr lang="en-US"/>
+              </a:defPPr>
+              <a:lvl1pPr marL="0" algn="l" defTabSz="914400" rtl="0" eaLnBrk="1" latinLnBrk="0" hangingPunct="1">
+                <a:defRPr sz="1800" kern="1200">
+                  <a:solidFill>
+                    <a:schemeClr val="lt1"/>
+                  </a:solidFill>
+                  <a:latin typeface="+mn-lt"/>
+                  <a:ea typeface="+mn-ea"/>
+                  <a:cs typeface="+mn-cs"/>
+                </a:defRPr>
+              </a:lvl1pPr>
+              <a:lvl2pPr marL="457200" algn="l" defTabSz="914400" rtl="0" eaLnBrk="1" latinLnBrk="0" hangingPunct="1">
+                <a:defRPr sz="1800" kern="1200">
+                  <a:solidFill>
+                    <a:schemeClr val="lt1"/>
+                  </a:solidFill>
+                  <a:latin typeface="+mn-lt"/>
+                  <a:ea typeface="+mn-ea"/>
+                  <a:cs typeface="+mn-cs"/>
+                </a:defRPr>
+              </a:lvl2pPr>
+              <a:lvl3pPr marL="914400" algn="l" defTabSz="914400" rtl="0" eaLnBrk="1" latinLnBrk="0" hangingPunct="1">
+                <a:defRPr sz="1800" kern="1200">
+                  <a:solidFill>
+                    <a:schemeClr val="lt1"/>
+                  </a:solidFill>
+                  <a:latin typeface="+mn-lt"/>
+                  <a:ea typeface="+mn-ea"/>
+                  <a:cs typeface="+mn-cs"/>
+                </a:defRPr>
+              </a:lvl3pPr>
+              <a:lvl4pPr marL="1371600" algn="l" defTabSz="914400" rtl="0" eaLnBrk="1" latinLnBrk="0" hangingPunct="1">
+                <a:defRPr sz="1800" kern="1200">
+                  <a:solidFill>
+                    <a:schemeClr val="lt1"/>
+                  </a:solidFill>
+                  <a:latin typeface="+mn-lt"/>
+                  <a:ea typeface="+mn-ea"/>
+                  <a:cs typeface="+mn-cs"/>
+                </a:defRPr>
+              </a:lvl4pPr>
+              <a:lvl5pPr marL="1828800" algn="l" defTabSz="914400" rtl="0" eaLnBrk="1" latinLnBrk="0" hangingPunct="1">
+                <a:defRPr sz="1800" kern="1200">
+                  <a:solidFill>
+                    <a:schemeClr val="lt1"/>
+                  </a:solidFill>
+                  <a:latin typeface="+mn-lt"/>
+                  <a:ea typeface="+mn-ea"/>
+                  <a:cs typeface="+mn-cs"/>
+                </a:defRPr>
+              </a:lvl5pPr>
+              <a:lvl6pPr marL="2286000" algn="l" defTabSz="914400" rtl="0" eaLnBrk="1" latinLnBrk="0" hangingPunct="1">
+                <a:defRPr sz="1800" kern="1200">
+                  <a:solidFill>
+                    <a:schemeClr val="lt1"/>
+                  </a:solidFill>
+                  <a:latin typeface="+mn-lt"/>
+                  <a:ea typeface="+mn-ea"/>
+                  <a:cs typeface="+mn-cs"/>
+                </a:defRPr>
+              </a:lvl6pPr>
+              <a:lvl7pPr marL="2743200" algn="l" defTabSz="914400" rtl="0" eaLnBrk="1" latinLnBrk="0" hangingPunct="1">
+                <a:defRPr sz="1800" kern="1200">
+                  <a:solidFill>
+                    <a:schemeClr val="lt1"/>
+                  </a:solidFill>
+                  <a:latin typeface="+mn-lt"/>
+                  <a:ea typeface="+mn-ea"/>
+                  <a:cs typeface="+mn-cs"/>
+                </a:defRPr>
+              </a:lvl7pPr>
+              <a:lvl8pPr marL="3200400" algn="l" defTabSz="914400" rtl="0" eaLnBrk="1" latinLnBrk="0" hangingPunct="1">
+                <a:defRPr sz="1800" kern="1200">
+                  <a:solidFill>
+                    <a:schemeClr val="lt1"/>
+                  </a:solidFill>
+                  <a:latin typeface="+mn-lt"/>
+                  <a:ea typeface="+mn-ea"/>
+                  <a:cs typeface="+mn-cs"/>
+                </a:defRPr>
+              </a:lvl8pPr>
+              <a:lvl9pPr marL="3657600" algn="l" defTabSz="914400" rtl="0" eaLnBrk="1" latinLnBrk="0" hangingPunct="1">
+                <a:defRPr sz="1800" kern="1200">
+                  <a:solidFill>
+                    <a:schemeClr val="lt1"/>
+                  </a:solidFill>
+                  <a:latin typeface="+mn-lt"/>
+                  <a:ea typeface="+mn-ea"/>
+                  <a:cs typeface="+mn-cs"/>
+                </a:defRPr>
+              </a:lvl9pPr>
+            </a:lstStyle>
+            <a:p>
+              <a:pPr algn="ctr"/>
+              <a:endParaRPr lang="en-US"/>
+            </a:p>
+          </p:txBody>
+        </p:sp>
+      </p:grpSp>
+      <p:cxnSp>
+        <p:nvCxnSpPr>
+          <p:cNvPr id="23" name="Straight Arrow Connector 22">
+            <a:extLst>
+              <a:ext uri="{FF2B5EF4-FFF2-40B4-BE49-F238E27FC236}">
+                <a16:creationId xmlns:a16="http://schemas.microsoft.com/office/drawing/2014/main" id="{252EDC05-C990-4020-A5A4-7E066C023AD5}"/>
+              </a:ext>
+            </a:extLst>
+          </p:cNvPr>
+          <p:cNvCxnSpPr>
+            <a:cxnSpLocks/>
+            <a:stCxn id="17" idx="2"/>
+            <a:endCxn id="40" idx="1"/>
+          </p:cNvCxnSpPr>
+          <p:nvPr/>
+        </p:nvCxnSpPr>
+        <p:spPr>
+          <a:xfrm>
+            <a:off x="1976837" y="2635946"/>
+            <a:ext cx="3579821" cy="1334975"/>
+          </a:xfrm>
+          <a:prstGeom prst="straightConnector1">
+            <a:avLst/>
+          </a:prstGeom>
+          <a:ln w="38100" cap="flat" cmpd="sng" algn="ctr">
+            <a:solidFill>
+              <a:schemeClr val="dk1"/>
+            </a:solidFill>
+            <a:prstDash val="solid"/>
+            <a:round/>
+            <a:headEnd type="none" w="med" len="med"/>
+            <a:tailEnd type="arrow" w="med" len="med"/>
+          </a:ln>
+        </p:spPr>
+        <p:style>
+          <a:lnRef idx="0">
+            <a:scrgbClr r="0" g="0" b="0"/>
+          </a:lnRef>
+          <a:fillRef idx="0">
+            <a:scrgbClr r="0" g="0" b="0"/>
+          </a:fillRef>
+          <a:effectRef idx="0">
+            <a:scrgbClr r="0" g="0" b="0"/>
+          </a:effectRef>
+          <a:fontRef idx="minor">
+            <a:schemeClr val="tx1"/>
+          </a:fontRef>
+        </p:style>
+      </p:cxnSp>
+      <p:cxnSp>
+        <p:nvCxnSpPr>
+          <p:cNvPr id="24" name="Straight Arrow Connector 23">
+            <a:extLst>
+              <a:ext uri="{FF2B5EF4-FFF2-40B4-BE49-F238E27FC236}">
+                <a16:creationId xmlns:a16="http://schemas.microsoft.com/office/drawing/2014/main" id="{2DFBCA20-86F8-4373-908F-63D42B2C0489}"/>
+              </a:ext>
+            </a:extLst>
+          </p:cNvPr>
+          <p:cNvCxnSpPr>
+            <a:cxnSpLocks/>
+            <a:stCxn id="18" idx="2"/>
+            <a:endCxn id="40" idx="0"/>
+          </p:cNvCxnSpPr>
+          <p:nvPr/>
+        </p:nvCxnSpPr>
+        <p:spPr>
+          <a:xfrm>
+            <a:off x="6144148" y="2635946"/>
+            <a:ext cx="4738" cy="742747"/>
+          </a:xfrm>
+          <a:prstGeom prst="straightConnector1">
+            <a:avLst/>
+          </a:prstGeom>
+          <a:ln w="38100" cap="flat" cmpd="sng" algn="ctr">
+            <a:solidFill>
+              <a:schemeClr val="dk1"/>
+            </a:solidFill>
+            <a:prstDash val="solid"/>
+            <a:round/>
+            <a:headEnd type="none" w="med" len="med"/>
+            <a:tailEnd type="arrow" w="med" len="med"/>
+          </a:ln>
+        </p:spPr>
+        <p:style>
+          <a:lnRef idx="0">
+            <a:scrgbClr r="0" g="0" b="0"/>
+          </a:lnRef>
+          <a:fillRef idx="0">
+            <a:scrgbClr r="0" g="0" b="0"/>
+          </a:fillRef>
+          <a:effectRef idx="0">
+            <a:scrgbClr r="0" g="0" b="0"/>
+          </a:effectRef>
+          <a:fontRef idx="minor">
+            <a:schemeClr val="tx1"/>
+          </a:fontRef>
+        </p:style>
+      </p:cxnSp>
+      <p:cxnSp>
+        <p:nvCxnSpPr>
+          <p:cNvPr id="25" name="Straight Arrow Connector 24">
+            <a:extLst>
+              <a:ext uri="{FF2B5EF4-FFF2-40B4-BE49-F238E27FC236}">
+                <a16:creationId xmlns:a16="http://schemas.microsoft.com/office/drawing/2014/main" id="{20673CC6-57B6-430E-9FC1-6F497C2D39FB}"/>
+              </a:ext>
+            </a:extLst>
+          </p:cNvPr>
+          <p:cNvCxnSpPr>
+            <a:cxnSpLocks/>
+            <a:stCxn id="19" idx="2"/>
+            <a:endCxn id="40" idx="3"/>
+          </p:cNvCxnSpPr>
+          <p:nvPr/>
+        </p:nvCxnSpPr>
+        <p:spPr>
+          <a:xfrm flipH="1">
+            <a:off x="6741114" y="2635946"/>
+            <a:ext cx="3535206" cy="1334975"/>
+          </a:xfrm>
+          <a:prstGeom prst="straightConnector1">
+            <a:avLst/>
+          </a:prstGeom>
+          <a:ln w="38100" cap="flat" cmpd="sng" algn="ctr">
+            <a:solidFill>
+              <a:schemeClr val="dk1"/>
+            </a:solidFill>
+            <a:prstDash val="solid"/>
+            <a:round/>
+            <a:headEnd type="none" w="med" len="med"/>
+            <a:tailEnd type="arrow" w="med" len="med"/>
+          </a:ln>
+        </p:spPr>
+        <p:style>
+          <a:lnRef idx="0">
+            <a:scrgbClr r="0" g="0" b="0"/>
+          </a:lnRef>
+          <a:fillRef idx="0">
+            <a:scrgbClr r="0" g="0" b="0"/>
+          </a:fillRef>
+          <a:effectRef idx="0">
+            <a:scrgbClr r="0" g="0" b="0"/>
+          </a:effectRef>
+          <a:fontRef idx="minor">
+            <a:schemeClr val="tx1"/>
+          </a:fontRef>
+        </p:style>
+      </p:cxnSp>
+      <p:pic>
+        <p:nvPicPr>
+          <p:cNvPr id="39" name="Picture 38" descr="Jaeger: open source, end-to-end distributed tracing">
+            <a:extLst>
+              <a:ext uri="{FF2B5EF4-FFF2-40B4-BE49-F238E27FC236}">
+                <a16:creationId xmlns:a16="http://schemas.microsoft.com/office/drawing/2014/main" id="{F7117AFC-7950-46B8-81F9-A1EF3DBC288E}"/>
+              </a:ext>
+            </a:extLst>
+          </p:cNvPr>
+          <p:cNvPicPr>
+            <a:picLocks noChangeAspect="1" noChangeArrowheads="1"/>
+          </p:cNvPicPr>
+          <p:nvPr/>
+        </p:nvPicPr>
+        <p:blipFill>
+          <a:blip r:embed="rId2" cstate="print">
+            <a:extLst>
+              <a:ext uri="{28A0092B-C50C-407E-A947-70E740481C1C}">
+                <a14:useLocalDpi xmlns:a14="http://schemas.microsoft.com/office/drawing/2010/main" val="0"/>
+              </a:ext>
+            </a:extLst>
+          </a:blip>
+          <a:srcRect/>
+          <a:stretch>
+            <a:fillRect/>
+          </a:stretch>
+        </p:blipFill>
+        <p:spPr bwMode="auto">
+          <a:xfrm>
+            <a:off x="7537689" y="4977146"/>
+            <a:ext cx="1388746" cy="1388746"/>
+          </a:xfrm>
+          <a:prstGeom prst="rect">
+            <a:avLst/>
+          </a:prstGeom>
+          <a:noFill/>
+          <a:extLst>
+            <a:ext uri="{909E8E84-426E-40DD-AFC4-6F175D3DCCD1}">
+              <a14:hiddenFill xmlns:a14="http://schemas.microsoft.com/office/drawing/2010/main">
+                <a:solidFill>
+                  <a:srgbClr val="FFFFFF"/>
+                </a:solidFill>
+              </a14:hiddenFill>
+            </a:ext>
+          </a:extLst>
+        </p:spPr>
+      </p:pic>
+      <p:pic>
+        <p:nvPicPr>
+          <p:cNvPr id="40" name="Picture 39" descr="CNCF Branding | OpenTelemetry">
+            <a:extLst>
+              <a:ext uri="{FF2B5EF4-FFF2-40B4-BE49-F238E27FC236}">
+                <a16:creationId xmlns:a16="http://schemas.microsoft.com/office/drawing/2014/main" id="{6B1F997D-1A69-466B-8798-DDA1F2D4D552}"/>
+              </a:ext>
+            </a:extLst>
+          </p:cNvPr>
+          <p:cNvPicPr>
+            <a:picLocks noChangeAspect="1" noChangeArrowheads="1"/>
+          </p:cNvPicPr>
+          <p:nvPr/>
+        </p:nvPicPr>
+        <p:blipFill>
+          <a:blip r:embed="rId3">
+            <a:extLst>
+              <a:ext uri="{28A0092B-C50C-407E-A947-70E740481C1C}">
+                <a14:useLocalDpi xmlns:a14="http://schemas.microsoft.com/office/drawing/2010/main" val="0"/>
+              </a:ext>
+            </a:extLst>
+          </a:blip>
+          <a:srcRect/>
+          <a:stretch>
+            <a:fillRect/>
+          </a:stretch>
+        </p:blipFill>
+        <p:spPr bwMode="auto">
+          <a:xfrm>
+            <a:off x="5556658" y="3378693"/>
+            <a:ext cx="1184456" cy="1184456"/>
+          </a:xfrm>
+          <a:prstGeom prst="rect">
+            <a:avLst/>
+          </a:prstGeom>
+          <a:noFill/>
+          <a:extLst>
+            <a:ext uri="{909E8E84-426E-40DD-AFC4-6F175D3DCCD1}">
+              <a14:hiddenFill xmlns:a14="http://schemas.microsoft.com/office/drawing/2010/main">
+                <a:solidFill>
+                  <a:srgbClr val="FFFFFF"/>
+                </a:solidFill>
+              </a14:hiddenFill>
+            </a:ext>
+          </a:extLst>
+        </p:spPr>
+      </p:pic>
+      <p:pic>
+        <p:nvPicPr>
+          <p:cNvPr id="41" name="Picture 40" descr="OpenZipkin · A distributed tracing system">
+            <a:extLst>
+              <a:ext uri="{FF2B5EF4-FFF2-40B4-BE49-F238E27FC236}">
+                <a16:creationId xmlns:a16="http://schemas.microsoft.com/office/drawing/2014/main" id="{C15ABA3A-B1E4-4539-9833-7196B1F5C85F}"/>
+              </a:ext>
+            </a:extLst>
+          </p:cNvPr>
+          <p:cNvPicPr>
+            <a:picLocks noChangeAspect="1" noChangeArrowheads="1"/>
+          </p:cNvPicPr>
+          <p:nvPr/>
+        </p:nvPicPr>
+        <p:blipFill>
+          <a:blip r:embed="rId4" cstate="print">
+            <a:extLst>
+              <a:ext uri="{28A0092B-C50C-407E-A947-70E740481C1C}">
+                <a14:useLocalDpi xmlns:a14="http://schemas.microsoft.com/office/drawing/2010/main" val="0"/>
+              </a:ext>
+            </a:extLst>
+          </a:blip>
+          <a:srcRect/>
+          <a:stretch>
+            <a:fillRect/>
+          </a:stretch>
+        </p:blipFill>
+        <p:spPr bwMode="auto">
+          <a:xfrm>
+            <a:off x="3397422" y="4937905"/>
+            <a:ext cx="1234577" cy="1467228"/>
+          </a:xfrm>
+          <a:prstGeom prst="rect">
+            <a:avLst/>
+          </a:prstGeom>
+          <a:noFill/>
+          <a:extLst>
+            <a:ext uri="{909E8E84-426E-40DD-AFC4-6F175D3DCCD1}">
+              <a14:hiddenFill xmlns:a14="http://schemas.microsoft.com/office/drawing/2010/main">
+                <a:solidFill>
+                  <a:srgbClr val="FFFFFF"/>
+                </a:solidFill>
+              </a14:hiddenFill>
+            </a:ext>
+          </a:extLst>
+        </p:spPr>
+      </p:pic>
+      <p:cxnSp>
+        <p:nvCxnSpPr>
+          <p:cNvPr id="42" name="Straight Arrow Connector 41">
+            <a:extLst>
+              <a:ext uri="{FF2B5EF4-FFF2-40B4-BE49-F238E27FC236}">
+                <a16:creationId xmlns:a16="http://schemas.microsoft.com/office/drawing/2014/main" id="{DEA18B19-FE82-4992-A2A1-CB778074C785}"/>
+              </a:ext>
+            </a:extLst>
+          </p:cNvPr>
+          <p:cNvCxnSpPr>
+            <a:cxnSpLocks/>
+            <a:stCxn id="40" idx="2"/>
+            <a:endCxn id="41" idx="3"/>
+          </p:cNvCxnSpPr>
+          <p:nvPr/>
+        </p:nvCxnSpPr>
+        <p:spPr>
+          <a:xfrm flipH="1">
+            <a:off x="4631999" y="4563149"/>
+            <a:ext cx="1516887" cy="1108370"/>
+          </a:xfrm>
+          <a:prstGeom prst="straightConnector1">
+            <a:avLst/>
+          </a:prstGeom>
+          <a:ln w="38100" cap="flat" cmpd="sng" algn="ctr">
+            <a:solidFill>
+              <a:schemeClr val="dk1"/>
+            </a:solidFill>
+            <a:prstDash val="solid"/>
+            <a:round/>
+            <a:headEnd type="none" w="med" len="med"/>
+            <a:tailEnd type="arrow" w="med" len="med"/>
+          </a:ln>
+        </p:spPr>
+        <p:style>
+          <a:lnRef idx="0">
+            <a:scrgbClr r="0" g="0" b="0"/>
+          </a:lnRef>
+          <a:fillRef idx="0">
+            <a:scrgbClr r="0" g="0" b="0"/>
+          </a:fillRef>
+          <a:effectRef idx="0">
+            <a:scrgbClr r="0" g="0" b="0"/>
+          </a:effectRef>
+          <a:fontRef idx="minor">
+            <a:schemeClr val="tx1"/>
+          </a:fontRef>
+        </p:style>
+      </p:cxnSp>
+      <p:cxnSp>
+        <p:nvCxnSpPr>
+          <p:cNvPr id="43" name="Straight Arrow Connector 42">
+            <a:extLst>
+              <a:ext uri="{FF2B5EF4-FFF2-40B4-BE49-F238E27FC236}">
+                <a16:creationId xmlns:a16="http://schemas.microsoft.com/office/drawing/2014/main" id="{1F647819-9A50-4E44-9EB9-E7532BAB6B7E}"/>
+              </a:ext>
+            </a:extLst>
+          </p:cNvPr>
+          <p:cNvCxnSpPr>
+            <a:cxnSpLocks/>
+            <a:stCxn id="40" idx="2"/>
+            <a:endCxn id="39" idx="1"/>
+          </p:cNvCxnSpPr>
+          <p:nvPr/>
+        </p:nvCxnSpPr>
+        <p:spPr>
+          <a:xfrm>
+            <a:off x="6148886" y="4563149"/>
+            <a:ext cx="1388803" cy="1108370"/>
+          </a:xfrm>
+          <a:prstGeom prst="straightConnector1">
+            <a:avLst/>
+          </a:prstGeom>
+          <a:ln w="38100" cap="flat" cmpd="sng" algn="ctr">
+            <a:solidFill>
+              <a:schemeClr val="dk1"/>
+            </a:solidFill>
+            <a:prstDash val="solid"/>
+            <a:round/>
+            <a:headEnd type="none" w="med" len="med"/>
+            <a:tailEnd type="arrow" w="med" len="med"/>
+          </a:ln>
+        </p:spPr>
+        <p:style>
+          <a:lnRef idx="0">
+            <a:scrgbClr r="0" g="0" b="0"/>
+          </a:lnRef>
+          <a:fillRef idx="0">
+            <a:scrgbClr r="0" g="0" b="0"/>
+          </a:fillRef>
+          <a:effectRef idx="0">
+            <a:scrgbClr r="0" g="0" b="0"/>
+          </a:effectRef>
+          <a:fontRef idx="minor">
+            <a:schemeClr val="tx1"/>
+          </a:fontRef>
+        </p:style>
+      </p:cxnSp>
+    </p:spTree>
+    <p:extLst>
+      <p:ext uri="{BB962C8B-B14F-4D97-AF65-F5344CB8AC3E}">
+        <p14:creationId xmlns:p14="http://schemas.microsoft.com/office/powerpoint/2010/main" val="1843461944"/>
       </p:ext>
     </p:extLst>
   </p:cSld>
@@ -6933,6 +12305,15 @@
 </file>
 
 <file path=customXml/item2.xml><?xml version="1.0" encoding="utf-8"?>
+<p:properties xmlns:p="http://schemas.microsoft.com/office/2006/metadata/properties" xmlns:xsi="http://www.w3.org/2001/XMLSchema-instance" xmlns:pc="http://schemas.microsoft.com/office/infopath/2007/PartnerControls">
+  <documentManagement>
+    <Status xmlns="71af3243-3dd4-4a8d-8c0d-dd76da1f02a5">Not started</Status>
+    <MediaServiceKeyPoints xmlns="71af3243-3dd4-4a8d-8c0d-dd76da1f02a5" xsi:nil="true"/>
+  </documentManagement>
+</p:properties>
+</file>
+
+<file path=customXml/item3.xml><?xml version="1.0" encoding="utf-8"?>
 <ct:contentTypeSchema xmlns:ct="http://schemas.microsoft.com/office/2006/metadata/contentType" xmlns:ma="http://schemas.microsoft.com/office/2006/metadata/properties/metaAttributes" ct:_="" ma:_="" ma:contentTypeName="Document" ma:contentTypeID="0x01010079F111ED35F8CC479449609E8A0923A6" ma:contentTypeVersion="12" ma:contentTypeDescription="Create a new document." ma:contentTypeScope="" ma:versionID="a8a52e8c320b9a064ae3583ae3861c92">
   <xsd:schema xmlns:xsd="http://www.w3.org/2001/XMLSchema" xmlns:xs="http://www.w3.org/2001/XMLSchema" xmlns:p="http://schemas.microsoft.com/office/2006/metadata/properties" xmlns:ns2="71af3243-3dd4-4a8d-8c0d-dd76da1f02a5" xmlns:ns3="16c05727-aa75-4e4a-9b5f-8a80a1165891" targetNamespace="http://schemas.microsoft.com/office/2006/metadata/properties" ma:root="true" ma:fieldsID="88020cb39231a0945110f9cd888b521a" ns2:_="" ns3:_="">
     <xsd:import namespace="71af3243-3dd4-4a8d-8c0d-dd76da1f02a5"/>
@@ -7153,15 +12534,6 @@
 </ct:contentTypeSchema>
 </file>
 
-<file path=customXml/item3.xml><?xml version="1.0" encoding="utf-8"?>
-<p:properties xmlns:p="http://schemas.microsoft.com/office/2006/metadata/properties" xmlns:xsi="http://www.w3.org/2001/XMLSchema-instance" xmlns:pc="http://schemas.microsoft.com/office/infopath/2007/PartnerControls">
-  <documentManagement>
-    <Status xmlns="71af3243-3dd4-4a8d-8c0d-dd76da1f02a5">Not started</Status>
-    <MediaServiceKeyPoints xmlns="71af3243-3dd4-4a8d-8c0d-dd76da1f02a5" xsi:nil="true"/>
-  </documentManagement>
-</p:properties>
-</file>
-
 <file path=customXml/itemProps1.xml><?xml version="1.0" encoding="utf-8"?>
 <ds:datastoreItem xmlns:ds="http://schemas.openxmlformats.org/officeDocument/2006/customXml" ds:itemID="{7EE8C63A-4744-4DE4-BB49-0FF0B5375C60}">
   <ds:schemaRefs>
@@ -7171,6 +12543,16 @@
 </file>
 
 <file path=customXml/itemProps2.xml><?xml version="1.0" encoding="utf-8"?>
+<ds:datastoreItem xmlns:ds="http://schemas.openxmlformats.org/officeDocument/2006/customXml" ds:itemID="{950072C5-DDE0-4258-BA7A-4D4B80DFA632}">
+  <ds:schemaRefs>
+    <ds:schemaRef ds:uri="http://schemas.microsoft.com/office/2006/metadata/properties"/>
+    <ds:schemaRef ds:uri="http://schemas.microsoft.com/office/infopath/2007/PartnerControls"/>
+    <ds:schemaRef ds:uri="71af3243-3dd4-4a8d-8c0d-dd76da1f02a5"/>
+  </ds:schemaRefs>
+</ds:datastoreItem>
+</file>
+
+<file path=customXml/itemProps3.xml><?xml version="1.0" encoding="utf-8"?>
 <ds:datastoreItem xmlns:ds="http://schemas.openxmlformats.org/officeDocument/2006/customXml" ds:itemID="{FD7FC771-7DFE-49DA-B577-71181BFBCB2E}">
   <ds:schemaRefs>
     <ds:schemaRef ds:uri="http://schemas.microsoft.com/office/2006/metadata/contentType"/>
@@ -7187,14 +12569,4 @@
     <ds:schemaRef ds:uri="http://schemas.microsoft.com/internal/obd"/>
   </ds:schemaRefs>
 </ds:datastoreItem>
-</file>
-
-<file path=customXml/itemProps3.xml><?xml version="1.0" encoding="utf-8"?>
-<ds:datastoreItem xmlns:ds="http://schemas.openxmlformats.org/officeDocument/2006/customXml" ds:itemID="{950072C5-DDE0-4258-BA7A-4D4B80DFA632}">
-  <ds:schemaRefs>
-    <ds:schemaRef ds:uri="http://schemas.microsoft.com/office/2006/metadata/properties"/>
-    <ds:schemaRef ds:uri="http://schemas.microsoft.com/office/infopath/2007/PartnerControls"/>
-    <ds:schemaRef ds:uri="71af3243-3dd4-4a8d-8c0d-dd76da1f02a5"/>
-  </ds:schemaRefs>
-</ds:datastoreItem>
 </file>